--- a/Documentation/Team 07_Final Project.pptx
+++ b/Documentation/Team 07_Final Project.pptx
@@ -141,6 +141,2738 @@
 </p:presentation>
 </file>
 
+<file path=ppt/diagrams/colors1.xml><?xml version="1.0" encoding="utf-8"?>
+<dgm:colorsDef xmlns:dgm="http://schemas.openxmlformats.org/drawingml/2006/diagram" xmlns:a="http://schemas.openxmlformats.org/drawingml/2006/main" uniqueId="urn:microsoft.com/office/officeart/2005/8/colors/colorful2">
+  <dgm:title val=""/>
+  <dgm:desc val=""/>
+  <dgm:catLst>
+    <dgm:cat type="colorful" pri="10200"/>
+  </dgm:catLst>
+  <dgm:styleLbl name="node0">
+    <dgm:fillClrLst meth="repeat">
+      <a:schemeClr val="accent1"/>
+    </dgm:fillClrLst>
+    <dgm:linClrLst meth="repeat">
+      <a:schemeClr val="lt1"/>
+    </dgm:linClrLst>
+    <dgm:effectClrLst/>
+    <dgm:txLinClrLst/>
+    <dgm:txFillClrLst/>
+    <dgm:txEffectClrLst/>
+  </dgm:styleLbl>
+  <dgm:styleLbl name="node1">
+    <dgm:fillClrLst>
+      <a:schemeClr val="accent2"/>
+      <a:schemeClr val="accent3"/>
+    </dgm:fillClrLst>
+    <dgm:linClrLst meth="repeat">
+      <a:schemeClr val="lt1"/>
+    </dgm:linClrLst>
+    <dgm:effectClrLst/>
+    <dgm:txLinClrLst/>
+    <dgm:txFillClrLst/>
+    <dgm:txEffectClrLst/>
+  </dgm:styleLbl>
+  <dgm:styleLbl name="alignNode1">
+    <dgm:fillClrLst>
+      <a:schemeClr val="accent2"/>
+      <a:schemeClr val="accent3"/>
+    </dgm:fillClrLst>
+    <dgm:linClrLst>
+      <a:schemeClr val="accent2"/>
+      <a:schemeClr val="accent3"/>
+    </dgm:linClrLst>
+    <dgm:effectClrLst/>
+    <dgm:txLinClrLst/>
+    <dgm:txFillClrLst/>
+    <dgm:txEffectClrLst/>
+  </dgm:styleLbl>
+  <dgm:styleLbl name="lnNode1">
+    <dgm:fillClrLst>
+      <a:schemeClr val="accent2"/>
+      <a:schemeClr val="accent3"/>
+    </dgm:fillClrLst>
+    <dgm:linClrLst meth="repeat">
+      <a:schemeClr val="lt1"/>
+    </dgm:linClrLst>
+    <dgm:effectClrLst/>
+    <dgm:txLinClrLst/>
+    <dgm:txFillClrLst/>
+    <dgm:txEffectClrLst/>
+  </dgm:styleLbl>
+  <dgm:styleLbl name="vennNode1">
+    <dgm:fillClrLst>
+      <a:schemeClr val="accent2">
+        <a:alpha val="50000"/>
+      </a:schemeClr>
+      <a:schemeClr val="accent3">
+        <a:alpha val="50000"/>
+      </a:schemeClr>
+    </dgm:fillClrLst>
+    <dgm:linClrLst meth="repeat">
+      <a:schemeClr val="lt1"/>
+    </dgm:linClrLst>
+    <dgm:effectClrLst/>
+    <dgm:txLinClrLst/>
+    <dgm:txFillClrLst/>
+    <dgm:txEffectClrLst/>
+  </dgm:styleLbl>
+  <dgm:styleLbl name="node2">
+    <dgm:fillClrLst>
+      <a:schemeClr val="accent3"/>
+    </dgm:fillClrLst>
+    <dgm:linClrLst meth="repeat">
+      <a:schemeClr val="lt1"/>
+    </dgm:linClrLst>
+    <dgm:effectClrLst/>
+    <dgm:txLinClrLst/>
+    <dgm:txFillClrLst/>
+    <dgm:txEffectClrLst/>
+  </dgm:styleLbl>
+  <dgm:styleLbl name="node3">
+    <dgm:fillClrLst>
+      <a:schemeClr val="accent4"/>
+    </dgm:fillClrLst>
+    <dgm:linClrLst meth="repeat">
+      <a:schemeClr val="lt1"/>
+    </dgm:linClrLst>
+    <dgm:effectClrLst/>
+    <dgm:txLinClrLst/>
+    <dgm:txFillClrLst/>
+    <dgm:txEffectClrLst/>
+  </dgm:styleLbl>
+  <dgm:styleLbl name="node4">
+    <dgm:fillClrLst>
+      <a:schemeClr val="accent5"/>
+    </dgm:fillClrLst>
+    <dgm:linClrLst meth="repeat">
+      <a:schemeClr val="lt1"/>
+    </dgm:linClrLst>
+    <dgm:effectClrLst/>
+    <dgm:txLinClrLst/>
+    <dgm:txFillClrLst/>
+    <dgm:txEffectClrLst/>
+  </dgm:styleLbl>
+  <dgm:styleLbl name="fgImgPlace1">
+    <dgm:fillClrLst>
+      <a:schemeClr val="accent2">
+        <a:tint val="50000"/>
+      </a:schemeClr>
+      <a:schemeClr val="accent3">
+        <a:tint val="50000"/>
+      </a:schemeClr>
+    </dgm:fillClrLst>
+    <dgm:linClrLst meth="repeat">
+      <a:schemeClr val="lt1"/>
+    </dgm:linClrLst>
+    <dgm:effectClrLst/>
+    <dgm:txLinClrLst/>
+    <dgm:txFillClrLst meth="repeat">
+      <a:schemeClr val="lt1"/>
+    </dgm:txFillClrLst>
+    <dgm:txEffectClrLst/>
+  </dgm:styleLbl>
+  <dgm:styleLbl name="alignImgPlace1">
+    <dgm:fillClrLst>
+      <a:schemeClr val="accent2">
+        <a:tint val="50000"/>
+      </a:schemeClr>
+      <a:schemeClr val="accent3">
+        <a:tint val="20000"/>
+      </a:schemeClr>
+    </dgm:fillClrLst>
+    <dgm:linClrLst meth="repeat">
+      <a:schemeClr val="lt1"/>
+    </dgm:linClrLst>
+    <dgm:effectClrLst/>
+    <dgm:txLinClrLst/>
+    <dgm:txFillClrLst meth="repeat">
+      <a:schemeClr val="lt1"/>
+    </dgm:txFillClrLst>
+    <dgm:txEffectClrLst/>
+  </dgm:styleLbl>
+  <dgm:styleLbl name="bgImgPlace1">
+    <dgm:fillClrLst>
+      <a:schemeClr val="accent2">
+        <a:tint val="50000"/>
+      </a:schemeClr>
+      <a:schemeClr val="accent3">
+        <a:tint val="20000"/>
+      </a:schemeClr>
+    </dgm:fillClrLst>
+    <dgm:linClrLst meth="repeat">
+      <a:schemeClr val="lt1"/>
+    </dgm:linClrLst>
+    <dgm:effectClrLst/>
+    <dgm:txLinClrLst/>
+    <dgm:txFillClrLst meth="repeat">
+      <a:schemeClr val="lt1"/>
+    </dgm:txFillClrLst>
+    <dgm:txEffectClrLst/>
+  </dgm:styleLbl>
+  <dgm:styleLbl name="sibTrans2D1">
+    <dgm:fillClrLst>
+      <a:schemeClr val="accent2"/>
+      <a:schemeClr val="accent3"/>
+    </dgm:fillClrLst>
+    <dgm:linClrLst meth="repeat">
+      <a:schemeClr val="lt1"/>
+    </dgm:linClrLst>
+    <dgm:effectClrLst/>
+    <dgm:txLinClrLst/>
+    <dgm:txFillClrLst/>
+    <dgm:txEffectClrLst/>
+  </dgm:styleLbl>
+  <dgm:styleLbl name="fgSibTrans2D1">
+    <dgm:fillClrLst>
+      <a:schemeClr val="accent2"/>
+      <a:schemeClr val="accent3"/>
+    </dgm:fillClrLst>
+    <dgm:linClrLst meth="repeat">
+      <a:schemeClr val="lt1"/>
+    </dgm:linClrLst>
+    <dgm:effectClrLst/>
+    <dgm:txLinClrLst/>
+    <dgm:txFillClrLst meth="repeat">
+      <a:schemeClr val="lt1"/>
+    </dgm:txFillClrLst>
+    <dgm:txEffectClrLst/>
+  </dgm:styleLbl>
+  <dgm:styleLbl name="bgSibTrans2D1">
+    <dgm:fillClrLst>
+      <a:schemeClr val="accent2"/>
+      <a:schemeClr val="accent3"/>
+    </dgm:fillClrLst>
+    <dgm:linClrLst meth="repeat">
+      <a:schemeClr val="lt1"/>
+    </dgm:linClrLst>
+    <dgm:effectClrLst/>
+    <dgm:txLinClrLst/>
+    <dgm:txFillClrLst meth="repeat">
+      <a:schemeClr val="lt1"/>
+    </dgm:txFillClrLst>
+    <dgm:txEffectClrLst/>
+  </dgm:styleLbl>
+  <dgm:styleLbl name="sibTrans1D1">
+    <dgm:fillClrLst/>
+    <dgm:linClrLst>
+      <a:schemeClr val="accent2"/>
+      <a:schemeClr val="accent3"/>
+    </dgm:linClrLst>
+    <dgm:effectClrLst/>
+    <dgm:txLinClrLst/>
+    <dgm:txFillClrLst meth="repeat">
+      <a:schemeClr val="tx1"/>
+    </dgm:txFillClrLst>
+    <dgm:txEffectClrLst/>
+  </dgm:styleLbl>
+  <dgm:styleLbl name="callout">
+    <dgm:fillClrLst meth="repeat">
+      <a:schemeClr val="accent2"/>
+    </dgm:fillClrLst>
+    <dgm:linClrLst meth="repeat">
+      <a:schemeClr val="accent2">
+        <a:tint val="50000"/>
+      </a:schemeClr>
+    </dgm:linClrLst>
+    <dgm:effectClrLst/>
+    <dgm:txLinClrLst/>
+    <dgm:txFillClrLst meth="repeat">
+      <a:schemeClr val="tx1"/>
+    </dgm:txFillClrLst>
+    <dgm:txEffectClrLst/>
+  </dgm:styleLbl>
+  <dgm:styleLbl name="asst0">
+    <dgm:fillClrLst meth="repeat">
+      <a:schemeClr val="accent2"/>
+    </dgm:fillClrLst>
+    <dgm:linClrLst meth="repeat">
+      <a:schemeClr val="lt1">
+        <a:shade val="80000"/>
+      </a:schemeClr>
+    </dgm:linClrLst>
+    <dgm:effectClrLst/>
+    <dgm:txLinClrLst/>
+    <dgm:txFillClrLst/>
+    <dgm:txEffectClrLst/>
+  </dgm:styleLbl>
+  <dgm:styleLbl name="asst1">
+    <dgm:fillClrLst meth="repeat">
+      <a:schemeClr val="accent3"/>
+    </dgm:fillClrLst>
+    <dgm:linClrLst meth="repeat">
+      <a:schemeClr val="lt1">
+        <a:shade val="80000"/>
+      </a:schemeClr>
+    </dgm:linClrLst>
+    <dgm:effectClrLst/>
+    <dgm:txLinClrLst/>
+    <dgm:txFillClrLst/>
+    <dgm:txEffectClrLst/>
+  </dgm:styleLbl>
+  <dgm:styleLbl name="asst2">
+    <dgm:fillClrLst>
+      <a:schemeClr val="accent4"/>
+    </dgm:fillClrLst>
+    <dgm:linClrLst meth="repeat">
+      <a:schemeClr val="lt1"/>
+    </dgm:linClrLst>
+    <dgm:effectClrLst/>
+    <dgm:txLinClrLst/>
+    <dgm:txFillClrLst/>
+    <dgm:txEffectClrLst/>
+  </dgm:styleLbl>
+  <dgm:styleLbl name="asst3">
+    <dgm:fillClrLst>
+      <a:schemeClr val="accent5"/>
+    </dgm:fillClrLst>
+    <dgm:linClrLst meth="repeat">
+      <a:schemeClr val="lt1"/>
+    </dgm:linClrLst>
+    <dgm:effectClrLst/>
+    <dgm:txLinClrLst/>
+    <dgm:txFillClrLst/>
+    <dgm:txEffectClrLst/>
+  </dgm:styleLbl>
+  <dgm:styleLbl name="asst4">
+    <dgm:fillClrLst>
+      <a:schemeClr val="accent6"/>
+    </dgm:fillClrLst>
+    <dgm:linClrLst meth="repeat">
+      <a:schemeClr val="lt1"/>
+    </dgm:linClrLst>
+    <dgm:effectClrLst/>
+    <dgm:txLinClrLst/>
+    <dgm:txFillClrLst/>
+    <dgm:txEffectClrLst/>
+  </dgm:styleLbl>
+  <dgm:styleLbl name="parChTrans2D1">
+    <dgm:fillClrLst meth="repeat">
+      <a:schemeClr val="accent2"/>
+    </dgm:fillClrLst>
+    <dgm:linClrLst meth="repeat">
+      <a:schemeClr val="lt1"/>
+    </dgm:linClrLst>
+    <dgm:effectClrLst/>
+    <dgm:txLinClrLst/>
+    <dgm:txFillClrLst meth="repeat">
+      <a:schemeClr val="lt1"/>
+    </dgm:txFillClrLst>
+    <dgm:txEffectClrLst/>
+  </dgm:styleLbl>
+  <dgm:styleLbl name="parChTrans2D2">
+    <dgm:fillClrLst meth="repeat">
+      <a:schemeClr val="accent3"/>
+    </dgm:fillClrLst>
+    <dgm:linClrLst meth="repeat">
+      <a:schemeClr val="lt1"/>
+    </dgm:linClrLst>
+    <dgm:effectClrLst/>
+    <dgm:txLinClrLst/>
+    <dgm:txFillClrLst/>
+    <dgm:txEffectClrLst/>
+  </dgm:styleLbl>
+  <dgm:styleLbl name="parChTrans2D3">
+    <dgm:fillClrLst meth="repeat">
+      <a:schemeClr val="accent4"/>
+    </dgm:fillClrLst>
+    <dgm:linClrLst meth="repeat">
+      <a:schemeClr val="lt1"/>
+    </dgm:linClrLst>
+    <dgm:effectClrLst/>
+    <dgm:txLinClrLst/>
+    <dgm:txFillClrLst/>
+    <dgm:txEffectClrLst/>
+  </dgm:styleLbl>
+  <dgm:styleLbl name="parChTrans2D4">
+    <dgm:fillClrLst meth="repeat">
+      <a:schemeClr val="accent5"/>
+    </dgm:fillClrLst>
+    <dgm:linClrLst meth="repeat">
+      <a:schemeClr val="lt1"/>
+    </dgm:linClrLst>
+    <dgm:effectClrLst/>
+    <dgm:txLinClrLst/>
+    <dgm:txFillClrLst meth="repeat">
+      <a:schemeClr val="lt1"/>
+    </dgm:txFillClrLst>
+    <dgm:txEffectClrLst/>
+  </dgm:styleLbl>
+  <dgm:styleLbl name="parChTrans1D1">
+    <dgm:fillClrLst meth="repeat">
+      <a:schemeClr val="accent2"/>
+    </dgm:fillClrLst>
+    <dgm:linClrLst meth="repeat">
+      <a:schemeClr val="accent2"/>
+    </dgm:linClrLst>
+    <dgm:effectClrLst/>
+    <dgm:txLinClrLst/>
+    <dgm:txFillClrLst meth="repeat">
+      <a:schemeClr val="tx1"/>
+    </dgm:txFillClrLst>
+    <dgm:txEffectClrLst/>
+  </dgm:styleLbl>
+  <dgm:styleLbl name="parChTrans1D2">
+    <dgm:fillClrLst meth="repeat">
+      <a:schemeClr val="accent2">
+        <a:tint val="90000"/>
+      </a:schemeClr>
+    </dgm:fillClrLst>
+    <dgm:linClrLst meth="repeat">
+      <a:schemeClr val="accent3"/>
+    </dgm:linClrLst>
+    <dgm:effectClrLst/>
+    <dgm:txLinClrLst/>
+    <dgm:txFillClrLst meth="repeat">
+      <a:schemeClr val="tx1"/>
+    </dgm:txFillClrLst>
+    <dgm:txEffectClrLst/>
+  </dgm:styleLbl>
+  <dgm:styleLbl name="parChTrans1D3">
+    <dgm:fillClrLst meth="repeat">
+      <a:schemeClr val="accent2">
+        <a:tint val="70000"/>
+      </a:schemeClr>
+    </dgm:fillClrLst>
+    <dgm:linClrLst meth="repeat">
+      <a:schemeClr val="accent4"/>
+    </dgm:linClrLst>
+    <dgm:effectClrLst/>
+    <dgm:txLinClrLst/>
+    <dgm:txFillClrLst meth="repeat">
+      <a:schemeClr val="tx1"/>
+    </dgm:txFillClrLst>
+    <dgm:txEffectClrLst/>
+  </dgm:styleLbl>
+  <dgm:styleLbl name="parChTrans1D4">
+    <dgm:fillClrLst meth="repeat">
+      <a:schemeClr val="accent2">
+        <a:tint val="50000"/>
+      </a:schemeClr>
+    </dgm:fillClrLst>
+    <dgm:linClrLst meth="repeat">
+      <a:schemeClr val="accent5"/>
+    </dgm:linClrLst>
+    <dgm:effectClrLst/>
+    <dgm:txLinClrLst/>
+    <dgm:txFillClrLst meth="repeat">
+      <a:schemeClr val="tx1"/>
+    </dgm:txFillClrLst>
+    <dgm:txEffectClrLst/>
+  </dgm:styleLbl>
+  <dgm:styleLbl name="fgAcc1">
+    <dgm:fillClrLst meth="repeat">
+      <a:schemeClr val="lt1">
+        <a:alpha val="90000"/>
+      </a:schemeClr>
+    </dgm:fillClrLst>
+    <dgm:linClrLst>
+      <a:schemeClr val="accent2"/>
+      <a:schemeClr val="accent3"/>
+    </dgm:linClrLst>
+    <dgm:effectClrLst/>
+    <dgm:txLinClrLst/>
+    <dgm:txFillClrLst meth="repeat">
+      <a:schemeClr val="dk1"/>
+    </dgm:txFillClrLst>
+    <dgm:txEffectClrLst/>
+  </dgm:styleLbl>
+  <dgm:styleLbl name="conFgAcc1">
+    <dgm:fillClrLst meth="repeat">
+      <a:schemeClr val="lt1">
+        <a:alpha val="90000"/>
+      </a:schemeClr>
+    </dgm:fillClrLst>
+    <dgm:linClrLst>
+      <a:schemeClr val="accent2"/>
+      <a:schemeClr val="accent3"/>
+    </dgm:linClrLst>
+    <dgm:effectClrLst/>
+    <dgm:txLinClrLst/>
+    <dgm:txFillClrLst meth="repeat">
+      <a:schemeClr val="dk1"/>
+    </dgm:txFillClrLst>
+    <dgm:txEffectClrLst/>
+  </dgm:styleLbl>
+  <dgm:styleLbl name="alignAcc1">
+    <dgm:fillClrLst meth="repeat">
+      <a:schemeClr val="lt1">
+        <a:alpha val="90000"/>
+      </a:schemeClr>
+    </dgm:fillClrLst>
+    <dgm:linClrLst>
+      <a:schemeClr val="accent2"/>
+      <a:schemeClr val="accent3"/>
+    </dgm:linClrLst>
+    <dgm:effectClrLst/>
+    <dgm:txLinClrLst/>
+    <dgm:txFillClrLst meth="repeat">
+      <a:schemeClr val="dk1"/>
+    </dgm:txFillClrLst>
+    <dgm:txEffectClrLst/>
+  </dgm:styleLbl>
+  <dgm:styleLbl name="trAlignAcc1">
+    <dgm:fillClrLst meth="repeat">
+      <a:schemeClr val="lt1">
+        <a:alpha val="40000"/>
+      </a:schemeClr>
+    </dgm:fillClrLst>
+    <dgm:linClrLst meth="repeat">
+      <a:schemeClr val="accent2"/>
+    </dgm:linClrLst>
+    <dgm:effectClrLst/>
+    <dgm:txLinClrLst/>
+    <dgm:txFillClrLst meth="repeat">
+      <a:schemeClr val="dk1"/>
+    </dgm:txFillClrLst>
+    <dgm:txEffectClrLst/>
+  </dgm:styleLbl>
+  <dgm:styleLbl name="bgAcc1">
+    <dgm:fillClrLst meth="repeat">
+      <a:schemeClr val="lt1">
+        <a:alpha val="90000"/>
+      </a:schemeClr>
+    </dgm:fillClrLst>
+    <dgm:linClrLst>
+      <a:schemeClr val="accent2"/>
+      <a:schemeClr val="accent3"/>
+    </dgm:linClrLst>
+    <dgm:effectClrLst/>
+    <dgm:txLinClrLst/>
+    <dgm:txFillClrLst meth="repeat">
+      <a:schemeClr val="dk1"/>
+    </dgm:txFillClrLst>
+    <dgm:txEffectClrLst/>
+  </dgm:styleLbl>
+  <dgm:styleLbl name="solidFgAcc1">
+    <dgm:fillClrLst meth="repeat">
+      <a:schemeClr val="lt1"/>
+    </dgm:fillClrLst>
+    <dgm:linClrLst>
+      <a:schemeClr val="accent2"/>
+      <a:schemeClr val="accent3"/>
+    </dgm:linClrLst>
+    <dgm:effectClrLst/>
+    <dgm:txLinClrLst/>
+    <dgm:txFillClrLst meth="repeat">
+      <a:schemeClr val="dk1"/>
+    </dgm:txFillClrLst>
+    <dgm:txEffectClrLst/>
+  </dgm:styleLbl>
+  <dgm:styleLbl name="solidAlignAcc1">
+    <dgm:fillClrLst meth="repeat">
+      <a:schemeClr val="lt1"/>
+    </dgm:fillClrLst>
+    <dgm:linClrLst>
+      <a:schemeClr val="accent2"/>
+      <a:schemeClr val="accent3"/>
+    </dgm:linClrLst>
+    <dgm:effectClrLst/>
+    <dgm:txLinClrLst/>
+    <dgm:txFillClrLst meth="repeat">
+      <a:schemeClr val="dk1"/>
+    </dgm:txFillClrLst>
+    <dgm:txEffectClrLst/>
+  </dgm:styleLbl>
+  <dgm:styleLbl name="solidBgAcc1">
+    <dgm:fillClrLst meth="repeat">
+      <a:schemeClr val="lt1"/>
+    </dgm:fillClrLst>
+    <dgm:linClrLst>
+      <a:schemeClr val="accent2"/>
+      <a:schemeClr val="accent3"/>
+    </dgm:linClrLst>
+    <dgm:effectClrLst/>
+    <dgm:txLinClrLst/>
+    <dgm:txFillClrLst meth="repeat">
+      <a:schemeClr val="dk1"/>
+    </dgm:txFillClrLst>
+    <dgm:txEffectClrLst/>
+  </dgm:styleLbl>
+  <dgm:styleLbl name="fgAccFollowNode1">
+    <dgm:fillClrLst>
+      <a:schemeClr val="accent2">
+        <a:tint val="40000"/>
+        <a:alpha val="90000"/>
+      </a:schemeClr>
+      <a:schemeClr val="accent3">
+        <a:tint val="40000"/>
+        <a:alpha val="90000"/>
+      </a:schemeClr>
+    </dgm:fillClrLst>
+    <dgm:linClrLst>
+      <a:schemeClr val="accent2">
+        <a:tint val="40000"/>
+        <a:alpha val="90000"/>
+      </a:schemeClr>
+      <a:schemeClr val="accent3">
+        <a:tint val="40000"/>
+        <a:alpha val="90000"/>
+      </a:schemeClr>
+    </dgm:linClrLst>
+    <dgm:effectClrLst/>
+    <dgm:txLinClrLst/>
+    <dgm:txFillClrLst meth="repeat">
+      <a:schemeClr val="dk1"/>
+    </dgm:txFillClrLst>
+    <dgm:txEffectClrLst/>
+  </dgm:styleLbl>
+  <dgm:styleLbl name="alignAccFollowNode1">
+    <dgm:fillClrLst>
+      <a:schemeClr val="accent2">
+        <a:tint val="40000"/>
+        <a:alpha val="90000"/>
+      </a:schemeClr>
+      <a:schemeClr val="accent3">
+        <a:tint val="40000"/>
+        <a:alpha val="90000"/>
+      </a:schemeClr>
+    </dgm:fillClrLst>
+    <dgm:linClrLst>
+      <a:schemeClr val="accent2">
+        <a:tint val="40000"/>
+        <a:alpha val="90000"/>
+      </a:schemeClr>
+      <a:schemeClr val="accent3">
+        <a:tint val="40000"/>
+        <a:alpha val="90000"/>
+      </a:schemeClr>
+    </dgm:linClrLst>
+    <dgm:effectClrLst/>
+    <dgm:txLinClrLst/>
+    <dgm:txFillClrLst meth="repeat">
+      <a:schemeClr val="dk1"/>
+    </dgm:txFillClrLst>
+    <dgm:txEffectClrLst/>
+  </dgm:styleLbl>
+  <dgm:styleLbl name="bgAccFollowNode1">
+    <dgm:fillClrLst>
+      <a:schemeClr val="accent2">
+        <a:tint val="40000"/>
+        <a:alpha val="90000"/>
+      </a:schemeClr>
+      <a:schemeClr val="accent3">
+        <a:tint val="40000"/>
+        <a:alpha val="90000"/>
+      </a:schemeClr>
+    </dgm:fillClrLst>
+    <dgm:linClrLst>
+      <a:schemeClr val="accent2">
+        <a:tint val="40000"/>
+        <a:alpha val="90000"/>
+      </a:schemeClr>
+      <a:schemeClr val="accent3">
+        <a:tint val="40000"/>
+        <a:alpha val="90000"/>
+      </a:schemeClr>
+    </dgm:linClrLst>
+    <dgm:effectClrLst/>
+    <dgm:txLinClrLst/>
+    <dgm:txFillClrLst meth="repeat">
+      <a:schemeClr val="dk1"/>
+    </dgm:txFillClrLst>
+    <dgm:txEffectClrLst/>
+  </dgm:styleLbl>
+  <dgm:styleLbl name="fgAcc0">
+    <dgm:fillClrLst meth="repeat">
+      <a:schemeClr val="lt1">
+        <a:alpha val="90000"/>
+      </a:schemeClr>
+    </dgm:fillClrLst>
+    <dgm:linClrLst>
+      <a:schemeClr val="accent1"/>
+    </dgm:linClrLst>
+    <dgm:effectClrLst/>
+    <dgm:txLinClrLst/>
+    <dgm:txFillClrLst meth="repeat">
+      <a:schemeClr val="dk1"/>
+    </dgm:txFillClrLst>
+    <dgm:txEffectClrLst/>
+  </dgm:styleLbl>
+  <dgm:styleLbl name="fgAcc2">
+    <dgm:fillClrLst meth="repeat">
+      <a:schemeClr val="lt1">
+        <a:alpha val="90000"/>
+      </a:schemeClr>
+    </dgm:fillClrLst>
+    <dgm:linClrLst>
+      <a:schemeClr val="accent3"/>
+    </dgm:linClrLst>
+    <dgm:effectClrLst/>
+    <dgm:txLinClrLst/>
+    <dgm:txFillClrLst meth="repeat">
+      <a:schemeClr val="dk1"/>
+    </dgm:txFillClrLst>
+    <dgm:txEffectClrLst/>
+  </dgm:styleLbl>
+  <dgm:styleLbl name="fgAcc3">
+    <dgm:fillClrLst meth="repeat">
+      <a:schemeClr val="lt1">
+        <a:alpha val="90000"/>
+      </a:schemeClr>
+    </dgm:fillClrLst>
+    <dgm:linClrLst>
+      <a:schemeClr val="accent4"/>
+    </dgm:linClrLst>
+    <dgm:effectClrLst/>
+    <dgm:txLinClrLst/>
+    <dgm:txFillClrLst meth="repeat">
+      <a:schemeClr val="dk1"/>
+    </dgm:txFillClrLst>
+    <dgm:txEffectClrLst/>
+  </dgm:styleLbl>
+  <dgm:styleLbl name="fgAcc4">
+    <dgm:fillClrLst meth="repeat">
+      <a:schemeClr val="lt1">
+        <a:alpha val="90000"/>
+      </a:schemeClr>
+    </dgm:fillClrLst>
+    <dgm:linClrLst>
+      <a:schemeClr val="accent5"/>
+    </dgm:linClrLst>
+    <dgm:effectClrLst/>
+    <dgm:txLinClrLst/>
+    <dgm:txFillClrLst meth="repeat">
+      <a:schemeClr val="dk1"/>
+    </dgm:txFillClrLst>
+    <dgm:txEffectClrLst/>
+  </dgm:styleLbl>
+  <dgm:styleLbl name="bgShp">
+    <dgm:fillClrLst meth="repeat">
+      <a:schemeClr val="accent2">
+        <a:tint val="40000"/>
+      </a:schemeClr>
+    </dgm:fillClrLst>
+    <dgm:linClrLst meth="repeat">
+      <a:schemeClr val="dk1"/>
+    </dgm:linClrLst>
+    <dgm:effectClrLst/>
+    <dgm:txLinClrLst/>
+    <dgm:txFillClrLst meth="repeat">
+      <a:schemeClr val="dk1"/>
+    </dgm:txFillClrLst>
+    <dgm:txEffectClrLst/>
+  </dgm:styleLbl>
+  <dgm:styleLbl name="dkBgShp">
+    <dgm:fillClrLst meth="repeat">
+      <a:schemeClr val="accent2">
+        <a:shade val="90000"/>
+      </a:schemeClr>
+    </dgm:fillClrLst>
+    <dgm:linClrLst meth="repeat">
+      <a:schemeClr val="dk1"/>
+    </dgm:linClrLst>
+    <dgm:effectClrLst/>
+    <dgm:txLinClrLst/>
+    <dgm:txFillClrLst meth="repeat">
+      <a:schemeClr val="lt1"/>
+    </dgm:txFillClrLst>
+    <dgm:txEffectClrLst/>
+  </dgm:styleLbl>
+  <dgm:styleLbl name="trBgShp">
+    <dgm:fillClrLst meth="repeat">
+      <a:schemeClr val="accent2">
+        <a:tint val="50000"/>
+        <a:alpha val="40000"/>
+      </a:schemeClr>
+    </dgm:fillClrLst>
+    <dgm:linClrLst meth="repeat">
+      <a:schemeClr val="accent2"/>
+    </dgm:linClrLst>
+    <dgm:effectClrLst/>
+    <dgm:txLinClrLst/>
+    <dgm:txFillClrLst meth="repeat">
+      <a:schemeClr val="lt1"/>
+    </dgm:txFillClrLst>
+    <dgm:txEffectClrLst/>
+  </dgm:styleLbl>
+  <dgm:styleLbl name="fgShp">
+    <dgm:fillClrLst meth="repeat">
+      <a:schemeClr val="accent2">
+        <a:tint val="40000"/>
+      </a:schemeClr>
+    </dgm:fillClrLst>
+    <dgm:linClrLst meth="repeat">
+      <a:schemeClr val="lt1"/>
+    </dgm:linClrLst>
+    <dgm:effectClrLst/>
+    <dgm:txLinClrLst/>
+    <dgm:txFillClrLst meth="repeat">
+      <a:schemeClr val="dk1"/>
+    </dgm:txFillClrLst>
+    <dgm:txEffectClrLst/>
+  </dgm:styleLbl>
+  <dgm:styleLbl name="revTx">
+    <dgm:fillClrLst meth="repeat">
+      <a:schemeClr val="lt1">
+        <a:alpha val="0"/>
+      </a:schemeClr>
+    </dgm:fillClrLst>
+    <dgm:linClrLst meth="repeat">
+      <a:schemeClr val="dk1">
+        <a:alpha val="0"/>
+      </a:schemeClr>
+    </dgm:linClrLst>
+    <dgm:effectClrLst/>
+    <dgm:txLinClrLst/>
+    <dgm:txFillClrLst meth="repeat">
+      <a:schemeClr val="tx1"/>
+    </dgm:txFillClrLst>
+    <dgm:txEffectClrLst/>
+  </dgm:styleLbl>
+</dgm:colorsDef>
+</file>
+
+<file path=ppt/diagrams/data1.xml><?xml version="1.0" encoding="utf-8"?>
+<dgm:dataModel xmlns:dgm="http://schemas.openxmlformats.org/drawingml/2006/diagram" xmlns:a="http://schemas.openxmlformats.org/drawingml/2006/main">
+  <dgm:ptLst>
+    <dgm:pt modelId="{86AD1E1A-6FE2-493F-9DCC-258B6C8D2B28}" type="doc">
+      <dgm:prSet loTypeId="urn:microsoft.com/office/officeart/2005/8/layout/vList5" loCatId="list" qsTypeId="urn:microsoft.com/office/officeart/2005/8/quickstyle/simple1" qsCatId="simple" csTypeId="urn:microsoft.com/office/officeart/2005/8/colors/colorful2" csCatId="colorful" phldr="1"/>
+      <dgm:spPr/>
+      <dgm:t>
+        <a:bodyPr/>
+        <a:lstStyle/>
+        <a:p>
+          <a:endParaRPr lang="en-US"/>
+        </a:p>
+      </dgm:t>
+    </dgm:pt>
+    <dgm:pt modelId="{9A31EA14-8540-43E5-B968-2C0FDD2AD26B}">
+      <dgm:prSet/>
+      <dgm:spPr/>
+      <dgm:t>
+        <a:bodyPr/>
+        <a:lstStyle/>
+        <a:p>
+          <a:r>
+            <a:rPr lang="en-US"/>
+            <a:t>System Requirements</a:t>
+          </a:r>
+        </a:p>
+      </dgm:t>
+    </dgm:pt>
+    <dgm:pt modelId="{92F67A7B-9547-4155-8931-F40EB48BB247}" type="sibTrans" cxnId="{B2A7C364-3EC4-44AD-B169-F75D5F89EA6F}">
+      <dgm:prSet phldrT="01" phldr="0"/>
+      <dgm:spPr/>
+      <dgm:t>
+        <a:bodyPr/>
+        <a:lstStyle/>
+        <a:p>
+          <a:endParaRPr lang="en-US"/>
+        </a:p>
+      </dgm:t>
+    </dgm:pt>
+    <dgm:pt modelId="{B95CCD60-653D-419D-AD6D-9F93FEBE31D7}" type="parTrans" cxnId="{B2A7C364-3EC4-44AD-B169-F75D5F89EA6F}">
+      <dgm:prSet/>
+      <dgm:spPr/>
+      <dgm:t>
+        <a:bodyPr/>
+        <a:lstStyle/>
+        <a:p>
+          <a:endParaRPr lang="en-US"/>
+        </a:p>
+      </dgm:t>
+    </dgm:pt>
+    <dgm:pt modelId="{3686CE4D-1749-49F6-81B3-3C70114F75C2}">
+      <dgm:prSet/>
+      <dgm:spPr/>
+      <dgm:t>
+        <a:bodyPr/>
+        <a:lstStyle/>
+        <a:p>
+          <a:r>
+            <a:rPr lang="en-US"/>
+            <a:t>Any PC /Mac that can run on Jupyter notebook.</a:t>
+          </a:r>
+        </a:p>
+      </dgm:t>
+    </dgm:pt>
+    <dgm:pt modelId="{8B817833-8236-45D4-98C5-28EDFB0DE491}" type="sibTrans" cxnId="{2BBE8C93-D653-4F67-96A7-43072DFFE223}">
+      <dgm:prSet/>
+      <dgm:spPr/>
+      <dgm:t>
+        <a:bodyPr/>
+        <a:lstStyle/>
+        <a:p>
+          <a:endParaRPr lang="en-US"/>
+        </a:p>
+      </dgm:t>
+    </dgm:pt>
+    <dgm:pt modelId="{AAE2D570-4B88-4AFC-9E98-8A42D00B630D}" type="parTrans" cxnId="{2BBE8C93-D653-4F67-96A7-43072DFFE223}">
+      <dgm:prSet/>
+      <dgm:spPr/>
+      <dgm:t>
+        <a:bodyPr/>
+        <a:lstStyle/>
+        <a:p>
+          <a:endParaRPr lang="en-US"/>
+        </a:p>
+      </dgm:t>
+    </dgm:pt>
+    <dgm:pt modelId="{FCEA5862-FEA0-47A6-8C88-8D1434CD70D4}">
+      <dgm:prSet/>
+      <dgm:spPr/>
+      <dgm:t>
+        <a:bodyPr/>
+        <a:lstStyle/>
+        <a:p>
+          <a:r>
+            <a:rPr lang="en-US"/>
+            <a:t>Prerequisites</a:t>
+          </a:r>
+        </a:p>
+      </dgm:t>
+    </dgm:pt>
+    <dgm:pt modelId="{94E232A6-7CBE-47DA-8AA8-7A7ECA2BC7DB}" type="sibTrans" cxnId="{D12C2753-D168-474B-A6B2-A1856A0DCDE8}">
+      <dgm:prSet phldrT="02" phldr="0"/>
+      <dgm:spPr/>
+      <dgm:t>
+        <a:bodyPr/>
+        <a:lstStyle/>
+        <a:p>
+          <a:endParaRPr lang="en-US"/>
+        </a:p>
+      </dgm:t>
+    </dgm:pt>
+    <dgm:pt modelId="{C7CC9608-F270-41C3-BC49-A02DC3F20670}" type="parTrans" cxnId="{D12C2753-D168-474B-A6B2-A1856A0DCDE8}">
+      <dgm:prSet/>
+      <dgm:spPr/>
+      <dgm:t>
+        <a:bodyPr/>
+        <a:lstStyle/>
+        <a:p>
+          <a:endParaRPr lang="en-US"/>
+        </a:p>
+      </dgm:t>
+    </dgm:pt>
+    <dgm:pt modelId="{A0DC51BC-BD86-4255-AF1D-4FD3EC9D5A2D}">
+      <dgm:prSet/>
+      <dgm:spPr/>
+      <dgm:t>
+        <a:bodyPr/>
+        <a:lstStyle/>
+        <a:p>
+          <a:r>
+            <a:rPr lang="en-US"/>
+            <a:t>Python Programming</a:t>
+          </a:r>
+        </a:p>
+      </dgm:t>
+    </dgm:pt>
+    <dgm:pt modelId="{822EB779-85D8-40F8-A23C-80ED6E0A87E5}" type="sibTrans" cxnId="{BA821EF0-C528-4F1D-A351-6B21E7FA50E1}">
+      <dgm:prSet/>
+      <dgm:spPr/>
+      <dgm:t>
+        <a:bodyPr/>
+        <a:lstStyle/>
+        <a:p>
+          <a:endParaRPr lang="en-US"/>
+        </a:p>
+      </dgm:t>
+    </dgm:pt>
+    <dgm:pt modelId="{97F882EC-6AA7-4222-9E5F-42DE51246699}" type="parTrans" cxnId="{BA821EF0-C528-4F1D-A351-6B21E7FA50E1}">
+      <dgm:prSet/>
+      <dgm:spPr/>
+      <dgm:t>
+        <a:bodyPr/>
+        <a:lstStyle/>
+        <a:p>
+          <a:endParaRPr lang="en-US"/>
+        </a:p>
+      </dgm:t>
+    </dgm:pt>
+    <dgm:pt modelId="{D0A66BB0-0BE8-45A3-ADBE-1D36552B9412}">
+      <dgm:prSet/>
+      <dgm:spPr/>
+      <dgm:t>
+        <a:bodyPr/>
+        <a:lstStyle/>
+        <a:p>
+          <a:r>
+            <a:rPr lang="en-US"/>
+            <a:t>Tools used :Jupyter notebook</a:t>
+          </a:r>
+        </a:p>
+      </dgm:t>
+    </dgm:pt>
+    <dgm:pt modelId="{2CFABD01-E63D-4E43-875E-1032D2FC95FD}" type="sibTrans" cxnId="{54B6823A-95A9-4A61-B597-6F31F14CD8E6}">
+      <dgm:prSet/>
+      <dgm:spPr/>
+      <dgm:t>
+        <a:bodyPr/>
+        <a:lstStyle/>
+        <a:p>
+          <a:endParaRPr lang="en-US"/>
+        </a:p>
+      </dgm:t>
+    </dgm:pt>
+    <dgm:pt modelId="{201E6CBF-6603-4E39-8C39-9A113D8DC4E9}" type="parTrans" cxnId="{54B6823A-95A9-4A61-B597-6F31F14CD8E6}">
+      <dgm:prSet/>
+      <dgm:spPr/>
+      <dgm:t>
+        <a:bodyPr/>
+        <a:lstStyle/>
+        <a:p>
+          <a:endParaRPr lang="en-US"/>
+        </a:p>
+      </dgm:t>
+    </dgm:pt>
+    <dgm:pt modelId="{3071B885-1967-465F-8E42-4B739B74A2CA}">
+      <dgm:prSet/>
+      <dgm:spPr/>
+      <dgm:t>
+        <a:bodyPr/>
+        <a:lstStyle/>
+        <a:p>
+          <a:r>
+            <a:rPr lang="en-US"/>
+            <a:t>Packages like :  Numpy, Pandas, Matplotlib, etc..</a:t>
+          </a:r>
+        </a:p>
+      </dgm:t>
+    </dgm:pt>
+    <dgm:pt modelId="{4F8BD899-4B26-4D87-BA56-E05A8CBC1216}" type="sibTrans" cxnId="{87175AB6-D103-4EFA-86FD-ED36AEC80254}">
+      <dgm:prSet/>
+      <dgm:spPr/>
+      <dgm:t>
+        <a:bodyPr/>
+        <a:lstStyle/>
+        <a:p>
+          <a:endParaRPr lang="en-US"/>
+        </a:p>
+      </dgm:t>
+    </dgm:pt>
+    <dgm:pt modelId="{87E6E9AD-9376-477B-BAF1-7E5B3699DBEA}" type="parTrans" cxnId="{87175AB6-D103-4EFA-86FD-ED36AEC80254}">
+      <dgm:prSet/>
+      <dgm:spPr/>
+      <dgm:t>
+        <a:bodyPr/>
+        <a:lstStyle/>
+        <a:p>
+          <a:endParaRPr lang="en-US"/>
+        </a:p>
+      </dgm:t>
+    </dgm:pt>
+    <dgm:pt modelId="{1C9B8D62-3F46-AF4C-A812-19A590F21034}" type="pres">
+      <dgm:prSet presAssocID="{86AD1E1A-6FE2-493F-9DCC-258B6C8D2B28}" presName="Name0" presStyleCnt="0">
+        <dgm:presLayoutVars>
+          <dgm:dir/>
+          <dgm:animLvl val="lvl"/>
+          <dgm:resizeHandles val="exact"/>
+        </dgm:presLayoutVars>
+      </dgm:prSet>
+      <dgm:spPr/>
+    </dgm:pt>
+    <dgm:pt modelId="{B301B1F4-61F1-664C-99EF-05DD6D881BAF}" type="pres">
+      <dgm:prSet presAssocID="{9A31EA14-8540-43E5-B968-2C0FDD2AD26B}" presName="linNode" presStyleCnt="0"/>
+      <dgm:spPr/>
+    </dgm:pt>
+    <dgm:pt modelId="{49B2F8AD-FCC8-AC44-A161-D8F0CACAC73E}" type="pres">
+      <dgm:prSet presAssocID="{9A31EA14-8540-43E5-B968-2C0FDD2AD26B}" presName="parentText" presStyleLbl="node1" presStyleIdx="0" presStyleCnt="2">
+        <dgm:presLayoutVars>
+          <dgm:chMax val="1"/>
+          <dgm:bulletEnabled val="1"/>
+        </dgm:presLayoutVars>
+      </dgm:prSet>
+      <dgm:spPr/>
+    </dgm:pt>
+    <dgm:pt modelId="{478CDC31-6CBB-964C-8A2E-9CEE1A6DE391}" type="pres">
+      <dgm:prSet presAssocID="{9A31EA14-8540-43E5-B968-2C0FDD2AD26B}" presName="descendantText" presStyleLbl="alignAccFollowNode1" presStyleIdx="0" presStyleCnt="2">
+        <dgm:presLayoutVars>
+          <dgm:bulletEnabled val="1"/>
+        </dgm:presLayoutVars>
+      </dgm:prSet>
+      <dgm:spPr/>
+    </dgm:pt>
+    <dgm:pt modelId="{9E22065A-A632-A346-904C-D12B26BD9B16}" type="pres">
+      <dgm:prSet presAssocID="{92F67A7B-9547-4155-8931-F40EB48BB247}" presName="sp" presStyleCnt="0"/>
+      <dgm:spPr/>
+    </dgm:pt>
+    <dgm:pt modelId="{6B24BF79-6078-384D-A068-CEB0A5D73FE5}" type="pres">
+      <dgm:prSet presAssocID="{FCEA5862-FEA0-47A6-8C88-8D1434CD70D4}" presName="linNode" presStyleCnt="0"/>
+      <dgm:spPr/>
+    </dgm:pt>
+    <dgm:pt modelId="{192E3553-7CC1-0B41-897F-E886C4F746B0}" type="pres">
+      <dgm:prSet presAssocID="{FCEA5862-FEA0-47A6-8C88-8D1434CD70D4}" presName="parentText" presStyleLbl="node1" presStyleIdx="1" presStyleCnt="2">
+        <dgm:presLayoutVars>
+          <dgm:chMax val="1"/>
+          <dgm:bulletEnabled val="1"/>
+        </dgm:presLayoutVars>
+      </dgm:prSet>
+      <dgm:spPr/>
+    </dgm:pt>
+    <dgm:pt modelId="{95506530-D1CC-7E45-8703-3717CDF612C6}" type="pres">
+      <dgm:prSet presAssocID="{FCEA5862-FEA0-47A6-8C88-8D1434CD70D4}" presName="descendantText" presStyleLbl="alignAccFollowNode1" presStyleIdx="1" presStyleCnt="2">
+        <dgm:presLayoutVars>
+          <dgm:bulletEnabled val="1"/>
+        </dgm:presLayoutVars>
+      </dgm:prSet>
+      <dgm:spPr/>
+    </dgm:pt>
+  </dgm:ptLst>
+  <dgm:cxnLst>
+    <dgm:cxn modelId="{F6E7F130-B8F5-CD48-A46F-49C8987FFDE3}" type="presOf" srcId="{A0DC51BC-BD86-4255-AF1D-4FD3EC9D5A2D}" destId="{95506530-D1CC-7E45-8703-3717CDF612C6}" srcOrd="0" destOrd="0" presId="urn:microsoft.com/office/officeart/2005/8/layout/vList5"/>
+    <dgm:cxn modelId="{54B6823A-95A9-4A61-B597-6F31F14CD8E6}" srcId="{FCEA5862-FEA0-47A6-8C88-8D1434CD70D4}" destId="{D0A66BB0-0BE8-45A3-ADBE-1D36552B9412}" srcOrd="1" destOrd="0" parTransId="{201E6CBF-6603-4E39-8C39-9A113D8DC4E9}" sibTransId="{2CFABD01-E63D-4E43-875E-1032D2FC95FD}"/>
+    <dgm:cxn modelId="{D12C2753-D168-474B-A6B2-A1856A0DCDE8}" srcId="{86AD1E1A-6FE2-493F-9DCC-258B6C8D2B28}" destId="{FCEA5862-FEA0-47A6-8C88-8D1434CD70D4}" srcOrd="1" destOrd="0" parTransId="{C7CC9608-F270-41C3-BC49-A02DC3F20670}" sibTransId="{94E232A6-7CBE-47DA-8AA8-7A7ECA2BC7DB}"/>
+    <dgm:cxn modelId="{E7F28F56-F5EC-4D46-AD13-66273C366464}" type="presOf" srcId="{D0A66BB0-0BE8-45A3-ADBE-1D36552B9412}" destId="{95506530-D1CC-7E45-8703-3717CDF612C6}" srcOrd="0" destOrd="1" presId="urn:microsoft.com/office/officeart/2005/8/layout/vList5"/>
+    <dgm:cxn modelId="{B2A7C364-3EC4-44AD-B169-F75D5F89EA6F}" srcId="{86AD1E1A-6FE2-493F-9DCC-258B6C8D2B28}" destId="{9A31EA14-8540-43E5-B968-2C0FDD2AD26B}" srcOrd="0" destOrd="0" parTransId="{B95CCD60-653D-419D-AD6D-9F93FEBE31D7}" sibTransId="{92F67A7B-9547-4155-8931-F40EB48BB247}"/>
+    <dgm:cxn modelId="{2BBE8C93-D653-4F67-96A7-43072DFFE223}" srcId="{9A31EA14-8540-43E5-B968-2C0FDD2AD26B}" destId="{3686CE4D-1749-49F6-81B3-3C70114F75C2}" srcOrd="0" destOrd="0" parTransId="{AAE2D570-4B88-4AFC-9E98-8A42D00B630D}" sibTransId="{8B817833-8236-45D4-98C5-28EDFB0DE491}"/>
+    <dgm:cxn modelId="{87175AB6-D103-4EFA-86FD-ED36AEC80254}" srcId="{FCEA5862-FEA0-47A6-8C88-8D1434CD70D4}" destId="{3071B885-1967-465F-8E42-4B739B74A2CA}" srcOrd="2" destOrd="0" parTransId="{87E6E9AD-9376-477B-BAF1-7E5B3699DBEA}" sibTransId="{4F8BD899-4B26-4D87-BA56-E05A8CBC1216}"/>
+    <dgm:cxn modelId="{7E4673DF-C7FE-0047-A263-9226214A3E93}" type="presOf" srcId="{3071B885-1967-465F-8E42-4B739B74A2CA}" destId="{95506530-D1CC-7E45-8703-3717CDF612C6}" srcOrd="0" destOrd="2" presId="urn:microsoft.com/office/officeart/2005/8/layout/vList5"/>
+    <dgm:cxn modelId="{E0DD59E2-DDDD-E74B-8926-68F3F3A90606}" type="presOf" srcId="{FCEA5862-FEA0-47A6-8C88-8D1434CD70D4}" destId="{192E3553-7CC1-0B41-897F-E886C4F746B0}" srcOrd="0" destOrd="0" presId="urn:microsoft.com/office/officeart/2005/8/layout/vList5"/>
+    <dgm:cxn modelId="{614A8DE7-1A35-FD41-9058-50C7B2A65AAD}" type="presOf" srcId="{86AD1E1A-6FE2-493F-9DCC-258B6C8D2B28}" destId="{1C9B8D62-3F46-AF4C-A812-19A590F21034}" srcOrd="0" destOrd="0" presId="urn:microsoft.com/office/officeart/2005/8/layout/vList5"/>
+    <dgm:cxn modelId="{E4D9EAEC-EB33-6E4F-9246-E74C3EE2539A}" type="presOf" srcId="{3686CE4D-1749-49F6-81B3-3C70114F75C2}" destId="{478CDC31-6CBB-964C-8A2E-9CEE1A6DE391}" srcOrd="0" destOrd="0" presId="urn:microsoft.com/office/officeart/2005/8/layout/vList5"/>
+    <dgm:cxn modelId="{BA821EF0-C528-4F1D-A351-6B21E7FA50E1}" srcId="{FCEA5862-FEA0-47A6-8C88-8D1434CD70D4}" destId="{A0DC51BC-BD86-4255-AF1D-4FD3EC9D5A2D}" srcOrd="0" destOrd="0" parTransId="{97F882EC-6AA7-4222-9E5F-42DE51246699}" sibTransId="{822EB779-85D8-40F8-A23C-80ED6E0A87E5}"/>
+    <dgm:cxn modelId="{0A7FE0F7-70D6-9B43-ACC8-8A1D4A3476BC}" type="presOf" srcId="{9A31EA14-8540-43E5-B968-2C0FDD2AD26B}" destId="{49B2F8AD-FCC8-AC44-A161-D8F0CACAC73E}" srcOrd="0" destOrd="0" presId="urn:microsoft.com/office/officeart/2005/8/layout/vList5"/>
+    <dgm:cxn modelId="{C7A82575-2C21-9C4D-A21D-6174457E7410}" type="presParOf" srcId="{1C9B8D62-3F46-AF4C-A812-19A590F21034}" destId="{B301B1F4-61F1-664C-99EF-05DD6D881BAF}" srcOrd="0" destOrd="0" presId="urn:microsoft.com/office/officeart/2005/8/layout/vList5"/>
+    <dgm:cxn modelId="{0079F7B4-4220-E747-893F-BE7B0F2A9C6D}" type="presParOf" srcId="{B301B1F4-61F1-664C-99EF-05DD6D881BAF}" destId="{49B2F8AD-FCC8-AC44-A161-D8F0CACAC73E}" srcOrd="0" destOrd="0" presId="urn:microsoft.com/office/officeart/2005/8/layout/vList5"/>
+    <dgm:cxn modelId="{C75F1E2D-749F-2143-B4FC-27E098137629}" type="presParOf" srcId="{B301B1F4-61F1-664C-99EF-05DD6D881BAF}" destId="{478CDC31-6CBB-964C-8A2E-9CEE1A6DE391}" srcOrd="1" destOrd="0" presId="urn:microsoft.com/office/officeart/2005/8/layout/vList5"/>
+    <dgm:cxn modelId="{5E40AD1F-3BF8-B349-87A9-44E021CF23E3}" type="presParOf" srcId="{1C9B8D62-3F46-AF4C-A812-19A590F21034}" destId="{9E22065A-A632-A346-904C-D12B26BD9B16}" srcOrd="1" destOrd="0" presId="urn:microsoft.com/office/officeart/2005/8/layout/vList5"/>
+    <dgm:cxn modelId="{BE7B75FE-E0A8-4143-87F0-4A4258E8DC32}" type="presParOf" srcId="{1C9B8D62-3F46-AF4C-A812-19A590F21034}" destId="{6B24BF79-6078-384D-A068-CEB0A5D73FE5}" srcOrd="2" destOrd="0" presId="urn:microsoft.com/office/officeart/2005/8/layout/vList5"/>
+    <dgm:cxn modelId="{7E88B4D9-9F31-7A49-B2A2-B4218DC7B769}" type="presParOf" srcId="{6B24BF79-6078-384D-A068-CEB0A5D73FE5}" destId="{192E3553-7CC1-0B41-897F-E886C4F746B0}" srcOrd="0" destOrd="0" presId="urn:microsoft.com/office/officeart/2005/8/layout/vList5"/>
+    <dgm:cxn modelId="{0A843E22-00C2-0344-A277-ED2D46B44B5E}" type="presParOf" srcId="{6B24BF79-6078-384D-A068-CEB0A5D73FE5}" destId="{95506530-D1CC-7E45-8703-3717CDF612C6}" srcOrd="1" destOrd="0" presId="urn:microsoft.com/office/officeart/2005/8/layout/vList5"/>
+  </dgm:cxnLst>
+  <dgm:bg/>
+  <dgm:whole/>
+  <dgm:extLst>
+    <a:ext uri="http://schemas.microsoft.com/office/drawing/2008/diagram">
+      <dsp:dataModelExt xmlns:dsp="http://schemas.microsoft.com/office/drawing/2008/diagram" relId="rId6" minVer="http://schemas.openxmlformats.org/drawingml/2006/diagram"/>
+    </a:ext>
+  </dgm:extLst>
+</dgm:dataModel>
+</file>
+
+<file path=ppt/diagrams/drawing1.xml><?xml version="1.0" encoding="utf-8"?>
+<dsp:drawing xmlns:dgm="http://schemas.openxmlformats.org/drawingml/2006/diagram" xmlns:dsp="http://schemas.microsoft.com/office/drawing/2008/diagram" xmlns:a="http://schemas.openxmlformats.org/drawingml/2006/main">
+  <dsp:spTree>
+    <dsp:nvGrpSpPr>
+      <dsp:cNvPr id="0" name=""/>
+      <dsp:cNvGrpSpPr/>
+    </dsp:nvGrpSpPr>
+    <dsp:grpSpPr/>
+    <dsp:sp modelId="{478CDC31-6CBB-964C-8A2E-9CEE1A6DE391}">
+      <dsp:nvSpPr>
+        <dsp:cNvPr id="0" name=""/>
+        <dsp:cNvSpPr/>
+      </dsp:nvSpPr>
+      <dsp:spPr>
+        <a:xfrm rot="5400000">
+          <a:off x="2566218" y="-331684"/>
+          <a:ext cx="2247535" cy="3472928"/>
+        </a:xfrm>
+        <a:prstGeom prst="round2SameRect">
+          <a:avLst/>
+        </a:prstGeom>
+        <a:solidFill>
+          <a:schemeClr val="accent2">
+            <a:tint val="40000"/>
+            <a:alpha val="90000"/>
+            <a:hueOff val="0"/>
+            <a:satOff val="0"/>
+            <a:lumOff val="0"/>
+            <a:alphaOff val="0"/>
+          </a:schemeClr>
+        </a:solidFill>
+        <a:ln w="12700" cap="flat" cmpd="sng" algn="ctr">
+          <a:solidFill>
+            <a:schemeClr val="accent2">
+              <a:tint val="40000"/>
+              <a:alpha val="90000"/>
+              <a:hueOff val="0"/>
+              <a:satOff val="0"/>
+              <a:lumOff val="0"/>
+              <a:alphaOff val="0"/>
+            </a:schemeClr>
+          </a:solidFill>
+          <a:prstDash val="solid"/>
+          <a:miter lim="800000"/>
+        </a:ln>
+        <a:effectLst/>
+      </dsp:spPr>
+      <dsp:style>
+        <a:lnRef idx="2">
+          <a:scrgbClr r="0" g="0" b="0"/>
+        </a:lnRef>
+        <a:fillRef idx="1">
+          <a:scrgbClr r="0" g="0" b="0"/>
+        </a:fillRef>
+        <a:effectRef idx="0">
+          <a:scrgbClr r="0" g="0" b="0"/>
+        </a:effectRef>
+        <a:fontRef idx="minor"/>
+      </dsp:style>
+      <dsp:txBody>
+        <a:bodyPr spcFirstLastPara="0" vert="horz" wrap="square" lIns="91440" tIns="45720" rIns="91440" bIns="45720" numCol="1" spcCol="1270" anchor="ctr" anchorCtr="0">
+          <a:noAutofit/>
+        </a:bodyPr>
+        <a:lstStyle/>
+        <a:p>
+          <a:pPr marL="228600" lvl="1" indent="-228600" algn="l" defTabSz="1066800">
+            <a:lnSpc>
+              <a:spcPct val="90000"/>
+            </a:lnSpc>
+            <a:spcBef>
+              <a:spcPct val="0"/>
+            </a:spcBef>
+            <a:spcAft>
+              <a:spcPct val="15000"/>
+            </a:spcAft>
+            <a:buChar char="•"/>
+          </a:pPr>
+          <a:r>
+            <a:rPr lang="en-US" sz="2400" kern="1200"/>
+            <a:t>Any PC /Mac that can run on Jupyter notebook.</a:t>
+          </a:r>
+        </a:p>
+      </dsp:txBody>
+      <dsp:txXfrm rot="-5400000">
+        <a:off x="1953522" y="390728"/>
+        <a:ext cx="3363212" cy="2028103"/>
+      </dsp:txXfrm>
+    </dsp:sp>
+    <dsp:sp modelId="{49B2F8AD-FCC8-AC44-A161-D8F0CACAC73E}">
+      <dsp:nvSpPr>
+        <dsp:cNvPr id="0" name=""/>
+        <dsp:cNvSpPr/>
+      </dsp:nvSpPr>
+      <dsp:spPr>
+        <a:xfrm>
+          <a:off x="0" y="70"/>
+          <a:ext cx="1953522" cy="2809419"/>
+        </a:xfrm>
+        <a:prstGeom prst="roundRect">
+          <a:avLst/>
+        </a:prstGeom>
+        <a:solidFill>
+          <a:schemeClr val="accent2">
+            <a:hueOff val="0"/>
+            <a:satOff val="0"/>
+            <a:lumOff val="0"/>
+            <a:alphaOff val="0"/>
+          </a:schemeClr>
+        </a:solidFill>
+        <a:ln w="12700" cap="flat" cmpd="sng" algn="ctr">
+          <a:solidFill>
+            <a:schemeClr val="lt1">
+              <a:hueOff val="0"/>
+              <a:satOff val="0"/>
+              <a:lumOff val="0"/>
+              <a:alphaOff val="0"/>
+            </a:schemeClr>
+          </a:solidFill>
+          <a:prstDash val="solid"/>
+          <a:miter lim="800000"/>
+        </a:ln>
+        <a:effectLst/>
+      </dsp:spPr>
+      <dsp:style>
+        <a:lnRef idx="2">
+          <a:scrgbClr r="0" g="0" b="0"/>
+        </a:lnRef>
+        <a:fillRef idx="1">
+          <a:scrgbClr r="0" g="0" b="0"/>
+        </a:fillRef>
+        <a:effectRef idx="0">
+          <a:scrgbClr r="0" g="0" b="0"/>
+        </a:effectRef>
+        <a:fontRef idx="minor">
+          <a:schemeClr val="lt1"/>
+        </a:fontRef>
+      </dsp:style>
+      <dsp:txBody>
+        <a:bodyPr spcFirstLastPara="0" vert="horz" wrap="square" lIns="83820" tIns="41910" rIns="83820" bIns="41910" numCol="1" spcCol="1270" anchor="ctr" anchorCtr="0">
+          <a:noAutofit/>
+        </a:bodyPr>
+        <a:lstStyle/>
+        <a:p>
+          <a:pPr marL="0" lvl="0" indent="0" algn="ctr" defTabSz="977900">
+            <a:lnSpc>
+              <a:spcPct val="90000"/>
+            </a:lnSpc>
+            <a:spcBef>
+              <a:spcPct val="0"/>
+            </a:spcBef>
+            <a:spcAft>
+              <a:spcPct val="35000"/>
+            </a:spcAft>
+            <a:buNone/>
+          </a:pPr>
+          <a:r>
+            <a:rPr lang="en-US" sz="2200" kern="1200"/>
+            <a:t>System Requirements</a:t>
+          </a:r>
+        </a:p>
+      </dsp:txBody>
+      <dsp:txXfrm>
+        <a:off x="95363" y="95433"/>
+        <a:ext cx="1762796" cy="2618693"/>
+      </dsp:txXfrm>
+    </dsp:sp>
+    <dsp:sp modelId="{95506530-D1CC-7E45-8703-3717CDF612C6}">
+      <dsp:nvSpPr>
+        <dsp:cNvPr id="0" name=""/>
+        <dsp:cNvSpPr/>
+      </dsp:nvSpPr>
+      <dsp:spPr>
+        <a:xfrm rot="5400000">
+          <a:off x="2566218" y="2618206"/>
+          <a:ext cx="2247535" cy="3472928"/>
+        </a:xfrm>
+        <a:prstGeom prst="round2SameRect">
+          <a:avLst/>
+        </a:prstGeom>
+        <a:solidFill>
+          <a:schemeClr val="accent2">
+            <a:tint val="40000"/>
+            <a:alpha val="90000"/>
+            <a:hueOff val="8046153"/>
+            <a:satOff val="14212"/>
+            <a:lumOff val="1305"/>
+            <a:alphaOff val="0"/>
+          </a:schemeClr>
+        </a:solidFill>
+        <a:ln w="12700" cap="flat" cmpd="sng" algn="ctr">
+          <a:solidFill>
+            <a:schemeClr val="accent2">
+              <a:tint val="40000"/>
+              <a:alpha val="90000"/>
+              <a:hueOff val="8046153"/>
+              <a:satOff val="14212"/>
+              <a:lumOff val="1305"/>
+              <a:alphaOff val="0"/>
+            </a:schemeClr>
+          </a:solidFill>
+          <a:prstDash val="solid"/>
+          <a:miter lim="800000"/>
+        </a:ln>
+        <a:effectLst/>
+      </dsp:spPr>
+      <dsp:style>
+        <a:lnRef idx="2">
+          <a:scrgbClr r="0" g="0" b="0"/>
+        </a:lnRef>
+        <a:fillRef idx="1">
+          <a:scrgbClr r="0" g="0" b="0"/>
+        </a:fillRef>
+        <a:effectRef idx="0">
+          <a:scrgbClr r="0" g="0" b="0"/>
+        </a:effectRef>
+        <a:fontRef idx="minor"/>
+      </dsp:style>
+      <dsp:txBody>
+        <a:bodyPr spcFirstLastPara="0" vert="horz" wrap="square" lIns="91440" tIns="45720" rIns="91440" bIns="45720" numCol="1" spcCol="1270" anchor="ctr" anchorCtr="0">
+          <a:noAutofit/>
+        </a:bodyPr>
+        <a:lstStyle/>
+        <a:p>
+          <a:pPr marL="228600" lvl="1" indent="-228600" algn="l" defTabSz="1066800">
+            <a:lnSpc>
+              <a:spcPct val="90000"/>
+            </a:lnSpc>
+            <a:spcBef>
+              <a:spcPct val="0"/>
+            </a:spcBef>
+            <a:spcAft>
+              <a:spcPct val="15000"/>
+            </a:spcAft>
+            <a:buChar char="•"/>
+          </a:pPr>
+          <a:r>
+            <a:rPr lang="en-US" sz="2400" kern="1200"/>
+            <a:t>Python Programming</a:t>
+          </a:r>
+        </a:p>
+        <a:p>
+          <a:pPr marL="228600" lvl="1" indent="-228600" algn="l" defTabSz="1066800">
+            <a:lnSpc>
+              <a:spcPct val="90000"/>
+            </a:lnSpc>
+            <a:spcBef>
+              <a:spcPct val="0"/>
+            </a:spcBef>
+            <a:spcAft>
+              <a:spcPct val="15000"/>
+            </a:spcAft>
+            <a:buChar char="•"/>
+          </a:pPr>
+          <a:r>
+            <a:rPr lang="en-US" sz="2400" kern="1200"/>
+            <a:t>Tools used :Jupyter notebook</a:t>
+          </a:r>
+        </a:p>
+        <a:p>
+          <a:pPr marL="228600" lvl="1" indent="-228600" algn="l" defTabSz="1066800">
+            <a:lnSpc>
+              <a:spcPct val="90000"/>
+            </a:lnSpc>
+            <a:spcBef>
+              <a:spcPct val="0"/>
+            </a:spcBef>
+            <a:spcAft>
+              <a:spcPct val="15000"/>
+            </a:spcAft>
+            <a:buChar char="•"/>
+          </a:pPr>
+          <a:r>
+            <a:rPr lang="en-US" sz="2400" kern="1200"/>
+            <a:t>Packages like :  Numpy, Pandas, Matplotlib, etc..</a:t>
+          </a:r>
+        </a:p>
+      </dsp:txBody>
+      <dsp:txXfrm rot="-5400000">
+        <a:off x="1953522" y="3340618"/>
+        <a:ext cx="3363212" cy="2028103"/>
+      </dsp:txXfrm>
+    </dsp:sp>
+    <dsp:sp modelId="{192E3553-7CC1-0B41-897F-E886C4F746B0}">
+      <dsp:nvSpPr>
+        <dsp:cNvPr id="0" name=""/>
+        <dsp:cNvSpPr/>
+      </dsp:nvSpPr>
+      <dsp:spPr>
+        <a:xfrm>
+          <a:off x="0" y="2949960"/>
+          <a:ext cx="1953522" cy="2809419"/>
+        </a:xfrm>
+        <a:prstGeom prst="roundRect">
+          <a:avLst/>
+        </a:prstGeom>
+        <a:solidFill>
+          <a:schemeClr val="accent2">
+            <a:hueOff val="7692880"/>
+            <a:satOff val="8205"/>
+            <a:lumOff val="2551"/>
+            <a:alphaOff val="0"/>
+          </a:schemeClr>
+        </a:solidFill>
+        <a:ln w="12700" cap="flat" cmpd="sng" algn="ctr">
+          <a:solidFill>
+            <a:schemeClr val="lt1">
+              <a:hueOff val="0"/>
+              <a:satOff val="0"/>
+              <a:lumOff val="0"/>
+              <a:alphaOff val="0"/>
+            </a:schemeClr>
+          </a:solidFill>
+          <a:prstDash val="solid"/>
+          <a:miter lim="800000"/>
+        </a:ln>
+        <a:effectLst/>
+      </dsp:spPr>
+      <dsp:style>
+        <a:lnRef idx="2">
+          <a:scrgbClr r="0" g="0" b="0"/>
+        </a:lnRef>
+        <a:fillRef idx="1">
+          <a:scrgbClr r="0" g="0" b="0"/>
+        </a:fillRef>
+        <a:effectRef idx="0">
+          <a:scrgbClr r="0" g="0" b="0"/>
+        </a:effectRef>
+        <a:fontRef idx="minor">
+          <a:schemeClr val="lt1"/>
+        </a:fontRef>
+      </dsp:style>
+      <dsp:txBody>
+        <a:bodyPr spcFirstLastPara="0" vert="horz" wrap="square" lIns="83820" tIns="41910" rIns="83820" bIns="41910" numCol="1" spcCol="1270" anchor="ctr" anchorCtr="0">
+          <a:noAutofit/>
+        </a:bodyPr>
+        <a:lstStyle/>
+        <a:p>
+          <a:pPr marL="0" lvl="0" indent="0" algn="ctr" defTabSz="977900">
+            <a:lnSpc>
+              <a:spcPct val="90000"/>
+            </a:lnSpc>
+            <a:spcBef>
+              <a:spcPct val="0"/>
+            </a:spcBef>
+            <a:spcAft>
+              <a:spcPct val="35000"/>
+            </a:spcAft>
+            <a:buNone/>
+          </a:pPr>
+          <a:r>
+            <a:rPr lang="en-US" sz="2200" kern="1200"/>
+            <a:t>Prerequisites</a:t>
+          </a:r>
+        </a:p>
+      </dsp:txBody>
+      <dsp:txXfrm>
+        <a:off x="95363" y="3045323"/>
+        <a:ext cx="1762796" cy="2618693"/>
+      </dsp:txXfrm>
+    </dsp:sp>
+  </dsp:spTree>
+</dsp:drawing>
+</file>
+
+<file path=ppt/diagrams/layout1.xml><?xml version="1.0" encoding="utf-8"?>
+<dgm:layoutDef xmlns:dgm="http://schemas.openxmlformats.org/drawingml/2006/diagram" xmlns:a="http://schemas.openxmlformats.org/drawingml/2006/main" uniqueId="urn:microsoft.com/office/officeart/2005/8/layout/vList5">
+  <dgm:title val=""/>
+  <dgm:desc val=""/>
+  <dgm:catLst>
+    <dgm:cat type="list" pri="15000"/>
+    <dgm:cat type="convert" pri="2000"/>
+  </dgm:catLst>
+  <dgm:sampData>
+    <dgm:dataModel>
+      <dgm:ptLst>
+        <dgm:pt modelId="0" type="doc"/>
+        <dgm:pt modelId="1">
+          <dgm:prSet phldr="1"/>
+        </dgm:pt>
+        <dgm:pt modelId="11">
+          <dgm:prSet phldr="1"/>
+        </dgm:pt>
+        <dgm:pt modelId="12">
+          <dgm:prSet phldr="1"/>
+        </dgm:pt>
+        <dgm:pt modelId="2">
+          <dgm:prSet phldr="1"/>
+        </dgm:pt>
+        <dgm:pt modelId="21">
+          <dgm:prSet phldr="1"/>
+        </dgm:pt>
+        <dgm:pt modelId="22">
+          <dgm:prSet phldr="1"/>
+        </dgm:pt>
+        <dgm:pt modelId="3">
+          <dgm:prSet phldr="1"/>
+        </dgm:pt>
+        <dgm:pt modelId="31">
+          <dgm:prSet phldr="1"/>
+        </dgm:pt>
+        <dgm:pt modelId="32">
+          <dgm:prSet phldr="1"/>
+        </dgm:pt>
+      </dgm:ptLst>
+      <dgm:cxnLst>
+        <dgm:cxn modelId="4" srcId="0" destId="1" srcOrd="0" destOrd="0"/>
+        <dgm:cxn modelId="5" srcId="0" destId="2" srcOrd="1" destOrd="0"/>
+        <dgm:cxn modelId="6" srcId="0" destId="3" srcOrd="2" destOrd="0"/>
+        <dgm:cxn modelId="13" srcId="1" destId="11" srcOrd="0" destOrd="0"/>
+        <dgm:cxn modelId="14" srcId="1" destId="12" srcOrd="1" destOrd="0"/>
+        <dgm:cxn modelId="23" srcId="2" destId="21" srcOrd="0" destOrd="0"/>
+        <dgm:cxn modelId="24" srcId="2" destId="22" srcOrd="1" destOrd="0"/>
+        <dgm:cxn modelId="33" srcId="3" destId="31" srcOrd="0" destOrd="0"/>
+        <dgm:cxn modelId="34" srcId="3" destId="32" srcOrd="1" destOrd="0"/>
+      </dgm:cxnLst>
+      <dgm:bg/>
+      <dgm:whole/>
+    </dgm:dataModel>
+  </dgm:sampData>
+  <dgm:styleData>
+    <dgm:dataModel>
+      <dgm:ptLst>
+        <dgm:pt modelId="0" type="doc"/>
+        <dgm:pt modelId="1"/>
+        <dgm:pt modelId="11"/>
+        <dgm:pt modelId="2"/>
+        <dgm:pt modelId="21"/>
+      </dgm:ptLst>
+      <dgm:cxnLst>
+        <dgm:cxn modelId="4" srcId="0" destId="1" srcOrd="0" destOrd="0"/>
+        <dgm:cxn modelId="5" srcId="0" destId="2" srcOrd="1" destOrd="0"/>
+        <dgm:cxn modelId="13" srcId="1" destId="11" srcOrd="0" destOrd="0"/>
+        <dgm:cxn modelId="23" srcId="2" destId="21" srcOrd="0" destOrd="0"/>
+      </dgm:cxnLst>
+      <dgm:bg/>
+      <dgm:whole/>
+    </dgm:dataModel>
+  </dgm:styleData>
+  <dgm:clrData>
+    <dgm:dataModel>
+      <dgm:ptLst>
+        <dgm:pt modelId="0" type="doc"/>
+        <dgm:pt modelId="1"/>
+        <dgm:pt modelId="11"/>
+        <dgm:pt modelId="2"/>
+        <dgm:pt modelId="21"/>
+        <dgm:pt modelId="3"/>
+        <dgm:pt modelId="31"/>
+        <dgm:pt modelId="4"/>
+        <dgm:pt modelId="41"/>
+      </dgm:ptLst>
+      <dgm:cxnLst>
+        <dgm:cxn modelId="5" srcId="0" destId="1" srcOrd="0" destOrd="0"/>
+        <dgm:cxn modelId="6" srcId="0" destId="2" srcOrd="1" destOrd="0"/>
+        <dgm:cxn modelId="7" srcId="0" destId="3" srcOrd="2" destOrd="0"/>
+        <dgm:cxn modelId="8" srcId="0" destId="4" srcOrd="3" destOrd="0"/>
+        <dgm:cxn modelId="13" srcId="1" destId="11" srcOrd="0" destOrd="0"/>
+        <dgm:cxn modelId="23" srcId="2" destId="21" srcOrd="0" destOrd="0"/>
+        <dgm:cxn modelId="33" srcId="3" destId="31" srcOrd="0" destOrd="0"/>
+        <dgm:cxn modelId="43" srcId="4" destId="41" srcOrd="0" destOrd="0"/>
+      </dgm:cxnLst>
+      <dgm:bg/>
+      <dgm:whole/>
+    </dgm:dataModel>
+  </dgm:clrData>
+  <dgm:layoutNode name="Name0">
+    <dgm:varLst>
+      <dgm:dir/>
+      <dgm:animLvl val="lvl"/>
+      <dgm:resizeHandles val="exact"/>
+    </dgm:varLst>
+    <dgm:choose name="Name1">
+      <dgm:if name="Name2" func="var" arg="dir" op="equ" val="norm">
+        <dgm:alg type="lin">
+          <dgm:param type="linDir" val="fromT"/>
+          <dgm:param type="nodeHorzAlign" val="l"/>
+        </dgm:alg>
+      </dgm:if>
+      <dgm:else name="Name3">
+        <dgm:alg type="lin">
+          <dgm:param type="linDir" val="fromT"/>
+          <dgm:param type="nodeHorzAlign" val="r"/>
+        </dgm:alg>
+      </dgm:else>
+    </dgm:choose>
+    <dgm:shape xmlns:r="http://schemas.openxmlformats.org/officeDocument/2006/relationships" r:blip="">
+      <dgm:adjLst/>
+    </dgm:shape>
+    <dgm:presOf/>
+    <dgm:constrLst>
+      <dgm:constr type="h" for="ch" forName="linNode" refType="h"/>
+      <dgm:constr type="w" for="ch" forName="linNode" refType="w"/>
+      <dgm:constr type="h" for="ch" forName="sp" refType="h" fact="0.05"/>
+      <dgm:constr type="primFontSz" for="des" forName="parentText" op="equ" val="65"/>
+      <dgm:constr type="secFontSz" for="des" forName="descendantText" op="equ"/>
+    </dgm:constrLst>
+    <dgm:ruleLst/>
+    <dgm:forEach name="Name4" axis="ch" ptType="node">
+      <dgm:layoutNode name="linNode">
+        <dgm:choose name="Name5">
+          <dgm:if name="Name6" func="var" arg="dir" op="equ" val="norm">
+            <dgm:alg type="lin">
+              <dgm:param type="linDir" val="fromL"/>
+            </dgm:alg>
+          </dgm:if>
+          <dgm:else name="Name7">
+            <dgm:alg type="lin">
+              <dgm:param type="linDir" val="fromR"/>
+            </dgm:alg>
+          </dgm:else>
+        </dgm:choose>
+        <dgm:shape xmlns:r="http://schemas.openxmlformats.org/officeDocument/2006/relationships" r:blip="">
+          <dgm:adjLst/>
+        </dgm:shape>
+        <dgm:presOf/>
+        <dgm:constrLst>
+          <dgm:constr type="w" for="ch" forName="parentText" refType="w" fact="0.36"/>
+          <dgm:constr type="w" for="ch" forName="descendantText" refType="w" fact="0.64"/>
+          <dgm:constr type="h" for="ch" forName="parentText" refType="h"/>
+          <dgm:constr type="h" for="ch" forName="descendantText" refType="h" refFor="ch" refForName="parentText" fact="0.8"/>
+        </dgm:constrLst>
+        <dgm:ruleLst/>
+        <dgm:layoutNode name="parentText">
+          <dgm:varLst>
+            <dgm:chMax val="1"/>
+            <dgm:bulletEnabled val="1"/>
+          </dgm:varLst>
+          <dgm:alg type="tx"/>
+          <dgm:shape xmlns:r="http://schemas.openxmlformats.org/officeDocument/2006/relationships" type="roundRect" r:blip="" zOrderOff="3">
+            <dgm:adjLst/>
+          </dgm:shape>
+          <dgm:presOf axis="self" ptType="node"/>
+          <dgm:constrLst>
+            <dgm:constr type="tMarg" refType="primFontSz" fact="0.15"/>
+            <dgm:constr type="bMarg" refType="primFontSz" fact="0.15"/>
+            <dgm:constr type="lMarg" refType="primFontSz" fact="0.3"/>
+            <dgm:constr type="rMarg" refType="primFontSz" fact="0.3"/>
+          </dgm:constrLst>
+          <dgm:ruleLst>
+            <dgm:rule type="primFontSz" val="5" fact="NaN" max="NaN"/>
+          </dgm:ruleLst>
+        </dgm:layoutNode>
+        <dgm:choose name="Name8">
+          <dgm:if name="Name9" axis="ch" ptType="node" func="cnt" op="gte" val="1">
+            <dgm:layoutNode name="descendantText" styleLbl="alignAccFollowNode1">
+              <dgm:varLst>
+                <dgm:bulletEnabled val="1"/>
+              </dgm:varLst>
+              <dgm:alg type="tx">
+                <dgm:param type="stBulletLvl" val="1"/>
+                <dgm:param type="txAnchorVertCh" val="mid"/>
+              </dgm:alg>
+              <dgm:choose name="Name10">
+                <dgm:if name="Name11" func="var" arg="dir" op="equ" val="norm">
+                  <dgm:shape xmlns:r="http://schemas.openxmlformats.org/officeDocument/2006/relationships" rot="90" type="round2SameRect" r:blip="">
+                    <dgm:adjLst/>
+                  </dgm:shape>
+                </dgm:if>
+                <dgm:else name="Name12">
+                  <dgm:shape xmlns:r="http://schemas.openxmlformats.org/officeDocument/2006/relationships" rot="-90" type="round2SameRect" r:blip="">
+                    <dgm:adjLst/>
+                  </dgm:shape>
+                </dgm:else>
+              </dgm:choose>
+              <dgm:presOf axis="des" ptType="node"/>
+              <dgm:constrLst>
+                <dgm:constr type="secFontSz" val="65"/>
+                <dgm:constr type="primFontSz" refType="secFontSz"/>
+                <dgm:constr type="lMarg" refType="secFontSz" fact="0.3"/>
+                <dgm:constr type="rMarg" refType="secFontSz" fact="0.3"/>
+                <dgm:constr type="tMarg" refType="secFontSz" fact="0.15"/>
+                <dgm:constr type="bMarg" refType="secFontSz" fact="0.15"/>
+              </dgm:constrLst>
+              <dgm:ruleLst>
+                <dgm:rule type="secFontSz" val="5" fact="NaN" max="NaN"/>
+              </dgm:ruleLst>
+            </dgm:layoutNode>
+          </dgm:if>
+          <dgm:else name="Name13"/>
+        </dgm:choose>
+      </dgm:layoutNode>
+      <dgm:forEach name="Name14" axis="followSib" ptType="sibTrans" cnt="1">
+        <dgm:layoutNode name="sp">
+          <dgm:alg type="sp"/>
+          <dgm:shape xmlns:r="http://schemas.openxmlformats.org/officeDocument/2006/relationships" r:blip="">
+            <dgm:adjLst/>
+          </dgm:shape>
+          <dgm:presOf/>
+          <dgm:constrLst/>
+          <dgm:ruleLst/>
+        </dgm:layoutNode>
+      </dgm:forEach>
+    </dgm:forEach>
+  </dgm:layoutNode>
+</dgm:layoutDef>
+</file>
+
+<file path=ppt/diagrams/quickStyle1.xml><?xml version="1.0" encoding="utf-8"?>
+<dgm:styleDef xmlns:dgm="http://schemas.openxmlformats.org/drawingml/2006/diagram" xmlns:a="http://schemas.openxmlformats.org/drawingml/2006/main" uniqueId="urn:microsoft.com/office/officeart/2005/8/quickstyle/simple1">
+  <dgm:title val=""/>
+  <dgm:desc val=""/>
+  <dgm:catLst>
+    <dgm:cat type="simple" pri="10100"/>
+  </dgm:catLst>
+  <dgm:scene3d>
+    <a:camera prst="orthographicFront"/>
+    <a:lightRig rig="threePt" dir="t"/>
+  </dgm:scene3d>
+  <dgm:styleLbl name="node0">
+    <dgm:scene3d>
+      <a:camera prst="orthographicFront"/>
+      <a:lightRig rig="threePt" dir="t"/>
+    </dgm:scene3d>
+    <dgm:sp3d/>
+    <dgm:txPr/>
+    <dgm:style>
+      <a:lnRef idx="2">
+        <a:scrgbClr r="0" g="0" b="0"/>
+      </a:lnRef>
+      <a:fillRef idx="1">
+        <a:scrgbClr r="0" g="0" b="0"/>
+      </a:fillRef>
+      <a:effectRef idx="0">
+        <a:scrgbClr r="0" g="0" b="0"/>
+      </a:effectRef>
+      <a:fontRef idx="minor">
+        <a:schemeClr val="lt1"/>
+      </a:fontRef>
+    </dgm:style>
+  </dgm:styleLbl>
+  <dgm:styleLbl name="lnNode1">
+    <dgm:scene3d>
+      <a:camera prst="orthographicFront"/>
+      <a:lightRig rig="threePt" dir="t"/>
+    </dgm:scene3d>
+    <dgm:sp3d/>
+    <dgm:txPr/>
+    <dgm:style>
+      <a:lnRef idx="2">
+        <a:scrgbClr r="0" g="0" b="0"/>
+      </a:lnRef>
+      <a:fillRef idx="1">
+        <a:scrgbClr r="0" g="0" b="0"/>
+      </a:fillRef>
+      <a:effectRef idx="0">
+        <a:scrgbClr r="0" g="0" b="0"/>
+      </a:effectRef>
+      <a:fontRef idx="minor">
+        <a:schemeClr val="lt1"/>
+      </a:fontRef>
+    </dgm:style>
+  </dgm:styleLbl>
+  <dgm:styleLbl name="vennNode1">
+    <dgm:scene3d>
+      <a:camera prst="orthographicFront"/>
+      <a:lightRig rig="threePt" dir="t"/>
+    </dgm:scene3d>
+    <dgm:sp3d/>
+    <dgm:txPr/>
+    <dgm:style>
+      <a:lnRef idx="2">
+        <a:scrgbClr r="0" g="0" b="0"/>
+      </a:lnRef>
+      <a:fillRef idx="1">
+        <a:scrgbClr r="0" g="0" b="0"/>
+      </a:fillRef>
+      <a:effectRef idx="0">
+        <a:scrgbClr r="0" g="0" b="0"/>
+      </a:effectRef>
+      <a:fontRef idx="minor">
+        <a:schemeClr val="tx1"/>
+      </a:fontRef>
+    </dgm:style>
+  </dgm:styleLbl>
+  <dgm:styleLbl name="alignNode1">
+    <dgm:scene3d>
+      <a:camera prst="orthographicFront"/>
+      <a:lightRig rig="threePt" dir="t"/>
+    </dgm:scene3d>
+    <dgm:sp3d/>
+    <dgm:txPr/>
+    <dgm:style>
+      <a:lnRef idx="2">
+        <a:scrgbClr r="0" g="0" b="0"/>
+      </a:lnRef>
+      <a:fillRef idx="1">
+        <a:scrgbClr r="0" g="0" b="0"/>
+      </a:fillRef>
+      <a:effectRef idx="0">
+        <a:scrgbClr r="0" g="0" b="0"/>
+      </a:effectRef>
+      <a:fontRef idx="minor">
+        <a:schemeClr val="lt1"/>
+      </a:fontRef>
+    </dgm:style>
+  </dgm:styleLbl>
+  <dgm:styleLbl name="node1">
+    <dgm:scene3d>
+      <a:camera prst="orthographicFront"/>
+      <a:lightRig rig="threePt" dir="t"/>
+    </dgm:scene3d>
+    <dgm:sp3d/>
+    <dgm:txPr/>
+    <dgm:style>
+      <a:lnRef idx="2">
+        <a:scrgbClr r="0" g="0" b="0"/>
+      </a:lnRef>
+      <a:fillRef idx="1">
+        <a:scrgbClr r="0" g="0" b="0"/>
+      </a:fillRef>
+      <a:effectRef idx="0">
+        <a:scrgbClr r="0" g="0" b="0"/>
+      </a:effectRef>
+      <a:fontRef idx="minor">
+        <a:schemeClr val="lt1"/>
+      </a:fontRef>
+    </dgm:style>
+  </dgm:styleLbl>
+  <dgm:styleLbl name="node2">
+    <dgm:scene3d>
+      <a:camera prst="orthographicFront"/>
+      <a:lightRig rig="threePt" dir="t"/>
+    </dgm:scene3d>
+    <dgm:sp3d/>
+    <dgm:txPr/>
+    <dgm:style>
+      <a:lnRef idx="2">
+        <a:scrgbClr r="0" g="0" b="0"/>
+      </a:lnRef>
+      <a:fillRef idx="1">
+        <a:scrgbClr r="0" g="0" b="0"/>
+      </a:fillRef>
+      <a:effectRef idx="0">
+        <a:scrgbClr r="0" g="0" b="0"/>
+      </a:effectRef>
+      <a:fontRef idx="minor">
+        <a:schemeClr val="lt1"/>
+      </a:fontRef>
+    </dgm:style>
+  </dgm:styleLbl>
+  <dgm:styleLbl name="node3">
+    <dgm:scene3d>
+      <a:camera prst="orthographicFront"/>
+      <a:lightRig rig="threePt" dir="t"/>
+    </dgm:scene3d>
+    <dgm:sp3d/>
+    <dgm:txPr/>
+    <dgm:style>
+      <a:lnRef idx="2">
+        <a:scrgbClr r="0" g="0" b="0"/>
+      </a:lnRef>
+      <a:fillRef idx="1">
+        <a:scrgbClr r="0" g="0" b="0"/>
+      </a:fillRef>
+      <a:effectRef idx="0">
+        <a:scrgbClr r="0" g="0" b="0"/>
+      </a:effectRef>
+      <a:fontRef idx="minor">
+        <a:schemeClr val="lt1"/>
+      </a:fontRef>
+    </dgm:style>
+  </dgm:styleLbl>
+  <dgm:styleLbl name="node4">
+    <dgm:scene3d>
+      <a:camera prst="orthographicFront"/>
+      <a:lightRig rig="threePt" dir="t"/>
+    </dgm:scene3d>
+    <dgm:sp3d/>
+    <dgm:txPr/>
+    <dgm:style>
+      <a:lnRef idx="2">
+        <a:scrgbClr r="0" g="0" b="0"/>
+      </a:lnRef>
+      <a:fillRef idx="1">
+        <a:scrgbClr r="0" g="0" b="0"/>
+      </a:fillRef>
+      <a:effectRef idx="0">
+        <a:scrgbClr r="0" g="0" b="0"/>
+      </a:effectRef>
+      <a:fontRef idx="minor">
+        <a:schemeClr val="lt1"/>
+      </a:fontRef>
+    </dgm:style>
+  </dgm:styleLbl>
+  <dgm:styleLbl name="fgImgPlace1">
+    <dgm:scene3d>
+      <a:camera prst="orthographicFront"/>
+      <a:lightRig rig="threePt" dir="t"/>
+    </dgm:scene3d>
+    <dgm:sp3d/>
+    <dgm:txPr/>
+    <dgm:style>
+      <a:lnRef idx="2">
+        <a:scrgbClr r="0" g="0" b="0"/>
+      </a:lnRef>
+      <a:fillRef idx="1">
+        <a:scrgbClr r="0" g="0" b="0"/>
+      </a:fillRef>
+      <a:effectRef idx="0">
+        <a:scrgbClr r="0" g="0" b="0"/>
+      </a:effectRef>
+      <a:fontRef idx="minor"/>
+    </dgm:style>
+  </dgm:styleLbl>
+  <dgm:styleLbl name="alignImgPlace1">
+    <dgm:scene3d>
+      <a:camera prst="orthographicFront"/>
+      <a:lightRig rig="threePt" dir="t"/>
+    </dgm:scene3d>
+    <dgm:sp3d/>
+    <dgm:txPr/>
+    <dgm:style>
+      <a:lnRef idx="2">
+        <a:scrgbClr r="0" g="0" b="0"/>
+      </a:lnRef>
+      <a:fillRef idx="1">
+        <a:scrgbClr r="0" g="0" b="0"/>
+      </a:fillRef>
+      <a:effectRef idx="0">
+        <a:scrgbClr r="0" g="0" b="0"/>
+      </a:effectRef>
+      <a:fontRef idx="minor"/>
+    </dgm:style>
+  </dgm:styleLbl>
+  <dgm:styleLbl name="bgImgPlace1">
+    <dgm:scene3d>
+      <a:camera prst="orthographicFront"/>
+      <a:lightRig rig="threePt" dir="t"/>
+    </dgm:scene3d>
+    <dgm:sp3d/>
+    <dgm:txPr/>
+    <dgm:style>
+      <a:lnRef idx="2">
+        <a:scrgbClr r="0" g="0" b="0"/>
+      </a:lnRef>
+      <a:fillRef idx="1">
+        <a:scrgbClr r="0" g="0" b="0"/>
+      </a:fillRef>
+      <a:effectRef idx="0">
+        <a:scrgbClr r="0" g="0" b="0"/>
+      </a:effectRef>
+      <a:fontRef idx="minor"/>
+    </dgm:style>
+  </dgm:styleLbl>
+  <dgm:styleLbl name="sibTrans2D1">
+    <dgm:scene3d>
+      <a:camera prst="orthographicFront"/>
+      <a:lightRig rig="threePt" dir="t"/>
+    </dgm:scene3d>
+    <dgm:sp3d/>
+    <dgm:txPr/>
+    <dgm:style>
+      <a:lnRef idx="0">
+        <a:scrgbClr r="0" g="0" b="0"/>
+      </a:lnRef>
+      <a:fillRef idx="1">
+        <a:scrgbClr r="0" g="0" b="0"/>
+      </a:fillRef>
+      <a:effectRef idx="0">
+        <a:scrgbClr r="0" g="0" b="0"/>
+      </a:effectRef>
+      <a:fontRef idx="minor">
+        <a:schemeClr val="lt1"/>
+      </a:fontRef>
+    </dgm:style>
+  </dgm:styleLbl>
+  <dgm:styleLbl name="fgSibTrans2D1">
+    <dgm:scene3d>
+      <a:camera prst="orthographicFront"/>
+      <a:lightRig rig="threePt" dir="t"/>
+    </dgm:scene3d>
+    <dgm:sp3d/>
+    <dgm:txPr/>
+    <dgm:style>
+      <a:lnRef idx="0">
+        <a:scrgbClr r="0" g="0" b="0"/>
+      </a:lnRef>
+      <a:fillRef idx="1">
+        <a:scrgbClr r="0" g="0" b="0"/>
+      </a:fillRef>
+      <a:effectRef idx="0">
+        <a:scrgbClr r="0" g="0" b="0"/>
+      </a:effectRef>
+      <a:fontRef idx="minor">
+        <a:schemeClr val="lt1"/>
+      </a:fontRef>
+    </dgm:style>
+  </dgm:styleLbl>
+  <dgm:styleLbl name="bgSibTrans2D1">
+    <dgm:scene3d>
+      <a:camera prst="orthographicFront"/>
+      <a:lightRig rig="threePt" dir="t"/>
+    </dgm:scene3d>
+    <dgm:sp3d/>
+    <dgm:txPr/>
+    <dgm:style>
+      <a:lnRef idx="0">
+        <a:scrgbClr r="0" g="0" b="0"/>
+      </a:lnRef>
+      <a:fillRef idx="1">
+        <a:scrgbClr r="0" g="0" b="0"/>
+      </a:fillRef>
+      <a:effectRef idx="0">
+        <a:scrgbClr r="0" g="0" b="0"/>
+      </a:effectRef>
+      <a:fontRef idx="minor">
+        <a:schemeClr val="lt1"/>
+      </a:fontRef>
+    </dgm:style>
+  </dgm:styleLbl>
+  <dgm:styleLbl name="sibTrans1D1">
+    <dgm:scene3d>
+      <a:camera prst="orthographicFront"/>
+      <a:lightRig rig="threePt" dir="t"/>
+    </dgm:scene3d>
+    <dgm:sp3d/>
+    <dgm:txPr/>
+    <dgm:style>
+      <a:lnRef idx="1">
+        <a:scrgbClr r="0" g="0" b="0"/>
+      </a:lnRef>
+      <a:fillRef idx="0">
+        <a:scrgbClr r="0" g="0" b="0"/>
+      </a:fillRef>
+      <a:effectRef idx="0">
+        <a:scrgbClr r="0" g="0" b="0"/>
+      </a:effectRef>
+      <a:fontRef idx="minor"/>
+    </dgm:style>
+  </dgm:styleLbl>
+  <dgm:styleLbl name="callout">
+    <dgm:scene3d>
+      <a:camera prst="orthographicFront"/>
+      <a:lightRig rig="threePt" dir="t"/>
+    </dgm:scene3d>
+    <dgm:sp3d/>
+    <dgm:txPr/>
+    <dgm:style>
+      <a:lnRef idx="2">
+        <a:scrgbClr r="0" g="0" b="0"/>
+      </a:lnRef>
+      <a:fillRef idx="1">
+        <a:scrgbClr r="0" g="0" b="0"/>
+      </a:fillRef>
+      <a:effectRef idx="0">
+        <a:scrgbClr r="0" g="0" b="0"/>
+      </a:effectRef>
+      <a:fontRef idx="minor"/>
+    </dgm:style>
+  </dgm:styleLbl>
+  <dgm:styleLbl name="asst0">
+    <dgm:scene3d>
+      <a:camera prst="orthographicFront"/>
+      <a:lightRig rig="threePt" dir="t"/>
+    </dgm:scene3d>
+    <dgm:sp3d/>
+    <dgm:txPr/>
+    <dgm:style>
+      <a:lnRef idx="2">
+        <a:scrgbClr r="0" g="0" b="0"/>
+      </a:lnRef>
+      <a:fillRef idx="1">
+        <a:scrgbClr r="0" g="0" b="0"/>
+      </a:fillRef>
+      <a:effectRef idx="0">
+        <a:scrgbClr r="0" g="0" b="0"/>
+      </a:effectRef>
+      <a:fontRef idx="minor">
+        <a:schemeClr val="lt1"/>
+      </a:fontRef>
+    </dgm:style>
+  </dgm:styleLbl>
+  <dgm:styleLbl name="asst1">
+    <dgm:scene3d>
+      <a:camera prst="orthographicFront"/>
+      <a:lightRig rig="threePt" dir="t"/>
+    </dgm:scene3d>
+    <dgm:sp3d/>
+    <dgm:txPr/>
+    <dgm:style>
+      <a:lnRef idx="2">
+        <a:scrgbClr r="0" g="0" b="0"/>
+      </a:lnRef>
+      <a:fillRef idx="1">
+        <a:scrgbClr r="0" g="0" b="0"/>
+      </a:fillRef>
+      <a:effectRef idx="0">
+        <a:scrgbClr r="0" g="0" b="0"/>
+      </a:effectRef>
+      <a:fontRef idx="minor">
+        <a:schemeClr val="lt1"/>
+      </a:fontRef>
+    </dgm:style>
+  </dgm:styleLbl>
+  <dgm:styleLbl name="asst2">
+    <dgm:scene3d>
+      <a:camera prst="orthographicFront"/>
+      <a:lightRig rig="threePt" dir="t"/>
+    </dgm:scene3d>
+    <dgm:sp3d/>
+    <dgm:txPr/>
+    <dgm:style>
+      <a:lnRef idx="2">
+        <a:scrgbClr r="0" g="0" b="0"/>
+      </a:lnRef>
+      <a:fillRef idx="1">
+        <a:scrgbClr r="0" g="0" b="0"/>
+      </a:fillRef>
+      <a:effectRef idx="0">
+        <a:scrgbClr r="0" g="0" b="0"/>
+      </a:effectRef>
+      <a:fontRef idx="minor">
+        <a:schemeClr val="lt1"/>
+      </a:fontRef>
+    </dgm:style>
+  </dgm:styleLbl>
+  <dgm:styleLbl name="asst3">
+    <dgm:scene3d>
+      <a:camera prst="orthographicFront"/>
+      <a:lightRig rig="threePt" dir="t"/>
+    </dgm:scene3d>
+    <dgm:sp3d/>
+    <dgm:txPr/>
+    <dgm:style>
+      <a:lnRef idx="2">
+        <a:scrgbClr r="0" g="0" b="0"/>
+      </a:lnRef>
+      <a:fillRef idx="1">
+        <a:scrgbClr r="0" g="0" b="0"/>
+      </a:fillRef>
+      <a:effectRef idx="0">
+        <a:scrgbClr r="0" g="0" b="0"/>
+      </a:effectRef>
+      <a:fontRef idx="minor">
+        <a:schemeClr val="lt1"/>
+      </a:fontRef>
+    </dgm:style>
+  </dgm:styleLbl>
+  <dgm:styleLbl name="asst4">
+    <dgm:scene3d>
+      <a:camera prst="orthographicFront"/>
+      <a:lightRig rig="threePt" dir="t"/>
+    </dgm:scene3d>
+    <dgm:sp3d/>
+    <dgm:txPr/>
+    <dgm:style>
+      <a:lnRef idx="2">
+        <a:scrgbClr r="0" g="0" b="0"/>
+      </a:lnRef>
+      <a:fillRef idx="1">
+        <a:scrgbClr r="0" g="0" b="0"/>
+      </a:fillRef>
+      <a:effectRef idx="0">
+        <a:scrgbClr r="0" g="0" b="0"/>
+      </a:effectRef>
+      <a:fontRef idx="minor">
+        <a:schemeClr val="lt1"/>
+      </a:fontRef>
+    </dgm:style>
+  </dgm:styleLbl>
+  <dgm:styleLbl name="parChTrans2D1">
+    <dgm:scene3d>
+      <a:camera prst="orthographicFront"/>
+      <a:lightRig rig="threePt" dir="t"/>
+    </dgm:scene3d>
+    <dgm:sp3d/>
+    <dgm:txPr/>
+    <dgm:style>
+      <a:lnRef idx="2">
+        <a:scrgbClr r="0" g="0" b="0"/>
+      </a:lnRef>
+      <a:fillRef idx="1">
+        <a:scrgbClr r="0" g="0" b="0"/>
+      </a:fillRef>
+      <a:effectRef idx="0">
+        <a:scrgbClr r="0" g="0" b="0"/>
+      </a:effectRef>
+      <a:fontRef idx="minor">
+        <a:schemeClr val="lt1"/>
+      </a:fontRef>
+    </dgm:style>
+  </dgm:styleLbl>
+  <dgm:styleLbl name="parChTrans2D2">
+    <dgm:scene3d>
+      <a:camera prst="orthographicFront"/>
+      <a:lightRig rig="threePt" dir="t"/>
+    </dgm:scene3d>
+    <dgm:sp3d/>
+    <dgm:txPr/>
+    <dgm:style>
+      <a:lnRef idx="2">
+        <a:scrgbClr r="0" g="0" b="0"/>
+      </a:lnRef>
+      <a:fillRef idx="1">
+        <a:scrgbClr r="0" g="0" b="0"/>
+      </a:fillRef>
+      <a:effectRef idx="0">
+        <a:scrgbClr r="0" g="0" b="0"/>
+      </a:effectRef>
+      <a:fontRef idx="minor">
+        <a:schemeClr val="lt1"/>
+      </a:fontRef>
+    </dgm:style>
+  </dgm:styleLbl>
+  <dgm:styleLbl name="parChTrans2D3">
+    <dgm:scene3d>
+      <a:camera prst="orthographicFront"/>
+      <a:lightRig rig="threePt" dir="t"/>
+    </dgm:scene3d>
+    <dgm:sp3d/>
+    <dgm:txPr/>
+    <dgm:style>
+      <a:lnRef idx="2">
+        <a:scrgbClr r="0" g="0" b="0"/>
+      </a:lnRef>
+      <a:fillRef idx="1">
+        <a:scrgbClr r="0" g="0" b="0"/>
+      </a:fillRef>
+      <a:effectRef idx="0">
+        <a:scrgbClr r="0" g="0" b="0"/>
+      </a:effectRef>
+      <a:fontRef idx="minor">
+        <a:schemeClr val="lt1"/>
+      </a:fontRef>
+    </dgm:style>
+  </dgm:styleLbl>
+  <dgm:styleLbl name="parChTrans2D4">
+    <dgm:scene3d>
+      <a:camera prst="orthographicFront"/>
+      <a:lightRig rig="threePt" dir="t"/>
+    </dgm:scene3d>
+    <dgm:sp3d/>
+    <dgm:txPr/>
+    <dgm:style>
+      <a:lnRef idx="2">
+        <a:scrgbClr r="0" g="0" b="0"/>
+      </a:lnRef>
+      <a:fillRef idx="1">
+        <a:scrgbClr r="0" g="0" b="0"/>
+      </a:fillRef>
+      <a:effectRef idx="0">
+        <a:scrgbClr r="0" g="0" b="0"/>
+      </a:effectRef>
+      <a:fontRef idx="minor">
+        <a:schemeClr val="lt1"/>
+      </a:fontRef>
+    </dgm:style>
+  </dgm:styleLbl>
+  <dgm:styleLbl name="parChTrans1D1">
+    <dgm:scene3d>
+      <a:camera prst="orthographicFront"/>
+      <a:lightRig rig="threePt" dir="t"/>
+    </dgm:scene3d>
+    <dgm:sp3d/>
+    <dgm:txPr/>
+    <dgm:style>
+      <a:lnRef idx="2">
+        <a:scrgbClr r="0" g="0" b="0"/>
+      </a:lnRef>
+      <a:fillRef idx="0">
+        <a:scrgbClr r="0" g="0" b="0"/>
+      </a:fillRef>
+      <a:effectRef idx="0">
+        <a:scrgbClr r="0" g="0" b="0"/>
+      </a:effectRef>
+      <a:fontRef idx="minor"/>
+    </dgm:style>
+  </dgm:styleLbl>
+  <dgm:styleLbl name="parChTrans1D2">
+    <dgm:scene3d>
+      <a:camera prst="orthographicFront"/>
+      <a:lightRig rig="threePt" dir="t"/>
+    </dgm:scene3d>
+    <dgm:sp3d/>
+    <dgm:txPr/>
+    <dgm:style>
+      <a:lnRef idx="2">
+        <a:scrgbClr r="0" g="0" b="0"/>
+      </a:lnRef>
+      <a:fillRef idx="0">
+        <a:scrgbClr r="0" g="0" b="0"/>
+      </a:fillRef>
+      <a:effectRef idx="0">
+        <a:scrgbClr r="0" g="0" b="0"/>
+      </a:effectRef>
+      <a:fontRef idx="minor"/>
+    </dgm:style>
+  </dgm:styleLbl>
+  <dgm:styleLbl name="parChTrans1D3">
+    <dgm:scene3d>
+      <a:camera prst="orthographicFront"/>
+      <a:lightRig rig="threePt" dir="t"/>
+    </dgm:scene3d>
+    <dgm:sp3d/>
+    <dgm:txPr/>
+    <dgm:style>
+      <a:lnRef idx="2">
+        <a:scrgbClr r="0" g="0" b="0"/>
+      </a:lnRef>
+      <a:fillRef idx="0">
+        <a:scrgbClr r="0" g="0" b="0"/>
+      </a:fillRef>
+      <a:effectRef idx="0">
+        <a:scrgbClr r="0" g="0" b="0"/>
+      </a:effectRef>
+      <a:fontRef idx="minor"/>
+    </dgm:style>
+  </dgm:styleLbl>
+  <dgm:styleLbl name="parChTrans1D4">
+    <dgm:scene3d>
+      <a:camera prst="orthographicFront"/>
+      <a:lightRig rig="threePt" dir="t"/>
+    </dgm:scene3d>
+    <dgm:sp3d/>
+    <dgm:txPr/>
+    <dgm:style>
+      <a:lnRef idx="2">
+        <a:scrgbClr r="0" g="0" b="0"/>
+      </a:lnRef>
+      <a:fillRef idx="0">
+        <a:scrgbClr r="0" g="0" b="0"/>
+      </a:fillRef>
+      <a:effectRef idx="0">
+        <a:scrgbClr r="0" g="0" b="0"/>
+      </a:effectRef>
+      <a:fontRef idx="minor"/>
+    </dgm:style>
+  </dgm:styleLbl>
+  <dgm:styleLbl name="fgAcc1">
+    <dgm:scene3d>
+      <a:camera prst="orthographicFront"/>
+      <a:lightRig rig="threePt" dir="t"/>
+    </dgm:scene3d>
+    <dgm:sp3d/>
+    <dgm:txPr/>
+    <dgm:style>
+      <a:lnRef idx="2">
+        <a:scrgbClr r="0" g="0" b="0"/>
+      </a:lnRef>
+      <a:fillRef idx="1">
+        <a:scrgbClr r="0" g="0" b="0"/>
+      </a:fillRef>
+      <a:effectRef idx="0">
+        <a:scrgbClr r="0" g="0" b="0"/>
+      </a:effectRef>
+      <a:fontRef idx="minor"/>
+    </dgm:style>
+  </dgm:styleLbl>
+  <dgm:styleLbl name="conFgAcc1">
+    <dgm:scene3d>
+      <a:camera prst="orthographicFront"/>
+      <a:lightRig rig="threePt" dir="t"/>
+    </dgm:scene3d>
+    <dgm:sp3d/>
+    <dgm:txPr/>
+    <dgm:style>
+      <a:lnRef idx="2">
+        <a:scrgbClr r="0" g="0" b="0"/>
+      </a:lnRef>
+      <a:fillRef idx="1">
+        <a:scrgbClr r="0" g="0" b="0"/>
+      </a:fillRef>
+      <a:effectRef idx="0">
+        <a:scrgbClr r="0" g="0" b="0"/>
+      </a:effectRef>
+      <a:fontRef idx="minor"/>
+    </dgm:style>
+  </dgm:styleLbl>
+  <dgm:styleLbl name="alignAcc1">
+    <dgm:scene3d>
+      <a:camera prst="orthographicFront"/>
+      <a:lightRig rig="threePt" dir="t"/>
+    </dgm:scene3d>
+    <dgm:sp3d/>
+    <dgm:txPr/>
+    <dgm:style>
+      <a:lnRef idx="2">
+        <a:scrgbClr r="0" g="0" b="0"/>
+      </a:lnRef>
+      <a:fillRef idx="1">
+        <a:scrgbClr r="0" g="0" b="0"/>
+      </a:fillRef>
+      <a:effectRef idx="0">
+        <a:scrgbClr r="0" g="0" b="0"/>
+      </a:effectRef>
+      <a:fontRef idx="minor"/>
+    </dgm:style>
+  </dgm:styleLbl>
+  <dgm:styleLbl name="trAlignAcc1">
+    <dgm:scene3d>
+      <a:camera prst="orthographicFront"/>
+      <a:lightRig rig="threePt" dir="t"/>
+    </dgm:scene3d>
+    <dgm:sp3d/>
+    <dgm:txPr/>
+    <dgm:style>
+      <a:lnRef idx="1">
+        <a:scrgbClr r="0" g="0" b="0"/>
+      </a:lnRef>
+      <a:fillRef idx="1">
+        <a:scrgbClr r="0" g="0" b="0"/>
+      </a:fillRef>
+      <a:effectRef idx="0">
+        <a:scrgbClr r="0" g="0" b="0"/>
+      </a:effectRef>
+      <a:fontRef idx="minor"/>
+    </dgm:style>
+  </dgm:styleLbl>
+  <dgm:styleLbl name="bgAcc1">
+    <dgm:scene3d>
+      <a:camera prst="orthographicFront"/>
+      <a:lightRig rig="threePt" dir="t"/>
+    </dgm:scene3d>
+    <dgm:sp3d/>
+    <dgm:txPr/>
+    <dgm:style>
+      <a:lnRef idx="2">
+        <a:scrgbClr r="0" g="0" b="0"/>
+      </a:lnRef>
+      <a:fillRef idx="1">
+        <a:scrgbClr r="0" g="0" b="0"/>
+      </a:fillRef>
+      <a:effectRef idx="0">
+        <a:scrgbClr r="0" g="0" b="0"/>
+      </a:effectRef>
+      <a:fontRef idx="minor"/>
+    </dgm:style>
+  </dgm:styleLbl>
+  <dgm:styleLbl name="solidFgAcc1">
+    <dgm:scene3d>
+      <a:camera prst="orthographicFront"/>
+      <a:lightRig rig="threePt" dir="t"/>
+    </dgm:scene3d>
+    <dgm:sp3d/>
+    <dgm:txPr/>
+    <dgm:style>
+      <a:lnRef idx="2">
+        <a:scrgbClr r="0" g="0" b="0"/>
+      </a:lnRef>
+      <a:fillRef idx="1">
+        <a:scrgbClr r="0" g="0" b="0"/>
+      </a:fillRef>
+      <a:effectRef idx="0">
+        <a:scrgbClr r="0" g="0" b="0"/>
+      </a:effectRef>
+      <a:fontRef idx="minor"/>
+    </dgm:style>
+  </dgm:styleLbl>
+  <dgm:styleLbl name="solidAlignAcc1">
+    <dgm:scene3d>
+      <a:camera prst="orthographicFront"/>
+      <a:lightRig rig="threePt" dir="t"/>
+    </dgm:scene3d>
+    <dgm:sp3d/>
+    <dgm:txPr/>
+    <dgm:style>
+      <a:lnRef idx="2">
+        <a:scrgbClr r="0" g="0" b="0"/>
+      </a:lnRef>
+      <a:fillRef idx="1">
+        <a:scrgbClr r="0" g="0" b="0"/>
+      </a:fillRef>
+      <a:effectRef idx="0">
+        <a:scrgbClr r="0" g="0" b="0"/>
+      </a:effectRef>
+      <a:fontRef idx="minor"/>
+    </dgm:style>
+  </dgm:styleLbl>
+  <dgm:styleLbl name="solidBgAcc1">
+    <dgm:scene3d>
+      <a:camera prst="orthographicFront"/>
+      <a:lightRig rig="threePt" dir="t"/>
+    </dgm:scene3d>
+    <dgm:sp3d/>
+    <dgm:txPr/>
+    <dgm:style>
+      <a:lnRef idx="2">
+        <a:scrgbClr r="0" g="0" b="0"/>
+      </a:lnRef>
+      <a:fillRef idx="1">
+        <a:scrgbClr r="0" g="0" b="0"/>
+      </a:fillRef>
+      <a:effectRef idx="0">
+        <a:scrgbClr r="0" g="0" b="0"/>
+      </a:effectRef>
+      <a:fontRef idx="minor"/>
+    </dgm:style>
+  </dgm:styleLbl>
+  <dgm:styleLbl name="fgAccFollowNode1">
+    <dgm:scene3d>
+      <a:camera prst="orthographicFront"/>
+      <a:lightRig rig="threePt" dir="t"/>
+    </dgm:scene3d>
+    <dgm:sp3d/>
+    <dgm:txPr/>
+    <dgm:style>
+      <a:lnRef idx="2">
+        <a:scrgbClr r="0" g="0" b="0"/>
+      </a:lnRef>
+      <a:fillRef idx="1">
+        <a:scrgbClr r="0" g="0" b="0"/>
+      </a:fillRef>
+      <a:effectRef idx="0">
+        <a:scrgbClr r="0" g="0" b="0"/>
+      </a:effectRef>
+      <a:fontRef idx="minor"/>
+    </dgm:style>
+  </dgm:styleLbl>
+  <dgm:styleLbl name="alignAccFollowNode1">
+    <dgm:scene3d>
+      <a:camera prst="orthographicFront"/>
+      <a:lightRig rig="threePt" dir="t"/>
+    </dgm:scene3d>
+    <dgm:sp3d/>
+    <dgm:txPr/>
+    <dgm:style>
+      <a:lnRef idx="2">
+        <a:scrgbClr r="0" g="0" b="0"/>
+      </a:lnRef>
+      <a:fillRef idx="1">
+        <a:scrgbClr r="0" g="0" b="0"/>
+      </a:fillRef>
+      <a:effectRef idx="0">
+        <a:scrgbClr r="0" g="0" b="0"/>
+      </a:effectRef>
+      <a:fontRef idx="minor"/>
+    </dgm:style>
+  </dgm:styleLbl>
+  <dgm:styleLbl name="bgAccFollowNode1">
+    <dgm:scene3d>
+      <a:camera prst="orthographicFront"/>
+      <a:lightRig rig="threePt" dir="t"/>
+    </dgm:scene3d>
+    <dgm:sp3d/>
+    <dgm:txPr/>
+    <dgm:style>
+      <a:lnRef idx="2">
+        <a:scrgbClr r="0" g="0" b="0"/>
+      </a:lnRef>
+      <a:fillRef idx="1">
+        <a:scrgbClr r="0" g="0" b="0"/>
+      </a:fillRef>
+      <a:effectRef idx="0">
+        <a:scrgbClr r="0" g="0" b="0"/>
+      </a:effectRef>
+      <a:fontRef idx="minor"/>
+    </dgm:style>
+  </dgm:styleLbl>
+  <dgm:styleLbl name="fgAcc0">
+    <dgm:scene3d>
+      <a:camera prst="orthographicFront"/>
+      <a:lightRig rig="threePt" dir="t"/>
+    </dgm:scene3d>
+    <dgm:sp3d/>
+    <dgm:txPr/>
+    <dgm:style>
+      <a:lnRef idx="2">
+        <a:scrgbClr r="0" g="0" b="0"/>
+      </a:lnRef>
+      <a:fillRef idx="1">
+        <a:scrgbClr r="0" g="0" b="0"/>
+      </a:fillRef>
+      <a:effectRef idx="0">
+        <a:scrgbClr r="0" g="0" b="0"/>
+      </a:effectRef>
+      <a:fontRef idx="minor"/>
+    </dgm:style>
+  </dgm:styleLbl>
+  <dgm:styleLbl name="fgAcc2">
+    <dgm:scene3d>
+      <a:camera prst="orthographicFront"/>
+      <a:lightRig rig="threePt" dir="t"/>
+    </dgm:scene3d>
+    <dgm:sp3d/>
+    <dgm:txPr/>
+    <dgm:style>
+      <a:lnRef idx="2">
+        <a:scrgbClr r="0" g="0" b="0"/>
+      </a:lnRef>
+      <a:fillRef idx="1">
+        <a:scrgbClr r="0" g="0" b="0"/>
+      </a:fillRef>
+      <a:effectRef idx="0">
+        <a:scrgbClr r="0" g="0" b="0"/>
+      </a:effectRef>
+      <a:fontRef idx="minor"/>
+    </dgm:style>
+  </dgm:styleLbl>
+  <dgm:styleLbl name="fgAcc3">
+    <dgm:scene3d>
+      <a:camera prst="orthographicFront"/>
+      <a:lightRig rig="threePt" dir="t"/>
+    </dgm:scene3d>
+    <dgm:sp3d/>
+    <dgm:txPr/>
+    <dgm:style>
+      <a:lnRef idx="2">
+        <a:scrgbClr r="0" g="0" b="0"/>
+      </a:lnRef>
+      <a:fillRef idx="1">
+        <a:scrgbClr r="0" g="0" b="0"/>
+      </a:fillRef>
+      <a:effectRef idx="0">
+        <a:scrgbClr r="0" g="0" b="0"/>
+      </a:effectRef>
+      <a:fontRef idx="minor"/>
+    </dgm:style>
+  </dgm:styleLbl>
+  <dgm:styleLbl name="fgAcc4">
+    <dgm:scene3d>
+      <a:camera prst="orthographicFront"/>
+      <a:lightRig rig="threePt" dir="t"/>
+    </dgm:scene3d>
+    <dgm:sp3d/>
+    <dgm:txPr/>
+    <dgm:style>
+      <a:lnRef idx="2">
+        <a:scrgbClr r="0" g="0" b="0"/>
+      </a:lnRef>
+      <a:fillRef idx="1">
+        <a:scrgbClr r="0" g="0" b="0"/>
+      </a:fillRef>
+      <a:effectRef idx="0">
+        <a:scrgbClr r="0" g="0" b="0"/>
+      </a:effectRef>
+      <a:fontRef idx="minor"/>
+    </dgm:style>
+  </dgm:styleLbl>
+  <dgm:styleLbl name="bgShp">
+    <dgm:scene3d>
+      <a:camera prst="orthographicFront"/>
+      <a:lightRig rig="threePt" dir="t"/>
+    </dgm:scene3d>
+    <dgm:sp3d/>
+    <dgm:txPr/>
+    <dgm:style>
+      <a:lnRef idx="0">
+        <a:scrgbClr r="0" g="0" b="0"/>
+      </a:lnRef>
+      <a:fillRef idx="1">
+        <a:scrgbClr r="0" g="0" b="0"/>
+      </a:fillRef>
+      <a:effectRef idx="0">
+        <a:scrgbClr r="0" g="0" b="0"/>
+      </a:effectRef>
+      <a:fontRef idx="minor"/>
+    </dgm:style>
+  </dgm:styleLbl>
+  <dgm:styleLbl name="dkBgShp">
+    <dgm:scene3d>
+      <a:camera prst="orthographicFront"/>
+      <a:lightRig rig="threePt" dir="t"/>
+    </dgm:scene3d>
+    <dgm:sp3d/>
+    <dgm:txPr/>
+    <dgm:style>
+      <a:lnRef idx="0">
+        <a:scrgbClr r="0" g="0" b="0"/>
+      </a:lnRef>
+      <a:fillRef idx="1">
+        <a:scrgbClr r="0" g="0" b="0"/>
+      </a:fillRef>
+      <a:effectRef idx="0">
+        <a:scrgbClr r="0" g="0" b="0"/>
+      </a:effectRef>
+      <a:fontRef idx="minor"/>
+    </dgm:style>
+  </dgm:styleLbl>
+  <dgm:styleLbl name="trBgShp">
+    <dgm:scene3d>
+      <a:camera prst="orthographicFront"/>
+      <a:lightRig rig="threePt" dir="t"/>
+    </dgm:scene3d>
+    <dgm:sp3d/>
+    <dgm:txPr/>
+    <dgm:style>
+      <a:lnRef idx="0">
+        <a:scrgbClr r="0" g="0" b="0"/>
+      </a:lnRef>
+      <a:fillRef idx="1">
+        <a:scrgbClr r="0" g="0" b="0"/>
+      </a:fillRef>
+      <a:effectRef idx="0">
+        <a:scrgbClr r="0" g="0" b="0"/>
+      </a:effectRef>
+      <a:fontRef idx="minor"/>
+    </dgm:style>
+  </dgm:styleLbl>
+  <dgm:styleLbl name="fgShp">
+    <dgm:scene3d>
+      <a:camera prst="orthographicFront"/>
+      <a:lightRig rig="threePt" dir="t"/>
+    </dgm:scene3d>
+    <dgm:sp3d/>
+    <dgm:txPr/>
+    <dgm:style>
+      <a:lnRef idx="2">
+        <a:scrgbClr r="0" g="0" b="0"/>
+      </a:lnRef>
+      <a:fillRef idx="1">
+        <a:scrgbClr r="0" g="0" b="0"/>
+      </a:fillRef>
+      <a:effectRef idx="0">
+        <a:scrgbClr r="0" g="0" b="0"/>
+      </a:effectRef>
+      <a:fontRef idx="minor"/>
+    </dgm:style>
+  </dgm:styleLbl>
+  <dgm:styleLbl name="revTx">
+    <dgm:scene3d>
+      <a:camera prst="orthographicFront"/>
+      <a:lightRig rig="threePt" dir="t"/>
+    </dgm:scene3d>
+    <dgm:sp3d/>
+    <dgm:txPr/>
+    <dgm:style>
+      <a:lnRef idx="0">
+        <a:scrgbClr r="0" g="0" b="0"/>
+      </a:lnRef>
+      <a:fillRef idx="0">
+        <a:scrgbClr r="0" g="0" b="0"/>
+      </a:fillRef>
+      <a:effectRef idx="0">
+        <a:scrgbClr r="0" g="0" b="0"/>
+      </a:effectRef>
+      <a:fontRef idx="minor"/>
+    </dgm:style>
+  </dgm:styleLbl>
+</dgm:styleDef>
+</file>
+
 <file path=ppt/handoutMasters/handoutMaster1.xml><?xml version="1.0" encoding="utf-8"?>
 <p:handoutMaster xmlns:a="http://schemas.openxmlformats.org/drawingml/2006/main" xmlns:r="http://schemas.openxmlformats.org/officeDocument/2006/relationships" xmlns:p="http://schemas.openxmlformats.org/presentationml/2006/main">
   <p:cSld>
@@ -235,7 +2967,7 @@
           <a:p>
             <a:fld id="{C17F2C1D-F243-42AB-ADF2-E7CB4E04900E}" type="datetimeFigureOut">
               <a:rPr lang="en-US" smtClean="0"/>
-              <a:t>12/5/2023</a:t>
+              <a:t>12/6/23</a:t>
             </a:fld>
             <a:endParaRPr lang="en-US"/>
           </a:p>
@@ -412,7 +3144,7 @@
           <a:p>
             <a:fld id="{020CE34E-5667-4A32-A6BA-10C7A552BC63}" type="datetimeFigureOut">
               <a:rPr lang="en-US" smtClean="0"/>
-              <a:t>12/5/2023</a:t>
+              <a:t>12/6/23</a:t>
             </a:fld>
             <a:endParaRPr lang="en-US"/>
           </a:p>
@@ -12921,6 +15653,14 @@
 <file path=ppt/slides/slide10.xml><?xml version="1.0" encoding="utf-8"?>
 <p:sld xmlns:a="http://schemas.openxmlformats.org/drawingml/2006/main" xmlns:r="http://schemas.openxmlformats.org/officeDocument/2006/relationships" xmlns:p="http://schemas.openxmlformats.org/presentationml/2006/main">
   <p:cSld>
+    <p:bg>
+      <p:bgPr>
+        <a:solidFill>
+          <a:schemeClr val="bg2"/>
+        </a:solidFill>
+        <a:effectLst/>
+      </p:bgPr>
+    </p:bg>
     <p:spTree>
       <p:nvGrpSpPr>
         <p:cNvPr id="1" name=""/>
@@ -12937,6 +15677,893 @@
       </p:grpSpPr>
       <p:sp>
         <p:nvSpPr>
+          <p:cNvPr id="13" name="Freeform: Shape 12">
+            <a:extLst>
+              <a:ext uri="{FF2B5EF4-FFF2-40B4-BE49-F238E27FC236}">
+                <a16:creationId xmlns:a16="http://schemas.microsoft.com/office/drawing/2014/main" id="{82184FF4-7029-4ED7-813A-192E60608764}"/>
+              </a:ext>
+              <a:ext uri="{C183D7F6-B498-43B3-948B-1728B52AA6E4}">
+                <adec:decorative xmlns:adec="http://schemas.microsoft.com/office/drawing/2017/decorative" val="1"/>
+              </a:ext>
+            </a:extLst>
+          </p:cNvPr>
+          <p:cNvSpPr>
+            <a:spLocks noGrp="1" noRot="1" noChangeAspect="1" noMove="1" noResize="1" noEditPoints="1" noAdjustHandles="1" noChangeArrowheads="1" noChangeShapeType="1" noTextEdit="1"/>
+          </p:cNvSpPr>
+          <p:nvPr>
+            <p:extLst>
+              <p:ext uri="{386F3935-93C4-4BCD-93E2-E3B085C9AB24}">
+                <p16:designElem xmlns:p16="http://schemas.microsoft.com/office/powerpoint/2015/main" val="1"/>
+              </p:ext>
+            </p:extLst>
+          </p:nvPr>
+        </p:nvSpPr>
+        <p:spPr>
+          <a:xfrm rot="2700000">
+            <a:off x="612445" y="481888"/>
+            <a:ext cx="1080000" cy="1262947"/>
+          </a:xfrm>
+          <a:custGeom>
+            <a:avLst/>
+            <a:gdLst/>
+            <a:ahLst/>
+            <a:cxnLst/>
+            <a:rect l="l" t="t" r="r" b="b"/>
+            <a:pathLst>
+              <a:path w="1080000" h="1262947">
+                <a:moveTo>
+                  <a:pt x="540000" y="0"/>
+                </a:moveTo>
+                <a:lnTo>
+                  <a:pt x="1064374" y="931034"/>
+                </a:lnTo>
+                <a:lnTo>
+                  <a:pt x="1069029" y="938533"/>
+                </a:lnTo>
+                <a:cubicBezTo>
+                  <a:pt x="1076223" y="956109"/>
+                  <a:pt x="1080000" y="974307"/>
+                  <a:pt x="1080000" y="992947"/>
+                </a:cubicBezTo>
+                <a:cubicBezTo>
+                  <a:pt x="1080000" y="1142064"/>
+                  <a:pt x="838234" y="1262947"/>
+                  <a:pt x="540000" y="1262947"/>
+                </a:cubicBezTo>
+                <a:cubicBezTo>
+                  <a:pt x="241766" y="1262947"/>
+                  <a:pt x="0" y="1142064"/>
+                  <a:pt x="0" y="992947"/>
+                </a:cubicBezTo>
+                <a:cubicBezTo>
+                  <a:pt x="0" y="974307"/>
+                  <a:pt x="3778" y="956109"/>
+                  <a:pt x="10971" y="938533"/>
+                </a:cubicBezTo>
+                <a:lnTo>
+                  <a:pt x="15626" y="931034"/>
+                </a:lnTo>
+                <a:lnTo>
+                  <a:pt x="540000" y="0"/>
+                </a:lnTo>
+                <a:close/>
+              </a:path>
+            </a:pathLst>
+          </a:custGeom>
+          <a:gradFill>
+            <a:gsLst>
+              <a:gs pos="60000">
+                <a:schemeClr val="bg2">
+                  <a:lumMod val="90000"/>
+                  <a:lumOff val="10000"/>
+                </a:schemeClr>
+              </a:gs>
+              <a:gs pos="30000">
+                <a:schemeClr val="bg2">
+                  <a:lumMod val="90000"/>
+                  <a:lumOff val="10000"/>
+                </a:schemeClr>
+              </a:gs>
+              <a:gs pos="40000">
+                <a:schemeClr val="bg2">
+                  <a:lumMod val="75000"/>
+                  <a:lumOff val="25000"/>
+                </a:schemeClr>
+              </a:gs>
+              <a:gs pos="100000">
+                <a:schemeClr val="bg2"/>
+              </a:gs>
+            </a:gsLst>
+            <a:lin ang="600000" scaled="0"/>
+          </a:gradFill>
+          <a:ln>
+            <a:noFill/>
+          </a:ln>
+          <a:effectLst>
+            <a:innerShdw blurRad="254000" dist="101600" dir="2700000">
+              <a:schemeClr val="accent1">
+                <a:lumMod val="60000"/>
+                <a:lumOff val="40000"/>
+                <a:alpha val="40000"/>
+              </a:schemeClr>
+            </a:innerShdw>
+          </a:effectLst>
+        </p:spPr>
+        <p:style>
+          <a:lnRef idx="2">
+            <a:schemeClr val="accent1">
+              <a:shade val="50000"/>
+            </a:schemeClr>
+          </a:lnRef>
+          <a:fillRef idx="1">
+            <a:schemeClr val="accent1"/>
+          </a:fillRef>
+          <a:effectRef idx="0">
+            <a:schemeClr val="accent1"/>
+          </a:effectRef>
+          <a:fontRef idx="minor">
+            <a:schemeClr val="lt1"/>
+          </a:fontRef>
+        </p:style>
+        <p:txBody>
+          <a:bodyPr rot="0" spcFirstLastPara="0" vertOverflow="overflow" horzOverflow="overflow" vert="horz" wrap="square" lIns="91440" tIns="45720" rIns="91440" bIns="45720" numCol="1" spcCol="0" rtlCol="0" fromWordArt="0" anchor="ctr" anchorCtr="0" forceAA="0" compatLnSpc="1">
+            <a:prstTxWarp prst="textNoShape">
+              <a:avLst/>
+            </a:prstTxWarp>
+            <a:noAutofit/>
+          </a:bodyPr>
+          <a:lstStyle/>
+          <a:p>
+            <a:pPr algn="ctr"/>
+            <a:endParaRPr lang="en-US"/>
+          </a:p>
+        </p:txBody>
+      </p:sp>
+      <p:sp>
+        <p:nvSpPr>
+          <p:cNvPr id="15" name="Oval 14">
+            <a:extLst>
+              <a:ext uri="{FF2B5EF4-FFF2-40B4-BE49-F238E27FC236}">
+                <a16:creationId xmlns:a16="http://schemas.microsoft.com/office/drawing/2014/main" id="{AAA7AB09-557C-41AD-9113-FF9F68FA1035}"/>
+              </a:ext>
+              <a:ext uri="{C183D7F6-B498-43B3-948B-1728B52AA6E4}">
+                <adec:decorative xmlns:adec="http://schemas.microsoft.com/office/drawing/2017/decorative" val="1"/>
+              </a:ext>
+            </a:extLst>
+          </p:cNvPr>
+          <p:cNvSpPr>
+            <a:spLocks noGrp="1" noRot="1" noChangeAspect="1" noMove="1" noResize="1" noEditPoints="1" noAdjustHandles="1" noChangeArrowheads="1" noChangeShapeType="1" noTextEdit="1"/>
+          </p:cNvSpPr>
+          <p:nvPr>
+            <p:extLst>
+              <p:ext uri="{386F3935-93C4-4BCD-93E2-E3B085C9AB24}">
+                <p16:designElem xmlns:p16="http://schemas.microsoft.com/office/powerpoint/2015/main" val="1"/>
+              </p:ext>
+            </p:extLst>
+          </p:nvPr>
+        </p:nvSpPr>
+        <p:spPr>
+          <a:xfrm rot="8100000">
+            <a:off x="626845" y="828962"/>
+            <a:ext cx="540000" cy="1080000"/>
+          </a:xfrm>
+          <a:prstGeom prst="ellipse">
+            <a:avLst/>
+          </a:prstGeom>
+          <a:gradFill>
+            <a:gsLst>
+              <a:gs pos="100000">
+                <a:schemeClr val="bg2">
+                  <a:lumMod val="90000"/>
+                  <a:lumOff val="10000"/>
+                </a:schemeClr>
+              </a:gs>
+              <a:gs pos="50000">
+                <a:schemeClr val="bg2">
+                  <a:lumMod val="95000"/>
+                  <a:lumOff val="5000"/>
+                </a:schemeClr>
+              </a:gs>
+            </a:gsLst>
+            <a:lin ang="5400000" scaled="0"/>
+          </a:gradFill>
+          <a:ln>
+            <a:noFill/>
+          </a:ln>
+          <a:effectLst>
+            <a:innerShdw blurRad="1270000" dist="2540000">
+              <a:schemeClr val="accent1">
+                <a:lumMod val="60000"/>
+                <a:lumOff val="40000"/>
+                <a:alpha val="0"/>
+              </a:schemeClr>
+            </a:innerShdw>
+          </a:effectLst>
+        </p:spPr>
+        <p:style>
+          <a:lnRef idx="2">
+            <a:schemeClr val="accent1">
+              <a:shade val="50000"/>
+            </a:schemeClr>
+          </a:lnRef>
+          <a:fillRef idx="1">
+            <a:schemeClr val="accent1"/>
+          </a:fillRef>
+          <a:effectRef idx="0">
+            <a:schemeClr val="accent1"/>
+          </a:effectRef>
+          <a:fontRef idx="minor">
+            <a:schemeClr val="lt1"/>
+          </a:fontRef>
+        </p:style>
+        <p:txBody>
+          <a:bodyPr rot="0" spcFirstLastPara="0" vertOverflow="overflow" horzOverflow="overflow" vert="horz" wrap="square" lIns="91440" tIns="45720" rIns="91440" bIns="45720" numCol="1" spcCol="0" rtlCol="0" fromWordArt="0" anchor="ctr" anchorCtr="0" forceAA="0" compatLnSpc="1">
+            <a:prstTxWarp prst="textNoShape">
+              <a:avLst/>
+            </a:prstTxWarp>
+            <a:noAutofit/>
+          </a:bodyPr>
+          <a:lstStyle/>
+          <a:p>
+            <a:pPr algn="ctr"/>
+            <a:endParaRPr lang="en-US"/>
+          </a:p>
+        </p:txBody>
+      </p:sp>
+      <p:sp>
+        <p:nvSpPr>
+          <p:cNvPr id="17" name="Oval 16">
+            <a:extLst>
+              <a:ext uri="{FF2B5EF4-FFF2-40B4-BE49-F238E27FC236}">
+                <a16:creationId xmlns:a16="http://schemas.microsoft.com/office/drawing/2014/main" id="{EF99ECAA-1F11-4937-BBA6-51935AB44C9D}"/>
+              </a:ext>
+              <a:ext uri="{C183D7F6-B498-43B3-948B-1728B52AA6E4}">
+                <adec:decorative xmlns:adec="http://schemas.microsoft.com/office/drawing/2017/decorative" val="1"/>
+              </a:ext>
+            </a:extLst>
+          </p:cNvPr>
+          <p:cNvSpPr>
+            <a:spLocks noGrp="1" noRot="1" noChangeAspect="1" noMove="1" noResize="1" noEditPoints="1" noAdjustHandles="1" noChangeArrowheads="1" noChangeShapeType="1" noTextEdit="1"/>
+          </p:cNvSpPr>
+          <p:nvPr>
+            <p:extLst>
+              <p:ext uri="{386F3935-93C4-4BCD-93E2-E3B085C9AB24}">
+                <p16:designElem xmlns:p16="http://schemas.microsoft.com/office/powerpoint/2015/main" val="1"/>
+              </p:ext>
+            </p:extLst>
+          </p:nvPr>
+        </p:nvSpPr>
+        <p:spPr>
+          <a:xfrm>
+            <a:off x="1800802" y="2472855"/>
+            <a:ext cx="360000" cy="360000"/>
+          </a:xfrm>
+          <a:prstGeom prst="ellipse">
+            <a:avLst/>
+          </a:prstGeom>
+          <a:gradFill flip="none" rotWithShape="1">
+            <a:gsLst>
+              <a:gs pos="100000">
+                <a:schemeClr val="bg2">
+                  <a:lumMod val="50000"/>
+                  <a:lumOff val="50000"/>
+                </a:schemeClr>
+              </a:gs>
+              <a:gs pos="60000">
+                <a:schemeClr val="bg2"/>
+              </a:gs>
+            </a:gsLst>
+            <a:path path="circle">
+              <a:fillToRect l="100000" b="100000"/>
+            </a:path>
+            <a:tileRect t="-100000" r="-100000"/>
+          </a:gradFill>
+          <a:ln>
+            <a:noFill/>
+          </a:ln>
+          <a:effectLst>
+            <a:innerShdw blurRad="127000" dist="63500" dir="2700000">
+              <a:schemeClr val="accent1">
+                <a:lumMod val="60000"/>
+                <a:lumOff val="40000"/>
+                <a:alpha val="20000"/>
+              </a:schemeClr>
+            </a:innerShdw>
+            <a:softEdge rad="0"/>
+          </a:effectLst>
+        </p:spPr>
+        <p:style>
+          <a:lnRef idx="2">
+            <a:schemeClr val="accent1">
+              <a:shade val="50000"/>
+            </a:schemeClr>
+          </a:lnRef>
+          <a:fillRef idx="1">
+            <a:schemeClr val="accent1"/>
+          </a:fillRef>
+          <a:effectRef idx="0">
+            <a:schemeClr val="accent1"/>
+          </a:effectRef>
+          <a:fontRef idx="minor">
+            <a:schemeClr val="lt1"/>
+          </a:fontRef>
+        </p:style>
+        <p:txBody>
+          <a:bodyPr rot="0" spcFirstLastPara="0" vertOverflow="overflow" horzOverflow="overflow" vert="horz" wrap="square" lIns="91440" tIns="45720" rIns="91440" bIns="45720" numCol="1" spcCol="0" rtlCol="0" fromWordArt="0" anchor="ctr" anchorCtr="0" forceAA="0" compatLnSpc="1">
+            <a:prstTxWarp prst="textNoShape">
+              <a:avLst/>
+            </a:prstTxWarp>
+            <a:noAutofit/>
+          </a:bodyPr>
+          <a:lstStyle/>
+          <a:p>
+            <a:pPr algn="ctr"/>
+            <a:endParaRPr lang="en-US"/>
+          </a:p>
+        </p:txBody>
+      </p:sp>
+      <p:grpSp>
+        <p:nvGrpSpPr>
+          <p:cNvPr id="19" name="Group 18">
+            <a:extLst>
+              <a:ext uri="{FF2B5EF4-FFF2-40B4-BE49-F238E27FC236}">
+                <a16:creationId xmlns:a16="http://schemas.microsoft.com/office/drawing/2014/main" id="{79DE9FAB-6BBA-4CFE-B67D-77B47F01ECA4}"/>
+              </a:ext>
+              <a:ext uri="{C183D7F6-B498-43B3-948B-1728B52AA6E4}">
+                <adec:decorative xmlns:adec="http://schemas.microsoft.com/office/drawing/2017/decorative" val="1"/>
+              </a:ext>
+            </a:extLst>
+          </p:cNvPr>
+          <p:cNvGrpSpPr>
+            <a:grpSpLocks noGrp="1" noUngrp="1" noRot="1" noChangeAspect="1" noMove="1" noResize="1"/>
+          </p:cNvGrpSpPr>
+          <p:nvPr>
+            <p:extLst>
+              <p:ext uri="{386F3935-93C4-4BCD-93E2-E3B085C9AB24}">
+                <p16:designElem xmlns:p16="http://schemas.microsoft.com/office/powerpoint/2015/main" val="1"/>
+              </p:ext>
+            </p:extLst>
+          </p:nvPr>
+        </p:nvGrpSpPr>
+        <p:grpSpPr>
+          <a:xfrm>
+            <a:off x="1329952" y="4524379"/>
+            <a:ext cx="1980001" cy="1363916"/>
+            <a:chOff x="4879602" y="3781429"/>
+            <a:chExt cx="1980001" cy="1363916"/>
+          </a:xfrm>
+        </p:grpSpPr>
+        <p:sp>
+          <p:nvSpPr>
+            <p:cNvPr id="20" name="Freeform: Shape 19">
+              <a:extLst>
+                <a:ext uri="{FF2B5EF4-FFF2-40B4-BE49-F238E27FC236}">
+                  <a16:creationId xmlns:a16="http://schemas.microsoft.com/office/drawing/2014/main" id="{79FAC916-D9BB-4794-81B4-7C47C67E850D}"/>
+                </a:ext>
+                <a:ext uri="{C183D7F6-B498-43B3-948B-1728B52AA6E4}">
+                  <adec:decorative xmlns:adec="http://schemas.microsoft.com/office/drawing/2017/decorative" val="1"/>
+                </a:ext>
+              </a:extLst>
+            </p:cNvPr>
+            <p:cNvSpPr>
+              <a:spLocks noChangeAspect="1"/>
+            </p:cNvSpPr>
+            <p:nvPr>
+              <p:extLst>
+                <p:ext uri="{386F3935-93C4-4BCD-93E2-E3B085C9AB24}">
+                  <p16:designElem xmlns:p16="http://schemas.microsoft.com/office/powerpoint/2015/main" val="1"/>
+                </p:ext>
+              </p:extLst>
+            </p:nvPr>
+          </p:nvSpPr>
+          <p:spPr>
+            <a:xfrm rot="18900000" flipV="1">
+              <a:off x="5005634" y="4191206"/>
+              <a:ext cx="1853969" cy="926985"/>
+            </a:xfrm>
+            <a:custGeom>
+              <a:avLst/>
+              <a:gdLst>
+                <a:gd name="connsiteX0" fmla="*/ 1329373 w 2658746"/>
+                <a:gd name="connsiteY0" fmla="*/ 0 h 1329373"/>
+                <a:gd name="connsiteX1" fmla="*/ 2658746 w 2658746"/>
+                <a:gd name="connsiteY1" fmla="*/ 1329373 h 1329373"/>
+                <a:gd name="connsiteX2" fmla="*/ 1994059 w 2658746"/>
+                <a:gd name="connsiteY2" fmla="*/ 1329373 h 1329373"/>
+                <a:gd name="connsiteX3" fmla="*/ 1329373 w 2658746"/>
+                <a:gd name="connsiteY3" fmla="*/ 664687 h 1329373"/>
+                <a:gd name="connsiteX4" fmla="*/ 664687 w 2658746"/>
+                <a:gd name="connsiteY4" fmla="*/ 1329373 h 1329373"/>
+                <a:gd name="connsiteX5" fmla="*/ 0 w 2658746"/>
+                <a:gd name="connsiteY5" fmla="*/ 1329373 h 1329373"/>
+                <a:gd name="connsiteX6" fmla="*/ 1329373 w 2658746"/>
+                <a:gd name="connsiteY6" fmla="*/ 0 h 1329373"/>
+              </a:gdLst>
+              <a:ahLst/>
+              <a:cxnLst>
+                <a:cxn ang="0">
+                  <a:pos x="connsiteX0" y="connsiteY0"/>
+                </a:cxn>
+                <a:cxn ang="0">
+                  <a:pos x="connsiteX1" y="connsiteY1"/>
+                </a:cxn>
+                <a:cxn ang="0">
+                  <a:pos x="connsiteX2" y="connsiteY2"/>
+                </a:cxn>
+                <a:cxn ang="0">
+                  <a:pos x="connsiteX3" y="connsiteY3"/>
+                </a:cxn>
+                <a:cxn ang="0">
+                  <a:pos x="connsiteX4" y="connsiteY4"/>
+                </a:cxn>
+                <a:cxn ang="0">
+                  <a:pos x="connsiteX5" y="connsiteY5"/>
+                </a:cxn>
+                <a:cxn ang="0">
+                  <a:pos x="connsiteX6" y="connsiteY6"/>
+                </a:cxn>
+              </a:cxnLst>
+              <a:rect l="l" t="t" r="r" b="b"/>
+              <a:pathLst>
+                <a:path w="2658746" h="1329373">
+                  <a:moveTo>
+                    <a:pt x="1329373" y="0"/>
+                  </a:moveTo>
+                  <a:cubicBezTo>
+                    <a:pt x="2063565" y="0"/>
+                    <a:pt x="2658746" y="595181"/>
+                    <a:pt x="2658746" y="1329373"/>
+                  </a:cubicBezTo>
+                  <a:lnTo>
+                    <a:pt x="1994059" y="1329373"/>
+                  </a:lnTo>
+                  <a:cubicBezTo>
+                    <a:pt x="1994059" y="962277"/>
+                    <a:pt x="1696469" y="664687"/>
+                    <a:pt x="1329373" y="664687"/>
+                  </a:cubicBezTo>
+                  <a:cubicBezTo>
+                    <a:pt x="962277" y="664687"/>
+                    <a:pt x="664687" y="962277"/>
+                    <a:pt x="664687" y="1329373"/>
+                  </a:cubicBezTo>
+                  <a:lnTo>
+                    <a:pt x="0" y="1329373"/>
+                  </a:lnTo>
+                  <a:cubicBezTo>
+                    <a:pt x="0" y="595181"/>
+                    <a:pt x="595181" y="0"/>
+                    <a:pt x="1329373" y="0"/>
+                  </a:cubicBezTo>
+                  <a:close/>
+                </a:path>
+              </a:pathLst>
+            </a:custGeom>
+            <a:solidFill>
+              <a:schemeClr val="bg2"/>
+            </a:solidFill>
+            <a:ln>
+              <a:noFill/>
+            </a:ln>
+            <a:effectLst>
+              <a:innerShdw blurRad="254000" dist="50800" dir="16200000">
+                <a:schemeClr val="accent1">
+                  <a:lumMod val="40000"/>
+                  <a:lumOff val="60000"/>
+                  <a:alpha val="40000"/>
+                </a:schemeClr>
+              </a:innerShdw>
+            </a:effectLst>
+          </p:spPr>
+          <p:style>
+            <a:lnRef idx="2">
+              <a:schemeClr val="accent1">
+                <a:shade val="50000"/>
+              </a:schemeClr>
+            </a:lnRef>
+            <a:fillRef idx="1">
+              <a:schemeClr val="accent1"/>
+            </a:fillRef>
+            <a:effectRef idx="0">
+              <a:schemeClr val="accent1"/>
+            </a:effectRef>
+            <a:fontRef idx="minor">
+              <a:schemeClr val="lt1"/>
+            </a:fontRef>
+          </p:style>
+          <p:txBody>
+            <a:bodyPr rtlCol="0" anchor="ctr"/>
+            <a:lstStyle/>
+            <a:p>
+              <a:pPr algn="ctr"/>
+              <a:endParaRPr lang="en-US" dirty="0"/>
+            </a:p>
+          </p:txBody>
+        </p:sp>
+        <p:sp>
+          <p:nvSpPr>
+            <p:cNvPr id="21" name="Freeform: Shape 20">
+              <a:extLst>
+                <a:ext uri="{FF2B5EF4-FFF2-40B4-BE49-F238E27FC236}">
+                  <a16:creationId xmlns:a16="http://schemas.microsoft.com/office/drawing/2014/main" id="{B5CA2231-7A65-4D16-8400-A210CC41DB73}"/>
+                </a:ext>
+                <a:ext uri="{C183D7F6-B498-43B3-948B-1728B52AA6E4}">
+                  <adec:decorative xmlns:adec="http://schemas.microsoft.com/office/drawing/2017/decorative" val="1"/>
+                </a:ext>
+              </a:extLst>
+            </p:cNvPr>
+            <p:cNvSpPr>
+              <a:spLocks noChangeAspect="1"/>
+            </p:cNvSpPr>
+            <p:nvPr>
+              <p:extLst>
+                <p:ext uri="{386F3935-93C4-4BCD-93E2-E3B085C9AB24}">
+                  <p16:designElem xmlns:p16="http://schemas.microsoft.com/office/powerpoint/2015/main" val="1"/>
+                </p:ext>
+              </p:extLst>
+            </p:nvPr>
+          </p:nvSpPr>
+          <p:spPr>
+            <a:xfrm rot="18900000" flipV="1">
+              <a:off x="4957101" y="4052255"/>
+              <a:ext cx="1853969" cy="1093090"/>
+            </a:xfrm>
+            <a:custGeom>
+              <a:avLst/>
+              <a:gdLst>
+                <a:gd name="connsiteX0" fmla="*/ 1329373 w 2658746"/>
+                <a:gd name="connsiteY0" fmla="*/ 0 h 1329373"/>
+                <a:gd name="connsiteX1" fmla="*/ 2658746 w 2658746"/>
+                <a:gd name="connsiteY1" fmla="*/ 1329373 h 1329373"/>
+                <a:gd name="connsiteX2" fmla="*/ 1994059 w 2658746"/>
+                <a:gd name="connsiteY2" fmla="*/ 1329373 h 1329373"/>
+                <a:gd name="connsiteX3" fmla="*/ 1329373 w 2658746"/>
+                <a:gd name="connsiteY3" fmla="*/ 664687 h 1329373"/>
+                <a:gd name="connsiteX4" fmla="*/ 664687 w 2658746"/>
+                <a:gd name="connsiteY4" fmla="*/ 1329373 h 1329373"/>
+                <a:gd name="connsiteX5" fmla="*/ 0 w 2658746"/>
+                <a:gd name="connsiteY5" fmla="*/ 1329373 h 1329373"/>
+                <a:gd name="connsiteX6" fmla="*/ 1329373 w 2658746"/>
+                <a:gd name="connsiteY6" fmla="*/ 0 h 1329373"/>
+              </a:gdLst>
+              <a:ahLst/>
+              <a:cxnLst>
+                <a:cxn ang="0">
+                  <a:pos x="connsiteX0" y="connsiteY0"/>
+                </a:cxn>
+                <a:cxn ang="0">
+                  <a:pos x="connsiteX1" y="connsiteY1"/>
+                </a:cxn>
+                <a:cxn ang="0">
+                  <a:pos x="connsiteX2" y="connsiteY2"/>
+                </a:cxn>
+                <a:cxn ang="0">
+                  <a:pos x="connsiteX3" y="connsiteY3"/>
+                </a:cxn>
+                <a:cxn ang="0">
+                  <a:pos x="connsiteX4" y="connsiteY4"/>
+                </a:cxn>
+                <a:cxn ang="0">
+                  <a:pos x="connsiteX5" y="connsiteY5"/>
+                </a:cxn>
+                <a:cxn ang="0">
+                  <a:pos x="connsiteX6" y="connsiteY6"/>
+                </a:cxn>
+              </a:cxnLst>
+              <a:rect l="l" t="t" r="r" b="b"/>
+              <a:pathLst>
+                <a:path w="2658746" h="1329373">
+                  <a:moveTo>
+                    <a:pt x="1329373" y="0"/>
+                  </a:moveTo>
+                  <a:cubicBezTo>
+                    <a:pt x="2063565" y="0"/>
+                    <a:pt x="2658746" y="595181"/>
+                    <a:pt x="2658746" y="1329373"/>
+                  </a:cubicBezTo>
+                  <a:lnTo>
+                    <a:pt x="1994059" y="1329373"/>
+                  </a:lnTo>
+                  <a:cubicBezTo>
+                    <a:pt x="1994059" y="962277"/>
+                    <a:pt x="1696469" y="664687"/>
+                    <a:pt x="1329373" y="664687"/>
+                  </a:cubicBezTo>
+                  <a:cubicBezTo>
+                    <a:pt x="962277" y="664687"/>
+                    <a:pt x="664687" y="962277"/>
+                    <a:pt x="664687" y="1329373"/>
+                  </a:cubicBezTo>
+                  <a:lnTo>
+                    <a:pt x="0" y="1329373"/>
+                  </a:lnTo>
+                  <a:cubicBezTo>
+                    <a:pt x="0" y="595181"/>
+                    <a:pt x="595181" y="0"/>
+                    <a:pt x="1329373" y="0"/>
+                  </a:cubicBezTo>
+                  <a:close/>
+                </a:path>
+              </a:pathLst>
+            </a:custGeom>
+            <a:solidFill>
+              <a:schemeClr val="bg2">
+                <a:lumMod val="50000"/>
+                <a:lumOff val="50000"/>
+                <a:alpha val="40000"/>
+              </a:schemeClr>
+            </a:solidFill>
+            <a:ln>
+              <a:noFill/>
+            </a:ln>
+            <a:effectLst>
+              <a:softEdge rad="190500"/>
+            </a:effectLst>
+          </p:spPr>
+          <p:style>
+            <a:lnRef idx="2">
+              <a:schemeClr val="accent1">
+                <a:shade val="50000"/>
+              </a:schemeClr>
+            </a:lnRef>
+            <a:fillRef idx="1">
+              <a:schemeClr val="accent1"/>
+            </a:fillRef>
+            <a:effectRef idx="0">
+              <a:schemeClr val="accent1"/>
+            </a:effectRef>
+            <a:fontRef idx="minor">
+              <a:schemeClr val="lt1"/>
+            </a:fontRef>
+          </p:style>
+          <p:txBody>
+            <a:bodyPr rtlCol="0" anchor="ctr"/>
+            <a:lstStyle/>
+            <a:p>
+              <a:pPr algn="ctr"/>
+              <a:endParaRPr lang="en-US" dirty="0">
+                <a:solidFill>
+                  <a:schemeClr val="tx1"/>
+                </a:solidFill>
+              </a:endParaRPr>
+            </a:p>
+          </p:txBody>
+        </p:sp>
+        <p:sp>
+          <p:nvSpPr>
+            <p:cNvPr id="22" name="Oval 21">
+              <a:extLst>
+                <a:ext uri="{FF2B5EF4-FFF2-40B4-BE49-F238E27FC236}">
+                  <a16:creationId xmlns:a16="http://schemas.microsoft.com/office/drawing/2014/main" id="{4B089C8C-B82B-4704-88E2-E857A5E21529}"/>
+                </a:ext>
+                <a:ext uri="{C183D7F6-B498-43B3-948B-1728B52AA6E4}">
+                  <adec:decorative xmlns:adec="http://schemas.microsoft.com/office/drawing/2017/decorative" val="1"/>
+                </a:ext>
+              </a:extLst>
+            </p:cNvPr>
+            <p:cNvSpPr/>
+            <p:nvPr>
+              <p:extLst>
+                <p:ext uri="{386F3935-93C4-4BCD-93E2-E3B085C9AB24}">
+                  <p16:designElem xmlns:p16="http://schemas.microsoft.com/office/powerpoint/2015/main" val="1"/>
+                </p:ext>
+              </p:extLst>
+            </p:nvPr>
+          </p:nvSpPr>
+          <p:spPr>
+            <a:xfrm rot="13500000" flipV="1">
+              <a:off x="6040374" y="3601683"/>
+              <a:ext cx="107098" cy="466589"/>
+            </a:xfrm>
+            <a:prstGeom prst="ellipse">
+              <a:avLst/>
+            </a:prstGeom>
+            <a:solidFill>
+              <a:schemeClr val="bg2">
+                <a:lumMod val="90000"/>
+                <a:lumOff val="10000"/>
+              </a:schemeClr>
+            </a:solidFill>
+            <a:ln>
+              <a:noFill/>
+            </a:ln>
+            <a:effectLst>
+              <a:innerShdw blurRad="63500" dist="2540000">
+                <a:schemeClr val="accent1">
+                  <a:lumMod val="60000"/>
+                  <a:lumOff val="40000"/>
+                  <a:alpha val="0"/>
+                </a:schemeClr>
+              </a:innerShdw>
+            </a:effectLst>
+          </p:spPr>
+          <p:style>
+            <a:lnRef idx="2">
+              <a:schemeClr val="accent1">
+                <a:shade val="50000"/>
+              </a:schemeClr>
+            </a:lnRef>
+            <a:fillRef idx="1">
+              <a:schemeClr val="accent1"/>
+            </a:fillRef>
+            <a:effectRef idx="0">
+              <a:schemeClr val="accent1"/>
+            </a:effectRef>
+            <a:fontRef idx="minor">
+              <a:schemeClr val="lt1"/>
+            </a:fontRef>
+          </p:style>
+          <p:txBody>
+            <a:bodyPr rot="0" spcFirstLastPara="0" vertOverflow="overflow" horzOverflow="overflow" vert="horz" wrap="square" lIns="91440" tIns="45720" rIns="91440" bIns="45720" numCol="1" spcCol="0" rtlCol="0" fromWordArt="0" anchor="ctr" anchorCtr="0" forceAA="0" compatLnSpc="1">
+              <a:prstTxWarp prst="textNoShape">
+                <a:avLst/>
+              </a:prstTxWarp>
+              <a:noAutofit/>
+            </a:bodyPr>
+            <a:lstStyle/>
+            <a:p>
+              <a:pPr algn="ctr"/>
+              <a:endParaRPr lang="en-US"/>
+            </a:p>
+          </p:txBody>
+        </p:sp>
+        <p:sp>
+          <p:nvSpPr>
+            <p:cNvPr id="23" name="Oval 22">
+              <a:extLst>
+                <a:ext uri="{FF2B5EF4-FFF2-40B4-BE49-F238E27FC236}">
+                  <a16:creationId xmlns:a16="http://schemas.microsoft.com/office/drawing/2014/main" id="{434B90C8-5B4D-456E-AD99-80EF748FDD72}"/>
+                </a:ext>
+                <a:ext uri="{C183D7F6-B498-43B3-948B-1728B52AA6E4}">
+                  <adec:decorative xmlns:adec="http://schemas.microsoft.com/office/drawing/2017/decorative" val="1"/>
+                </a:ext>
+              </a:extLst>
+            </p:cNvPr>
+            <p:cNvSpPr/>
+            <p:nvPr>
+              <p:extLst>
+                <p:ext uri="{386F3935-93C4-4BCD-93E2-E3B085C9AB24}">
+                  <p16:designElem xmlns:p16="http://schemas.microsoft.com/office/powerpoint/2015/main" val="1"/>
+                </p:ext>
+              </p:extLst>
+            </p:nvPr>
+          </p:nvSpPr>
+          <p:spPr>
+            <a:xfrm rot="13500000" flipV="1">
+              <a:off x="5059348" y="4582709"/>
+              <a:ext cx="107098" cy="466589"/>
+            </a:xfrm>
+            <a:prstGeom prst="ellipse">
+              <a:avLst/>
+            </a:prstGeom>
+            <a:solidFill>
+              <a:schemeClr val="bg2">
+                <a:lumMod val="90000"/>
+                <a:lumOff val="10000"/>
+              </a:schemeClr>
+            </a:solidFill>
+            <a:ln>
+              <a:noFill/>
+            </a:ln>
+            <a:effectLst>
+              <a:innerShdw blurRad="63500" dist="2540000">
+                <a:schemeClr val="accent1">
+                  <a:lumMod val="60000"/>
+                  <a:lumOff val="40000"/>
+                  <a:alpha val="0"/>
+                </a:schemeClr>
+              </a:innerShdw>
+            </a:effectLst>
+          </p:spPr>
+          <p:style>
+            <a:lnRef idx="2">
+              <a:schemeClr val="accent1">
+                <a:shade val="50000"/>
+              </a:schemeClr>
+            </a:lnRef>
+            <a:fillRef idx="1">
+              <a:schemeClr val="accent1"/>
+            </a:fillRef>
+            <a:effectRef idx="0">
+              <a:schemeClr val="accent1"/>
+            </a:effectRef>
+            <a:fontRef idx="minor">
+              <a:schemeClr val="lt1"/>
+            </a:fontRef>
+          </p:style>
+          <p:txBody>
+            <a:bodyPr rot="0" spcFirstLastPara="0" vertOverflow="overflow" horzOverflow="overflow" vert="horz" wrap="square" lIns="91440" tIns="45720" rIns="91440" bIns="45720" numCol="1" spcCol="0" rtlCol="0" fromWordArt="0" anchor="ctr" anchorCtr="0" forceAA="0" compatLnSpc="1">
+              <a:prstTxWarp prst="textNoShape">
+                <a:avLst/>
+              </a:prstTxWarp>
+              <a:noAutofit/>
+            </a:bodyPr>
+            <a:lstStyle/>
+            <a:p>
+              <a:pPr algn="ctr"/>
+              <a:endParaRPr lang="en-US"/>
+            </a:p>
+          </p:txBody>
+        </p:sp>
+      </p:grpSp>
+      <p:sp useBgFill="1">
+        <p:nvSpPr>
+          <p:cNvPr id="25" name="Rectangle 24">
+            <a:extLst>
+              <a:ext uri="{FF2B5EF4-FFF2-40B4-BE49-F238E27FC236}">
+                <a16:creationId xmlns:a16="http://schemas.microsoft.com/office/drawing/2014/main" id="{1DB043B4-68C6-45B9-82AC-A5800EADB8DB}"/>
+              </a:ext>
+              <a:ext uri="{C183D7F6-B498-43B3-948B-1728B52AA6E4}">
+                <adec:decorative xmlns:adec="http://schemas.microsoft.com/office/drawing/2017/decorative" val="1"/>
+              </a:ext>
+            </a:extLst>
+          </p:cNvPr>
+          <p:cNvSpPr>
+            <a:spLocks noGrp="1" noRot="1" noChangeAspect="1" noMove="1" noResize="1" noEditPoints="1" noAdjustHandles="1" noChangeArrowheads="1" noChangeShapeType="1" noTextEdit="1"/>
+          </p:cNvSpPr>
+          <p:nvPr>
+            <p:extLst>
+              <p:ext uri="{386F3935-93C4-4BCD-93E2-E3B085C9AB24}">
+                <p16:designElem xmlns:p16="http://schemas.microsoft.com/office/powerpoint/2015/main" val="1"/>
+              </p:ext>
+            </p:extLst>
+          </p:nvPr>
+        </p:nvSpPr>
+        <p:spPr>
+          <a:xfrm>
+            <a:off x="0" y="0"/>
+            <a:ext cx="12192000" cy="6858000"/>
+          </a:xfrm>
+          <a:prstGeom prst="rect">
+            <a:avLst/>
+          </a:prstGeom>
+          <a:ln w="12700" cap="flat" cmpd="sng" algn="ctr">
+            <a:noFill/>
+            <a:prstDash val="solid"/>
+            <a:miter lim="800000"/>
+          </a:ln>
+          <a:effectLst/>
+          <a:extLst>
+            <a:ext uri="{91240B29-F687-4F45-9708-019B960494DF}">
+              <a14:hiddenLine xmlns:a14="http://schemas.microsoft.com/office/drawing/2010/main" w="12700" cap="flat" cmpd="sng" algn="ctr">
+                <a:solidFill>
+                  <a:schemeClr val="accent1">
+                    <a:shade val="50000"/>
+                  </a:schemeClr>
+                </a:solidFill>
+                <a:prstDash val="solid"/>
+                <a:miter lim="800000"/>
+              </a14:hiddenLine>
+            </a:ext>
+          </a:extLst>
+        </p:spPr>
+        <p:style>
+          <a:lnRef idx="2">
+            <a:schemeClr val="accent1">
+              <a:shade val="50000"/>
+            </a:schemeClr>
+          </a:lnRef>
+          <a:fillRef idx="1">
+            <a:schemeClr val="accent1"/>
+          </a:fillRef>
+          <a:effectRef idx="0">
+            <a:schemeClr val="accent1"/>
+          </a:effectRef>
+          <a:fontRef idx="minor">
+            <a:schemeClr val="lt1"/>
+          </a:fontRef>
+        </p:style>
+        <p:txBody>
+          <a:bodyPr rtlCol="0" anchor="ctr"/>
+          <a:lstStyle/>
+          <a:p>
+            <a:pPr algn="ctr"/>
+            <a:endParaRPr lang="en-US"/>
+          </a:p>
+        </p:txBody>
+      </p:sp>
+      <p:sp>
+        <p:nvSpPr>
           <p:cNvPr id="6" name="TextBox 5">
             <a:extLst>
               <a:ext uri="{FF2B5EF4-FFF2-40B4-BE49-F238E27FC236}">
@@ -12949,24 +16576,189 @@
         </p:nvSpPr>
         <p:spPr>
           <a:xfrm>
-            <a:off x="5082851" y="2844225"/>
-            <a:ext cx="6097554" cy="584775"/>
+            <a:off x="8075614" y="549275"/>
+            <a:ext cx="3565524" cy="3034657"/>
           </a:xfrm>
           <a:prstGeom prst="rect">
             <a:avLst/>
           </a:prstGeom>
-          <a:noFill/>
         </p:spPr>
         <p:txBody>
-          <a:bodyPr wrap="square">
-            <a:spAutoFit/>
+          <a:bodyPr vert="horz" wrap="square" lIns="0" tIns="0" rIns="0" bIns="0" rtlCol="0" anchor="b" anchorCtr="0">
+            <a:normAutofit/>
           </a:bodyPr>
           <a:lstStyle/>
           <a:p>
+            <a:pPr>
+              <a:spcBef>
+                <a:spcPct val="0"/>
+              </a:spcBef>
+              <a:spcAft>
+                <a:spcPts val="600"/>
+              </a:spcAft>
+            </a:pPr>
             <a:r>
-              <a:rPr lang="en-US" sz="3200" dirty="0"/>
+              <a:rPr lang="en-US" sz="4800">
+                <a:latin typeface="+mj-lt"/>
+                <a:ea typeface="+mj-ea"/>
+                <a:cs typeface="+mj-cs"/>
+              </a:rPr>
               <a:t>Thank You</a:t>
             </a:r>
+          </a:p>
+        </p:txBody>
+      </p:sp>
+      <p:pic>
+        <p:nvPicPr>
+          <p:cNvPr id="10" name="Graphic 9" descr="Smiling Face with No Fill">
+            <a:extLst>
+              <a:ext uri="{FF2B5EF4-FFF2-40B4-BE49-F238E27FC236}">
+                <a16:creationId xmlns:a16="http://schemas.microsoft.com/office/drawing/2014/main" id="{455515A9-9176-301C-3383-86A8CFF7AF1D}"/>
+              </a:ext>
+            </a:extLst>
+          </p:cNvPr>
+          <p:cNvPicPr>
+            <a:picLocks noChangeAspect="1"/>
+          </p:cNvPicPr>
+          <p:nvPr/>
+        </p:nvPicPr>
+        <p:blipFill>
+          <a:blip r:embed="rId2">
+            <a:extLst>
+              <a:ext uri="{28A0092B-C50C-407E-A947-70E740481C1C}">
+                <a14:useLocalDpi xmlns:a14="http://schemas.microsoft.com/office/drawing/2010/main" val="0"/>
+              </a:ext>
+              <a:ext uri="{96DAC541-7B7A-43D3-8B79-37D633B846F1}">
+                <asvg:svgBlip xmlns:asvg="http://schemas.microsoft.com/office/drawing/2016/SVG/main" r:embed="rId3"/>
+              </a:ext>
+            </a:extLst>
+          </a:blip>
+          <a:stretch>
+            <a:fillRect/>
+          </a:stretch>
+        </p:blipFill>
+        <p:spPr>
+          <a:xfrm>
+            <a:off x="1157289" y="549275"/>
+            <a:ext cx="5761037" cy="5761037"/>
+          </a:xfrm>
+          <a:custGeom>
+            <a:avLst/>
+            <a:gdLst/>
+            <a:ahLst/>
+            <a:cxnLst/>
+            <a:rect l="l" t="t" r="r" b="b"/>
+            <a:pathLst>
+              <a:path w="6973888" h="5761037">
+                <a:moveTo>
+                  <a:pt x="0" y="0"/>
+                </a:moveTo>
+                <a:lnTo>
+                  <a:pt x="6973888" y="0"/>
+                </a:lnTo>
+                <a:lnTo>
+                  <a:pt x="6973888" y="5761037"/>
+                </a:lnTo>
+                <a:lnTo>
+                  <a:pt x="0" y="5761037"/>
+                </a:lnTo>
+                <a:close/>
+              </a:path>
+            </a:pathLst>
+          </a:custGeom>
+        </p:spPr>
+      </p:pic>
+      <p:sp>
+        <p:nvSpPr>
+          <p:cNvPr id="27" name="Oval 26">
+            <a:extLst>
+              <a:ext uri="{FF2B5EF4-FFF2-40B4-BE49-F238E27FC236}">
+                <a16:creationId xmlns:a16="http://schemas.microsoft.com/office/drawing/2014/main" id="{61B0F92C-925A-4D2E-839E-EB381378C315}"/>
+              </a:ext>
+              <a:ext uri="{C183D7F6-B498-43B3-948B-1728B52AA6E4}">
+                <adec:decorative xmlns:adec="http://schemas.microsoft.com/office/drawing/2017/decorative" val="1"/>
+              </a:ext>
+            </a:extLst>
+          </p:cNvPr>
+          <p:cNvSpPr>
+            <a:spLocks noGrp="1" noRot="1" noChangeAspect="1" noMove="1" noResize="1" noEditPoints="1" noAdjustHandles="1" noChangeArrowheads="1" noChangeShapeType="1" noTextEdit="1"/>
+          </p:cNvSpPr>
+          <p:nvPr>
+            <p:extLst>
+              <p:ext uri="{386F3935-93C4-4BCD-93E2-E3B085C9AB24}">
+                <p16:designElem xmlns:p16="http://schemas.microsoft.com/office/powerpoint/2015/main" val="1"/>
+              </p:ext>
+            </p:extLst>
+          </p:nvPr>
+        </p:nvSpPr>
+        <p:spPr>
+          <a:xfrm>
+            <a:off x="10795000" y="4960218"/>
+            <a:ext cx="1080000" cy="1080000"/>
+          </a:xfrm>
+          <a:prstGeom prst="ellipse">
+            <a:avLst/>
+          </a:prstGeom>
+          <a:gradFill flip="none" rotWithShape="1">
+            <a:gsLst>
+              <a:gs pos="100000">
+                <a:schemeClr val="bg2">
+                  <a:lumMod val="50000"/>
+                  <a:lumOff val="50000"/>
+                </a:schemeClr>
+              </a:gs>
+              <a:gs pos="60000">
+                <a:schemeClr val="bg2">
+                  <a:lumMod val="100000"/>
+                </a:schemeClr>
+              </a:gs>
+            </a:gsLst>
+            <a:path path="circle">
+              <a:fillToRect l="100000" b="100000"/>
+            </a:path>
+            <a:tileRect t="-100000" r="-100000"/>
+          </a:gradFill>
+          <a:ln>
+            <a:noFill/>
+          </a:ln>
+          <a:effectLst>
+            <a:innerShdw blurRad="254000" dist="127000" dir="2700000">
+              <a:schemeClr val="accent1">
+                <a:lumMod val="60000"/>
+                <a:lumOff val="40000"/>
+                <a:alpha val="40000"/>
+              </a:schemeClr>
+            </a:innerShdw>
+            <a:softEdge rad="0"/>
+          </a:effectLst>
+        </p:spPr>
+        <p:style>
+          <a:lnRef idx="2">
+            <a:schemeClr val="accent1">
+              <a:shade val="50000"/>
+            </a:schemeClr>
+          </a:lnRef>
+          <a:fillRef idx="1">
+            <a:schemeClr val="accent1"/>
+          </a:fillRef>
+          <a:effectRef idx="0">
+            <a:schemeClr val="accent1"/>
+          </a:effectRef>
+          <a:fontRef idx="minor">
+            <a:schemeClr val="lt1"/>
+          </a:fontRef>
+        </p:style>
+        <p:txBody>
+          <a:bodyPr rot="0" spcFirstLastPara="0" vertOverflow="overflow" horzOverflow="overflow" vert="horz" wrap="square" lIns="91440" tIns="45720" rIns="91440" bIns="45720" numCol="1" spcCol="0" rtlCol="0" fromWordArt="0" anchor="ctr" anchorCtr="0" forceAA="0" compatLnSpc="1">
+            <a:prstTxWarp prst="textNoShape">
+              <a:avLst/>
+            </a:prstTxWarp>
+            <a:noAutofit/>
+          </a:bodyPr>
+          <a:lstStyle/>
+          <a:p>
+            <a:pPr algn="ctr"/>
+            <a:endParaRPr lang="en-US"/>
           </a:p>
         </p:txBody>
       </p:sp>
@@ -12980,6 +16772,95 @@
   <p:clrMapOvr>
     <a:masterClrMapping/>
   </p:clrMapOvr>
+  <p:timing>
+    <p:tnLst>
+      <p:par>
+        <p:cTn id="1" dur="indefinite" restart="never" nodeType="tmRoot">
+          <p:childTnLst>
+            <p:seq concurrent="1" nextAc="seek">
+              <p:cTn id="2" dur="indefinite" nodeType="mainSeq">
+                <p:childTnLst>
+                  <p:par>
+                    <p:cTn id="3" fill="hold">
+                      <p:stCondLst>
+                        <p:cond delay="indefinite"/>
+                        <p:cond evt="onBegin" delay="0">
+                          <p:tn val="2"/>
+                        </p:cond>
+                      </p:stCondLst>
+                      <p:childTnLst>
+                        <p:par>
+                          <p:cTn id="4" fill="hold">
+                            <p:stCondLst>
+                              <p:cond delay="0"/>
+                            </p:stCondLst>
+                            <p:childTnLst>
+                              <p:par>
+                                <p:cTn id="5" presetID="10" presetClass="entr" presetSubtype="0" fill="hold" nodeType="withEffect">
+                                  <p:stCondLst>
+                                    <p:cond delay="500"/>
+                                  </p:stCondLst>
+                                  <p:iterate>
+                                    <p:tmPct val="10000"/>
+                                  </p:iterate>
+                                  <p:childTnLst>
+                                    <p:set>
+                                      <p:cBhvr>
+                                        <p:cTn id="6" dur="1" fill="hold">
+                                          <p:stCondLst>
+                                            <p:cond delay="0"/>
+                                          </p:stCondLst>
+                                        </p:cTn>
+                                        <p:tgtEl>
+                                          <p:spTgt spid="10"/>
+                                        </p:tgtEl>
+                                        <p:attrNameLst>
+                                          <p:attrName>style.visibility</p:attrName>
+                                        </p:attrNameLst>
+                                      </p:cBhvr>
+                                      <p:to>
+                                        <p:strVal val="visible"/>
+                                      </p:to>
+                                    </p:set>
+                                    <p:animEffect transition="in" filter="fade">
+                                      <p:cBhvr>
+                                        <p:cTn id="7" dur="700"/>
+                                        <p:tgtEl>
+                                          <p:spTgt spid="10"/>
+                                        </p:tgtEl>
+                                      </p:cBhvr>
+                                    </p:animEffect>
+                                  </p:childTnLst>
+                                </p:cTn>
+                              </p:par>
+                            </p:childTnLst>
+                          </p:cTn>
+                        </p:par>
+                      </p:childTnLst>
+                    </p:cTn>
+                  </p:par>
+                </p:childTnLst>
+              </p:cTn>
+              <p:prevCondLst>
+                <p:cond evt="onPrev" delay="0">
+                  <p:tgtEl>
+                    <p:sldTgt/>
+                  </p:tgtEl>
+                </p:cond>
+              </p:prevCondLst>
+              <p:nextCondLst>
+                <p:cond evt="onNext" delay="0">
+                  <p:tgtEl>
+                    <p:sldTgt/>
+                  </p:tgtEl>
+                </p:cond>
+              </p:nextCondLst>
+            </p:seq>
+          </p:childTnLst>
+        </p:cTn>
+      </p:par>
+    </p:tnLst>
+  </p:timing>
 </p:sld>
 </file>
 
@@ -14445,16 +18326,45 @@
           </p:cNvPicPr>
           <p:nvPr/>
         </p:nvPicPr>
+        <p:blipFill rotWithShape="1">
+          <a:blip r:embed="rId2"/>
+          <a:srcRect t="13483"/>
+          <a:stretch/>
+        </p:blipFill>
+        <p:spPr>
+          <a:xfrm>
+            <a:off x="655087" y="3954979"/>
+            <a:ext cx="6513026" cy="2552440"/>
+          </a:xfrm>
+          <a:prstGeom prst="rect">
+            <a:avLst/>
+          </a:prstGeom>
+        </p:spPr>
+      </p:pic>
+      <p:pic>
+        <p:nvPicPr>
+          <p:cNvPr id="3" name="Picture 2" descr="A diagram of different colored circles&#10;&#10;Description automatically generated">
+            <a:extLst>
+              <a:ext uri="{FF2B5EF4-FFF2-40B4-BE49-F238E27FC236}">
+                <a16:creationId xmlns:a16="http://schemas.microsoft.com/office/drawing/2014/main" id="{408307E5-3779-8B01-5811-87A4DF0D1698}"/>
+              </a:ext>
+            </a:extLst>
+          </p:cNvPr>
+          <p:cNvPicPr>
+            <a:picLocks noChangeAspect="1"/>
+          </p:cNvPicPr>
+          <p:nvPr/>
+        </p:nvPicPr>
         <p:blipFill>
-          <a:blip r:embed="rId2"/>
+          <a:blip r:embed="rId3"/>
           <a:stretch>
             <a:fillRect/>
           </a:stretch>
         </p:blipFill>
         <p:spPr>
           <a:xfrm>
-            <a:off x="655087" y="4254141"/>
-            <a:ext cx="9388656" cy="2253277"/>
+            <a:off x="7168113" y="3954979"/>
+            <a:ext cx="4368800" cy="2552440"/>
           </a:xfrm>
           <a:prstGeom prst="rect">
             <a:avLst/>
@@ -14477,6 +18387,14 @@
 <file path=ppt/slides/slide8.xml><?xml version="1.0" encoding="utf-8"?>
 <p:sld xmlns:a="http://schemas.openxmlformats.org/drawingml/2006/main" xmlns:r="http://schemas.openxmlformats.org/officeDocument/2006/relationships" xmlns:p="http://schemas.openxmlformats.org/presentationml/2006/main">
   <p:cSld>
+    <p:bg>
+      <p:bgPr>
+        <a:solidFill>
+          <a:schemeClr val="bg2"/>
+        </a:solidFill>
+        <a:effectLst/>
+      </p:bgPr>
+    </p:bg>
     <p:spTree>
       <p:nvGrpSpPr>
         <p:cNvPr id="1" name=""/>
@@ -14491,12 +18409,576 @@
           <a:chExt cx="0" cy="0"/>
         </a:xfrm>
       </p:grpSpPr>
+      <p:grpSp>
+        <p:nvGrpSpPr>
+          <p:cNvPr id="13" name="Group 12">
+            <a:extLst>
+              <a:ext uri="{FF2B5EF4-FFF2-40B4-BE49-F238E27FC236}">
+                <a16:creationId xmlns:a16="http://schemas.microsoft.com/office/drawing/2014/main" id="{3BDBC526-6DCD-4FF6-8395-D8C22E46E527}"/>
+              </a:ext>
+              <a:ext uri="{C183D7F6-B498-43B3-948B-1728B52AA6E4}">
+                <adec:decorative xmlns:adec="http://schemas.microsoft.com/office/drawing/2017/decorative" val="1"/>
+              </a:ext>
+            </a:extLst>
+          </p:cNvPr>
+          <p:cNvGrpSpPr>
+            <a:grpSpLocks noGrp="1" noUngrp="1" noRot="1" noChangeAspect="1" noMove="1" noResize="1"/>
+          </p:cNvGrpSpPr>
+          <p:nvPr>
+            <p:extLst>
+              <p:ext uri="{386F3935-93C4-4BCD-93E2-E3B085C9AB24}">
+                <p16:designElem xmlns:p16="http://schemas.microsoft.com/office/powerpoint/2015/main" val="1"/>
+              </p:ext>
+            </p:extLst>
+          </p:nvPr>
+        </p:nvGrpSpPr>
+        <p:grpSpPr>
+          <a:xfrm>
+            <a:off x="613998" y="5334748"/>
+            <a:ext cx="678135" cy="990000"/>
+            <a:chOff x="10490969" y="1448827"/>
+            <a:chExt cx="678135" cy="990000"/>
+          </a:xfrm>
+        </p:grpSpPr>
+        <p:sp>
+          <p:nvSpPr>
+            <p:cNvPr id="14" name="Freeform: Shape 13">
+              <a:extLst>
+                <a:ext uri="{FF2B5EF4-FFF2-40B4-BE49-F238E27FC236}">
+                  <a16:creationId xmlns:a16="http://schemas.microsoft.com/office/drawing/2014/main" id="{02ECB475-568C-47AC-B16D-2E202DEB2DE0}"/>
+                </a:ext>
+                <a:ext uri="{C183D7F6-B498-43B3-948B-1728B52AA6E4}">
+                  <adec:decorative xmlns:adec="http://schemas.microsoft.com/office/drawing/2017/decorative" val="1"/>
+                </a:ext>
+              </a:extLst>
+            </p:cNvPr>
+            <p:cNvSpPr>
+              <a:spLocks noChangeAspect="1"/>
+            </p:cNvSpPr>
+            <p:nvPr>
+              <p:extLst>
+                <p:ext uri="{386F3935-93C4-4BCD-93E2-E3B085C9AB24}">
+                  <p16:designElem xmlns:p16="http://schemas.microsoft.com/office/powerpoint/2015/main" val="1"/>
+                </p:ext>
+              </p:extLst>
+            </p:nvPr>
+          </p:nvSpPr>
+          <p:spPr>
+            <a:xfrm rot="2700000" flipH="1" flipV="1">
+              <a:off x="10268976" y="1743588"/>
+              <a:ext cx="926985" cy="463493"/>
+            </a:xfrm>
+            <a:custGeom>
+              <a:avLst/>
+              <a:gdLst>
+                <a:gd name="connsiteX0" fmla="*/ 1329373 w 2658746"/>
+                <a:gd name="connsiteY0" fmla="*/ 0 h 1329373"/>
+                <a:gd name="connsiteX1" fmla="*/ 2658746 w 2658746"/>
+                <a:gd name="connsiteY1" fmla="*/ 1329373 h 1329373"/>
+                <a:gd name="connsiteX2" fmla="*/ 1994059 w 2658746"/>
+                <a:gd name="connsiteY2" fmla="*/ 1329373 h 1329373"/>
+                <a:gd name="connsiteX3" fmla="*/ 1329373 w 2658746"/>
+                <a:gd name="connsiteY3" fmla="*/ 664687 h 1329373"/>
+                <a:gd name="connsiteX4" fmla="*/ 664687 w 2658746"/>
+                <a:gd name="connsiteY4" fmla="*/ 1329373 h 1329373"/>
+                <a:gd name="connsiteX5" fmla="*/ 0 w 2658746"/>
+                <a:gd name="connsiteY5" fmla="*/ 1329373 h 1329373"/>
+                <a:gd name="connsiteX6" fmla="*/ 1329373 w 2658746"/>
+                <a:gd name="connsiteY6" fmla="*/ 0 h 1329373"/>
+              </a:gdLst>
+              <a:ahLst/>
+              <a:cxnLst>
+                <a:cxn ang="0">
+                  <a:pos x="connsiteX0" y="connsiteY0"/>
+                </a:cxn>
+                <a:cxn ang="0">
+                  <a:pos x="connsiteX1" y="connsiteY1"/>
+                </a:cxn>
+                <a:cxn ang="0">
+                  <a:pos x="connsiteX2" y="connsiteY2"/>
+                </a:cxn>
+                <a:cxn ang="0">
+                  <a:pos x="connsiteX3" y="connsiteY3"/>
+                </a:cxn>
+                <a:cxn ang="0">
+                  <a:pos x="connsiteX4" y="connsiteY4"/>
+                </a:cxn>
+                <a:cxn ang="0">
+                  <a:pos x="connsiteX5" y="connsiteY5"/>
+                </a:cxn>
+                <a:cxn ang="0">
+                  <a:pos x="connsiteX6" y="connsiteY6"/>
+                </a:cxn>
+              </a:cxnLst>
+              <a:rect l="l" t="t" r="r" b="b"/>
+              <a:pathLst>
+                <a:path w="2658746" h="1329373">
+                  <a:moveTo>
+                    <a:pt x="1329373" y="0"/>
+                  </a:moveTo>
+                  <a:cubicBezTo>
+                    <a:pt x="2063565" y="0"/>
+                    <a:pt x="2658746" y="595181"/>
+                    <a:pt x="2658746" y="1329373"/>
+                  </a:cubicBezTo>
+                  <a:lnTo>
+                    <a:pt x="1994059" y="1329373"/>
+                  </a:lnTo>
+                  <a:cubicBezTo>
+                    <a:pt x="1994059" y="962277"/>
+                    <a:pt x="1696469" y="664687"/>
+                    <a:pt x="1329373" y="664687"/>
+                  </a:cubicBezTo>
+                  <a:cubicBezTo>
+                    <a:pt x="962277" y="664687"/>
+                    <a:pt x="664687" y="962277"/>
+                    <a:pt x="664687" y="1329373"/>
+                  </a:cubicBezTo>
+                  <a:lnTo>
+                    <a:pt x="0" y="1329373"/>
+                  </a:lnTo>
+                  <a:cubicBezTo>
+                    <a:pt x="0" y="595181"/>
+                    <a:pt x="595181" y="0"/>
+                    <a:pt x="1329373" y="0"/>
+                  </a:cubicBezTo>
+                  <a:close/>
+                </a:path>
+              </a:pathLst>
+            </a:custGeom>
+            <a:solidFill>
+              <a:schemeClr val="bg2"/>
+            </a:solidFill>
+            <a:ln>
+              <a:noFill/>
+            </a:ln>
+            <a:effectLst>
+              <a:innerShdw blurRad="127000" dist="50800" dir="13500000">
+                <a:schemeClr val="accent1">
+                  <a:lumMod val="40000"/>
+                  <a:lumOff val="60000"/>
+                  <a:alpha val="20000"/>
+                </a:schemeClr>
+              </a:innerShdw>
+            </a:effectLst>
+          </p:spPr>
+          <p:style>
+            <a:lnRef idx="2">
+              <a:schemeClr val="accent1">
+                <a:shade val="50000"/>
+              </a:schemeClr>
+            </a:lnRef>
+            <a:fillRef idx="1">
+              <a:schemeClr val="accent1"/>
+            </a:fillRef>
+            <a:effectRef idx="0">
+              <a:schemeClr val="accent1"/>
+            </a:effectRef>
+            <a:fontRef idx="minor">
+              <a:schemeClr val="lt1"/>
+            </a:fontRef>
+          </p:style>
+          <p:txBody>
+            <a:bodyPr rtlCol="0" anchor="ctr"/>
+            <a:lstStyle/>
+            <a:p>
+              <a:pPr algn="ctr"/>
+              <a:endParaRPr lang="en-US" dirty="0">
+                <a:solidFill>
+                  <a:schemeClr val="tx1"/>
+                </a:solidFill>
+              </a:endParaRPr>
+            </a:p>
+          </p:txBody>
+        </p:sp>
+        <p:sp>
+          <p:nvSpPr>
+            <p:cNvPr id="15" name="Oval 14">
+              <a:extLst>
+                <a:ext uri="{FF2B5EF4-FFF2-40B4-BE49-F238E27FC236}">
+                  <a16:creationId xmlns:a16="http://schemas.microsoft.com/office/drawing/2014/main" id="{080D8764-525A-441E-B58F-068E82F09714}"/>
+                </a:ext>
+                <a:ext uri="{C183D7F6-B498-43B3-948B-1728B52AA6E4}">
+                  <adec:decorative xmlns:adec="http://schemas.microsoft.com/office/drawing/2017/decorative" val="1"/>
+                </a:ext>
+              </a:extLst>
+            </p:cNvPr>
+            <p:cNvSpPr/>
+            <p:nvPr>
+              <p:extLst>
+                <p:ext uri="{386F3935-93C4-4BCD-93E2-E3B085C9AB24}">
+                  <p16:designElem xmlns:p16="http://schemas.microsoft.com/office/powerpoint/2015/main" val="1"/>
+                </p:ext>
+              </p:extLst>
+            </p:nvPr>
+          </p:nvSpPr>
+          <p:spPr>
+            <a:xfrm rot="8100000" flipH="1" flipV="1">
+              <a:off x="11115555" y="1939340"/>
+              <a:ext cx="53549" cy="233295"/>
+            </a:xfrm>
+            <a:prstGeom prst="ellipse">
+              <a:avLst/>
+            </a:prstGeom>
+            <a:solidFill>
+              <a:schemeClr val="bg2">
+                <a:lumMod val="90000"/>
+                <a:lumOff val="10000"/>
+              </a:schemeClr>
+            </a:solidFill>
+            <a:ln>
+              <a:noFill/>
+            </a:ln>
+            <a:effectLst>
+              <a:innerShdw blurRad="63500" dist="2540000">
+                <a:schemeClr val="accent1">
+                  <a:lumMod val="60000"/>
+                  <a:lumOff val="40000"/>
+                  <a:alpha val="0"/>
+                </a:schemeClr>
+              </a:innerShdw>
+            </a:effectLst>
+          </p:spPr>
+          <p:style>
+            <a:lnRef idx="2">
+              <a:schemeClr val="accent1">
+                <a:shade val="50000"/>
+              </a:schemeClr>
+            </a:lnRef>
+            <a:fillRef idx="1">
+              <a:schemeClr val="accent1"/>
+            </a:fillRef>
+            <a:effectRef idx="0">
+              <a:schemeClr val="accent1"/>
+            </a:effectRef>
+            <a:fontRef idx="minor">
+              <a:schemeClr val="lt1"/>
+            </a:fontRef>
+          </p:style>
+          <p:txBody>
+            <a:bodyPr rot="0" spcFirstLastPara="0" vertOverflow="overflow" horzOverflow="overflow" vert="horz" wrap="square" lIns="91440" tIns="45720" rIns="91440" bIns="45720" numCol="1" spcCol="0" rtlCol="0" fromWordArt="0" anchor="ctr" anchorCtr="0" forceAA="0" compatLnSpc="1">
+              <a:prstTxWarp prst="textNoShape">
+                <a:avLst/>
+              </a:prstTxWarp>
+              <a:noAutofit/>
+            </a:bodyPr>
+            <a:lstStyle/>
+            <a:p>
+              <a:pPr algn="ctr"/>
+              <a:endParaRPr lang="en-US"/>
+            </a:p>
+          </p:txBody>
+        </p:sp>
+        <p:sp>
+          <p:nvSpPr>
+            <p:cNvPr id="16" name="Oval 15">
+              <a:extLst>
+                <a:ext uri="{FF2B5EF4-FFF2-40B4-BE49-F238E27FC236}">
+                  <a16:creationId xmlns:a16="http://schemas.microsoft.com/office/drawing/2014/main" id="{11196109-6F2B-4738-B2FC-2CCC753AABD4}"/>
+                </a:ext>
+                <a:ext uri="{C183D7F6-B498-43B3-948B-1728B52AA6E4}">
+                  <adec:decorative xmlns:adec="http://schemas.microsoft.com/office/drawing/2017/decorative" val="1"/>
+                </a:ext>
+              </a:extLst>
+            </p:cNvPr>
+            <p:cNvSpPr/>
+            <p:nvPr>
+              <p:extLst>
+                <p:ext uri="{386F3935-93C4-4BCD-93E2-E3B085C9AB24}">
+                  <p16:designElem xmlns:p16="http://schemas.microsoft.com/office/powerpoint/2015/main" val="1"/>
+                </p:ext>
+              </p:extLst>
+            </p:nvPr>
+          </p:nvSpPr>
+          <p:spPr>
+            <a:xfrm rot="8100000" flipH="1" flipV="1">
+              <a:off x="10625042" y="1448827"/>
+              <a:ext cx="53549" cy="233295"/>
+            </a:xfrm>
+            <a:prstGeom prst="ellipse">
+              <a:avLst/>
+            </a:prstGeom>
+            <a:solidFill>
+              <a:schemeClr val="bg2">
+                <a:lumMod val="90000"/>
+                <a:lumOff val="10000"/>
+              </a:schemeClr>
+            </a:solidFill>
+            <a:ln>
+              <a:noFill/>
+            </a:ln>
+            <a:effectLst>
+              <a:innerShdw blurRad="63500" dist="2540000">
+                <a:schemeClr val="accent1">
+                  <a:lumMod val="60000"/>
+                  <a:lumOff val="40000"/>
+                  <a:alpha val="0"/>
+                </a:schemeClr>
+              </a:innerShdw>
+            </a:effectLst>
+          </p:spPr>
+          <p:style>
+            <a:lnRef idx="2">
+              <a:schemeClr val="accent1">
+                <a:shade val="50000"/>
+              </a:schemeClr>
+            </a:lnRef>
+            <a:fillRef idx="1">
+              <a:schemeClr val="accent1"/>
+            </a:fillRef>
+            <a:effectRef idx="0">
+              <a:schemeClr val="accent1"/>
+            </a:effectRef>
+            <a:fontRef idx="minor">
+              <a:schemeClr val="lt1"/>
+            </a:fontRef>
+          </p:style>
+          <p:txBody>
+            <a:bodyPr rot="0" spcFirstLastPara="0" vertOverflow="overflow" horzOverflow="overflow" vert="horz" wrap="square" lIns="91440" tIns="45720" rIns="91440" bIns="45720" numCol="1" spcCol="0" rtlCol="0" fromWordArt="0" anchor="ctr" anchorCtr="0" forceAA="0" compatLnSpc="1">
+              <a:prstTxWarp prst="textNoShape">
+                <a:avLst/>
+              </a:prstTxWarp>
+              <a:noAutofit/>
+            </a:bodyPr>
+            <a:lstStyle/>
+            <a:p>
+              <a:pPr algn="ctr"/>
+              <a:endParaRPr lang="en-US"/>
+            </a:p>
+          </p:txBody>
+        </p:sp>
+        <p:sp>
+          <p:nvSpPr>
+            <p:cNvPr id="17" name="Freeform: Shape 16">
+              <a:extLst>
+                <a:ext uri="{FF2B5EF4-FFF2-40B4-BE49-F238E27FC236}">
+                  <a16:creationId xmlns:a16="http://schemas.microsoft.com/office/drawing/2014/main" id="{F7E468C2-69B8-470B-85E3-801A3CB1D7E2}"/>
+                </a:ext>
+                <a:ext uri="{C183D7F6-B498-43B3-948B-1728B52AA6E4}">
+                  <adec:decorative xmlns:adec="http://schemas.microsoft.com/office/drawing/2017/decorative" val="1"/>
+                </a:ext>
+              </a:extLst>
+            </p:cNvPr>
+            <p:cNvSpPr>
+              <a:spLocks noChangeAspect="1"/>
+            </p:cNvSpPr>
+            <p:nvPr>
+              <p:extLst>
+                <p:ext uri="{386F3935-93C4-4BCD-93E2-E3B085C9AB24}">
+                  <p16:designElem xmlns:p16="http://schemas.microsoft.com/office/powerpoint/2015/main" val="1"/>
+                </p:ext>
+              </p:extLst>
+            </p:nvPr>
+          </p:nvSpPr>
+          <p:spPr>
+            <a:xfrm rot="2700000" flipH="1" flipV="1">
+              <a:off x="10292519" y="1686748"/>
+              <a:ext cx="926985" cy="530086"/>
+            </a:xfrm>
+            <a:custGeom>
+              <a:avLst/>
+              <a:gdLst>
+                <a:gd name="connsiteX0" fmla="*/ 1329373 w 2658746"/>
+                <a:gd name="connsiteY0" fmla="*/ 0 h 1329373"/>
+                <a:gd name="connsiteX1" fmla="*/ 2658746 w 2658746"/>
+                <a:gd name="connsiteY1" fmla="*/ 1329373 h 1329373"/>
+                <a:gd name="connsiteX2" fmla="*/ 1994059 w 2658746"/>
+                <a:gd name="connsiteY2" fmla="*/ 1329373 h 1329373"/>
+                <a:gd name="connsiteX3" fmla="*/ 1329373 w 2658746"/>
+                <a:gd name="connsiteY3" fmla="*/ 664687 h 1329373"/>
+                <a:gd name="connsiteX4" fmla="*/ 664687 w 2658746"/>
+                <a:gd name="connsiteY4" fmla="*/ 1329373 h 1329373"/>
+                <a:gd name="connsiteX5" fmla="*/ 0 w 2658746"/>
+                <a:gd name="connsiteY5" fmla="*/ 1329373 h 1329373"/>
+                <a:gd name="connsiteX6" fmla="*/ 1329373 w 2658746"/>
+                <a:gd name="connsiteY6" fmla="*/ 0 h 1329373"/>
+              </a:gdLst>
+              <a:ahLst/>
+              <a:cxnLst>
+                <a:cxn ang="0">
+                  <a:pos x="connsiteX0" y="connsiteY0"/>
+                </a:cxn>
+                <a:cxn ang="0">
+                  <a:pos x="connsiteX1" y="connsiteY1"/>
+                </a:cxn>
+                <a:cxn ang="0">
+                  <a:pos x="connsiteX2" y="connsiteY2"/>
+                </a:cxn>
+                <a:cxn ang="0">
+                  <a:pos x="connsiteX3" y="connsiteY3"/>
+                </a:cxn>
+                <a:cxn ang="0">
+                  <a:pos x="connsiteX4" y="connsiteY4"/>
+                </a:cxn>
+                <a:cxn ang="0">
+                  <a:pos x="connsiteX5" y="connsiteY5"/>
+                </a:cxn>
+                <a:cxn ang="0">
+                  <a:pos x="connsiteX6" y="connsiteY6"/>
+                </a:cxn>
+              </a:cxnLst>
+              <a:rect l="l" t="t" r="r" b="b"/>
+              <a:pathLst>
+                <a:path w="2658746" h="1329373">
+                  <a:moveTo>
+                    <a:pt x="1329373" y="0"/>
+                  </a:moveTo>
+                  <a:cubicBezTo>
+                    <a:pt x="2063565" y="0"/>
+                    <a:pt x="2658746" y="595181"/>
+                    <a:pt x="2658746" y="1329373"/>
+                  </a:cubicBezTo>
+                  <a:lnTo>
+                    <a:pt x="1994059" y="1329373"/>
+                  </a:lnTo>
+                  <a:cubicBezTo>
+                    <a:pt x="1994059" y="962277"/>
+                    <a:pt x="1696469" y="664687"/>
+                    <a:pt x="1329373" y="664687"/>
+                  </a:cubicBezTo>
+                  <a:cubicBezTo>
+                    <a:pt x="962277" y="664687"/>
+                    <a:pt x="664687" y="962277"/>
+                    <a:pt x="664687" y="1329373"/>
+                  </a:cubicBezTo>
+                  <a:lnTo>
+                    <a:pt x="0" y="1329373"/>
+                  </a:lnTo>
+                  <a:cubicBezTo>
+                    <a:pt x="0" y="595181"/>
+                    <a:pt x="595181" y="0"/>
+                    <a:pt x="1329373" y="0"/>
+                  </a:cubicBezTo>
+                  <a:close/>
+                </a:path>
+              </a:pathLst>
+            </a:custGeom>
+            <a:solidFill>
+              <a:schemeClr val="bg2">
+                <a:lumMod val="50000"/>
+                <a:lumOff val="50000"/>
+                <a:alpha val="20000"/>
+              </a:schemeClr>
+            </a:solidFill>
+            <a:ln>
+              <a:noFill/>
+            </a:ln>
+            <a:effectLst>
+              <a:softEdge rad="101600"/>
+            </a:effectLst>
+          </p:spPr>
+          <p:style>
+            <a:lnRef idx="2">
+              <a:schemeClr val="accent1">
+                <a:shade val="50000"/>
+              </a:schemeClr>
+            </a:lnRef>
+            <a:fillRef idx="1">
+              <a:schemeClr val="accent1"/>
+            </a:fillRef>
+            <a:effectRef idx="0">
+              <a:schemeClr val="accent1"/>
+            </a:effectRef>
+            <a:fontRef idx="minor">
+              <a:schemeClr val="lt1"/>
+            </a:fontRef>
+          </p:style>
+          <p:txBody>
+            <a:bodyPr rtlCol="0" anchor="ctr"/>
+            <a:lstStyle/>
+            <a:p>
+              <a:pPr algn="ctr"/>
+              <a:endParaRPr lang="en-US" dirty="0">
+                <a:solidFill>
+                  <a:schemeClr val="tx1"/>
+                </a:solidFill>
+              </a:endParaRPr>
+            </a:p>
+          </p:txBody>
+        </p:sp>
+      </p:grpSp>
+      <p:sp useBgFill="1">
+        <p:nvSpPr>
+          <p:cNvPr id="19" name="Rectangle 18">
+            <a:extLst>
+              <a:ext uri="{FF2B5EF4-FFF2-40B4-BE49-F238E27FC236}">
+                <a16:creationId xmlns:a16="http://schemas.microsoft.com/office/drawing/2014/main" id="{60B7752B-728D-4CA3-8923-C4F7F77029E3}"/>
+              </a:ext>
+              <a:ext uri="{C183D7F6-B498-43B3-948B-1728B52AA6E4}">
+                <adec:decorative xmlns:adec="http://schemas.microsoft.com/office/drawing/2017/decorative" val="1"/>
+              </a:ext>
+            </a:extLst>
+          </p:cNvPr>
+          <p:cNvSpPr>
+            <a:spLocks noGrp="1" noRot="1" noChangeAspect="1" noMove="1" noResize="1" noEditPoints="1" noAdjustHandles="1" noChangeArrowheads="1" noChangeShapeType="1" noTextEdit="1"/>
+          </p:cNvSpPr>
+          <p:nvPr>
+            <p:extLst>
+              <p:ext uri="{386F3935-93C4-4BCD-93E2-E3B085C9AB24}">
+                <p16:designElem xmlns:p16="http://schemas.microsoft.com/office/powerpoint/2015/main" val="1"/>
+              </p:ext>
+            </p:extLst>
+          </p:nvPr>
+        </p:nvSpPr>
+        <p:spPr>
+          <a:xfrm>
+            <a:off x="0" y="0"/>
+            <a:ext cx="12192000" cy="6858000"/>
+          </a:xfrm>
+          <a:prstGeom prst="rect">
+            <a:avLst/>
+          </a:prstGeom>
+          <a:ln w="12700" cap="flat" cmpd="sng" algn="ctr">
+            <a:noFill/>
+            <a:prstDash val="solid"/>
+            <a:miter lim="800000"/>
+          </a:ln>
+          <a:effectLst/>
+          <a:extLst>
+            <a:ext uri="{91240B29-F687-4F45-9708-019B960494DF}">
+              <a14:hiddenLine xmlns:a14="http://schemas.microsoft.com/office/drawing/2010/main" w="12700" cap="flat" cmpd="sng" algn="ctr">
+                <a:solidFill>
+                  <a:schemeClr val="accent1">
+                    <a:shade val="50000"/>
+                  </a:schemeClr>
+                </a:solidFill>
+                <a:prstDash val="solid"/>
+                <a:miter lim="800000"/>
+              </a14:hiddenLine>
+            </a:ext>
+          </a:extLst>
+        </p:spPr>
+        <p:style>
+          <a:lnRef idx="2">
+            <a:schemeClr val="accent1">
+              <a:shade val="50000"/>
+            </a:schemeClr>
+          </a:lnRef>
+          <a:fillRef idx="1">
+            <a:schemeClr val="accent1"/>
+          </a:fillRef>
+          <a:effectRef idx="0">
+            <a:schemeClr val="accent1"/>
+          </a:effectRef>
+          <a:fontRef idx="minor">
+            <a:schemeClr val="lt1"/>
+          </a:fontRef>
+        </p:style>
+        <p:txBody>
+          <a:bodyPr rtlCol="0" anchor="ctr"/>
+          <a:lstStyle/>
+          <a:p>
+            <a:pPr algn="ctr"/>
+            <a:endParaRPr lang="en-US"/>
+          </a:p>
+        </p:txBody>
+      </p:sp>
       <p:sp>
         <p:nvSpPr>
-          <p:cNvPr id="6" name="TextBox 5">
+          <p:cNvPr id="2" name="TextBox 1">
             <a:extLst>
               <a:ext uri="{FF2B5EF4-FFF2-40B4-BE49-F238E27FC236}">
-                <a16:creationId xmlns:a16="http://schemas.microsoft.com/office/drawing/2014/main" id="{C41B875C-FE4D-12A9-B48F-3DC98BAD7EE9}"/>
+                <a16:creationId xmlns:a16="http://schemas.microsoft.com/office/drawing/2014/main" id="{095EBBE6-9C83-7757-521E-4D94F1F011BC}"/>
               </a:ext>
             </a:extLst>
           </p:cNvPr>
@@ -14505,126 +18987,953 @@
         </p:nvSpPr>
         <p:spPr>
           <a:xfrm>
-            <a:off x="631760" y="1936283"/>
-            <a:ext cx="10928479" cy="2985433"/>
+            <a:off x="7140575" y="1520825"/>
+            <a:ext cx="4489825" cy="3779838"/>
           </a:xfrm>
           <a:prstGeom prst="rect">
             <a:avLst/>
           </a:prstGeom>
-          <a:noFill/>
         </p:spPr>
         <p:txBody>
-          <a:bodyPr wrap="square">
-            <a:spAutoFit/>
+          <a:bodyPr vert="horz" wrap="square" lIns="0" tIns="0" rIns="0" bIns="0" rtlCol="0" anchor="ctr" anchorCtr="0">
+            <a:normAutofit/>
           </a:bodyPr>
           <a:lstStyle/>
           <a:p>
-            <a:pPr algn="l"/>
+            <a:pPr>
+              <a:spcBef>
+                <a:spcPct val="0"/>
+              </a:spcBef>
+              <a:spcAft>
+                <a:spcPts val="600"/>
+              </a:spcAft>
+            </a:pPr>
             <a:r>
-              <a:rPr lang="en-US" sz="3200" dirty="0"/>
+              <a:rPr lang="en-US" sz="4800">
+                <a:latin typeface="+mj-lt"/>
+                <a:ea typeface="+mj-ea"/>
+                <a:cs typeface="+mj-cs"/>
+              </a:rPr>
               <a:t>S</a:t>
             </a:r>
             <a:r>
-              <a:rPr lang="en-US" sz="3200" b="0" i="0" dirty="0">
-                <a:effectLst/>
+              <a:rPr lang="en-US" sz="4800" b="0" i="0">
+                <a:latin typeface="+mj-lt"/>
+                <a:ea typeface="+mj-ea"/>
+                <a:cs typeface="+mj-cs"/>
               </a:rPr>
               <a:t>ystem </a:t>
             </a:r>
             <a:r>
-              <a:rPr lang="en-US" sz="3200" dirty="0"/>
+              <a:rPr lang="en-US" sz="4800">
+                <a:latin typeface="+mj-lt"/>
+                <a:ea typeface="+mj-ea"/>
+                <a:cs typeface="+mj-cs"/>
+              </a:rPr>
               <a:t>R</a:t>
             </a:r>
             <a:r>
-              <a:rPr lang="en-US" sz="3200" b="0" i="0" dirty="0">
-                <a:effectLst/>
+              <a:rPr lang="en-US" sz="4800" b="0" i="0">
+                <a:latin typeface="+mj-lt"/>
+                <a:ea typeface="+mj-ea"/>
+                <a:cs typeface="+mj-cs"/>
               </a:rPr>
               <a:t>equirements &amp; Prerequisites</a:t>
             </a:r>
-          </a:p>
-          <a:p>
-            <a:br>
-              <a:rPr lang="en-US" dirty="0"/>
-            </a:br>
-            <a:r>
-              <a:rPr lang="en-US" sz="2400" dirty="0"/>
-              <a:t>System Requirements</a:t>
-            </a:r>
-          </a:p>
-          <a:p>
-            <a:pPr marL="285750" indent="-285750">
-              <a:buFont typeface="Arial" panose="020B0604020202020204" pitchFamily="34" charset="0"/>
-              <a:buChar char="•"/>
-            </a:pPr>
-            <a:r>
-              <a:rPr lang="en-US" dirty="0"/>
-              <a:t>Any PC /Mac that can run on </a:t>
-            </a:r>
-            <a:r>
-              <a:rPr lang="en-US" dirty="0" err="1"/>
-              <a:t>Jupyter</a:t>
-            </a:r>
-            <a:r>
-              <a:rPr lang="en-US" dirty="0"/>
-              <a:t> notebook.</a:t>
-            </a:r>
-          </a:p>
-          <a:p>
-            <a:endParaRPr lang="en-US" dirty="0"/>
-          </a:p>
-          <a:p>
-            <a:r>
-              <a:rPr lang="en-US" sz="2400" dirty="0"/>
-              <a:t>Prerequisites</a:t>
-            </a:r>
-          </a:p>
-          <a:p>
-            <a:pPr marL="285750" indent="-285750">
-              <a:buFont typeface="Arial" panose="020B0604020202020204" pitchFamily="34" charset="0"/>
-              <a:buChar char="•"/>
-            </a:pPr>
-            <a:r>
-              <a:rPr lang="en-US" dirty="0"/>
-              <a:t>Python Programming</a:t>
-            </a:r>
-          </a:p>
-          <a:p>
-            <a:pPr marL="285750" indent="-285750">
-              <a:buFont typeface="Arial" panose="020B0604020202020204" pitchFamily="34" charset="0"/>
-              <a:buChar char="•"/>
-            </a:pPr>
-            <a:r>
-              <a:rPr lang="en-US" dirty="0"/>
-              <a:t>Tools used :</a:t>
-            </a:r>
-            <a:r>
-              <a:rPr lang="en-US" dirty="0" err="1"/>
-              <a:t>Jupyter</a:t>
-            </a:r>
-            <a:r>
-              <a:rPr lang="en-US" dirty="0"/>
-              <a:t> notebook</a:t>
-            </a:r>
-          </a:p>
-          <a:p>
-            <a:pPr marL="285750" indent="-285750">
-              <a:buFont typeface="Arial" panose="020B0604020202020204" pitchFamily="34" charset="0"/>
-              <a:buChar char="•"/>
-            </a:pPr>
-            <a:r>
-              <a:rPr lang="en-US" dirty="0"/>
-              <a:t>Packages like :  </a:t>
-            </a:r>
-            <a:r>
-              <a:rPr lang="en-US" dirty="0" err="1"/>
-              <a:t>Numpy</a:t>
-            </a:r>
-            <a:r>
-              <a:rPr lang="en-US" dirty="0"/>
-              <a:t>, Pandas, Matplotlib, etc..</a:t>
-            </a:r>
+            <a:endParaRPr lang="en-US" sz="4800">
+              <a:latin typeface="+mj-lt"/>
+              <a:ea typeface="+mj-ea"/>
+              <a:cs typeface="+mj-cs"/>
+            </a:endParaRPr>
           </a:p>
         </p:txBody>
       </p:sp>
+      <p:sp>
+        <p:nvSpPr>
+          <p:cNvPr id="21" name="Freeform: Shape 20">
+            <a:extLst>
+              <a:ext uri="{FF2B5EF4-FFF2-40B4-BE49-F238E27FC236}">
+                <a16:creationId xmlns:a16="http://schemas.microsoft.com/office/drawing/2014/main" id="{F5B9E766-9E26-4187-BCFA-D90A32303DEB}"/>
+              </a:ext>
+              <a:ext uri="{C183D7F6-B498-43B3-948B-1728B52AA6E4}">
+                <adec:decorative xmlns:adec="http://schemas.microsoft.com/office/drawing/2017/decorative" val="1"/>
+              </a:ext>
+            </a:extLst>
+          </p:cNvPr>
+          <p:cNvSpPr>
+            <a:spLocks noGrp="1" noRot="1" noChangeAspect="1" noMove="1" noResize="1" noEditPoints="1" noAdjustHandles="1" noChangeArrowheads="1" noChangeShapeType="1" noTextEdit="1"/>
+          </p:cNvSpPr>
+          <p:nvPr>
+            <p:extLst>
+              <p:ext uri="{386F3935-93C4-4BCD-93E2-E3B085C9AB24}">
+                <p16:designElem xmlns:p16="http://schemas.microsoft.com/office/powerpoint/2015/main" val="1"/>
+              </p:ext>
+            </p:extLst>
+          </p:nvPr>
+        </p:nvSpPr>
+        <p:spPr>
+          <a:xfrm rot="2700000">
+            <a:off x="6593312" y="-218369"/>
+            <a:ext cx="1080000" cy="1130246"/>
+          </a:xfrm>
+          <a:custGeom>
+            <a:avLst/>
+            <a:gdLst>
+              <a:gd name="connsiteX0" fmla="*/ 272514 w 1080000"/>
+              <a:gd name="connsiteY0" fmla="*/ 342224 h 1130246"/>
+              <a:gd name="connsiteX1" fmla="*/ 614739 w 1080000"/>
+              <a:gd name="connsiteY1" fmla="*/ 0 h 1130246"/>
+              <a:gd name="connsiteX2" fmla="*/ 1064374 w 1080000"/>
+              <a:gd name="connsiteY2" fmla="*/ 798333 h 1130246"/>
+              <a:gd name="connsiteX3" fmla="*/ 1069029 w 1080000"/>
+              <a:gd name="connsiteY3" fmla="*/ 805832 h 1130246"/>
+              <a:gd name="connsiteX4" fmla="*/ 1080000 w 1080000"/>
+              <a:gd name="connsiteY4" fmla="*/ 860246 h 1130246"/>
+              <a:gd name="connsiteX5" fmla="*/ 540000 w 1080000"/>
+              <a:gd name="connsiteY5" fmla="*/ 1130246 h 1130246"/>
+              <a:gd name="connsiteX6" fmla="*/ 0 w 1080000"/>
+              <a:gd name="connsiteY6" fmla="*/ 860246 h 1130246"/>
+              <a:gd name="connsiteX7" fmla="*/ 10971 w 1080000"/>
+              <a:gd name="connsiteY7" fmla="*/ 805832 h 1130246"/>
+              <a:gd name="connsiteX8" fmla="*/ 15626 w 1080000"/>
+              <a:gd name="connsiteY8" fmla="*/ 798333 h 1130246"/>
+            </a:gdLst>
+            <a:ahLst/>
+            <a:cxnLst>
+              <a:cxn ang="0">
+                <a:pos x="connsiteX0" y="connsiteY0"/>
+              </a:cxn>
+              <a:cxn ang="0">
+                <a:pos x="connsiteX1" y="connsiteY1"/>
+              </a:cxn>
+              <a:cxn ang="0">
+                <a:pos x="connsiteX2" y="connsiteY2"/>
+              </a:cxn>
+              <a:cxn ang="0">
+                <a:pos x="connsiteX3" y="connsiteY3"/>
+              </a:cxn>
+              <a:cxn ang="0">
+                <a:pos x="connsiteX4" y="connsiteY4"/>
+              </a:cxn>
+              <a:cxn ang="0">
+                <a:pos x="connsiteX5" y="connsiteY5"/>
+              </a:cxn>
+              <a:cxn ang="0">
+                <a:pos x="connsiteX6" y="connsiteY6"/>
+              </a:cxn>
+              <a:cxn ang="0">
+                <a:pos x="connsiteX7" y="connsiteY7"/>
+              </a:cxn>
+              <a:cxn ang="0">
+                <a:pos x="connsiteX8" y="connsiteY8"/>
+              </a:cxn>
+            </a:cxnLst>
+            <a:rect l="l" t="t" r="r" b="b"/>
+            <a:pathLst>
+              <a:path w="1080000" h="1130246">
+                <a:moveTo>
+                  <a:pt x="272514" y="342224"/>
+                </a:moveTo>
+                <a:lnTo>
+                  <a:pt x="614739" y="0"/>
+                </a:lnTo>
+                <a:lnTo>
+                  <a:pt x="1064374" y="798333"/>
+                </a:lnTo>
+                <a:lnTo>
+                  <a:pt x="1069029" y="805832"/>
+                </a:lnTo>
+                <a:cubicBezTo>
+                  <a:pt x="1076223" y="823408"/>
+                  <a:pt x="1080000" y="841606"/>
+                  <a:pt x="1080000" y="860246"/>
+                </a:cubicBezTo>
+                <a:cubicBezTo>
+                  <a:pt x="1080000" y="1009363"/>
+                  <a:pt x="838234" y="1130246"/>
+                  <a:pt x="540000" y="1130246"/>
+                </a:cubicBezTo>
+                <a:cubicBezTo>
+                  <a:pt x="241766" y="1130246"/>
+                  <a:pt x="0" y="1009363"/>
+                  <a:pt x="0" y="860246"/>
+                </a:cubicBezTo>
+                <a:cubicBezTo>
+                  <a:pt x="0" y="841606"/>
+                  <a:pt x="3778" y="823408"/>
+                  <a:pt x="10971" y="805832"/>
+                </a:cubicBezTo>
+                <a:lnTo>
+                  <a:pt x="15626" y="798333"/>
+                </a:lnTo>
+                <a:close/>
+              </a:path>
+            </a:pathLst>
+          </a:custGeom>
+          <a:gradFill>
+            <a:gsLst>
+              <a:gs pos="60000">
+                <a:schemeClr val="bg2">
+                  <a:lumMod val="90000"/>
+                  <a:lumOff val="10000"/>
+                </a:schemeClr>
+              </a:gs>
+              <a:gs pos="30000">
+                <a:schemeClr val="bg2">
+                  <a:lumMod val="90000"/>
+                  <a:lumOff val="10000"/>
+                </a:schemeClr>
+              </a:gs>
+              <a:gs pos="40000">
+                <a:schemeClr val="bg2">
+                  <a:lumMod val="75000"/>
+                  <a:lumOff val="25000"/>
+                </a:schemeClr>
+              </a:gs>
+              <a:gs pos="100000">
+                <a:schemeClr val="bg2"/>
+              </a:gs>
+            </a:gsLst>
+            <a:lin ang="600000" scaled="0"/>
+          </a:gradFill>
+          <a:ln>
+            <a:noFill/>
+          </a:ln>
+          <a:effectLst>
+            <a:innerShdw blurRad="254000" dist="101600" dir="2700000">
+              <a:schemeClr val="accent1">
+                <a:lumMod val="60000"/>
+                <a:lumOff val="40000"/>
+                <a:alpha val="40000"/>
+              </a:schemeClr>
+            </a:innerShdw>
+          </a:effectLst>
+        </p:spPr>
+        <p:style>
+          <a:lnRef idx="2">
+            <a:schemeClr val="accent1">
+              <a:shade val="50000"/>
+            </a:schemeClr>
+          </a:lnRef>
+          <a:fillRef idx="1">
+            <a:schemeClr val="accent1"/>
+          </a:fillRef>
+          <a:effectRef idx="0">
+            <a:schemeClr val="accent1"/>
+          </a:effectRef>
+          <a:fontRef idx="minor">
+            <a:schemeClr val="lt1"/>
+          </a:fontRef>
+        </p:style>
+        <p:txBody>
+          <a:bodyPr rot="0" spcFirstLastPara="0" vertOverflow="overflow" horzOverflow="overflow" vert="horz" wrap="square" lIns="91440" tIns="45720" rIns="91440" bIns="45720" numCol="1" spcCol="0" rtlCol="0" fromWordArt="0" anchor="ctr" anchorCtr="0" forceAA="0" compatLnSpc="1">
+            <a:prstTxWarp prst="textNoShape">
+              <a:avLst/>
+            </a:prstTxWarp>
+            <a:noAutofit/>
+          </a:bodyPr>
+          <a:lstStyle/>
+          <a:p>
+            <a:pPr algn="ctr"/>
+            <a:endParaRPr lang="en-US"/>
+          </a:p>
+        </p:txBody>
+      </p:sp>
+      <p:sp>
+        <p:nvSpPr>
+          <p:cNvPr id="23" name="Oval 22">
+            <a:extLst>
+              <a:ext uri="{FF2B5EF4-FFF2-40B4-BE49-F238E27FC236}">
+                <a16:creationId xmlns:a16="http://schemas.microsoft.com/office/drawing/2014/main" id="{71AD1FEB-49FD-40CF-99EC-4E7113B78C17}"/>
+              </a:ext>
+              <a:ext uri="{C183D7F6-B498-43B3-948B-1728B52AA6E4}">
+                <adec:decorative xmlns:adec="http://schemas.microsoft.com/office/drawing/2017/decorative" val="1"/>
+              </a:ext>
+            </a:extLst>
+          </p:cNvPr>
+          <p:cNvSpPr>
+            <a:spLocks noGrp="1" noRot="1" noChangeAspect="1" noMove="1" noResize="1" noEditPoints="1" noAdjustHandles="1" noChangeArrowheads="1" noChangeShapeType="1" noTextEdit="1"/>
+          </p:cNvSpPr>
+          <p:nvPr>
+            <p:extLst>
+              <p:ext uri="{386F3935-93C4-4BCD-93E2-E3B085C9AB24}">
+                <p16:designElem xmlns:p16="http://schemas.microsoft.com/office/powerpoint/2015/main" val="1"/>
+              </p:ext>
+            </p:extLst>
+          </p:nvPr>
+        </p:nvSpPr>
+        <p:spPr>
+          <a:xfrm rot="8100000">
+            <a:off x="6654629" y="15438"/>
+            <a:ext cx="540000" cy="1080000"/>
+          </a:xfrm>
+          <a:prstGeom prst="ellipse">
+            <a:avLst/>
+          </a:prstGeom>
+          <a:gradFill>
+            <a:gsLst>
+              <a:gs pos="100000">
+                <a:schemeClr val="bg2">
+                  <a:lumMod val="90000"/>
+                  <a:lumOff val="10000"/>
+                </a:schemeClr>
+              </a:gs>
+              <a:gs pos="50000">
+                <a:schemeClr val="bg2">
+                  <a:lumMod val="95000"/>
+                  <a:lumOff val="5000"/>
+                </a:schemeClr>
+              </a:gs>
+            </a:gsLst>
+            <a:lin ang="5400000" scaled="0"/>
+          </a:gradFill>
+          <a:ln>
+            <a:noFill/>
+          </a:ln>
+          <a:effectLst>
+            <a:innerShdw blurRad="1270000" dist="2540000">
+              <a:schemeClr val="accent1">
+                <a:lumMod val="60000"/>
+                <a:lumOff val="40000"/>
+                <a:alpha val="0"/>
+              </a:schemeClr>
+            </a:innerShdw>
+          </a:effectLst>
+        </p:spPr>
+        <p:style>
+          <a:lnRef idx="2">
+            <a:schemeClr val="accent1">
+              <a:shade val="50000"/>
+            </a:schemeClr>
+          </a:lnRef>
+          <a:fillRef idx="1">
+            <a:schemeClr val="accent1"/>
+          </a:fillRef>
+          <a:effectRef idx="0">
+            <a:schemeClr val="accent1"/>
+          </a:effectRef>
+          <a:fontRef idx="minor">
+            <a:schemeClr val="lt1"/>
+          </a:fontRef>
+        </p:style>
+        <p:txBody>
+          <a:bodyPr rot="0" spcFirstLastPara="0" vertOverflow="overflow" horzOverflow="overflow" vert="horz" wrap="square" lIns="91440" tIns="45720" rIns="91440" bIns="45720" numCol="1" spcCol="0" rtlCol="0" fromWordArt="0" anchor="ctr" anchorCtr="0" forceAA="0" compatLnSpc="1">
+            <a:prstTxWarp prst="textNoShape">
+              <a:avLst/>
+            </a:prstTxWarp>
+            <a:noAutofit/>
+          </a:bodyPr>
+          <a:lstStyle/>
+          <a:p>
+            <a:pPr algn="ctr"/>
+            <a:endParaRPr lang="en-US"/>
+          </a:p>
+        </p:txBody>
+      </p:sp>
+      <p:sp>
+        <p:nvSpPr>
+          <p:cNvPr id="25" name="Oval 24">
+            <a:extLst>
+              <a:ext uri="{FF2B5EF4-FFF2-40B4-BE49-F238E27FC236}">
+                <a16:creationId xmlns:a16="http://schemas.microsoft.com/office/drawing/2014/main" id="{00DC30D3-D768-4F36-9F88-8AE574AB9B7B}"/>
+              </a:ext>
+              <a:ext uri="{C183D7F6-B498-43B3-948B-1728B52AA6E4}">
+                <adec:decorative xmlns:adec="http://schemas.microsoft.com/office/drawing/2017/decorative" val="1"/>
+              </a:ext>
+            </a:extLst>
+          </p:cNvPr>
+          <p:cNvSpPr>
+            <a:spLocks noGrp="1" noRot="1" noChangeAspect="1" noMove="1" noResize="1" noEditPoints="1" noAdjustHandles="1" noChangeArrowheads="1" noChangeShapeType="1" noTextEdit="1"/>
+          </p:cNvSpPr>
+          <p:nvPr>
+            <p:extLst>
+              <p:ext uri="{386F3935-93C4-4BCD-93E2-E3B085C9AB24}">
+                <p16:designElem xmlns:p16="http://schemas.microsoft.com/office/powerpoint/2015/main" val="1"/>
+              </p:ext>
+            </p:extLst>
+          </p:nvPr>
+        </p:nvSpPr>
+        <p:spPr>
+          <a:xfrm>
+            <a:off x="6677002" y="5016844"/>
+            <a:ext cx="360000" cy="360000"/>
+          </a:xfrm>
+          <a:prstGeom prst="ellipse">
+            <a:avLst/>
+          </a:prstGeom>
+          <a:gradFill flip="none" rotWithShape="1">
+            <a:gsLst>
+              <a:gs pos="100000">
+                <a:schemeClr val="bg2">
+                  <a:lumMod val="50000"/>
+                  <a:lumOff val="50000"/>
+                </a:schemeClr>
+              </a:gs>
+              <a:gs pos="60000">
+                <a:schemeClr val="bg2"/>
+              </a:gs>
+            </a:gsLst>
+            <a:path path="circle">
+              <a:fillToRect l="100000" b="100000"/>
+            </a:path>
+            <a:tileRect t="-100000" r="-100000"/>
+          </a:gradFill>
+          <a:ln>
+            <a:noFill/>
+          </a:ln>
+          <a:effectLst>
+            <a:innerShdw blurRad="127000" dist="63500" dir="2700000">
+              <a:schemeClr val="accent1">
+                <a:lumMod val="60000"/>
+                <a:lumOff val="40000"/>
+                <a:alpha val="20000"/>
+              </a:schemeClr>
+            </a:innerShdw>
+            <a:softEdge rad="0"/>
+          </a:effectLst>
+        </p:spPr>
+        <p:style>
+          <a:lnRef idx="2">
+            <a:schemeClr val="accent1">
+              <a:shade val="50000"/>
+            </a:schemeClr>
+          </a:lnRef>
+          <a:fillRef idx="1">
+            <a:schemeClr val="accent1"/>
+          </a:fillRef>
+          <a:effectRef idx="0">
+            <a:schemeClr val="accent1"/>
+          </a:effectRef>
+          <a:fontRef idx="minor">
+            <a:schemeClr val="lt1"/>
+          </a:fontRef>
+        </p:style>
+        <p:txBody>
+          <a:bodyPr rot="0" spcFirstLastPara="0" vertOverflow="overflow" horzOverflow="overflow" vert="horz" wrap="square" lIns="91440" tIns="45720" rIns="91440" bIns="45720" numCol="1" spcCol="0" rtlCol="0" fromWordArt="0" anchor="ctr" anchorCtr="0" forceAA="0" compatLnSpc="1">
+            <a:prstTxWarp prst="textNoShape">
+              <a:avLst/>
+            </a:prstTxWarp>
+            <a:noAutofit/>
+          </a:bodyPr>
+          <a:lstStyle/>
+          <a:p>
+            <a:pPr algn="ctr"/>
+            <a:endParaRPr lang="en-US"/>
+          </a:p>
+        </p:txBody>
+      </p:sp>
+      <p:grpSp>
+        <p:nvGrpSpPr>
+          <p:cNvPr id="27" name="Group 26">
+            <a:extLst>
+              <a:ext uri="{FF2B5EF4-FFF2-40B4-BE49-F238E27FC236}">
+                <a16:creationId xmlns:a16="http://schemas.microsoft.com/office/drawing/2014/main" id="{8565B612-C05D-44C8-A892-B3BCE658F61C}"/>
+              </a:ext>
+              <a:ext uri="{C183D7F6-B498-43B3-948B-1728B52AA6E4}">
+                <adec:decorative xmlns:adec="http://schemas.microsoft.com/office/drawing/2017/decorative" val="1"/>
+              </a:ext>
+            </a:extLst>
+          </p:cNvPr>
+          <p:cNvGrpSpPr>
+            <a:grpSpLocks noGrp="1" noUngrp="1" noRot="1" noChangeAspect="1" noMove="1" noResize="1"/>
+          </p:cNvGrpSpPr>
+          <p:nvPr>
+            <p:extLst>
+              <p:ext uri="{386F3935-93C4-4BCD-93E2-E3B085C9AB24}">
+                <p16:designElem xmlns:p16="http://schemas.microsoft.com/office/powerpoint/2015/main" val="1"/>
+              </p:ext>
+            </p:extLst>
+          </p:nvPr>
+        </p:nvGrpSpPr>
+        <p:grpSpPr>
+          <a:xfrm>
+            <a:off x="9327250" y="5143296"/>
+            <a:ext cx="1980001" cy="1363916"/>
+            <a:chOff x="4879602" y="3781429"/>
+            <a:chExt cx="1980001" cy="1363916"/>
+          </a:xfrm>
+        </p:grpSpPr>
+        <p:sp>
+          <p:nvSpPr>
+            <p:cNvPr id="28" name="Freeform: Shape 27">
+              <a:extLst>
+                <a:ext uri="{FF2B5EF4-FFF2-40B4-BE49-F238E27FC236}">
+                  <a16:creationId xmlns:a16="http://schemas.microsoft.com/office/drawing/2014/main" id="{1C58B61B-AB29-472A-98E9-49B2D38B91B6}"/>
+                </a:ext>
+                <a:ext uri="{C183D7F6-B498-43B3-948B-1728B52AA6E4}">
+                  <adec:decorative xmlns:adec="http://schemas.microsoft.com/office/drawing/2017/decorative" val="1"/>
+                </a:ext>
+              </a:extLst>
+            </p:cNvPr>
+            <p:cNvSpPr>
+              <a:spLocks noChangeAspect="1"/>
+            </p:cNvSpPr>
+            <p:nvPr>
+              <p:extLst>
+                <p:ext uri="{386F3935-93C4-4BCD-93E2-E3B085C9AB24}">
+                  <p16:designElem xmlns:p16="http://schemas.microsoft.com/office/powerpoint/2015/main" val="1"/>
+                </p:ext>
+              </p:extLst>
+            </p:nvPr>
+          </p:nvSpPr>
+          <p:spPr>
+            <a:xfrm rot="18900000" flipV="1">
+              <a:off x="5005634" y="4191206"/>
+              <a:ext cx="1853969" cy="926985"/>
+            </a:xfrm>
+            <a:custGeom>
+              <a:avLst/>
+              <a:gdLst>
+                <a:gd name="connsiteX0" fmla="*/ 1329373 w 2658746"/>
+                <a:gd name="connsiteY0" fmla="*/ 0 h 1329373"/>
+                <a:gd name="connsiteX1" fmla="*/ 2658746 w 2658746"/>
+                <a:gd name="connsiteY1" fmla="*/ 1329373 h 1329373"/>
+                <a:gd name="connsiteX2" fmla="*/ 1994059 w 2658746"/>
+                <a:gd name="connsiteY2" fmla="*/ 1329373 h 1329373"/>
+                <a:gd name="connsiteX3" fmla="*/ 1329373 w 2658746"/>
+                <a:gd name="connsiteY3" fmla="*/ 664687 h 1329373"/>
+                <a:gd name="connsiteX4" fmla="*/ 664687 w 2658746"/>
+                <a:gd name="connsiteY4" fmla="*/ 1329373 h 1329373"/>
+                <a:gd name="connsiteX5" fmla="*/ 0 w 2658746"/>
+                <a:gd name="connsiteY5" fmla="*/ 1329373 h 1329373"/>
+                <a:gd name="connsiteX6" fmla="*/ 1329373 w 2658746"/>
+                <a:gd name="connsiteY6" fmla="*/ 0 h 1329373"/>
+              </a:gdLst>
+              <a:ahLst/>
+              <a:cxnLst>
+                <a:cxn ang="0">
+                  <a:pos x="connsiteX0" y="connsiteY0"/>
+                </a:cxn>
+                <a:cxn ang="0">
+                  <a:pos x="connsiteX1" y="connsiteY1"/>
+                </a:cxn>
+                <a:cxn ang="0">
+                  <a:pos x="connsiteX2" y="connsiteY2"/>
+                </a:cxn>
+                <a:cxn ang="0">
+                  <a:pos x="connsiteX3" y="connsiteY3"/>
+                </a:cxn>
+                <a:cxn ang="0">
+                  <a:pos x="connsiteX4" y="connsiteY4"/>
+                </a:cxn>
+                <a:cxn ang="0">
+                  <a:pos x="connsiteX5" y="connsiteY5"/>
+                </a:cxn>
+                <a:cxn ang="0">
+                  <a:pos x="connsiteX6" y="connsiteY6"/>
+                </a:cxn>
+              </a:cxnLst>
+              <a:rect l="l" t="t" r="r" b="b"/>
+              <a:pathLst>
+                <a:path w="2658746" h="1329373">
+                  <a:moveTo>
+                    <a:pt x="1329373" y="0"/>
+                  </a:moveTo>
+                  <a:cubicBezTo>
+                    <a:pt x="2063565" y="0"/>
+                    <a:pt x="2658746" y="595181"/>
+                    <a:pt x="2658746" y="1329373"/>
+                  </a:cubicBezTo>
+                  <a:lnTo>
+                    <a:pt x="1994059" y="1329373"/>
+                  </a:lnTo>
+                  <a:cubicBezTo>
+                    <a:pt x="1994059" y="962277"/>
+                    <a:pt x="1696469" y="664687"/>
+                    <a:pt x="1329373" y="664687"/>
+                  </a:cubicBezTo>
+                  <a:cubicBezTo>
+                    <a:pt x="962277" y="664687"/>
+                    <a:pt x="664687" y="962277"/>
+                    <a:pt x="664687" y="1329373"/>
+                  </a:cubicBezTo>
+                  <a:lnTo>
+                    <a:pt x="0" y="1329373"/>
+                  </a:lnTo>
+                  <a:cubicBezTo>
+                    <a:pt x="0" y="595181"/>
+                    <a:pt x="595181" y="0"/>
+                    <a:pt x="1329373" y="0"/>
+                  </a:cubicBezTo>
+                  <a:close/>
+                </a:path>
+              </a:pathLst>
+            </a:custGeom>
+            <a:solidFill>
+              <a:schemeClr val="bg2"/>
+            </a:solidFill>
+            <a:ln>
+              <a:noFill/>
+            </a:ln>
+            <a:effectLst>
+              <a:innerShdw blurRad="254000" dist="50800" dir="16200000">
+                <a:schemeClr val="accent1">
+                  <a:lumMod val="60000"/>
+                  <a:lumOff val="40000"/>
+                  <a:alpha val="40000"/>
+                </a:schemeClr>
+              </a:innerShdw>
+            </a:effectLst>
+          </p:spPr>
+          <p:style>
+            <a:lnRef idx="2">
+              <a:schemeClr val="accent1">
+                <a:shade val="50000"/>
+              </a:schemeClr>
+            </a:lnRef>
+            <a:fillRef idx="1">
+              <a:schemeClr val="accent1"/>
+            </a:fillRef>
+            <a:effectRef idx="0">
+              <a:schemeClr val="accent1"/>
+            </a:effectRef>
+            <a:fontRef idx="minor">
+              <a:schemeClr val="lt1"/>
+            </a:fontRef>
+          </p:style>
+          <p:txBody>
+            <a:bodyPr rtlCol="0" anchor="ctr"/>
+            <a:lstStyle/>
+            <a:p>
+              <a:pPr algn="ctr"/>
+              <a:endParaRPr lang="en-US" dirty="0"/>
+            </a:p>
+          </p:txBody>
+        </p:sp>
+        <p:sp>
+          <p:nvSpPr>
+            <p:cNvPr id="29" name="Freeform: Shape 28">
+              <a:extLst>
+                <a:ext uri="{FF2B5EF4-FFF2-40B4-BE49-F238E27FC236}">
+                  <a16:creationId xmlns:a16="http://schemas.microsoft.com/office/drawing/2014/main" id="{E972B41A-0DFD-40DF-B013-B3F4753AF0E7}"/>
+                </a:ext>
+                <a:ext uri="{C183D7F6-B498-43B3-948B-1728B52AA6E4}">
+                  <adec:decorative xmlns:adec="http://schemas.microsoft.com/office/drawing/2017/decorative" val="1"/>
+                </a:ext>
+              </a:extLst>
+            </p:cNvPr>
+            <p:cNvSpPr>
+              <a:spLocks noChangeAspect="1"/>
+            </p:cNvSpPr>
+            <p:nvPr>
+              <p:extLst>
+                <p:ext uri="{386F3935-93C4-4BCD-93E2-E3B085C9AB24}">
+                  <p16:designElem xmlns:p16="http://schemas.microsoft.com/office/powerpoint/2015/main" val="1"/>
+                </p:ext>
+              </p:extLst>
+            </p:nvPr>
+          </p:nvSpPr>
+          <p:spPr>
+            <a:xfrm rot="18900000" flipV="1">
+              <a:off x="4957101" y="4052255"/>
+              <a:ext cx="1853969" cy="1093090"/>
+            </a:xfrm>
+            <a:custGeom>
+              <a:avLst/>
+              <a:gdLst>
+                <a:gd name="connsiteX0" fmla="*/ 1329373 w 2658746"/>
+                <a:gd name="connsiteY0" fmla="*/ 0 h 1329373"/>
+                <a:gd name="connsiteX1" fmla="*/ 2658746 w 2658746"/>
+                <a:gd name="connsiteY1" fmla="*/ 1329373 h 1329373"/>
+                <a:gd name="connsiteX2" fmla="*/ 1994059 w 2658746"/>
+                <a:gd name="connsiteY2" fmla="*/ 1329373 h 1329373"/>
+                <a:gd name="connsiteX3" fmla="*/ 1329373 w 2658746"/>
+                <a:gd name="connsiteY3" fmla="*/ 664687 h 1329373"/>
+                <a:gd name="connsiteX4" fmla="*/ 664687 w 2658746"/>
+                <a:gd name="connsiteY4" fmla="*/ 1329373 h 1329373"/>
+                <a:gd name="connsiteX5" fmla="*/ 0 w 2658746"/>
+                <a:gd name="connsiteY5" fmla="*/ 1329373 h 1329373"/>
+                <a:gd name="connsiteX6" fmla="*/ 1329373 w 2658746"/>
+                <a:gd name="connsiteY6" fmla="*/ 0 h 1329373"/>
+              </a:gdLst>
+              <a:ahLst/>
+              <a:cxnLst>
+                <a:cxn ang="0">
+                  <a:pos x="connsiteX0" y="connsiteY0"/>
+                </a:cxn>
+                <a:cxn ang="0">
+                  <a:pos x="connsiteX1" y="connsiteY1"/>
+                </a:cxn>
+                <a:cxn ang="0">
+                  <a:pos x="connsiteX2" y="connsiteY2"/>
+                </a:cxn>
+                <a:cxn ang="0">
+                  <a:pos x="connsiteX3" y="connsiteY3"/>
+                </a:cxn>
+                <a:cxn ang="0">
+                  <a:pos x="connsiteX4" y="connsiteY4"/>
+                </a:cxn>
+                <a:cxn ang="0">
+                  <a:pos x="connsiteX5" y="connsiteY5"/>
+                </a:cxn>
+                <a:cxn ang="0">
+                  <a:pos x="connsiteX6" y="connsiteY6"/>
+                </a:cxn>
+              </a:cxnLst>
+              <a:rect l="l" t="t" r="r" b="b"/>
+              <a:pathLst>
+                <a:path w="2658746" h="1329373">
+                  <a:moveTo>
+                    <a:pt x="1329373" y="0"/>
+                  </a:moveTo>
+                  <a:cubicBezTo>
+                    <a:pt x="2063565" y="0"/>
+                    <a:pt x="2658746" y="595181"/>
+                    <a:pt x="2658746" y="1329373"/>
+                  </a:cubicBezTo>
+                  <a:lnTo>
+                    <a:pt x="1994059" y="1329373"/>
+                  </a:lnTo>
+                  <a:cubicBezTo>
+                    <a:pt x="1994059" y="962277"/>
+                    <a:pt x="1696469" y="664687"/>
+                    <a:pt x="1329373" y="664687"/>
+                  </a:cubicBezTo>
+                  <a:cubicBezTo>
+                    <a:pt x="962277" y="664687"/>
+                    <a:pt x="664687" y="962277"/>
+                    <a:pt x="664687" y="1329373"/>
+                  </a:cubicBezTo>
+                  <a:lnTo>
+                    <a:pt x="0" y="1329373"/>
+                  </a:lnTo>
+                  <a:cubicBezTo>
+                    <a:pt x="0" y="595181"/>
+                    <a:pt x="595181" y="0"/>
+                    <a:pt x="1329373" y="0"/>
+                  </a:cubicBezTo>
+                  <a:close/>
+                </a:path>
+              </a:pathLst>
+            </a:custGeom>
+            <a:solidFill>
+              <a:schemeClr val="bg2">
+                <a:lumMod val="50000"/>
+                <a:lumOff val="50000"/>
+                <a:alpha val="40000"/>
+              </a:schemeClr>
+            </a:solidFill>
+            <a:ln>
+              <a:noFill/>
+            </a:ln>
+            <a:effectLst>
+              <a:softEdge rad="190500"/>
+            </a:effectLst>
+          </p:spPr>
+          <p:style>
+            <a:lnRef idx="2">
+              <a:schemeClr val="accent1">
+                <a:shade val="50000"/>
+              </a:schemeClr>
+            </a:lnRef>
+            <a:fillRef idx="1">
+              <a:schemeClr val="accent1"/>
+            </a:fillRef>
+            <a:effectRef idx="0">
+              <a:schemeClr val="accent1"/>
+            </a:effectRef>
+            <a:fontRef idx="minor">
+              <a:schemeClr val="lt1"/>
+            </a:fontRef>
+          </p:style>
+          <p:txBody>
+            <a:bodyPr rtlCol="0" anchor="ctr"/>
+            <a:lstStyle/>
+            <a:p>
+              <a:pPr algn="ctr"/>
+              <a:endParaRPr lang="en-US" dirty="0">
+                <a:solidFill>
+                  <a:schemeClr val="tx1"/>
+                </a:solidFill>
+              </a:endParaRPr>
+            </a:p>
+          </p:txBody>
+        </p:sp>
+        <p:sp>
+          <p:nvSpPr>
+            <p:cNvPr id="30" name="Oval 29">
+              <a:extLst>
+                <a:ext uri="{FF2B5EF4-FFF2-40B4-BE49-F238E27FC236}">
+                  <a16:creationId xmlns:a16="http://schemas.microsoft.com/office/drawing/2014/main" id="{A88BB5E2-45D9-4084-8603-49BD6182138D}"/>
+                </a:ext>
+                <a:ext uri="{C183D7F6-B498-43B3-948B-1728B52AA6E4}">
+                  <adec:decorative xmlns:adec="http://schemas.microsoft.com/office/drawing/2017/decorative" val="1"/>
+                </a:ext>
+              </a:extLst>
+            </p:cNvPr>
+            <p:cNvSpPr/>
+            <p:nvPr>
+              <p:extLst>
+                <p:ext uri="{386F3935-93C4-4BCD-93E2-E3B085C9AB24}">
+                  <p16:designElem xmlns:p16="http://schemas.microsoft.com/office/powerpoint/2015/main" val="1"/>
+                </p:ext>
+              </p:extLst>
+            </p:nvPr>
+          </p:nvSpPr>
+          <p:spPr>
+            <a:xfrm rot="13500000" flipV="1">
+              <a:off x="6040374" y="3601683"/>
+              <a:ext cx="107098" cy="466589"/>
+            </a:xfrm>
+            <a:prstGeom prst="ellipse">
+              <a:avLst/>
+            </a:prstGeom>
+            <a:solidFill>
+              <a:schemeClr val="bg2">
+                <a:lumMod val="90000"/>
+                <a:lumOff val="10000"/>
+              </a:schemeClr>
+            </a:solidFill>
+            <a:ln>
+              <a:noFill/>
+            </a:ln>
+            <a:effectLst>
+              <a:innerShdw blurRad="63500" dist="2540000">
+                <a:schemeClr val="accent1">
+                  <a:lumMod val="60000"/>
+                  <a:lumOff val="40000"/>
+                  <a:alpha val="0"/>
+                </a:schemeClr>
+              </a:innerShdw>
+            </a:effectLst>
+          </p:spPr>
+          <p:style>
+            <a:lnRef idx="2">
+              <a:schemeClr val="accent1">
+                <a:shade val="50000"/>
+              </a:schemeClr>
+            </a:lnRef>
+            <a:fillRef idx="1">
+              <a:schemeClr val="accent1"/>
+            </a:fillRef>
+            <a:effectRef idx="0">
+              <a:schemeClr val="accent1"/>
+            </a:effectRef>
+            <a:fontRef idx="minor">
+              <a:schemeClr val="lt1"/>
+            </a:fontRef>
+          </p:style>
+          <p:txBody>
+            <a:bodyPr rot="0" spcFirstLastPara="0" vertOverflow="overflow" horzOverflow="overflow" vert="horz" wrap="square" lIns="91440" tIns="45720" rIns="91440" bIns="45720" numCol="1" spcCol="0" rtlCol="0" fromWordArt="0" anchor="ctr" anchorCtr="0" forceAA="0" compatLnSpc="1">
+              <a:prstTxWarp prst="textNoShape">
+                <a:avLst/>
+              </a:prstTxWarp>
+              <a:noAutofit/>
+            </a:bodyPr>
+            <a:lstStyle/>
+            <a:p>
+              <a:pPr algn="ctr"/>
+              <a:endParaRPr lang="en-US"/>
+            </a:p>
+          </p:txBody>
+        </p:sp>
+        <p:sp>
+          <p:nvSpPr>
+            <p:cNvPr id="31" name="Oval 30">
+              <a:extLst>
+                <a:ext uri="{FF2B5EF4-FFF2-40B4-BE49-F238E27FC236}">
+                  <a16:creationId xmlns:a16="http://schemas.microsoft.com/office/drawing/2014/main" id="{D355BD90-DCF9-4330-BCBA-F0456066BDD8}"/>
+                </a:ext>
+                <a:ext uri="{C183D7F6-B498-43B3-948B-1728B52AA6E4}">
+                  <adec:decorative xmlns:adec="http://schemas.microsoft.com/office/drawing/2017/decorative" val="1"/>
+                </a:ext>
+              </a:extLst>
+            </p:cNvPr>
+            <p:cNvSpPr/>
+            <p:nvPr>
+              <p:extLst>
+                <p:ext uri="{386F3935-93C4-4BCD-93E2-E3B085C9AB24}">
+                  <p16:designElem xmlns:p16="http://schemas.microsoft.com/office/powerpoint/2015/main" val="1"/>
+                </p:ext>
+              </p:extLst>
+            </p:nvPr>
+          </p:nvSpPr>
+          <p:spPr>
+            <a:xfrm rot="13500000" flipV="1">
+              <a:off x="5059348" y="4582709"/>
+              <a:ext cx="107098" cy="466589"/>
+            </a:xfrm>
+            <a:prstGeom prst="ellipse">
+              <a:avLst/>
+            </a:prstGeom>
+            <a:solidFill>
+              <a:schemeClr val="bg2">
+                <a:lumMod val="90000"/>
+                <a:lumOff val="10000"/>
+              </a:schemeClr>
+            </a:solidFill>
+            <a:ln>
+              <a:noFill/>
+            </a:ln>
+            <a:effectLst>
+              <a:innerShdw blurRad="63500" dist="2540000">
+                <a:schemeClr val="accent1">
+                  <a:lumMod val="60000"/>
+                  <a:lumOff val="40000"/>
+                  <a:alpha val="0"/>
+                </a:schemeClr>
+              </a:innerShdw>
+            </a:effectLst>
+          </p:spPr>
+          <p:style>
+            <a:lnRef idx="2">
+              <a:schemeClr val="accent1">
+                <a:shade val="50000"/>
+              </a:schemeClr>
+            </a:lnRef>
+            <a:fillRef idx="1">
+              <a:schemeClr val="accent1"/>
+            </a:fillRef>
+            <a:effectRef idx="0">
+              <a:schemeClr val="accent1"/>
+            </a:effectRef>
+            <a:fontRef idx="minor">
+              <a:schemeClr val="lt1"/>
+            </a:fontRef>
+          </p:style>
+          <p:txBody>
+            <a:bodyPr rot="0" spcFirstLastPara="0" vertOverflow="overflow" horzOverflow="overflow" vert="horz" wrap="square" lIns="91440" tIns="45720" rIns="91440" bIns="45720" numCol="1" spcCol="0" rtlCol="0" fromWordArt="0" anchor="ctr" anchorCtr="0" forceAA="0" compatLnSpc="1">
+              <a:prstTxWarp prst="textNoShape">
+                <a:avLst/>
+              </a:prstTxWarp>
+              <a:noAutofit/>
+            </a:bodyPr>
+            <a:lstStyle/>
+            <a:p>
+              <a:pPr algn="ctr"/>
+              <a:endParaRPr lang="en-US"/>
+            </a:p>
+          </p:txBody>
+        </p:sp>
+      </p:grpSp>
+      <p:graphicFrame>
+        <p:nvGraphicFramePr>
+          <p:cNvPr id="8" name="TextBox 5">
+            <a:extLst>
+              <a:ext uri="{FF2B5EF4-FFF2-40B4-BE49-F238E27FC236}">
+                <a16:creationId xmlns:a16="http://schemas.microsoft.com/office/drawing/2014/main" id="{A7309999-78BD-4D49-6809-BE79E97EC61E}"/>
+              </a:ext>
+            </a:extLst>
+          </p:cNvPr>
+          <p:cNvGraphicFramePr/>
+          <p:nvPr>
+            <p:extLst>
+              <p:ext uri="{D42A27DB-BD31-4B8C-83A1-F6EECF244321}">
+                <p14:modId xmlns:p14="http://schemas.microsoft.com/office/powerpoint/2010/main" val="2942485580"/>
+              </p:ext>
+            </p:extLst>
+          </p:nvPr>
+        </p:nvGraphicFramePr>
+        <p:xfrm>
+          <a:off x="561600" y="549275"/>
+          <a:ext cx="5426450" cy="5759450"/>
+        </p:xfrm>
+        <a:graphic>
+          <a:graphicData uri="http://schemas.openxmlformats.org/drawingml/2006/diagram">
+            <dgm:relIds xmlns:dgm="http://schemas.openxmlformats.org/drawingml/2006/diagram" xmlns:r="http://schemas.openxmlformats.org/officeDocument/2006/relationships" r:dm="rId2" r:lo="rId3" r:qs="rId4" r:cs="rId5"/>
+          </a:graphicData>
+        </a:graphic>
+      </p:graphicFrame>
     </p:spTree>
     <p:extLst>
       <p:ext uri="{BB962C8B-B14F-4D97-AF65-F5344CB8AC3E}">
@@ -14641,6 +19950,14 @@
 <file path=ppt/slides/slide9.xml><?xml version="1.0" encoding="utf-8"?>
 <p:sld xmlns:a="http://schemas.openxmlformats.org/drawingml/2006/main" xmlns:r="http://schemas.openxmlformats.org/officeDocument/2006/relationships" xmlns:p="http://schemas.openxmlformats.org/presentationml/2006/main">
   <p:cSld>
+    <p:bg>
+      <p:bgPr>
+        <a:solidFill>
+          <a:schemeClr val="bg2"/>
+        </a:solidFill>
+        <a:effectLst/>
+      </p:bgPr>
+    </p:bg>
     <p:spTree>
       <p:nvGrpSpPr>
         <p:cNvPr id="1" name=""/>
@@ -14655,6 +19972,570 @@
           <a:chExt cx="0" cy="0"/>
         </a:xfrm>
       </p:grpSpPr>
+      <p:grpSp>
+        <p:nvGrpSpPr>
+          <p:cNvPr id="12" name="Group 11">
+            <a:extLst>
+              <a:ext uri="{FF2B5EF4-FFF2-40B4-BE49-F238E27FC236}">
+                <a16:creationId xmlns:a16="http://schemas.microsoft.com/office/drawing/2014/main" id="{3BDBC526-6DCD-4FF6-8395-D8C22E46E527}"/>
+              </a:ext>
+              <a:ext uri="{C183D7F6-B498-43B3-948B-1728B52AA6E4}">
+                <adec:decorative xmlns:adec="http://schemas.microsoft.com/office/drawing/2017/decorative" val="1"/>
+              </a:ext>
+            </a:extLst>
+          </p:cNvPr>
+          <p:cNvGrpSpPr>
+            <a:grpSpLocks noGrp="1" noUngrp="1" noRot="1" noChangeAspect="1" noMove="1" noResize="1"/>
+          </p:cNvGrpSpPr>
+          <p:nvPr>
+            <p:extLst>
+              <p:ext uri="{386F3935-93C4-4BCD-93E2-E3B085C9AB24}">
+                <p16:designElem xmlns:p16="http://schemas.microsoft.com/office/powerpoint/2015/main" val="1"/>
+              </p:ext>
+            </p:extLst>
+          </p:nvPr>
+        </p:nvGrpSpPr>
+        <p:grpSpPr>
+          <a:xfrm>
+            <a:off x="613998" y="5334748"/>
+            <a:ext cx="678135" cy="990000"/>
+            <a:chOff x="10490969" y="1448827"/>
+            <a:chExt cx="678135" cy="990000"/>
+          </a:xfrm>
+        </p:grpSpPr>
+        <p:sp>
+          <p:nvSpPr>
+            <p:cNvPr id="13" name="Freeform: Shape 12">
+              <a:extLst>
+                <a:ext uri="{FF2B5EF4-FFF2-40B4-BE49-F238E27FC236}">
+                  <a16:creationId xmlns:a16="http://schemas.microsoft.com/office/drawing/2014/main" id="{02ECB475-568C-47AC-B16D-2E202DEB2DE0}"/>
+                </a:ext>
+                <a:ext uri="{C183D7F6-B498-43B3-948B-1728B52AA6E4}">
+                  <adec:decorative xmlns:adec="http://schemas.microsoft.com/office/drawing/2017/decorative" val="1"/>
+                </a:ext>
+              </a:extLst>
+            </p:cNvPr>
+            <p:cNvSpPr>
+              <a:spLocks noChangeAspect="1"/>
+            </p:cNvSpPr>
+            <p:nvPr>
+              <p:extLst>
+                <p:ext uri="{386F3935-93C4-4BCD-93E2-E3B085C9AB24}">
+                  <p16:designElem xmlns:p16="http://schemas.microsoft.com/office/powerpoint/2015/main" val="1"/>
+                </p:ext>
+              </p:extLst>
+            </p:nvPr>
+          </p:nvSpPr>
+          <p:spPr>
+            <a:xfrm rot="2700000" flipH="1" flipV="1">
+              <a:off x="10268976" y="1743588"/>
+              <a:ext cx="926985" cy="463493"/>
+            </a:xfrm>
+            <a:custGeom>
+              <a:avLst/>
+              <a:gdLst>
+                <a:gd name="connsiteX0" fmla="*/ 1329373 w 2658746"/>
+                <a:gd name="connsiteY0" fmla="*/ 0 h 1329373"/>
+                <a:gd name="connsiteX1" fmla="*/ 2658746 w 2658746"/>
+                <a:gd name="connsiteY1" fmla="*/ 1329373 h 1329373"/>
+                <a:gd name="connsiteX2" fmla="*/ 1994059 w 2658746"/>
+                <a:gd name="connsiteY2" fmla="*/ 1329373 h 1329373"/>
+                <a:gd name="connsiteX3" fmla="*/ 1329373 w 2658746"/>
+                <a:gd name="connsiteY3" fmla="*/ 664687 h 1329373"/>
+                <a:gd name="connsiteX4" fmla="*/ 664687 w 2658746"/>
+                <a:gd name="connsiteY4" fmla="*/ 1329373 h 1329373"/>
+                <a:gd name="connsiteX5" fmla="*/ 0 w 2658746"/>
+                <a:gd name="connsiteY5" fmla="*/ 1329373 h 1329373"/>
+                <a:gd name="connsiteX6" fmla="*/ 1329373 w 2658746"/>
+                <a:gd name="connsiteY6" fmla="*/ 0 h 1329373"/>
+              </a:gdLst>
+              <a:ahLst/>
+              <a:cxnLst>
+                <a:cxn ang="0">
+                  <a:pos x="connsiteX0" y="connsiteY0"/>
+                </a:cxn>
+                <a:cxn ang="0">
+                  <a:pos x="connsiteX1" y="connsiteY1"/>
+                </a:cxn>
+                <a:cxn ang="0">
+                  <a:pos x="connsiteX2" y="connsiteY2"/>
+                </a:cxn>
+                <a:cxn ang="0">
+                  <a:pos x="connsiteX3" y="connsiteY3"/>
+                </a:cxn>
+                <a:cxn ang="0">
+                  <a:pos x="connsiteX4" y="connsiteY4"/>
+                </a:cxn>
+                <a:cxn ang="0">
+                  <a:pos x="connsiteX5" y="connsiteY5"/>
+                </a:cxn>
+                <a:cxn ang="0">
+                  <a:pos x="connsiteX6" y="connsiteY6"/>
+                </a:cxn>
+              </a:cxnLst>
+              <a:rect l="l" t="t" r="r" b="b"/>
+              <a:pathLst>
+                <a:path w="2658746" h="1329373">
+                  <a:moveTo>
+                    <a:pt x="1329373" y="0"/>
+                  </a:moveTo>
+                  <a:cubicBezTo>
+                    <a:pt x="2063565" y="0"/>
+                    <a:pt x="2658746" y="595181"/>
+                    <a:pt x="2658746" y="1329373"/>
+                  </a:cubicBezTo>
+                  <a:lnTo>
+                    <a:pt x="1994059" y="1329373"/>
+                  </a:lnTo>
+                  <a:cubicBezTo>
+                    <a:pt x="1994059" y="962277"/>
+                    <a:pt x="1696469" y="664687"/>
+                    <a:pt x="1329373" y="664687"/>
+                  </a:cubicBezTo>
+                  <a:cubicBezTo>
+                    <a:pt x="962277" y="664687"/>
+                    <a:pt x="664687" y="962277"/>
+                    <a:pt x="664687" y="1329373"/>
+                  </a:cubicBezTo>
+                  <a:lnTo>
+                    <a:pt x="0" y="1329373"/>
+                  </a:lnTo>
+                  <a:cubicBezTo>
+                    <a:pt x="0" y="595181"/>
+                    <a:pt x="595181" y="0"/>
+                    <a:pt x="1329373" y="0"/>
+                  </a:cubicBezTo>
+                  <a:close/>
+                </a:path>
+              </a:pathLst>
+            </a:custGeom>
+            <a:solidFill>
+              <a:schemeClr val="bg2"/>
+            </a:solidFill>
+            <a:ln>
+              <a:noFill/>
+            </a:ln>
+            <a:effectLst>
+              <a:innerShdw blurRad="127000" dist="50800" dir="13500000">
+                <a:schemeClr val="accent1">
+                  <a:lumMod val="40000"/>
+                  <a:lumOff val="60000"/>
+                  <a:alpha val="20000"/>
+                </a:schemeClr>
+              </a:innerShdw>
+            </a:effectLst>
+          </p:spPr>
+          <p:style>
+            <a:lnRef idx="2">
+              <a:schemeClr val="accent1">
+                <a:shade val="50000"/>
+              </a:schemeClr>
+            </a:lnRef>
+            <a:fillRef idx="1">
+              <a:schemeClr val="accent1"/>
+            </a:fillRef>
+            <a:effectRef idx="0">
+              <a:schemeClr val="accent1"/>
+            </a:effectRef>
+            <a:fontRef idx="minor">
+              <a:schemeClr val="lt1"/>
+            </a:fontRef>
+          </p:style>
+          <p:txBody>
+            <a:bodyPr rtlCol="0" anchor="ctr"/>
+            <a:lstStyle/>
+            <a:p>
+              <a:pPr algn="ctr"/>
+              <a:endParaRPr lang="en-US">
+                <a:solidFill>
+                  <a:schemeClr val="tx1"/>
+                </a:solidFill>
+              </a:endParaRPr>
+            </a:p>
+          </p:txBody>
+        </p:sp>
+        <p:sp>
+          <p:nvSpPr>
+            <p:cNvPr id="14" name="Oval 13">
+              <a:extLst>
+                <a:ext uri="{FF2B5EF4-FFF2-40B4-BE49-F238E27FC236}">
+                  <a16:creationId xmlns:a16="http://schemas.microsoft.com/office/drawing/2014/main" id="{080D8764-525A-441E-B58F-068E82F09714}"/>
+                </a:ext>
+                <a:ext uri="{C183D7F6-B498-43B3-948B-1728B52AA6E4}">
+                  <adec:decorative xmlns:adec="http://schemas.microsoft.com/office/drawing/2017/decorative" val="1"/>
+                </a:ext>
+              </a:extLst>
+            </p:cNvPr>
+            <p:cNvSpPr/>
+            <p:nvPr>
+              <p:extLst>
+                <p:ext uri="{386F3935-93C4-4BCD-93E2-E3B085C9AB24}">
+                  <p16:designElem xmlns:p16="http://schemas.microsoft.com/office/powerpoint/2015/main" val="1"/>
+                </p:ext>
+              </p:extLst>
+            </p:nvPr>
+          </p:nvSpPr>
+          <p:spPr>
+            <a:xfrm rot="8100000" flipH="1" flipV="1">
+              <a:off x="11115555" y="1939340"/>
+              <a:ext cx="53549" cy="233295"/>
+            </a:xfrm>
+            <a:prstGeom prst="ellipse">
+              <a:avLst/>
+            </a:prstGeom>
+            <a:solidFill>
+              <a:schemeClr val="bg2">
+                <a:lumMod val="90000"/>
+                <a:lumOff val="10000"/>
+              </a:schemeClr>
+            </a:solidFill>
+            <a:ln>
+              <a:noFill/>
+            </a:ln>
+            <a:effectLst>
+              <a:innerShdw blurRad="63500" dist="2540000">
+                <a:schemeClr val="accent1">
+                  <a:lumMod val="60000"/>
+                  <a:lumOff val="40000"/>
+                  <a:alpha val="0"/>
+                </a:schemeClr>
+              </a:innerShdw>
+            </a:effectLst>
+          </p:spPr>
+          <p:style>
+            <a:lnRef idx="2">
+              <a:schemeClr val="accent1">
+                <a:shade val="50000"/>
+              </a:schemeClr>
+            </a:lnRef>
+            <a:fillRef idx="1">
+              <a:schemeClr val="accent1"/>
+            </a:fillRef>
+            <a:effectRef idx="0">
+              <a:schemeClr val="accent1"/>
+            </a:effectRef>
+            <a:fontRef idx="minor">
+              <a:schemeClr val="lt1"/>
+            </a:fontRef>
+          </p:style>
+          <p:txBody>
+            <a:bodyPr rot="0" spcFirstLastPara="0" vertOverflow="overflow" horzOverflow="overflow" vert="horz" wrap="square" lIns="91440" tIns="45720" rIns="91440" bIns="45720" numCol="1" spcCol="0" rtlCol="0" fromWordArt="0" anchor="ctr" anchorCtr="0" forceAA="0" compatLnSpc="1">
+              <a:prstTxWarp prst="textNoShape">
+                <a:avLst/>
+              </a:prstTxWarp>
+              <a:noAutofit/>
+            </a:bodyPr>
+            <a:lstStyle/>
+            <a:p>
+              <a:pPr algn="ctr"/>
+              <a:endParaRPr lang="en-US"/>
+            </a:p>
+          </p:txBody>
+        </p:sp>
+        <p:sp>
+          <p:nvSpPr>
+            <p:cNvPr id="15" name="Oval 14">
+              <a:extLst>
+                <a:ext uri="{FF2B5EF4-FFF2-40B4-BE49-F238E27FC236}">
+                  <a16:creationId xmlns:a16="http://schemas.microsoft.com/office/drawing/2014/main" id="{11196109-6F2B-4738-B2FC-2CCC753AABD4}"/>
+                </a:ext>
+                <a:ext uri="{C183D7F6-B498-43B3-948B-1728B52AA6E4}">
+                  <adec:decorative xmlns:adec="http://schemas.microsoft.com/office/drawing/2017/decorative" val="1"/>
+                </a:ext>
+              </a:extLst>
+            </p:cNvPr>
+            <p:cNvSpPr/>
+            <p:nvPr>
+              <p:extLst>
+                <p:ext uri="{386F3935-93C4-4BCD-93E2-E3B085C9AB24}">
+                  <p16:designElem xmlns:p16="http://schemas.microsoft.com/office/powerpoint/2015/main" val="1"/>
+                </p:ext>
+              </p:extLst>
+            </p:nvPr>
+          </p:nvSpPr>
+          <p:spPr>
+            <a:xfrm rot="8100000" flipH="1" flipV="1">
+              <a:off x="10625042" y="1448827"/>
+              <a:ext cx="53549" cy="233295"/>
+            </a:xfrm>
+            <a:prstGeom prst="ellipse">
+              <a:avLst/>
+            </a:prstGeom>
+            <a:solidFill>
+              <a:schemeClr val="bg2">
+                <a:lumMod val="90000"/>
+                <a:lumOff val="10000"/>
+              </a:schemeClr>
+            </a:solidFill>
+            <a:ln>
+              <a:noFill/>
+            </a:ln>
+            <a:effectLst>
+              <a:innerShdw blurRad="63500" dist="2540000">
+                <a:schemeClr val="accent1">
+                  <a:lumMod val="60000"/>
+                  <a:lumOff val="40000"/>
+                  <a:alpha val="0"/>
+                </a:schemeClr>
+              </a:innerShdw>
+            </a:effectLst>
+          </p:spPr>
+          <p:style>
+            <a:lnRef idx="2">
+              <a:schemeClr val="accent1">
+                <a:shade val="50000"/>
+              </a:schemeClr>
+            </a:lnRef>
+            <a:fillRef idx="1">
+              <a:schemeClr val="accent1"/>
+            </a:fillRef>
+            <a:effectRef idx="0">
+              <a:schemeClr val="accent1"/>
+            </a:effectRef>
+            <a:fontRef idx="minor">
+              <a:schemeClr val="lt1"/>
+            </a:fontRef>
+          </p:style>
+          <p:txBody>
+            <a:bodyPr rot="0" spcFirstLastPara="0" vertOverflow="overflow" horzOverflow="overflow" vert="horz" wrap="square" lIns="91440" tIns="45720" rIns="91440" bIns="45720" numCol="1" spcCol="0" rtlCol="0" fromWordArt="0" anchor="ctr" anchorCtr="0" forceAA="0" compatLnSpc="1">
+              <a:prstTxWarp prst="textNoShape">
+                <a:avLst/>
+              </a:prstTxWarp>
+              <a:noAutofit/>
+            </a:bodyPr>
+            <a:lstStyle/>
+            <a:p>
+              <a:pPr algn="ctr"/>
+              <a:endParaRPr lang="en-US"/>
+            </a:p>
+          </p:txBody>
+        </p:sp>
+        <p:sp>
+          <p:nvSpPr>
+            <p:cNvPr id="16" name="Freeform: Shape 15">
+              <a:extLst>
+                <a:ext uri="{FF2B5EF4-FFF2-40B4-BE49-F238E27FC236}">
+                  <a16:creationId xmlns:a16="http://schemas.microsoft.com/office/drawing/2014/main" id="{F7E468C2-69B8-470B-85E3-801A3CB1D7E2}"/>
+                </a:ext>
+                <a:ext uri="{C183D7F6-B498-43B3-948B-1728B52AA6E4}">
+                  <adec:decorative xmlns:adec="http://schemas.microsoft.com/office/drawing/2017/decorative" val="1"/>
+                </a:ext>
+              </a:extLst>
+            </p:cNvPr>
+            <p:cNvSpPr>
+              <a:spLocks noChangeAspect="1"/>
+            </p:cNvSpPr>
+            <p:nvPr>
+              <p:extLst>
+                <p:ext uri="{386F3935-93C4-4BCD-93E2-E3B085C9AB24}">
+                  <p16:designElem xmlns:p16="http://schemas.microsoft.com/office/powerpoint/2015/main" val="1"/>
+                </p:ext>
+              </p:extLst>
+            </p:nvPr>
+          </p:nvSpPr>
+          <p:spPr>
+            <a:xfrm rot="2700000" flipH="1" flipV="1">
+              <a:off x="10292519" y="1686748"/>
+              <a:ext cx="926985" cy="530086"/>
+            </a:xfrm>
+            <a:custGeom>
+              <a:avLst/>
+              <a:gdLst>
+                <a:gd name="connsiteX0" fmla="*/ 1329373 w 2658746"/>
+                <a:gd name="connsiteY0" fmla="*/ 0 h 1329373"/>
+                <a:gd name="connsiteX1" fmla="*/ 2658746 w 2658746"/>
+                <a:gd name="connsiteY1" fmla="*/ 1329373 h 1329373"/>
+                <a:gd name="connsiteX2" fmla="*/ 1994059 w 2658746"/>
+                <a:gd name="connsiteY2" fmla="*/ 1329373 h 1329373"/>
+                <a:gd name="connsiteX3" fmla="*/ 1329373 w 2658746"/>
+                <a:gd name="connsiteY3" fmla="*/ 664687 h 1329373"/>
+                <a:gd name="connsiteX4" fmla="*/ 664687 w 2658746"/>
+                <a:gd name="connsiteY4" fmla="*/ 1329373 h 1329373"/>
+                <a:gd name="connsiteX5" fmla="*/ 0 w 2658746"/>
+                <a:gd name="connsiteY5" fmla="*/ 1329373 h 1329373"/>
+                <a:gd name="connsiteX6" fmla="*/ 1329373 w 2658746"/>
+                <a:gd name="connsiteY6" fmla="*/ 0 h 1329373"/>
+              </a:gdLst>
+              <a:ahLst/>
+              <a:cxnLst>
+                <a:cxn ang="0">
+                  <a:pos x="connsiteX0" y="connsiteY0"/>
+                </a:cxn>
+                <a:cxn ang="0">
+                  <a:pos x="connsiteX1" y="connsiteY1"/>
+                </a:cxn>
+                <a:cxn ang="0">
+                  <a:pos x="connsiteX2" y="connsiteY2"/>
+                </a:cxn>
+                <a:cxn ang="0">
+                  <a:pos x="connsiteX3" y="connsiteY3"/>
+                </a:cxn>
+                <a:cxn ang="0">
+                  <a:pos x="connsiteX4" y="connsiteY4"/>
+                </a:cxn>
+                <a:cxn ang="0">
+                  <a:pos x="connsiteX5" y="connsiteY5"/>
+                </a:cxn>
+                <a:cxn ang="0">
+                  <a:pos x="connsiteX6" y="connsiteY6"/>
+                </a:cxn>
+              </a:cxnLst>
+              <a:rect l="l" t="t" r="r" b="b"/>
+              <a:pathLst>
+                <a:path w="2658746" h="1329373">
+                  <a:moveTo>
+                    <a:pt x="1329373" y="0"/>
+                  </a:moveTo>
+                  <a:cubicBezTo>
+                    <a:pt x="2063565" y="0"/>
+                    <a:pt x="2658746" y="595181"/>
+                    <a:pt x="2658746" y="1329373"/>
+                  </a:cubicBezTo>
+                  <a:lnTo>
+                    <a:pt x="1994059" y="1329373"/>
+                  </a:lnTo>
+                  <a:cubicBezTo>
+                    <a:pt x="1994059" y="962277"/>
+                    <a:pt x="1696469" y="664687"/>
+                    <a:pt x="1329373" y="664687"/>
+                  </a:cubicBezTo>
+                  <a:cubicBezTo>
+                    <a:pt x="962277" y="664687"/>
+                    <a:pt x="664687" y="962277"/>
+                    <a:pt x="664687" y="1329373"/>
+                  </a:cubicBezTo>
+                  <a:lnTo>
+                    <a:pt x="0" y="1329373"/>
+                  </a:lnTo>
+                  <a:cubicBezTo>
+                    <a:pt x="0" y="595181"/>
+                    <a:pt x="595181" y="0"/>
+                    <a:pt x="1329373" y="0"/>
+                  </a:cubicBezTo>
+                  <a:close/>
+                </a:path>
+              </a:pathLst>
+            </a:custGeom>
+            <a:solidFill>
+              <a:schemeClr val="bg2">
+                <a:lumMod val="50000"/>
+                <a:lumOff val="50000"/>
+                <a:alpha val="20000"/>
+              </a:schemeClr>
+            </a:solidFill>
+            <a:ln>
+              <a:noFill/>
+            </a:ln>
+            <a:effectLst>
+              <a:softEdge rad="101600"/>
+            </a:effectLst>
+          </p:spPr>
+          <p:style>
+            <a:lnRef idx="2">
+              <a:schemeClr val="accent1">
+                <a:shade val="50000"/>
+              </a:schemeClr>
+            </a:lnRef>
+            <a:fillRef idx="1">
+              <a:schemeClr val="accent1"/>
+            </a:fillRef>
+            <a:effectRef idx="0">
+              <a:schemeClr val="accent1"/>
+            </a:effectRef>
+            <a:fontRef idx="minor">
+              <a:schemeClr val="lt1"/>
+            </a:fontRef>
+          </p:style>
+          <p:txBody>
+            <a:bodyPr rtlCol="0" anchor="ctr"/>
+            <a:lstStyle/>
+            <a:p>
+              <a:pPr algn="ctr"/>
+              <a:endParaRPr lang="en-US">
+                <a:solidFill>
+                  <a:schemeClr val="tx1"/>
+                </a:solidFill>
+              </a:endParaRPr>
+            </a:p>
+          </p:txBody>
+        </p:sp>
+      </p:grpSp>
+      <p:sp useBgFill="1">
+        <p:nvSpPr>
+          <p:cNvPr id="18" name="Rectangle 17">
+            <a:extLst>
+              <a:ext uri="{FF2B5EF4-FFF2-40B4-BE49-F238E27FC236}">
+                <a16:creationId xmlns:a16="http://schemas.microsoft.com/office/drawing/2014/main" id="{A5931BE0-4B93-4D6C-878E-ACC59D6B4587}"/>
+              </a:ext>
+              <a:ext uri="{C183D7F6-B498-43B3-948B-1728B52AA6E4}">
+                <adec:decorative xmlns:adec="http://schemas.microsoft.com/office/drawing/2017/decorative" val="1"/>
+              </a:ext>
+            </a:extLst>
+          </p:cNvPr>
+          <p:cNvSpPr>
+            <a:spLocks noGrp="1" noRot="1" noChangeAspect="1" noMove="1" noResize="1" noEditPoints="1" noAdjustHandles="1" noChangeArrowheads="1" noChangeShapeType="1" noTextEdit="1"/>
+          </p:cNvSpPr>
+          <p:nvPr>
+            <p:extLst>
+              <p:ext uri="{386F3935-93C4-4BCD-93E2-E3B085C9AB24}">
+                <p16:designElem xmlns:p16="http://schemas.microsoft.com/office/powerpoint/2015/main" val="1"/>
+              </p:ext>
+            </p:extLst>
+          </p:nvPr>
+        </p:nvSpPr>
+        <p:spPr>
+          <a:xfrm>
+            <a:off x="0" y="0"/>
+            <a:ext cx="12192000" cy="6858000"/>
+          </a:xfrm>
+          <a:prstGeom prst="rect">
+            <a:avLst/>
+          </a:prstGeom>
+          <a:ln w="12700" cap="flat" cmpd="sng" algn="ctr">
+            <a:noFill/>
+            <a:prstDash val="solid"/>
+            <a:miter lim="800000"/>
+          </a:ln>
+          <a:effectLst/>
+          <a:extLst>
+            <a:ext uri="{91240B29-F687-4F45-9708-019B960494DF}">
+              <a14:hiddenLine xmlns:a14="http://schemas.microsoft.com/office/drawing/2010/main" w="12700" cap="flat" cmpd="sng" algn="ctr">
+                <a:solidFill>
+                  <a:schemeClr val="accent1">
+                    <a:shade val="50000"/>
+                  </a:schemeClr>
+                </a:solidFill>
+                <a:prstDash val="solid"/>
+                <a:miter lim="800000"/>
+              </a14:hiddenLine>
+            </a:ext>
+          </a:extLst>
+        </p:spPr>
+        <p:style>
+          <a:lnRef idx="2">
+            <a:schemeClr val="accent1">
+              <a:shade val="50000"/>
+            </a:schemeClr>
+          </a:lnRef>
+          <a:fillRef idx="1">
+            <a:schemeClr val="accent1"/>
+          </a:fillRef>
+          <a:effectRef idx="0">
+            <a:schemeClr val="accent1"/>
+          </a:effectRef>
+          <a:fontRef idx="minor">
+            <a:schemeClr val="lt1"/>
+          </a:fontRef>
+        </p:style>
+        <p:txBody>
+          <a:bodyPr rtlCol="0" anchor="ctr"/>
+          <a:lstStyle/>
+          <a:p>
+            <a:pPr algn="ctr"/>
+            <a:endParaRPr lang="en-US"/>
+          </a:p>
+        </p:txBody>
+      </p:sp>
       <p:sp>
         <p:nvSpPr>
           <p:cNvPr id="6" name="TextBox 5">
@@ -14669,63 +20550,331 @@
         </p:nvSpPr>
         <p:spPr>
           <a:xfrm>
-            <a:off x="706405" y="1997839"/>
-            <a:ext cx="10779189" cy="2308324"/>
+            <a:off x="550863" y="2678400"/>
+            <a:ext cx="3565525" cy="3414425"/>
           </a:xfrm>
           <a:prstGeom prst="rect">
             <a:avLst/>
           </a:prstGeom>
-          <a:noFill/>
         </p:spPr>
         <p:txBody>
-          <a:bodyPr wrap="square">
-            <a:spAutoFit/>
+          <a:bodyPr vert="horz" wrap="square" lIns="0" tIns="0" rIns="0" bIns="0" rtlCol="0" anchor="t">
+            <a:normAutofit/>
           </a:bodyPr>
           <a:lstStyle/>
           <a:p>
+            <a:pPr indent="-228600">
+              <a:lnSpc>
+                <a:spcPct val="110000"/>
+              </a:lnSpc>
+              <a:spcAft>
+                <a:spcPts val="800"/>
+              </a:spcAft>
+              <a:buFont typeface="Arial" panose="020B0604020202020204" pitchFamily="34" charset="0"/>
+              <a:buChar char="•"/>
+            </a:pPr>
             <a:r>
-              <a:rPr lang="en-US" dirty="0"/>
+              <a:rPr lang="en-US" sz="1600">
+                <a:solidFill>
+                  <a:schemeClr val="tx1">
+                    <a:alpha val="60000"/>
+                  </a:schemeClr>
+                </a:solidFill>
+              </a:rPr>
               <a:t>Sources :</a:t>
             </a:r>
           </a:p>
           <a:p>
-            <a:endParaRPr lang="en-US" dirty="0"/>
-          </a:p>
-          <a:p>
+            <a:pPr indent="-228600">
+              <a:lnSpc>
+                <a:spcPct val="110000"/>
+              </a:lnSpc>
+              <a:spcAft>
+                <a:spcPts val="800"/>
+              </a:spcAft>
+              <a:buFont typeface="Arial" panose="020B0604020202020204" pitchFamily="34" charset="0"/>
+              <a:buChar char="•"/>
+            </a:pPr>
+            <a:endParaRPr lang="en-US" sz="1600">
+              <a:solidFill>
+                <a:schemeClr val="tx1">
+                  <a:alpha val="60000"/>
+                </a:schemeClr>
+              </a:solidFill>
+            </a:endParaRPr>
+          </a:p>
+          <a:p>
+            <a:pPr indent="-228600">
+              <a:lnSpc>
+                <a:spcPct val="110000"/>
+              </a:lnSpc>
+              <a:spcAft>
+                <a:spcPts val="800"/>
+              </a:spcAft>
+              <a:buFont typeface="Arial" panose="020B0604020202020204" pitchFamily="34" charset="0"/>
+              <a:buChar char="•"/>
+            </a:pPr>
             <a:r>
-              <a:rPr lang="en-US" dirty="0">
+              <a:rPr lang="en-US" sz="1600">
+                <a:solidFill>
+                  <a:schemeClr val="tx1">
+                    <a:alpha val="60000"/>
+                  </a:schemeClr>
+                </a:solidFill>
                 <a:hlinkClick r:id="rId2"/>
               </a:rPr>
               <a:t>https://towardsdatascience.com/sentimental-analysis-using-vader-a3415fef7664</a:t>
             </a:r>
-            <a:endParaRPr lang="en-US" dirty="0"/>
-          </a:p>
-          <a:p>
-            <a:endParaRPr lang="en-US" dirty="0"/>
-          </a:p>
-          <a:p>
+            <a:endParaRPr lang="en-US" sz="1600">
+              <a:solidFill>
+                <a:schemeClr val="tx1">
+                  <a:alpha val="60000"/>
+                </a:schemeClr>
+              </a:solidFill>
+            </a:endParaRPr>
+          </a:p>
+          <a:p>
+            <a:pPr indent="-228600">
+              <a:lnSpc>
+                <a:spcPct val="110000"/>
+              </a:lnSpc>
+              <a:spcAft>
+                <a:spcPts val="800"/>
+              </a:spcAft>
+              <a:buFont typeface="Arial" panose="020B0604020202020204" pitchFamily="34" charset="0"/>
+              <a:buChar char="•"/>
+            </a:pPr>
+            <a:endParaRPr lang="en-US" sz="1600">
+              <a:solidFill>
+                <a:schemeClr val="tx1">
+                  <a:alpha val="60000"/>
+                </a:schemeClr>
+              </a:solidFill>
+            </a:endParaRPr>
+          </a:p>
+          <a:p>
+            <a:pPr indent="-228600">
+              <a:lnSpc>
+                <a:spcPct val="110000"/>
+              </a:lnSpc>
+              <a:spcAft>
+                <a:spcPts val="800"/>
+              </a:spcAft>
+              <a:buFont typeface="Arial" panose="020B0604020202020204" pitchFamily="34" charset="0"/>
+              <a:buChar char="•"/>
+            </a:pPr>
             <a:r>
-              <a:rPr lang="en-US" dirty="0">
+              <a:rPr lang="en-US" sz="1600">
+                <a:solidFill>
+                  <a:schemeClr val="tx1">
+                    <a:alpha val="60000"/>
+                  </a:schemeClr>
+                </a:solidFill>
                 <a:hlinkClick r:id="rId3"/>
               </a:rPr>
               <a:t>https://github.com/cjhutto/vaderSentiment#about-the-scoring</a:t>
             </a:r>
-            <a:endParaRPr lang="en-US" dirty="0"/>
-          </a:p>
-          <a:p>
-            <a:endParaRPr lang="en-US" dirty="0"/>
-          </a:p>
-          <a:p>
+            <a:endParaRPr lang="en-US" sz="1600">
+              <a:solidFill>
+                <a:schemeClr val="tx1">
+                  <a:alpha val="60000"/>
+                </a:schemeClr>
+              </a:solidFill>
+            </a:endParaRPr>
+          </a:p>
+          <a:p>
+            <a:pPr indent="-228600">
+              <a:lnSpc>
+                <a:spcPct val="110000"/>
+              </a:lnSpc>
+              <a:spcAft>
+                <a:spcPts val="800"/>
+              </a:spcAft>
+              <a:buFont typeface="Arial" panose="020B0604020202020204" pitchFamily="34" charset="0"/>
+              <a:buChar char="•"/>
+            </a:pPr>
+            <a:endParaRPr lang="en-US" sz="1600">
+              <a:solidFill>
+                <a:schemeClr val="tx1">
+                  <a:alpha val="60000"/>
+                </a:schemeClr>
+              </a:solidFill>
+            </a:endParaRPr>
+          </a:p>
+          <a:p>
+            <a:pPr indent="-228600">
+              <a:lnSpc>
+                <a:spcPct val="110000"/>
+              </a:lnSpc>
+              <a:spcAft>
+                <a:spcPts val="800"/>
+              </a:spcAft>
+              <a:buFont typeface="Arial" panose="020B0604020202020204" pitchFamily="34" charset="0"/>
+              <a:buChar char="•"/>
+            </a:pPr>
             <a:r>
-              <a:rPr lang="en-US" dirty="0">
+              <a:rPr lang="en-US" sz="1600">
+                <a:solidFill>
+                  <a:schemeClr val="tx1">
+                    <a:alpha val="60000"/>
+                  </a:schemeClr>
+                </a:solidFill>
                 <a:hlinkClick r:id="rId4"/>
               </a:rPr>
               <a:t>https://youtu.be/uPKnSq6TaAk</a:t>
             </a:r>
-            <a:endParaRPr lang="en-US" dirty="0"/>
-          </a:p>
-          <a:p>
-            <a:endParaRPr lang="en-US" dirty="0"/>
+            <a:endParaRPr lang="en-US" sz="1600">
+              <a:solidFill>
+                <a:schemeClr val="tx1">
+                  <a:alpha val="60000"/>
+                </a:schemeClr>
+              </a:solidFill>
+            </a:endParaRPr>
+          </a:p>
+          <a:p>
+            <a:pPr indent="-228600">
+              <a:lnSpc>
+                <a:spcPct val="110000"/>
+              </a:lnSpc>
+              <a:spcAft>
+                <a:spcPts val="800"/>
+              </a:spcAft>
+              <a:buFont typeface="Arial" panose="020B0604020202020204" pitchFamily="34" charset="0"/>
+              <a:buChar char="•"/>
+            </a:pPr>
+            <a:endParaRPr lang="en-US" sz="1600">
+              <a:solidFill>
+                <a:schemeClr val="tx1">
+                  <a:alpha val="60000"/>
+                </a:schemeClr>
+              </a:solidFill>
+            </a:endParaRPr>
+          </a:p>
+        </p:txBody>
+      </p:sp>
+      <p:pic>
+        <p:nvPicPr>
+          <p:cNvPr id="8" name="Picture 7" descr="Red drawing pins on a map">
+            <a:extLst>
+              <a:ext uri="{FF2B5EF4-FFF2-40B4-BE49-F238E27FC236}">
+                <a16:creationId xmlns:a16="http://schemas.microsoft.com/office/drawing/2014/main" id="{CB409C5B-A66B-BBD0-1883-F924504B9CCB}"/>
+              </a:ext>
+            </a:extLst>
+          </p:cNvPr>
+          <p:cNvPicPr>
+            <a:picLocks noChangeAspect="1"/>
+          </p:cNvPicPr>
+          <p:nvPr/>
+        </p:nvPicPr>
+        <p:blipFill rotWithShape="1">
+          <a:blip r:embed="rId5"/>
+          <a:srcRect l="4303" r="12133"/>
+          <a:stretch/>
+        </p:blipFill>
+        <p:spPr>
+          <a:xfrm>
+            <a:off x="4550899" y="10"/>
+            <a:ext cx="7641102" cy="6857990"/>
+          </a:xfrm>
+          <a:custGeom>
+            <a:avLst/>
+            <a:gdLst/>
+            <a:ahLst/>
+            <a:cxnLst/>
+            <a:rect l="l" t="t" r="r" b="b"/>
+            <a:pathLst>
+              <a:path w="7641102" h="6858000">
+                <a:moveTo>
+                  <a:pt x="0" y="0"/>
+                </a:moveTo>
+                <a:lnTo>
+                  <a:pt x="7641102" y="0"/>
+                </a:lnTo>
+                <a:lnTo>
+                  <a:pt x="7641102" y="6858000"/>
+                </a:lnTo>
+                <a:lnTo>
+                  <a:pt x="0" y="6858000"/>
+                </a:lnTo>
+                <a:close/>
+              </a:path>
+            </a:pathLst>
+          </a:custGeom>
+        </p:spPr>
+      </p:pic>
+      <p:sp>
+        <p:nvSpPr>
+          <p:cNvPr id="20" name="Rectangle 19">
+            <a:extLst>
+              <a:ext uri="{FF2B5EF4-FFF2-40B4-BE49-F238E27FC236}">
+                <a16:creationId xmlns:a16="http://schemas.microsoft.com/office/drawing/2014/main" id="{6FF3A87B-2255-45E0-A551-C11FAF93290C}"/>
+              </a:ext>
+              <a:ext uri="{C183D7F6-B498-43B3-948B-1728B52AA6E4}">
+                <adec:decorative xmlns:adec="http://schemas.microsoft.com/office/drawing/2017/decorative" val="1"/>
+              </a:ext>
+            </a:extLst>
+          </p:cNvPr>
+          <p:cNvSpPr>
+            <a:spLocks noGrp="1" noRot="1" noChangeAspect="1" noMove="1" noResize="1" noEditPoints="1" noAdjustHandles="1" noChangeArrowheads="1" noChangeShapeType="1" noTextEdit="1"/>
+          </p:cNvSpPr>
+          <p:nvPr>
+            <p:extLst>
+              <p:ext uri="{386F3935-93C4-4BCD-93E2-E3B085C9AB24}">
+                <p16:designElem xmlns:p16="http://schemas.microsoft.com/office/powerpoint/2015/main" val="1"/>
+              </p:ext>
+            </p:extLst>
+          </p:nvPr>
+        </p:nvSpPr>
+        <p:spPr>
+          <a:xfrm>
+            <a:off x="4550898" y="5773729"/>
+            <a:ext cx="7641102" cy="1084271"/>
+          </a:xfrm>
+          <a:prstGeom prst="rect">
+            <a:avLst/>
+          </a:prstGeom>
+          <a:gradFill flip="none" rotWithShape="1">
+            <a:gsLst>
+              <a:gs pos="100000">
+                <a:schemeClr val="bg2">
+                  <a:alpha val="60000"/>
+                </a:schemeClr>
+              </a:gs>
+              <a:gs pos="40000">
+                <a:schemeClr val="bg2">
+                  <a:alpha val="0"/>
+                </a:schemeClr>
+              </a:gs>
+            </a:gsLst>
+            <a:lin ang="5400000" scaled="0"/>
+            <a:tileRect/>
+          </a:gradFill>
+          <a:ln>
+            <a:noFill/>
+          </a:ln>
+        </p:spPr>
+        <p:style>
+          <a:lnRef idx="2">
+            <a:schemeClr val="accent1">
+              <a:shade val="50000"/>
+            </a:schemeClr>
+          </a:lnRef>
+          <a:fillRef idx="1">
+            <a:schemeClr val="accent1"/>
+          </a:fillRef>
+          <a:effectRef idx="0">
+            <a:schemeClr val="accent1"/>
+          </a:effectRef>
+          <a:fontRef idx="minor">
+            <a:schemeClr val="lt1"/>
+          </a:fontRef>
+        </p:style>
+        <p:txBody>
+          <a:bodyPr rtlCol="0" anchor="ctr"/>
+          <a:lstStyle/>
+          <a:p>
+            <a:pPr algn="ctr"/>
+            <a:endParaRPr lang="en-US"/>
           </a:p>
         </p:txBody>
       </p:sp>
@@ -15534,12 +21683,22 @@
 </file>
 
 <file path=customXml/item1.xml><?xml version="1.0" encoding="utf-8"?>
-<?mso-contentType ?>
-<FormTemplates xmlns="http://schemas.microsoft.com/sharepoint/v3/contenttype/forms">
-  <Display>DocumentLibraryForm</Display>
-  <Edit>DocumentLibraryForm</Edit>
-  <New>DocumentLibraryForm</New>
-</FormTemplates>
+<p:properties xmlns:p="http://schemas.microsoft.com/office/2006/metadata/properties" xmlns:xsi="http://www.w3.org/2001/XMLSchema-instance" xmlns:pc="http://schemas.microsoft.com/office/infopath/2007/PartnerControls">
+  <documentManagement>
+    <_ip_UnifiedCompliancePolicyUIAction xmlns="http://schemas.microsoft.com/sharepoint/v3" xsi:nil="true"/>
+    <Image xmlns="71af3243-3dd4-4a8d-8c0d-dd76da1f02a5">
+      <Url xsi:nil="true"/>
+      <Description xsi:nil="true"/>
+    </Image>
+    <Status xmlns="71af3243-3dd4-4a8d-8c0d-dd76da1f02a5">Not started</Status>
+    <_ip_UnifiedCompliancePolicyProperties xmlns="http://schemas.microsoft.com/sharepoint/v3" xsi:nil="true"/>
+    <lcf76f155ced4ddcb4097134ff3c332f xmlns="71af3243-3dd4-4a8d-8c0d-dd76da1f02a5">
+      <Terms xmlns="http://schemas.microsoft.com/office/infopath/2007/PartnerControls"/>
+    </lcf76f155ced4ddcb4097134ff3c332f>
+    <TaxCatchAll xmlns="230e9df3-be65-4c73-a93b-d1236ebd677e"/>
+    <MediaServiceKeyPoints xmlns="71af3243-3dd4-4a8d-8c0d-dd76da1f02a5" xsi:nil="true"/>
+  </documentManagement>
+</p:properties>
 </file>
 
 <file path=customXml/item2.xml><?xml version="1.0" encoding="utf-8"?>
@@ -15819,28 +21978,22 @@
 </file>
 
 <file path=customXml/item3.xml><?xml version="1.0" encoding="utf-8"?>
-<p:properties xmlns:p="http://schemas.microsoft.com/office/2006/metadata/properties" xmlns:xsi="http://www.w3.org/2001/XMLSchema-instance" xmlns:pc="http://schemas.microsoft.com/office/infopath/2007/PartnerControls">
-  <documentManagement>
-    <_ip_UnifiedCompliancePolicyUIAction xmlns="http://schemas.microsoft.com/sharepoint/v3" xsi:nil="true"/>
-    <Image xmlns="71af3243-3dd4-4a8d-8c0d-dd76da1f02a5">
-      <Url xsi:nil="true"/>
-      <Description xsi:nil="true"/>
-    </Image>
-    <Status xmlns="71af3243-3dd4-4a8d-8c0d-dd76da1f02a5">Not started</Status>
-    <_ip_UnifiedCompliancePolicyProperties xmlns="http://schemas.microsoft.com/sharepoint/v3" xsi:nil="true"/>
-    <lcf76f155ced4ddcb4097134ff3c332f xmlns="71af3243-3dd4-4a8d-8c0d-dd76da1f02a5">
-      <Terms xmlns="http://schemas.microsoft.com/office/infopath/2007/PartnerControls"/>
-    </lcf76f155ced4ddcb4097134ff3c332f>
-    <TaxCatchAll xmlns="230e9df3-be65-4c73-a93b-d1236ebd677e"/>
-    <MediaServiceKeyPoints xmlns="71af3243-3dd4-4a8d-8c0d-dd76da1f02a5" xsi:nil="true"/>
-  </documentManagement>
-</p:properties>
+<?mso-contentType ?>
+<FormTemplates xmlns="http://schemas.microsoft.com/sharepoint/v3/contenttype/forms">
+  <Display>DocumentLibraryForm</Display>
+  <Edit>DocumentLibraryForm</Edit>
+  <New>DocumentLibraryForm</New>
+</FormTemplates>
 </file>
 
 <file path=customXml/itemProps1.xml><?xml version="1.0" encoding="utf-8"?>
-<ds:datastoreItem xmlns:ds="http://schemas.openxmlformats.org/officeDocument/2006/customXml" ds:itemID="{904751AB-E840-446F-8D49-E697067EC887}">
+<ds:datastoreItem xmlns:ds="http://schemas.openxmlformats.org/officeDocument/2006/customXml" ds:itemID="{50811A92-D464-4AC4-A396-BA73B10CEEAC}">
   <ds:schemaRefs>
-    <ds:schemaRef ds:uri="http://schemas.microsoft.com/sharepoint/v3/contenttype/forms"/>
+    <ds:schemaRef ds:uri="http://schemas.microsoft.com/office/2006/metadata/properties"/>
+    <ds:schemaRef ds:uri="http://schemas.microsoft.com/office/infopath/2007/PartnerControls"/>
+    <ds:schemaRef ds:uri="http://schemas.microsoft.com/sharepoint/v3"/>
+    <ds:schemaRef ds:uri="71af3243-3dd4-4a8d-8c0d-dd76da1f02a5"/>
+    <ds:schemaRef ds:uri="230e9df3-be65-4c73-a93b-d1236ebd677e"/>
   </ds:schemaRefs>
 </ds:datastoreItem>
 </file>
@@ -15867,13 +22020,9 @@
 </file>
 
 <file path=customXml/itemProps3.xml><?xml version="1.0" encoding="utf-8"?>
-<ds:datastoreItem xmlns:ds="http://schemas.openxmlformats.org/officeDocument/2006/customXml" ds:itemID="{50811A92-D464-4AC4-A396-BA73B10CEEAC}">
+<ds:datastoreItem xmlns:ds="http://schemas.openxmlformats.org/officeDocument/2006/customXml" ds:itemID="{904751AB-E840-446F-8D49-E697067EC887}">
   <ds:schemaRefs>
-    <ds:schemaRef ds:uri="http://schemas.microsoft.com/office/2006/metadata/properties"/>
-    <ds:schemaRef ds:uri="http://schemas.microsoft.com/office/infopath/2007/PartnerControls"/>
-    <ds:schemaRef ds:uri="http://schemas.microsoft.com/sharepoint/v3"/>
-    <ds:schemaRef ds:uri="71af3243-3dd4-4a8d-8c0d-dd76da1f02a5"/>
-    <ds:schemaRef ds:uri="230e9df3-be65-4c73-a93b-d1236ebd677e"/>
+    <ds:schemaRef ds:uri="http://schemas.microsoft.com/sharepoint/v3/contenttype/forms"/>
   </ds:schemaRefs>
 </ds:datastoreItem>
 </file>

--- a/Documentation/Team 07_Final Project.pptx
+++ b/Documentation/Team 07_Final Project.pptx
@@ -5,10 +5,10 @@
     <p:sldMasterId id="2147483684" r:id="rId4"/>
   </p:sldMasterIdLst>
   <p:notesMasterIdLst>
-    <p:notesMasterId r:id="rId15"/>
+    <p:notesMasterId r:id="rId16"/>
   </p:notesMasterIdLst>
   <p:handoutMasterIdLst>
-    <p:handoutMasterId r:id="rId16"/>
+    <p:handoutMasterId r:id="rId17"/>
   </p:handoutMasterIdLst>
   <p:sldIdLst>
     <p:sldId id="257" r:id="rId5"/>
@@ -16,11 +16,12 @@
     <p:sldId id="273" r:id="rId7"/>
     <p:sldId id="274" r:id="rId8"/>
     <p:sldId id="275" r:id="rId9"/>
-    <p:sldId id="276" r:id="rId10"/>
-    <p:sldId id="277" r:id="rId11"/>
-    <p:sldId id="278" r:id="rId12"/>
-    <p:sldId id="279" r:id="rId13"/>
-    <p:sldId id="280" r:id="rId14"/>
+    <p:sldId id="282" r:id="rId10"/>
+    <p:sldId id="276" r:id="rId11"/>
+    <p:sldId id="277" r:id="rId12"/>
+    <p:sldId id="278" r:id="rId13"/>
+    <p:sldId id="279" r:id="rId14"/>
+    <p:sldId id="280" r:id="rId15"/>
   </p:sldIdLst>
   <p:sldSz cx="12192000" cy="6858000"/>
   <p:notesSz cx="6858000" cy="9144000"/>
@@ -15675,6 +15676,950 @@
           <a:chExt cx="0" cy="0"/>
         </a:xfrm>
       </p:grpSpPr>
+      <p:grpSp>
+        <p:nvGrpSpPr>
+          <p:cNvPr id="12" name="Group 11">
+            <a:extLst>
+              <a:ext uri="{FF2B5EF4-FFF2-40B4-BE49-F238E27FC236}">
+                <a16:creationId xmlns:a16="http://schemas.microsoft.com/office/drawing/2014/main" id="{3BDBC526-6DCD-4FF6-8395-D8C22E46E527}"/>
+              </a:ext>
+              <a:ext uri="{C183D7F6-B498-43B3-948B-1728B52AA6E4}">
+                <adec:decorative xmlns:adec="http://schemas.microsoft.com/office/drawing/2017/decorative" val="1"/>
+              </a:ext>
+            </a:extLst>
+          </p:cNvPr>
+          <p:cNvGrpSpPr>
+            <a:grpSpLocks noGrp="1" noUngrp="1" noRot="1" noChangeAspect="1" noMove="1" noResize="1"/>
+          </p:cNvGrpSpPr>
+          <p:nvPr>
+            <p:extLst>
+              <p:ext uri="{386F3935-93C4-4BCD-93E2-E3B085C9AB24}">
+                <p16:designElem xmlns:p16="http://schemas.microsoft.com/office/powerpoint/2015/main" val="1"/>
+              </p:ext>
+            </p:extLst>
+          </p:nvPr>
+        </p:nvGrpSpPr>
+        <p:grpSpPr>
+          <a:xfrm>
+            <a:off x="613998" y="5334748"/>
+            <a:ext cx="678135" cy="990000"/>
+            <a:chOff x="10490969" y="1448827"/>
+            <a:chExt cx="678135" cy="990000"/>
+          </a:xfrm>
+        </p:grpSpPr>
+        <p:sp>
+          <p:nvSpPr>
+            <p:cNvPr id="13" name="Freeform: Shape 12">
+              <a:extLst>
+                <a:ext uri="{FF2B5EF4-FFF2-40B4-BE49-F238E27FC236}">
+                  <a16:creationId xmlns:a16="http://schemas.microsoft.com/office/drawing/2014/main" id="{02ECB475-568C-47AC-B16D-2E202DEB2DE0}"/>
+                </a:ext>
+                <a:ext uri="{C183D7F6-B498-43B3-948B-1728B52AA6E4}">
+                  <adec:decorative xmlns:adec="http://schemas.microsoft.com/office/drawing/2017/decorative" val="1"/>
+                </a:ext>
+              </a:extLst>
+            </p:cNvPr>
+            <p:cNvSpPr>
+              <a:spLocks noChangeAspect="1"/>
+            </p:cNvSpPr>
+            <p:nvPr>
+              <p:extLst>
+                <p:ext uri="{386F3935-93C4-4BCD-93E2-E3B085C9AB24}">
+                  <p16:designElem xmlns:p16="http://schemas.microsoft.com/office/powerpoint/2015/main" val="1"/>
+                </p:ext>
+              </p:extLst>
+            </p:nvPr>
+          </p:nvSpPr>
+          <p:spPr>
+            <a:xfrm rot="2700000" flipH="1" flipV="1">
+              <a:off x="10268976" y="1743588"/>
+              <a:ext cx="926985" cy="463493"/>
+            </a:xfrm>
+            <a:custGeom>
+              <a:avLst/>
+              <a:gdLst>
+                <a:gd name="connsiteX0" fmla="*/ 1329373 w 2658746"/>
+                <a:gd name="connsiteY0" fmla="*/ 0 h 1329373"/>
+                <a:gd name="connsiteX1" fmla="*/ 2658746 w 2658746"/>
+                <a:gd name="connsiteY1" fmla="*/ 1329373 h 1329373"/>
+                <a:gd name="connsiteX2" fmla="*/ 1994059 w 2658746"/>
+                <a:gd name="connsiteY2" fmla="*/ 1329373 h 1329373"/>
+                <a:gd name="connsiteX3" fmla="*/ 1329373 w 2658746"/>
+                <a:gd name="connsiteY3" fmla="*/ 664687 h 1329373"/>
+                <a:gd name="connsiteX4" fmla="*/ 664687 w 2658746"/>
+                <a:gd name="connsiteY4" fmla="*/ 1329373 h 1329373"/>
+                <a:gd name="connsiteX5" fmla="*/ 0 w 2658746"/>
+                <a:gd name="connsiteY5" fmla="*/ 1329373 h 1329373"/>
+                <a:gd name="connsiteX6" fmla="*/ 1329373 w 2658746"/>
+                <a:gd name="connsiteY6" fmla="*/ 0 h 1329373"/>
+              </a:gdLst>
+              <a:ahLst/>
+              <a:cxnLst>
+                <a:cxn ang="0">
+                  <a:pos x="connsiteX0" y="connsiteY0"/>
+                </a:cxn>
+                <a:cxn ang="0">
+                  <a:pos x="connsiteX1" y="connsiteY1"/>
+                </a:cxn>
+                <a:cxn ang="0">
+                  <a:pos x="connsiteX2" y="connsiteY2"/>
+                </a:cxn>
+                <a:cxn ang="0">
+                  <a:pos x="connsiteX3" y="connsiteY3"/>
+                </a:cxn>
+                <a:cxn ang="0">
+                  <a:pos x="connsiteX4" y="connsiteY4"/>
+                </a:cxn>
+                <a:cxn ang="0">
+                  <a:pos x="connsiteX5" y="connsiteY5"/>
+                </a:cxn>
+                <a:cxn ang="0">
+                  <a:pos x="connsiteX6" y="connsiteY6"/>
+                </a:cxn>
+              </a:cxnLst>
+              <a:rect l="l" t="t" r="r" b="b"/>
+              <a:pathLst>
+                <a:path w="2658746" h="1329373">
+                  <a:moveTo>
+                    <a:pt x="1329373" y="0"/>
+                  </a:moveTo>
+                  <a:cubicBezTo>
+                    <a:pt x="2063565" y="0"/>
+                    <a:pt x="2658746" y="595181"/>
+                    <a:pt x="2658746" y="1329373"/>
+                  </a:cubicBezTo>
+                  <a:lnTo>
+                    <a:pt x="1994059" y="1329373"/>
+                  </a:lnTo>
+                  <a:cubicBezTo>
+                    <a:pt x="1994059" y="962277"/>
+                    <a:pt x="1696469" y="664687"/>
+                    <a:pt x="1329373" y="664687"/>
+                  </a:cubicBezTo>
+                  <a:cubicBezTo>
+                    <a:pt x="962277" y="664687"/>
+                    <a:pt x="664687" y="962277"/>
+                    <a:pt x="664687" y="1329373"/>
+                  </a:cubicBezTo>
+                  <a:lnTo>
+                    <a:pt x="0" y="1329373"/>
+                  </a:lnTo>
+                  <a:cubicBezTo>
+                    <a:pt x="0" y="595181"/>
+                    <a:pt x="595181" y="0"/>
+                    <a:pt x="1329373" y="0"/>
+                  </a:cubicBezTo>
+                  <a:close/>
+                </a:path>
+              </a:pathLst>
+            </a:custGeom>
+            <a:solidFill>
+              <a:schemeClr val="bg2"/>
+            </a:solidFill>
+            <a:ln>
+              <a:noFill/>
+            </a:ln>
+            <a:effectLst>
+              <a:innerShdw blurRad="127000" dist="50800" dir="13500000">
+                <a:schemeClr val="accent1">
+                  <a:lumMod val="40000"/>
+                  <a:lumOff val="60000"/>
+                  <a:alpha val="20000"/>
+                </a:schemeClr>
+              </a:innerShdw>
+            </a:effectLst>
+          </p:spPr>
+          <p:style>
+            <a:lnRef idx="2">
+              <a:schemeClr val="accent1">
+                <a:shade val="50000"/>
+              </a:schemeClr>
+            </a:lnRef>
+            <a:fillRef idx="1">
+              <a:schemeClr val="accent1"/>
+            </a:fillRef>
+            <a:effectRef idx="0">
+              <a:schemeClr val="accent1"/>
+            </a:effectRef>
+            <a:fontRef idx="minor">
+              <a:schemeClr val="lt1"/>
+            </a:fontRef>
+          </p:style>
+          <p:txBody>
+            <a:bodyPr rtlCol="0" anchor="ctr"/>
+            <a:lstStyle/>
+            <a:p>
+              <a:pPr algn="ctr"/>
+              <a:endParaRPr lang="en-US">
+                <a:solidFill>
+                  <a:schemeClr val="tx1"/>
+                </a:solidFill>
+              </a:endParaRPr>
+            </a:p>
+          </p:txBody>
+        </p:sp>
+        <p:sp>
+          <p:nvSpPr>
+            <p:cNvPr id="14" name="Oval 13">
+              <a:extLst>
+                <a:ext uri="{FF2B5EF4-FFF2-40B4-BE49-F238E27FC236}">
+                  <a16:creationId xmlns:a16="http://schemas.microsoft.com/office/drawing/2014/main" id="{080D8764-525A-441E-B58F-068E82F09714}"/>
+                </a:ext>
+                <a:ext uri="{C183D7F6-B498-43B3-948B-1728B52AA6E4}">
+                  <adec:decorative xmlns:adec="http://schemas.microsoft.com/office/drawing/2017/decorative" val="1"/>
+                </a:ext>
+              </a:extLst>
+            </p:cNvPr>
+            <p:cNvSpPr/>
+            <p:nvPr>
+              <p:extLst>
+                <p:ext uri="{386F3935-93C4-4BCD-93E2-E3B085C9AB24}">
+                  <p16:designElem xmlns:p16="http://schemas.microsoft.com/office/powerpoint/2015/main" val="1"/>
+                </p:ext>
+              </p:extLst>
+            </p:nvPr>
+          </p:nvSpPr>
+          <p:spPr>
+            <a:xfrm rot="8100000" flipH="1" flipV="1">
+              <a:off x="11115555" y="1939340"/>
+              <a:ext cx="53549" cy="233295"/>
+            </a:xfrm>
+            <a:prstGeom prst="ellipse">
+              <a:avLst/>
+            </a:prstGeom>
+            <a:solidFill>
+              <a:schemeClr val="bg2">
+                <a:lumMod val="90000"/>
+                <a:lumOff val="10000"/>
+              </a:schemeClr>
+            </a:solidFill>
+            <a:ln>
+              <a:noFill/>
+            </a:ln>
+            <a:effectLst>
+              <a:innerShdw blurRad="63500" dist="2540000">
+                <a:schemeClr val="accent1">
+                  <a:lumMod val="60000"/>
+                  <a:lumOff val="40000"/>
+                  <a:alpha val="0"/>
+                </a:schemeClr>
+              </a:innerShdw>
+            </a:effectLst>
+          </p:spPr>
+          <p:style>
+            <a:lnRef idx="2">
+              <a:schemeClr val="accent1">
+                <a:shade val="50000"/>
+              </a:schemeClr>
+            </a:lnRef>
+            <a:fillRef idx="1">
+              <a:schemeClr val="accent1"/>
+            </a:fillRef>
+            <a:effectRef idx="0">
+              <a:schemeClr val="accent1"/>
+            </a:effectRef>
+            <a:fontRef idx="minor">
+              <a:schemeClr val="lt1"/>
+            </a:fontRef>
+          </p:style>
+          <p:txBody>
+            <a:bodyPr rot="0" spcFirstLastPara="0" vertOverflow="overflow" horzOverflow="overflow" vert="horz" wrap="square" lIns="91440" tIns="45720" rIns="91440" bIns="45720" numCol="1" spcCol="0" rtlCol="0" fromWordArt="0" anchor="ctr" anchorCtr="0" forceAA="0" compatLnSpc="1">
+              <a:prstTxWarp prst="textNoShape">
+                <a:avLst/>
+              </a:prstTxWarp>
+              <a:noAutofit/>
+            </a:bodyPr>
+            <a:lstStyle/>
+            <a:p>
+              <a:pPr algn="ctr"/>
+              <a:endParaRPr lang="en-US"/>
+            </a:p>
+          </p:txBody>
+        </p:sp>
+        <p:sp>
+          <p:nvSpPr>
+            <p:cNvPr id="15" name="Oval 14">
+              <a:extLst>
+                <a:ext uri="{FF2B5EF4-FFF2-40B4-BE49-F238E27FC236}">
+                  <a16:creationId xmlns:a16="http://schemas.microsoft.com/office/drawing/2014/main" id="{11196109-6F2B-4738-B2FC-2CCC753AABD4}"/>
+                </a:ext>
+                <a:ext uri="{C183D7F6-B498-43B3-948B-1728B52AA6E4}">
+                  <adec:decorative xmlns:adec="http://schemas.microsoft.com/office/drawing/2017/decorative" val="1"/>
+                </a:ext>
+              </a:extLst>
+            </p:cNvPr>
+            <p:cNvSpPr/>
+            <p:nvPr>
+              <p:extLst>
+                <p:ext uri="{386F3935-93C4-4BCD-93E2-E3B085C9AB24}">
+                  <p16:designElem xmlns:p16="http://schemas.microsoft.com/office/powerpoint/2015/main" val="1"/>
+                </p:ext>
+              </p:extLst>
+            </p:nvPr>
+          </p:nvSpPr>
+          <p:spPr>
+            <a:xfrm rot="8100000" flipH="1" flipV="1">
+              <a:off x="10625042" y="1448827"/>
+              <a:ext cx="53549" cy="233295"/>
+            </a:xfrm>
+            <a:prstGeom prst="ellipse">
+              <a:avLst/>
+            </a:prstGeom>
+            <a:solidFill>
+              <a:schemeClr val="bg2">
+                <a:lumMod val="90000"/>
+                <a:lumOff val="10000"/>
+              </a:schemeClr>
+            </a:solidFill>
+            <a:ln>
+              <a:noFill/>
+            </a:ln>
+            <a:effectLst>
+              <a:innerShdw blurRad="63500" dist="2540000">
+                <a:schemeClr val="accent1">
+                  <a:lumMod val="60000"/>
+                  <a:lumOff val="40000"/>
+                  <a:alpha val="0"/>
+                </a:schemeClr>
+              </a:innerShdw>
+            </a:effectLst>
+          </p:spPr>
+          <p:style>
+            <a:lnRef idx="2">
+              <a:schemeClr val="accent1">
+                <a:shade val="50000"/>
+              </a:schemeClr>
+            </a:lnRef>
+            <a:fillRef idx="1">
+              <a:schemeClr val="accent1"/>
+            </a:fillRef>
+            <a:effectRef idx="0">
+              <a:schemeClr val="accent1"/>
+            </a:effectRef>
+            <a:fontRef idx="minor">
+              <a:schemeClr val="lt1"/>
+            </a:fontRef>
+          </p:style>
+          <p:txBody>
+            <a:bodyPr rot="0" spcFirstLastPara="0" vertOverflow="overflow" horzOverflow="overflow" vert="horz" wrap="square" lIns="91440" tIns="45720" rIns="91440" bIns="45720" numCol="1" spcCol="0" rtlCol="0" fromWordArt="0" anchor="ctr" anchorCtr="0" forceAA="0" compatLnSpc="1">
+              <a:prstTxWarp prst="textNoShape">
+                <a:avLst/>
+              </a:prstTxWarp>
+              <a:noAutofit/>
+            </a:bodyPr>
+            <a:lstStyle/>
+            <a:p>
+              <a:pPr algn="ctr"/>
+              <a:endParaRPr lang="en-US"/>
+            </a:p>
+          </p:txBody>
+        </p:sp>
+        <p:sp>
+          <p:nvSpPr>
+            <p:cNvPr id="16" name="Freeform: Shape 15">
+              <a:extLst>
+                <a:ext uri="{FF2B5EF4-FFF2-40B4-BE49-F238E27FC236}">
+                  <a16:creationId xmlns:a16="http://schemas.microsoft.com/office/drawing/2014/main" id="{F7E468C2-69B8-470B-85E3-801A3CB1D7E2}"/>
+                </a:ext>
+                <a:ext uri="{C183D7F6-B498-43B3-948B-1728B52AA6E4}">
+                  <adec:decorative xmlns:adec="http://schemas.microsoft.com/office/drawing/2017/decorative" val="1"/>
+                </a:ext>
+              </a:extLst>
+            </p:cNvPr>
+            <p:cNvSpPr>
+              <a:spLocks noChangeAspect="1"/>
+            </p:cNvSpPr>
+            <p:nvPr>
+              <p:extLst>
+                <p:ext uri="{386F3935-93C4-4BCD-93E2-E3B085C9AB24}">
+                  <p16:designElem xmlns:p16="http://schemas.microsoft.com/office/powerpoint/2015/main" val="1"/>
+                </p:ext>
+              </p:extLst>
+            </p:nvPr>
+          </p:nvSpPr>
+          <p:spPr>
+            <a:xfrm rot="2700000" flipH="1" flipV="1">
+              <a:off x="10292519" y="1686748"/>
+              <a:ext cx="926985" cy="530086"/>
+            </a:xfrm>
+            <a:custGeom>
+              <a:avLst/>
+              <a:gdLst>
+                <a:gd name="connsiteX0" fmla="*/ 1329373 w 2658746"/>
+                <a:gd name="connsiteY0" fmla="*/ 0 h 1329373"/>
+                <a:gd name="connsiteX1" fmla="*/ 2658746 w 2658746"/>
+                <a:gd name="connsiteY1" fmla="*/ 1329373 h 1329373"/>
+                <a:gd name="connsiteX2" fmla="*/ 1994059 w 2658746"/>
+                <a:gd name="connsiteY2" fmla="*/ 1329373 h 1329373"/>
+                <a:gd name="connsiteX3" fmla="*/ 1329373 w 2658746"/>
+                <a:gd name="connsiteY3" fmla="*/ 664687 h 1329373"/>
+                <a:gd name="connsiteX4" fmla="*/ 664687 w 2658746"/>
+                <a:gd name="connsiteY4" fmla="*/ 1329373 h 1329373"/>
+                <a:gd name="connsiteX5" fmla="*/ 0 w 2658746"/>
+                <a:gd name="connsiteY5" fmla="*/ 1329373 h 1329373"/>
+                <a:gd name="connsiteX6" fmla="*/ 1329373 w 2658746"/>
+                <a:gd name="connsiteY6" fmla="*/ 0 h 1329373"/>
+              </a:gdLst>
+              <a:ahLst/>
+              <a:cxnLst>
+                <a:cxn ang="0">
+                  <a:pos x="connsiteX0" y="connsiteY0"/>
+                </a:cxn>
+                <a:cxn ang="0">
+                  <a:pos x="connsiteX1" y="connsiteY1"/>
+                </a:cxn>
+                <a:cxn ang="0">
+                  <a:pos x="connsiteX2" y="connsiteY2"/>
+                </a:cxn>
+                <a:cxn ang="0">
+                  <a:pos x="connsiteX3" y="connsiteY3"/>
+                </a:cxn>
+                <a:cxn ang="0">
+                  <a:pos x="connsiteX4" y="connsiteY4"/>
+                </a:cxn>
+                <a:cxn ang="0">
+                  <a:pos x="connsiteX5" y="connsiteY5"/>
+                </a:cxn>
+                <a:cxn ang="0">
+                  <a:pos x="connsiteX6" y="connsiteY6"/>
+                </a:cxn>
+              </a:cxnLst>
+              <a:rect l="l" t="t" r="r" b="b"/>
+              <a:pathLst>
+                <a:path w="2658746" h="1329373">
+                  <a:moveTo>
+                    <a:pt x="1329373" y="0"/>
+                  </a:moveTo>
+                  <a:cubicBezTo>
+                    <a:pt x="2063565" y="0"/>
+                    <a:pt x="2658746" y="595181"/>
+                    <a:pt x="2658746" y="1329373"/>
+                  </a:cubicBezTo>
+                  <a:lnTo>
+                    <a:pt x="1994059" y="1329373"/>
+                  </a:lnTo>
+                  <a:cubicBezTo>
+                    <a:pt x="1994059" y="962277"/>
+                    <a:pt x="1696469" y="664687"/>
+                    <a:pt x="1329373" y="664687"/>
+                  </a:cubicBezTo>
+                  <a:cubicBezTo>
+                    <a:pt x="962277" y="664687"/>
+                    <a:pt x="664687" y="962277"/>
+                    <a:pt x="664687" y="1329373"/>
+                  </a:cubicBezTo>
+                  <a:lnTo>
+                    <a:pt x="0" y="1329373"/>
+                  </a:lnTo>
+                  <a:cubicBezTo>
+                    <a:pt x="0" y="595181"/>
+                    <a:pt x="595181" y="0"/>
+                    <a:pt x="1329373" y="0"/>
+                  </a:cubicBezTo>
+                  <a:close/>
+                </a:path>
+              </a:pathLst>
+            </a:custGeom>
+            <a:solidFill>
+              <a:schemeClr val="bg2">
+                <a:lumMod val="50000"/>
+                <a:lumOff val="50000"/>
+                <a:alpha val="20000"/>
+              </a:schemeClr>
+            </a:solidFill>
+            <a:ln>
+              <a:noFill/>
+            </a:ln>
+            <a:effectLst>
+              <a:softEdge rad="101600"/>
+            </a:effectLst>
+          </p:spPr>
+          <p:style>
+            <a:lnRef idx="2">
+              <a:schemeClr val="accent1">
+                <a:shade val="50000"/>
+              </a:schemeClr>
+            </a:lnRef>
+            <a:fillRef idx="1">
+              <a:schemeClr val="accent1"/>
+            </a:fillRef>
+            <a:effectRef idx="0">
+              <a:schemeClr val="accent1"/>
+            </a:effectRef>
+            <a:fontRef idx="minor">
+              <a:schemeClr val="lt1"/>
+            </a:fontRef>
+          </p:style>
+          <p:txBody>
+            <a:bodyPr rtlCol="0" anchor="ctr"/>
+            <a:lstStyle/>
+            <a:p>
+              <a:pPr algn="ctr"/>
+              <a:endParaRPr lang="en-US">
+                <a:solidFill>
+                  <a:schemeClr val="tx1"/>
+                </a:solidFill>
+              </a:endParaRPr>
+            </a:p>
+          </p:txBody>
+        </p:sp>
+      </p:grpSp>
+      <p:sp useBgFill="1">
+        <p:nvSpPr>
+          <p:cNvPr id="18" name="Rectangle 17">
+            <a:extLst>
+              <a:ext uri="{FF2B5EF4-FFF2-40B4-BE49-F238E27FC236}">
+                <a16:creationId xmlns:a16="http://schemas.microsoft.com/office/drawing/2014/main" id="{A5931BE0-4B93-4D6C-878E-ACC59D6B4587}"/>
+              </a:ext>
+              <a:ext uri="{C183D7F6-B498-43B3-948B-1728B52AA6E4}">
+                <adec:decorative xmlns:adec="http://schemas.microsoft.com/office/drawing/2017/decorative" val="1"/>
+              </a:ext>
+            </a:extLst>
+          </p:cNvPr>
+          <p:cNvSpPr>
+            <a:spLocks noGrp="1" noRot="1" noChangeAspect="1" noMove="1" noResize="1" noEditPoints="1" noAdjustHandles="1" noChangeArrowheads="1" noChangeShapeType="1" noTextEdit="1"/>
+          </p:cNvSpPr>
+          <p:nvPr>
+            <p:extLst>
+              <p:ext uri="{386F3935-93C4-4BCD-93E2-E3B085C9AB24}">
+                <p16:designElem xmlns:p16="http://schemas.microsoft.com/office/powerpoint/2015/main" val="1"/>
+              </p:ext>
+            </p:extLst>
+          </p:nvPr>
+        </p:nvSpPr>
+        <p:spPr>
+          <a:xfrm>
+            <a:off x="0" y="0"/>
+            <a:ext cx="12192000" cy="6858000"/>
+          </a:xfrm>
+          <a:prstGeom prst="rect">
+            <a:avLst/>
+          </a:prstGeom>
+          <a:ln w="12700" cap="flat" cmpd="sng" algn="ctr">
+            <a:noFill/>
+            <a:prstDash val="solid"/>
+            <a:miter lim="800000"/>
+          </a:ln>
+          <a:effectLst/>
+          <a:extLst>
+            <a:ext uri="{91240B29-F687-4F45-9708-019B960494DF}">
+              <a14:hiddenLine xmlns:a14="http://schemas.microsoft.com/office/drawing/2010/main" w="12700" cap="flat" cmpd="sng" algn="ctr">
+                <a:solidFill>
+                  <a:schemeClr val="accent1">
+                    <a:shade val="50000"/>
+                  </a:schemeClr>
+                </a:solidFill>
+                <a:prstDash val="solid"/>
+                <a:miter lim="800000"/>
+              </a14:hiddenLine>
+            </a:ext>
+          </a:extLst>
+        </p:spPr>
+        <p:style>
+          <a:lnRef idx="2">
+            <a:schemeClr val="accent1">
+              <a:shade val="50000"/>
+            </a:schemeClr>
+          </a:lnRef>
+          <a:fillRef idx="1">
+            <a:schemeClr val="accent1"/>
+          </a:fillRef>
+          <a:effectRef idx="0">
+            <a:schemeClr val="accent1"/>
+          </a:effectRef>
+          <a:fontRef idx="minor">
+            <a:schemeClr val="lt1"/>
+          </a:fontRef>
+        </p:style>
+        <p:txBody>
+          <a:bodyPr rtlCol="0" anchor="ctr"/>
+          <a:lstStyle/>
+          <a:p>
+            <a:pPr algn="ctr"/>
+            <a:endParaRPr lang="en-US"/>
+          </a:p>
+        </p:txBody>
+      </p:sp>
+      <p:sp>
+        <p:nvSpPr>
+          <p:cNvPr id="6" name="TextBox 5">
+            <a:extLst>
+              <a:ext uri="{FF2B5EF4-FFF2-40B4-BE49-F238E27FC236}">
+                <a16:creationId xmlns:a16="http://schemas.microsoft.com/office/drawing/2014/main" id="{A774A9CC-60E4-E800-9D90-2A2B5A8CBC80}"/>
+              </a:ext>
+            </a:extLst>
+          </p:cNvPr>
+          <p:cNvSpPr txBox="1"/>
+          <p:nvPr/>
+        </p:nvSpPr>
+        <p:spPr>
+          <a:xfrm>
+            <a:off x="550863" y="2678400"/>
+            <a:ext cx="3565525" cy="3414425"/>
+          </a:xfrm>
+          <a:prstGeom prst="rect">
+            <a:avLst/>
+          </a:prstGeom>
+        </p:spPr>
+        <p:txBody>
+          <a:bodyPr vert="horz" wrap="square" lIns="0" tIns="0" rIns="0" bIns="0" rtlCol="0" anchor="t">
+            <a:normAutofit/>
+          </a:bodyPr>
+          <a:lstStyle/>
+          <a:p>
+            <a:pPr indent="-228600">
+              <a:lnSpc>
+                <a:spcPct val="110000"/>
+              </a:lnSpc>
+              <a:spcAft>
+                <a:spcPts val="800"/>
+              </a:spcAft>
+              <a:buFont typeface="Arial" panose="020B0604020202020204" pitchFamily="34" charset="0"/>
+              <a:buChar char="•"/>
+            </a:pPr>
+            <a:r>
+              <a:rPr lang="en-US" sz="1600" dirty="0">
+                <a:solidFill>
+                  <a:schemeClr val="tx1">
+                    <a:alpha val="60000"/>
+                  </a:schemeClr>
+                </a:solidFill>
+              </a:rPr>
+              <a:t>Sources :</a:t>
+            </a:r>
+          </a:p>
+          <a:p>
+            <a:pPr indent="-228600">
+              <a:lnSpc>
+                <a:spcPct val="110000"/>
+              </a:lnSpc>
+              <a:spcAft>
+                <a:spcPts val="800"/>
+              </a:spcAft>
+              <a:buFont typeface="Arial" panose="020B0604020202020204" pitchFamily="34" charset="0"/>
+              <a:buChar char="•"/>
+            </a:pPr>
+            <a:endParaRPr lang="en-US" sz="1600" dirty="0">
+              <a:solidFill>
+                <a:schemeClr val="tx1">
+                  <a:alpha val="60000"/>
+                </a:schemeClr>
+              </a:solidFill>
+            </a:endParaRPr>
+          </a:p>
+          <a:p>
+            <a:pPr indent="-228600">
+              <a:lnSpc>
+                <a:spcPct val="110000"/>
+              </a:lnSpc>
+              <a:spcAft>
+                <a:spcPts val="800"/>
+              </a:spcAft>
+              <a:buFont typeface="Arial" panose="020B0604020202020204" pitchFamily="34" charset="0"/>
+              <a:buChar char="•"/>
+            </a:pPr>
+            <a:r>
+              <a:rPr lang="en-US" sz="1600" dirty="0">
+                <a:solidFill>
+                  <a:schemeClr val="tx1">
+                    <a:alpha val="60000"/>
+                  </a:schemeClr>
+                </a:solidFill>
+                <a:hlinkClick r:id="rId2"/>
+              </a:rPr>
+              <a:t>https://towardsdatascience.com/sentimental-analysis-using-vader-a3415fef7664</a:t>
+            </a:r>
+            <a:endParaRPr lang="en-US" sz="1600" dirty="0">
+              <a:solidFill>
+                <a:schemeClr val="tx1">
+                  <a:alpha val="60000"/>
+                </a:schemeClr>
+              </a:solidFill>
+            </a:endParaRPr>
+          </a:p>
+          <a:p>
+            <a:pPr indent="-228600">
+              <a:lnSpc>
+                <a:spcPct val="110000"/>
+              </a:lnSpc>
+              <a:spcAft>
+                <a:spcPts val="800"/>
+              </a:spcAft>
+              <a:buFont typeface="Arial" panose="020B0604020202020204" pitchFamily="34" charset="0"/>
+              <a:buChar char="•"/>
+            </a:pPr>
+            <a:endParaRPr lang="en-US" sz="1600" dirty="0">
+              <a:solidFill>
+                <a:schemeClr val="tx1">
+                  <a:alpha val="60000"/>
+                </a:schemeClr>
+              </a:solidFill>
+            </a:endParaRPr>
+          </a:p>
+          <a:p>
+            <a:pPr indent="-228600">
+              <a:lnSpc>
+                <a:spcPct val="110000"/>
+              </a:lnSpc>
+              <a:spcAft>
+                <a:spcPts val="800"/>
+              </a:spcAft>
+              <a:buFont typeface="Arial" panose="020B0604020202020204" pitchFamily="34" charset="0"/>
+              <a:buChar char="•"/>
+            </a:pPr>
+            <a:r>
+              <a:rPr lang="en-US" sz="1600" dirty="0">
+                <a:solidFill>
+                  <a:schemeClr val="tx1">
+                    <a:alpha val="60000"/>
+                  </a:schemeClr>
+                </a:solidFill>
+                <a:hlinkClick r:id="rId3"/>
+              </a:rPr>
+              <a:t>https://github.com/cjhutto/vaderSentiment#about-the-scoring</a:t>
+            </a:r>
+            <a:endParaRPr lang="en-US" sz="1600" dirty="0">
+              <a:solidFill>
+                <a:schemeClr val="tx1">
+                  <a:alpha val="60000"/>
+                </a:schemeClr>
+              </a:solidFill>
+            </a:endParaRPr>
+          </a:p>
+          <a:p>
+            <a:pPr indent="-228600">
+              <a:lnSpc>
+                <a:spcPct val="110000"/>
+              </a:lnSpc>
+              <a:spcAft>
+                <a:spcPts val="800"/>
+              </a:spcAft>
+              <a:buFont typeface="Arial" panose="020B0604020202020204" pitchFamily="34" charset="0"/>
+              <a:buChar char="•"/>
+            </a:pPr>
+            <a:endParaRPr lang="en-US" sz="1600" dirty="0">
+              <a:solidFill>
+                <a:schemeClr val="tx1">
+                  <a:alpha val="60000"/>
+                </a:schemeClr>
+              </a:solidFill>
+            </a:endParaRPr>
+          </a:p>
+          <a:p>
+            <a:pPr indent="-228600">
+              <a:lnSpc>
+                <a:spcPct val="110000"/>
+              </a:lnSpc>
+              <a:spcAft>
+                <a:spcPts val="800"/>
+              </a:spcAft>
+              <a:buFont typeface="Arial" panose="020B0604020202020204" pitchFamily="34" charset="0"/>
+              <a:buChar char="•"/>
+            </a:pPr>
+            <a:r>
+              <a:rPr lang="en-US" sz="1600" dirty="0">
+                <a:solidFill>
+                  <a:schemeClr val="tx1">
+                    <a:alpha val="60000"/>
+                  </a:schemeClr>
+                </a:solidFill>
+                <a:hlinkClick r:id="rId4"/>
+              </a:rPr>
+              <a:t>https://youtu.be/uPKnSq6TaAk</a:t>
+            </a:r>
+            <a:endParaRPr lang="en-US" sz="1600" dirty="0">
+              <a:solidFill>
+                <a:schemeClr val="tx1">
+                  <a:alpha val="60000"/>
+                </a:schemeClr>
+              </a:solidFill>
+            </a:endParaRPr>
+          </a:p>
+          <a:p>
+            <a:pPr indent="-228600">
+              <a:lnSpc>
+                <a:spcPct val="110000"/>
+              </a:lnSpc>
+              <a:spcAft>
+                <a:spcPts val="800"/>
+              </a:spcAft>
+              <a:buFont typeface="Arial" panose="020B0604020202020204" pitchFamily="34" charset="0"/>
+              <a:buChar char="•"/>
+            </a:pPr>
+            <a:endParaRPr lang="en-US" sz="1600" dirty="0">
+              <a:solidFill>
+                <a:schemeClr val="tx1">
+                  <a:alpha val="60000"/>
+                </a:schemeClr>
+              </a:solidFill>
+            </a:endParaRPr>
+          </a:p>
+        </p:txBody>
+      </p:sp>
+      <p:pic>
+        <p:nvPicPr>
+          <p:cNvPr id="8" name="Picture 7" descr="Red drawing pins on a map">
+            <a:extLst>
+              <a:ext uri="{FF2B5EF4-FFF2-40B4-BE49-F238E27FC236}">
+                <a16:creationId xmlns:a16="http://schemas.microsoft.com/office/drawing/2014/main" id="{CB409C5B-A66B-BBD0-1883-F924504B9CCB}"/>
+              </a:ext>
+            </a:extLst>
+          </p:cNvPr>
+          <p:cNvPicPr>
+            <a:picLocks noChangeAspect="1"/>
+          </p:cNvPicPr>
+          <p:nvPr/>
+        </p:nvPicPr>
+        <p:blipFill rotWithShape="1">
+          <a:blip r:embed="rId5"/>
+          <a:srcRect l="4303" r="12133"/>
+          <a:stretch/>
+        </p:blipFill>
+        <p:spPr>
+          <a:xfrm>
+            <a:off x="4550899" y="10"/>
+            <a:ext cx="7641102" cy="6857990"/>
+          </a:xfrm>
+          <a:custGeom>
+            <a:avLst/>
+            <a:gdLst/>
+            <a:ahLst/>
+            <a:cxnLst/>
+            <a:rect l="l" t="t" r="r" b="b"/>
+            <a:pathLst>
+              <a:path w="7641102" h="6858000">
+                <a:moveTo>
+                  <a:pt x="0" y="0"/>
+                </a:moveTo>
+                <a:lnTo>
+                  <a:pt x="7641102" y="0"/>
+                </a:lnTo>
+                <a:lnTo>
+                  <a:pt x="7641102" y="6858000"/>
+                </a:lnTo>
+                <a:lnTo>
+                  <a:pt x="0" y="6858000"/>
+                </a:lnTo>
+                <a:close/>
+              </a:path>
+            </a:pathLst>
+          </a:custGeom>
+        </p:spPr>
+      </p:pic>
+      <p:sp>
+        <p:nvSpPr>
+          <p:cNvPr id="20" name="Rectangle 19">
+            <a:extLst>
+              <a:ext uri="{FF2B5EF4-FFF2-40B4-BE49-F238E27FC236}">
+                <a16:creationId xmlns:a16="http://schemas.microsoft.com/office/drawing/2014/main" id="{6FF3A87B-2255-45E0-A551-C11FAF93290C}"/>
+              </a:ext>
+              <a:ext uri="{C183D7F6-B498-43B3-948B-1728B52AA6E4}">
+                <adec:decorative xmlns:adec="http://schemas.microsoft.com/office/drawing/2017/decorative" val="1"/>
+              </a:ext>
+            </a:extLst>
+          </p:cNvPr>
+          <p:cNvSpPr>
+            <a:spLocks noGrp="1" noRot="1" noChangeAspect="1" noMove="1" noResize="1" noEditPoints="1" noAdjustHandles="1" noChangeArrowheads="1" noChangeShapeType="1" noTextEdit="1"/>
+          </p:cNvSpPr>
+          <p:nvPr>
+            <p:extLst>
+              <p:ext uri="{386F3935-93C4-4BCD-93E2-E3B085C9AB24}">
+                <p16:designElem xmlns:p16="http://schemas.microsoft.com/office/powerpoint/2015/main" val="1"/>
+              </p:ext>
+            </p:extLst>
+          </p:nvPr>
+        </p:nvSpPr>
+        <p:spPr>
+          <a:xfrm>
+            <a:off x="4550898" y="5773729"/>
+            <a:ext cx="7641102" cy="1084271"/>
+          </a:xfrm>
+          <a:prstGeom prst="rect">
+            <a:avLst/>
+          </a:prstGeom>
+          <a:gradFill flip="none" rotWithShape="1">
+            <a:gsLst>
+              <a:gs pos="100000">
+                <a:schemeClr val="bg2">
+                  <a:alpha val="60000"/>
+                </a:schemeClr>
+              </a:gs>
+              <a:gs pos="40000">
+                <a:schemeClr val="bg2">
+                  <a:alpha val="0"/>
+                </a:schemeClr>
+              </a:gs>
+            </a:gsLst>
+            <a:lin ang="5400000" scaled="0"/>
+            <a:tileRect/>
+          </a:gradFill>
+          <a:ln>
+            <a:noFill/>
+          </a:ln>
+        </p:spPr>
+        <p:style>
+          <a:lnRef idx="2">
+            <a:schemeClr val="accent1">
+              <a:shade val="50000"/>
+            </a:schemeClr>
+          </a:lnRef>
+          <a:fillRef idx="1">
+            <a:schemeClr val="accent1"/>
+          </a:fillRef>
+          <a:effectRef idx="0">
+            <a:schemeClr val="accent1"/>
+          </a:effectRef>
+          <a:fontRef idx="minor">
+            <a:schemeClr val="lt1"/>
+          </a:fontRef>
+        </p:style>
+        <p:txBody>
+          <a:bodyPr rtlCol="0" anchor="ctr"/>
+          <a:lstStyle/>
+          <a:p>
+            <a:pPr algn="ctr"/>
+            <a:endParaRPr lang="en-US"/>
+          </a:p>
+        </p:txBody>
+      </p:sp>
+    </p:spTree>
+    <p:extLst>
+      <p:ext uri="{BB962C8B-B14F-4D97-AF65-F5344CB8AC3E}">
+        <p14:creationId xmlns:p14="http://schemas.microsoft.com/office/powerpoint/2010/main" val="183039989"/>
+      </p:ext>
+    </p:extLst>
+  </p:cSld>
+  <p:clrMapOvr>
+    <a:masterClrMapping/>
+  </p:clrMapOvr>
+</p:sld>
+</file>
+
+<file path=ppt/slides/slide11.xml><?xml version="1.0" encoding="utf-8"?>
+<p:sld xmlns:a="http://schemas.openxmlformats.org/drawingml/2006/main" xmlns:r="http://schemas.openxmlformats.org/officeDocument/2006/relationships" xmlns:p="http://schemas.openxmlformats.org/presentationml/2006/main">
+  <p:cSld>
+    <p:bg>
+      <p:bgPr>
+        <a:solidFill>
+          <a:schemeClr val="bg2"/>
+        </a:solidFill>
+        <a:effectLst/>
+      </p:bgPr>
+    </p:bg>
+    <p:spTree>
+      <p:nvGrpSpPr>
+        <p:cNvPr id="1" name=""/>
+        <p:cNvGrpSpPr/>
+        <p:nvPr/>
+      </p:nvGrpSpPr>
+      <p:grpSpPr>
+        <a:xfrm>
+          <a:off x="0" y="0"/>
+          <a:ext cx="0" cy="0"/>
+          <a:chOff x="0" y="0"/>
+          <a:chExt cx="0" cy="0"/>
+        </a:xfrm>
+      </p:grpSpPr>
       <p:sp>
         <p:nvSpPr>
           <p:cNvPr id="13" name="Freeform: Shape 12">
@@ -18103,6 +19048,282 @@
       </p:grpSpPr>
       <p:sp>
         <p:nvSpPr>
+          <p:cNvPr id="2" name="Date Placeholder 1">
+            <a:extLst>
+              <a:ext uri="{FF2B5EF4-FFF2-40B4-BE49-F238E27FC236}">
+                <a16:creationId xmlns:a16="http://schemas.microsoft.com/office/drawing/2014/main" id="{28FB5EB6-6288-1790-FAC8-024727337533}"/>
+              </a:ext>
+            </a:extLst>
+          </p:cNvPr>
+          <p:cNvSpPr>
+            <a:spLocks noGrp="1"/>
+          </p:cNvSpPr>
+          <p:nvPr>
+            <p:ph type="dt" sz="half" idx="10"/>
+          </p:nvPr>
+        </p:nvSpPr>
+        <p:spPr/>
+        <p:txBody>
+          <a:bodyPr/>
+          <a:lstStyle/>
+          <a:p>
+            <a:r>
+              <a:rPr lang="en-US"/>
+              <a:t>Tuesday, February 2, 20XX</a:t>
+            </a:r>
+          </a:p>
+        </p:txBody>
+      </p:sp>
+      <p:sp>
+        <p:nvSpPr>
+          <p:cNvPr id="3" name="Footer Placeholder 2">
+            <a:extLst>
+              <a:ext uri="{FF2B5EF4-FFF2-40B4-BE49-F238E27FC236}">
+                <a16:creationId xmlns:a16="http://schemas.microsoft.com/office/drawing/2014/main" id="{DCDF87B4-6ACE-FE18-C737-3C73495E105A}"/>
+              </a:ext>
+            </a:extLst>
+          </p:cNvPr>
+          <p:cNvSpPr>
+            <a:spLocks noGrp="1"/>
+          </p:cNvSpPr>
+          <p:nvPr>
+            <p:ph type="ftr" sz="quarter" idx="11"/>
+          </p:nvPr>
+        </p:nvSpPr>
+        <p:spPr/>
+        <p:txBody>
+          <a:bodyPr/>
+          <a:lstStyle/>
+          <a:p>
+            <a:r>
+              <a:rPr lang="en-US"/>
+              <a:t>Sample Footer Text</a:t>
+            </a:r>
+          </a:p>
+        </p:txBody>
+      </p:sp>
+      <p:sp>
+        <p:nvSpPr>
+          <p:cNvPr id="4" name="Slide Number Placeholder 3">
+            <a:extLst>
+              <a:ext uri="{FF2B5EF4-FFF2-40B4-BE49-F238E27FC236}">
+                <a16:creationId xmlns:a16="http://schemas.microsoft.com/office/drawing/2014/main" id="{39D8505D-7E89-2BF3-5A37-F2EE957E6EA9}"/>
+              </a:ext>
+            </a:extLst>
+          </p:cNvPr>
+          <p:cNvSpPr>
+            <a:spLocks noGrp="1"/>
+          </p:cNvSpPr>
+          <p:nvPr>
+            <p:ph type="sldNum" sz="quarter" idx="12"/>
+          </p:nvPr>
+        </p:nvSpPr>
+        <p:spPr/>
+        <p:txBody>
+          <a:bodyPr/>
+          <a:lstStyle/>
+          <a:p>
+            <a:fld id="{DBA1B0FB-D917-4C8C-928F-313BD683BF39}" type="slidenum">
+              <a:rPr lang="en-US" smtClean="0"/>
+              <a:t>6</a:t>
+            </a:fld>
+            <a:endParaRPr lang="en-US"/>
+          </a:p>
+        </p:txBody>
+      </p:sp>
+      <p:sp>
+        <p:nvSpPr>
+          <p:cNvPr id="5" name="TextBox 4">
+            <a:extLst>
+              <a:ext uri="{FF2B5EF4-FFF2-40B4-BE49-F238E27FC236}">
+                <a16:creationId xmlns:a16="http://schemas.microsoft.com/office/drawing/2014/main" id="{2E0855A6-79A5-B087-6A6D-1972B5CC1192}"/>
+              </a:ext>
+            </a:extLst>
+          </p:cNvPr>
+          <p:cNvSpPr txBox="1"/>
+          <p:nvPr/>
+        </p:nvSpPr>
+        <p:spPr>
+          <a:xfrm>
+            <a:off x="801510" y="1106311"/>
+            <a:ext cx="1497526" cy="369332"/>
+          </a:xfrm>
+          <a:prstGeom prst="rect">
+            <a:avLst/>
+          </a:prstGeom>
+          <a:noFill/>
+        </p:spPr>
+        <p:txBody>
+          <a:bodyPr wrap="none" rtlCol="0">
+            <a:spAutoFit/>
+          </a:bodyPr>
+          <a:lstStyle/>
+          <a:p>
+            <a:r>
+              <a:rPr lang="en-US" dirty="0"/>
+              <a:t>Data Cleaning</a:t>
+            </a:r>
+          </a:p>
+        </p:txBody>
+      </p:sp>
+      <p:sp>
+        <p:nvSpPr>
+          <p:cNvPr id="7" name="TextBox 6">
+            <a:extLst>
+              <a:ext uri="{FF2B5EF4-FFF2-40B4-BE49-F238E27FC236}">
+                <a16:creationId xmlns:a16="http://schemas.microsoft.com/office/drawing/2014/main" id="{FD98E732-B499-AA25-1418-2DDE3DB94666}"/>
+              </a:ext>
+            </a:extLst>
+          </p:cNvPr>
+          <p:cNvSpPr txBox="1"/>
+          <p:nvPr/>
+        </p:nvSpPr>
+        <p:spPr>
+          <a:xfrm>
+            <a:off x="665475" y="1754328"/>
+            <a:ext cx="6085281" cy="3416320"/>
+          </a:xfrm>
+          <a:prstGeom prst="rect">
+            <a:avLst/>
+          </a:prstGeom>
+          <a:noFill/>
+        </p:spPr>
+        <p:txBody>
+          <a:bodyPr wrap="square" rtlCol="0">
+            <a:spAutoFit/>
+          </a:bodyPr>
+          <a:lstStyle/>
+          <a:p>
+            <a:r>
+              <a:rPr lang="en-US" dirty="0"/>
+              <a:t>Explanation:</a:t>
+            </a:r>
+          </a:p>
+          <a:p>
+            <a:r>
+              <a:rPr lang="en-US" dirty="0"/>
+              <a:t>Lowercasing: Convert to lowercase for consistent analysis.</a:t>
+            </a:r>
+          </a:p>
+          <a:p>
+            <a:r>
+              <a:rPr lang="en-US" dirty="0"/>
+              <a:t>Replace User Mentions: Replace with '@user' for anonymization.</a:t>
+            </a:r>
+          </a:p>
+          <a:p>
+            <a:r>
+              <a:rPr lang="en-US" dirty="0"/>
+              <a:t>Replace URLs: Simplify with "http".</a:t>
+            </a:r>
+          </a:p>
+          <a:p>
+            <a:r>
+              <a:rPr lang="en-US" dirty="0"/>
+              <a:t>Word Tokenization: Store cleaned words in </a:t>
+            </a:r>
+            <a:r>
+              <a:rPr lang="en-US" dirty="0" err="1"/>
+              <a:t>tweet_words</a:t>
+            </a:r>
+            <a:r>
+              <a:rPr lang="en-US" dirty="0"/>
+              <a:t>.</a:t>
+            </a:r>
+          </a:p>
+          <a:p>
+            <a:r>
+              <a:rPr lang="en-US" dirty="0"/>
+              <a:t>Example:</a:t>
+            </a:r>
+          </a:p>
+          <a:p>
+            <a:r>
+              <a:rPr lang="en-US" dirty="0"/>
+              <a:t>Original Tweet: "Great experience with @username! Check out http://</a:t>
+            </a:r>
+            <a:r>
+              <a:rPr lang="en-US" dirty="0" err="1"/>
+              <a:t>example.com</a:t>
+            </a:r>
+            <a:r>
+              <a:rPr lang="en-US" dirty="0"/>
+              <a:t>."</a:t>
+            </a:r>
+          </a:p>
+          <a:p>
+            <a:r>
+              <a:rPr lang="en-US" dirty="0"/>
+              <a:t>Cleaned Tokens: ["great", "experience", "@user", "check", "out", "http"]</a:t>
+            </a:r>
+          </a:p>
+          <a:p>
+            <a:endParaRPr lang="en-US" dirty="0"/>
+          </a:p>
+        </p:txBody>
+      </p:sp>
+      <p:pic>
+        <p:nvPicPr>
+          <p:cNvPr id="10" name="Picture 9" descr="A screen shot of a computer code&#10;&#10;Description automatically generated">
+            <a:extLst>
+              <a:ext uri="{FF2B5EF4-FFF2-40B4-BE49-F238E27FC236}">
+                <a16:creationId xmlns:a16="http://schemas.microsoft.com/office/drawing/2014/main" id="{8954E7E6-E6D8-9F2A-4BA8-B16A19D7FE41}"/>
+              </a:ext>
+            </a:extLst>
+          </p:cNvPr>
+          <p:cNvPicPr>
+            <a:picLocks noChangeAspect="1"/>
+          </p:cNvPicPr>
+          <p:nvPr/>
+        </p:nvPicPr>
+        <p:blipFill>
+          <a:blip r:embed="rId2"/>
+          <a:stretch>
+            <a:fillRect/>
+          </a:stretch>
+        </p:blipFill>
+        <p:spPr>
+          <a:xfrm>
+            <a:off x="7022888" y="1964267"/>
+            <a:ext cx="4991100" cy="2506133"/>
+          </a:xfrm>
+          <a:prstGeom prst="rect">
+            <a:avLst/>
+          </a:prstGeom>
+        </p:spPr>
+      </p:pic>
+    </p:spTree>
+    <p:extLst>
+      <p:ext uri="{BB962C8B-B14F-4D97-AF65-F5344CB8AC3E}">
+        <p14:creationId xmlns:p14="http://schemas.microsoft.com/office/powerpoint/2010/main" val="1197609830"/>
+      </p:ext>
+    </p:extLst>
+  </p:cSld>
+  <p:clrMapOvr>
+    <a:masterClrMapping/>
+  </p:clrMapOvr>
+</p:sld>
+</file>
+
+<file path=ppt/slides/slide7.xml><?xml version="1.0" encoding="utf-8"?>
+<p:sld xmlns:a="http://schemas.openxmlformats.org/drawingml/2006/main" xmlns:r="http://schemas.openxmlformats.org/officeDocument/2006/relationships" xmlns:p="http://schemas.openxmlformats.org/presentationml/2006/main">
+  <p:cSld>
+    <p:spTree>
+      <p:nvGrpSpPr>
+        <p:cNvPr id="1" name=""/>
+        <p:cNvGrpSpPr/>
+        <p:nvPr/>
+      </p:nvGrpSpPr>
+      <p:grpSpPr>
+        <a:xfrm>
+          <a:off x="0" y="0"/>
+          <a:ext cx="0" cy="0"/>
+          <a:chOff x="0" y="0"/>
+          <a:chExt cx="0" cy="0"/>
+        </a:xfrm>
+      </p:grpSpPr>
+      <p:sp>
+        <p:nvSpPr>
           <p:cNvPr id="6" name="TextBox 5">
             <a:extLst>
               <a:ext uri="{FF2B5EF4-FFF2-40B4-BE49-F238E27FC236}">
@@ -18222,7 +19443,7 @@
 </p:sld>
 </file>
 
-<file path=ppt/slides/slide7.xml><?xml version="1.0" encoding="utf-8"?>
+<file path=ppt/slides/slide8.xml><?xml version="1.0" encoding="utf-8"?>
 <p:sld xmlns:a="http://schemas.openxmlformats.org/drawingml/2006/main" xmlns:r="http://schemas.openxmlformats.org/officeDocument/2006/relationships" xmlns:p="http://schemas.openxmlformats.org/presentationml/2006/main">
   <p:cSld>
     <p:spTree>
@@ -18384,7 +19605,7 @@
 </p:sld>
 </file>
 
-<file path=ppt/slides/slide8.xml><?xml version="1.0" encoding="utf-8"?>
+<file path=ppt/slides/slide9.xml><?xml version="1.0" encoding="utf-8"?>
 <p:sld xmlns:a="http://schemas.openxmlformats.org/drawingml/2006/main" xmlns:r="http://schemas.openxmlformats.org/officeDocument/2006/relationships" xmlns:p="http://schemas.openxmlformats.org/presentationml/2006/main">
   <p:cSld>
     <p:bg>
@@ -19938,950 +21159,6 @@
     <p:extLst>
       <p:ext uri="{BB962C8B-B14F-4D97-AF65-F5344CB8AC3E}">
         <p14:creationId xmlns:p14="http://schemas.microsoft.com/office/powerpoint/2010/main" val="3270230130"/>
-      </p:ext>
-    </p:extLst>
-  </p:cSld>
-  <p:clrMapOvr>
-    <a:masterClrMapping/>
-  </p:clrMapOvr>
-</p:sld>
-</file>
-
-<file path=ppt/slides/slide9.xml><?xml version="1.0" encoding="utf-8"?>
-<p:sld xmlns:a="http://schemas.openxmlformats.org/drawingml/2006/main" xmlns:r="http://schemas.openxmlformats.org/officeDocument/2006/relationships" xmlns:p="http://schemas.openxmlformats.org/presentationml/2006/main">
-  <p:cSld>
-    <p:bg>
-      <p:bgPr>
-        <a:solidFill>
-          <a:schemeClr val="bg2"/>
-        </a:solidFill>
-        <a:effectLst/>
-      </p:bgPr>
-    </p:bg>
-    <p:spTree>
-      <p:nvGrpSpPr>
-        <p:cNvPr id="1" name=""/>
-        <p:cNvGrpSpPr/>
-        <p:nvPr/>
-      </p:nvGrpSpPr>
-      <p:grpSpPr>
-        <a:xfrm>
-          <a:off x="0" y="0"/>
-          <a:ext cx="0" cy="0"/>
-          <a:chOff x="0" y="0"/>
-          <a:chExt cx="0" cy="0"/>
-        </a:xfrm>
-      </p:grpSpPr>
-      <p:grpSp>
-        <p:nvGrpSpPr>
-          <p:cNvPr id="12" name="Group 11">
-            <a:extLst>
-              <a:ext uri="{FF2B5EF4-FFF2-40B4-BE49-F238E27FC236}">
-                <a16:creationId xmlns:a16="http://schemas.microsoft.com/office/drawing/2014/main" id="{3BDBC526-6DCD-4FF6-8395-D8C22E46E527}"/>
-              </a:ext>
-              <a:ext uri="{C183D7F6-B498-43B3-948B-1728B52AA6E4}">
-                <adec:decorative xmlns:adec="http://schemas.microsoft.com/office/drawing/2017/decorative" val="1"/>
-              </a:ext>
-            </a:extLst>
-          </p:cNvPr>
-          <p:cNvGrpSpPr>
-            <a:grpSpLocks noGrp="1" noUngrp="1" noRot="1" noChangeAspect="1" noMove="1" noResize="1"/>
-          </p:cNvGrpSpPr>
-          <p:nvPr>
-            <p:extLst>
-              <p:ext uri="{386F3935-93C4-4BCD-93E2-E3B085C9AB24}">
-                <p16:designElem xmlns:p16="http://schemas.microsoft.com/office/powerpoint/2015/main" val="1"/>
-              </p:ext>
-            </p:extLst>
-          </p:nvPr>
-        </p:nvGrpSpPr>
-        <p:grpSpPr>
-          <a:xfrm>
-            <a:off x="613998" y="5334748"/>
-            <a:ext cx="678135" cy="990000"/>
-            <a:chOff x="10490969" y="1448827"/>
-            <a:chExt cx="678135" cy="990000"/>
-          </a:xfrm>
-        </p:grpSpPr>
-        <p:sp>
-          <p:nvSpPr>
-            <p:cNvPr id="13" name="Freeform: Shape 12">
-              <a:extLst>
-                <a:ext uri="{FF2B5EF4-FFF2-40B4-BE49-F238E27FC236}">
-                  <a16:creationId xmlns:a16="http://schemas.microsoft.com/office/drawing/2014/main" id="{02ECB475-568C-47AC-B16D-2E202DEB2DE0}"/>
-                </a:ext>
-                <a:ext uri="{C183D7F6-B498-43B3-948B-1728B52AA6E4}">
-                  <adec:decorative xmlns:adec="http://schemas.microsoft.com/office/drawing/2017/decorative" val="1"/>
-                </a:ext>
-              </a:extLst>
-            </p:cNvPr>
-            <p:cNvSpPr>
-              <a:spLocks noChangeAspect="1"/>
-            </p:cNvSpPr>
-            <p:nvPr>
-              <p:extLst>
-                <p:ext uri="{386F3935-93C4-4BCD-93E2-E3B085C9AB24}">
-                  <p16:designElem xmlns:p16="http://schemas.microsoft.com/office/powerpoint/2015/main" val="1"/>
-                </p:ext>
-              </p:extLst>
-            </p:nvPr>
-          </p:nvSpPr>
-          <p:spPr>
-            <a:xfrm rot="2700000" flipH="1" flipV="1">
-              <a:off x="10268976" y="1743588"/>
-              <a:ext cx="926985" cy="463493"/>
-            </a:xfrm>
-            <a:custGeom>
-              <a:avLst/>
-              <a:gdLst>
-                <a:gd name="connsiteX0" fmla="*/ 1329373 w 2658746"/>
-                <a:gd name="connsiteY0" fmla="*/ 0 h 1329373"/>
-                <a:gd name="connsiteX1" fmla="*/ 2658746 w 2658746"/>
-                <a:gd name="connsiteY1" fmla="*/ 1329373 h 1329373"/>
-                <a:gd name="connsiteX2" fmla="*/ 1994059 w 2658746"/>
-                <a:gd name="connsiteY2" fmla="*/ 1329373 h 1329373"/>
-                <a:gd name="connsiteX3" fmla="*/ 1329373 w 2658746"/>
-                <a:gd name="connsiteY3" fmla="*/ 664687 h 1329373"/>
-                <a:gd name="connsiteX4" fmla="*/ 664687 w 2658746"/>
-                <a:gd name="connsiteY4" fmla="*/ 1329373 h 1329373"/>
-                <a:gd name="connsiteX5" fmla="*/ 0 w 2658746"/>
-                <a:gd name="connsiteY5" fmla="*/ 1329373 h 1329373"/>
-                <a:gd name="connsiteX6" fmla="*/ 1329373 w 2658746"/>
-                <a:gd name="connsiteY6" fmla="*/ 0 h 1329373"/>
-              </a:gdLst>
-              <a:ahLst/>
-              <a:cxnLst>
-                <a:cxn ang="0">
-                  <a:pos x="connsiteX0" y="connsiteY0"/>
-                </a:cxn>
-                <a:cxn ang="0">
-                  <a:pos x="connsiteX1" y="connsiteY1"/>
-                </a:cxn>
-                <a:cxn ang="0">
-                  <a:pos x="connsiteX2" y="connsiteY2"/>
-                </a:cxn>
-                <a:cxn ang="0">
-                  <a:pos x="connsiteX3" y="connsiteY3"/>
-                </a:cxn>
-                <a:cxn ang="0">
-                  <a:pos x="connsiteX4" y="connsiteY4"/>
-                </a:cxn>
-                <a:cxn ang="0">
-                  <a:pos x="connsiteX5" y="connsiteY5"/>
-                </a:cxn>
-                <a:cxn ang="0">
-                  <a:pos x="connsiteX6" y="connsiteY6"/>
-                </a:cxn>
-              </a:cxnLst>
-              <a:rect l="l" t="t" r="r" b="b"/>
-              <a:pathLst>
-                <a:path w="2658746" h="1329373">
-                  <a:moveTo>
-                    <a:pt x="1329373" y="0"/>
-                  </a:moveTo>
-                  <a:cubicBezTo>
-                    <a:pt x="2063565" y="0"/>
-                    <a:pt x="2658746" y="595181"/>
-                    <a:pt x="2658746" y="1329373"/>
-                  </a:cubicBezTo>
-                  <a:lnTo>
-                    <a:pt x="1994059" y="1329373"/>
-                  </a:lnTo>
-                  <a:cubicBezTo>
-                    <a:pt x="1994059" y="962277"/>
-                    <a:pt x="1696469" y="664687"/>
-                    <a:pt x="1329373" y="664687"/>
-                  </a:cubicBezTo>
-                  <a:cubicBezTo>
-                    <a:pt x="962277" y="664687"/>
-                    <a:pt x="664687" y="962277"/>
-                    <a:pt x="664687" y="1329373"/>
-                  </a:cubicBezTo>
-                  <a:lnTo>
-                    <a:pt x="0" y="1329373"/>
-                  </a:lnTo>
-                  <a:cubicBezTo>
-                    <a:pt x="0" y="595181"/>
-                    <a:pt x="595181" y="0"/>
-                    <a:pt x="1329373" y="0"/>
-                  </a:cubicBezTo>
-                  <a:close/>
-                </a:path>
-              </a:pathLst>
-            </a:custGeom>
-            <a:solidFill>
-              <a:schemeClr val="bg2"/>
-            </a:solidFill>
-            <a:ln>
-              <a:noFill/>
-            </a:ln>
-            <a:effectLst>
-              <a:innerShdw blurRad="127000" dist="50800" dir="13500000">
-                <a:schemeClr val="accent1">
-                  <a:lumMod val="40000"/>
-                  <a:lumOff val="60000"/>
-                  <a:alpha val="20000"/>
-                </a:schemeClr>
-              </a:innerShdw>
-            </a:effectLst>
-          </p:spPr>
-          <p:style>
-            <a:lnRef idx="2">
-              <a:schemeClr val="accent1">
-                <a:shade val="50000"/>
-              </a:schemeClr>
-            </a:lnRef>
-            <a:fillRef idx="1">
-              <a:schemeClr val="accent1"/>
-            </a:fillRef>
-            <a:effectRef idx="0">
-              <a:schemeClr val="accent1"/>
-            </a:effectRef>
-            <a:fontRef idx="minor">
-              <a:schemeClr val="lt1"/>
-            </a:fontRef>
-          </p:style>
-          <p:txBody>
-            <a:bodyPr rtlCol="0" anchor="ctr"/>
-            <a:lstStyle/>
-            <a:p>
-              <a:pPr algn="ctr"/>
-              <a:endParaRPr lang="en-US">
-                <a:solidFill>
-                  <a:schemeClr val="tx1"/>
-                </a:solidFill>
-              </a:endParaRPr>
-            </a:p>
-          </p:txBody>
-        </p:sp>
-        <p:sp>
-          <p:nvSpPr>
-            <p:cNvPr id="14" name="Oval 13">
-              <a:extLst>
-                <a:ext uri="{FF2B5EF4-FFF2-40B4-BE49-F238E27FC236}">
-                  <a16:creationId xmlns:a16="http://schemas.microsoft.com/office/drawing/2014/main" id="{080D8764-525A-441E-B58F-068E82F09714}"/>
-                </a:ext>
-                <a:ext uri="{C183D7F6-B498-43B3-948B-1728B52AA6E4}">
-                  <adec:decorative xmlns:adec="http://schemas.microsoft.com/office/drawing/2017/decorative" val="1"/>
-                </a:ext>
-              </a:extLst>
-            </p:cNvPr>
-            <p:cNvSpPr/>
-            <p:nvPr>
-              <p:extLst>
-                <p:ext uri="{386F3935-93C4-4BCD-93E2-E3B085C9AB24}">
-                  <p16:designElem xmlns:p16="http://schemas.microsoft.com/office/powerpoint/2015/main" val="1"/>
-                </p:ext>
-              </p:extLst>
-            </p:nvPr>
-          </p:nvSpPr>
-          <p:spPr>
-            <a:xfrm rot="8100000" flipH="1" flipV="1">
-              <a:off x="11115555" y="1939340"/>
-              <a:ext cx="53549" cy="233295"/>
-            </a:xfrm>
-            <a:prstGeom prst="ellipse">
-              <a:avLst/>
-            </a:prstGeom>
-            <a:solidFill>
-              <a:schemeClr val="bg2">
-                <a:lumMod val="90000"/>
-                <a:lumOff val="10000"/>
-              </a:schemeClr>
-            </a:solidFill>
-            <a:ln>
-              <a:noFill/>
-            </a:ln>
-            <a:effectLst>
-              <a:innerShdw blurRad="63500" dist="2540000">
-                <a:schemeClr val="accent1">
-                  <a:lumMod val="60000"/>
-                  <a:lumOff val="40000"/>
-                  <a:alpha val="0"/>
-                </a:schemeClr>
-              </a:innerShdw>
-            </a:effectLst>
-          </p:spPr>
-          <p:style>
-            <a:lnRef idx="2">
-              <a:schemeClr val="accent1">
-                <a:shade val="50000"/>
-              </a:schemeClr>
-            </a:lnRef>
-            <a:fillRef idx="1">
-              <a:schemeClr val="accent1"/>
-            </a:fillRef>
-            <a:effectRef idx="0">
-              <a:schemeClr val="accent1"/>
-            </a:effectRef>
-            <a:fontRef idx="minor">
-              <a:schemeClr val="lt1"/>
-            </a:fontRef>
-          </p:style>
-          <p:txBody>
-            <a:bodyPr rot="0" spcFirstLastPara="0" vertOverflow="overflow" horzOverflow="overflow" vert="horz" wrap="square" lIns="91440" tIns="45720" rIns="91440" bIns="45720" numCol="1" spcCol="0" rtlCol="0" fromWordArt="0" anchor="ctr" anchorCtr="0" forceAA="0" compatLnSpc="1">
-              <a:prstTxWarp prst="textNoShape">
-                <a:avLst/>
-              </a:prstTxWarp>
-              <a:noAutofit/>
-            </a:bodyPr>
-            <a:lstStyle/>
-            <a:p>
-              <a:pPr algn="ctr"/>
-              <a:endParaRPr lang="en-US"/>
-            </a:p>
-          </p:txBody>
-        </p:sp>
-        <p:sp>
-          <p:nvSpPr>
-            <p:cNvPr id="15" name="Oval 14">
-              <a:extLst>
-                <a:ext uri="{FF2B5EF4-FFF2-40B4-BE49-F238E27FC236}">
-                  <a16:creationId xmlns:a16="http://schemas.microsoft.com/office/drawing/2014/main" id="{11196109-6F2B-4738-B2FC-2CCC753AABD4}"/>
-                </a:ext>
-                <a:ext uri="{C183D7F6-B498-43B3-948B-1728B52AA6E4}">
-                  <adec:decorative xmlns:adec="http://schemas.microsoft.com/office/drawing/2017/decorative" val="1"/>
-                </a:ext>
-              </a:extLst>
-            </p:cNvPr>
-            <p:cNvSpPr/>
-            <p:nvPr>
-              <p:extLst>
-                <p:ext uri="{386F3935-93C4-4BCD-93E2-E3B085C9AB24}">
-                  <p16:designElem xmlns:p16="http://schemas.microsoft.com/office/powerpoint/2015/main" val="1"/>
-                </p:ext>
-              </p:extLst>
-            </p:nvPr>
-          </p:nvSpPr>
-          <p:spPr>
-            <a:xfrm rot="8100000" flipH="1" flipV="1">
-              <a:off x="10625042" y="1448827"/>
-              <a:ext cx="53549" cy="233295"/>
-            </a:xfrm>
-            <a:prstGeom prst="ellipse">
-              <a:avLst/>
-            </a:prstGeom>
-            <a:solidFill>
-              <a:schemeClr val="bg2">
-                <a:lumMod val="90000"/>
-                <a:lumOff val="10000"/>
-              </a:schemeClr>
-            </a:solidFill>
-            <a:ln>
-              <a:noFill/>
-            </a:ln>
-            <a:effectLst>
-              <a:innerShdw blurRad="63500" dist="2540000">
-                <a:schemeClr val="accent1">
-                  <a:lumMod val="60000"/>
-                  <a:lumOff val="40000"/>
-                  <a:alpha val="0"/>
-                </a:schemeClr>
-              </a:innerShdw>
-            </a:effectLst>
-          </p:spPr>
-          <p:style>
-            <a:lnRef idx="2">
-              <a:schemeClr val="accent1">
-                <a:shade val="50000"/>
-              </a:schemeClr>
-            </a:lnRef>
-            <a:fillRef idx="1">
-              <a:schemeClr val="accent1"/>
-            </a:fillRef>
-            <a:effectRef idx="0">
-              <a:schemeClr val="accent1"/>
-            </a:effectRef>
-            <a:fontRef idx="minor">
-              <a:schemeClr val="lt1"/>
-            </a:fontRef>
-          </p:style>
-          <p:txBody>
-            <a:bodyPr rot="0" spcFirstLastPara="0" vertOverflow="overflow" horzOverflow="overflow" vert="horz" wrap="square" lIns="91440" tIns="45720" rIns="91440" bIns="45720" numCol="1" spcCol="0" rtlCol="0" fromWordArt="0" anchor="ctr" anchorCtr="0" forceAA="0" compatLnSpc="1">
-              <a:prstTxWarp prst="textNoShape">
-                <a:avLst/>
-              </a:prstTxWarp>
-              <a:noAutofit/>
-            </a:bodyPr>
-            <a:lstStyle/>
-            <a:p>
-              <a:pPr algn="ctr"/>
-              <a:endParaRPr lang="en-US"/>
-            </a:p>
-          </p:txBody>
-        </p:sp>
-        <p:sp>
-          <p:nvSpPr>
-            <p:cNvPr id="16" name="Freeform: Shape 15">
-              <a:extLst>
-                <a:ext uri="{FF2B5EF4-FFF2-40B4-BE49-F238E27FC236}">
-                  <a16:creationId xmlns:a16="http://schemas.microsoft.com/office/drawing/2014/main" id="{F7E468C2-69B8-470B-85E3-801A3CB1D7E2}"/>
-                </a:ext>
-                <a:ext uri="{C183D7F6-B498-43B3-948B-1728B52AA6E4}">
-                  <adec:decorative xmlns:adec="http://schemas.microsoft.com/office/drawing/2017/decorative" val="1"/>
-                </a:ext>
-              </a:extLst>
-            </p:cNvPr>
-            <p:cNvSpPr>
-              <a:spLocks noChangeAspect="1"/>
-            </p:cNvSpPr>
-            <p:nvPr>
-              <p:extLst>
-                <p:ext uri="{386F3935-93C4-4BCD-93E2-E3B085C9AB24}">
-                  <p16:designElem xmlns:p16="http://schemas.microsoft.com/office/powerpoint/2015/main" val="1"/>
-                </p:ext>
-              </p:extLst>
-            </p:nvPr>
-          </p:nvSpPr>
-          <p:spPr>
-            <a:xfrm rot="2700000" flipH="1" flipV="1">
-              <a:off x="10292519" y="1686748"/>
-              <a:ext cx="926985" cy="530086"/>
-            </a:xfrm>
-            <a:custGeom>
-              <a:avLst/>
-              <a:gdLst>
-                <a:gd name="connsiteX0" fmla="*/ 1329373 w 2658746"/>
-                <a:gd name="connsiteY0" fmla="*/ 0 h 1329373"/>
-                <a:gd name="connsiteX1" fmla="*/ 2658746 w 2658746"/>
-                <a:gd name="connsiteY1" fmla="*/ 1329373 h 1329373"/>
-                <a:gd name="connsiteX2" fmla="*/ 1994059 w 2658746"/>
-                <a:gd name="connsiteY2" fmla="*/ 1329373 h 1329373"/>
-                <a:gd name="connsiteX3" fmla="*/ 1329373 w 2658746"/>
-                <a:gd name="connsiteY3" fmla="*/ 664687 h 1329373"/>
-                <a:gd name="connsiteX4" fmla="*/ 664687 w 2658746"/>
-                <a:gd name="connsiteY4" fmla="*/ 1329373 h 1329373"/>
-                <a:gd name="connsiteX5" fmla="*/ 0 w 2658746"/>
-                <a:gd name="connsiteY5" fmla="*/ 1329373 h 1329373"/>
-                <a:gd name="connsiteX6" fmla="*/ 1329373 w 2658746"/>
-                <a:gd name="connsiteY6" fmla="*/ 0 h 1329373"/>
-              </a:gdLst>
-              <a:ahLst/>
-              <a:cxnLst>
-                <a:cxn ang="0">
-                  <a:pos x="connsiteX0" y="connsiteY0"/>
-                </a:cxn>
-                <a:cxn ang="0">
-                  <a:pos x="connsiteX1" y="connsiteY1"/>
-                </a:cxn>
-                <a:cxn ang="0">
-                  <a:pos x="connsiteX2" y="connsiteY2"/>
-                </a:cxn>
-                <a:cxn ang="0">
-                  <a:pos x="connsiteX3" y="connsiteY3"/>
-                </a:cxn>
-                <a:cxn ang="0">
-                  <a:pos x="connsiteX4" y="connsiteY4"/>
-                </a:cxn>
-                <a:cxn ang="0">
-                  <a:pos x="connsiteX5" y="connsiteY5"/>
-                </a:cxn>
-                <a:cxn ang="0">
-                  <a:pos x="connsiteX6" y="connsiteY6"/>
-                </a:cxn>
-              </a:cxnLst>
-              <a:rect l="l" t="t" r="r" b="b"/>
-              <a:pathLst>
-                <a:path w="2658746" h="1329373">
-                  <a:moveTo>
-                    <a:pt x="1329373" y="0"/>
-                  </a:moveTo>
-                  <a:cubicBezTo>
-                    <a:pt x="2063565" y="0"/>
-                    <a:pt x="2658746" y="595181"/>
-                    <a:pt x="2658746" y="1329373"/>
-                  </a:cubicBezTo>
-                  <a:lnTo>
-                    <a:pt x="1994059" y="1329373"/>
-                  </a:lnTo>
-                  <a:cubicBezTo>
-                    <a:pt x="1994059" y="962277"/>
-                    <a:pt x="1696469" y="664687"/>
-                    <a:pt x="1329373" y="664687"/>
-                  </a:cubicBezTo>
-                  <a:cubicBezTo>
-                    <a:pt x="962277" y="664687"/>
-                    <a:pt x="664687" y="962277"/>
-                    <a:pt x="664687" y="1329373"/>
-                  </a:cubicBezTo>
-                  <a:lnTo>
-                    <a:pt x="0" y="1329373"/>
-                  </a:lnTo>
-                  <a:cubicBezTo>
-                    <a:pt x="0" y="595181"/>
-                    <a:pt x="595181" y="0"/>
-                    <a:pt x="1329373" y="0"/>
-                  </a:cubicBezTo>
-                  <a:close/>
-                </a:path>
-              </a:pathLst>
-            </a:custGeom>
-            <a:solidFill>
-              <a:schemeClr val="bg2">
-                <a:lumMod val="50000"/>
-                <a:lumOff val="50000"/>
-                <a:alpha val="20000"/>
-              </a:schemeClr>
-            </a:solidFill>
-            <a:ln>
-              <a:noFill/>
-            </a:ln>
-            <a:effectLst>
-              <a:softEdge rad="101600"/>
-            </a:effectLst>
-          </p:spPr>
-          <p:style>
-            <a:lnRef idx="2">
-              <a:schemeClr val="accent1">
-                <a:shade val="50000"/>
-              </a:schemeClr>
-            </a:lnRef>
-            <a:fillRef idx="1">
-              <a:schemeClr val="accent1"/>
-            </a:fillRef>
-            <a:effectRef idx="0">
-              <a:schemeClr val="accent1"/>
-            </a:effectRef>
-            <a:fontRef idx="minor">
-              <a:schemeClr val="lt1"/>
-            </a:fontRef>
-          </p:style>
-          <p:txBody>
-            <a:bodyPr rtlCol="0" anchor="ctr"/>
-            <a:lstStyle/>
-            <a:p>
-              <a:pPr algn="ctr"/>
-              <a:endParaRPr lang="en-US">
-                <a:solidFill>
-                  <a:schemeClr val="tx1"/>
-                </a:solidFill>
-              </a:endParaRPr>
-            </a:p>
-          </p:txBody>
-        </p:sp>
-      </p:grpSp>
-      <p:sp useBgFill="1">
-        <p:nvSpPr>
-          <p:cNvPr id="18" name="Rectangle 17">
-            <a:extLst>
-              <a:ext uri="{FF2B5EF4-FFF2-40B4-BE49-F238E27FC236}">
-                <a16:creationId xmlns:a16="http://schemas.microsoft.com/office/drawing/2014/main" id="{A5931BE0-4B93-4D6C-878E-ACC59D6B4587}"/>
-              </a:ext>
-              <a:ext uri="{C183D7F6-B498-43B3-948B-1728B52AA6E4}">
-                <adec:decorative xmlns:adec="http://schemas.microsoft.com/office/drawing/2017/decorative" val="1"/>
-              </a:ext>
-            </a:extLst>
-          </p:cNvPr>
-          <p:cNvSpPr>
-            <a:spLocks noGrp="1" noRot="1" noChangeAspect="1" noMove="1" noResize="1" noEditPoints="1" noAdjustHandles="1" noChangeArrowheads="1" noChangeShapeType="1" noTextEdit="1"/>
-          </p:cNvSpPr>
-          <p:nvPr>
-            <p:extLst>
-              <p:ext uri="{386F3935-93C4-4BCD-93E2-E3B085C9AB24}">
-                <p16:designElem xmlns:p16="http://schemas.microsoft.com/office/powerpoint/2015/main" val="1"/>
-              </p:ext>
-            </p:extLst>
-          </p:nvPr>
-        </p:nvSpPr>
-        <p:spPr>
-          <a:xfrm>
-            <a:off x="0" y="0"/>
-            <a:ext cx="12192000" cy="6858000"/>
-          </a:xfrm>
-          <a:prstGeom prst="rect">
-            <a:avLst/>
-          </a:prstGeom>
-          <a:ln w="12700" cap="flat" cmpd="sng" algn="ctr">
-            <a:noFill/>
-            <a:prstDash val="solid"/>
-            <a:miter lim="800000"/>
-          </a:ln>
-          <a:effectLst/>
-          <a:extLst>
-            <a:ext uri="{91240B29-F687-4F45-9708-019B960494DF}">
-              <a14:hiddenLine xmlns:a14="http://schemas.microsoft.com/office/drawing/2010/main" w="12700" cap="flat" cmpd="sng" algn="ctr">
-                <a:solidFill>
-                  <a:schemeClr val="accent1">
-                    <a:shade val="50000"/>
-                  </a:schemeClr>
-                </a:solidFill>
-                <a:prstDash val="solid"/>
-                <a:miter lim="800000"/>
-              </a14:hiddenLine>
-            </a:ext>
-          </a:extLst>
-        </p:spPr>
-        <p:style>
-          <a:lnRef idx="2">
-            <a:schemeClr val="accent1">
-              <a:shade val="50000"/>
-            </a:schemeClr>
-          </a:lnRef>
-          <a:fillRef idx="1">
-            <a:schemeClr val="accent1"/>
-          </a:fillRef>
-          <a:effectRef idx="0">
-            <a:schemeClr val="accent1"/>
-          </a:effectRef>
-          <a:fontRef idx="minor">
-            <a:schemeClr val="lt1"/>
-          </a:fontRef>
-        </p:style>
-        <p:txBody>
-          <a:bodyPr rtlCol="0" anchor="ctr"/>
-          <a:lstStyle/>
-          <a:p>
-            <a:pPr algn="ctr"/>
-            <a:endParaRPr lang="en-US"/>
-          </a:p>
-        </p:txBody>
-      </p:sp>
-      <p:sp>
-        <p:nvSpPr>
-          <p:cNvPr id="6" name="TextBox 5">
-            <a:extLst>
-              <a:ext uri="{FF2B5EF4-FFF2-40B4-BE49-F238E27FC236}">
-                <a16:creationId xmlns:a16="http://schemas.microsoft.com/office/drawing/2014/main" id="{A774A9CC-60E4-E800-9D90-2A2B5A8CBC80}"/>
-              </a:ext>
-            </a:extLst>
-          </p:cNvPr>
-          <p:cNvSpPr txBox="1"/>
-          <p:nvPr/>
-        </p:nvSpPr>
-        <p:spPr>
-          <a:xfrm>
-            <a:off x="550863" y="2678400"/>
-            <a:ext cx="3565525" cy="3414425"/>
-          </a:xfrm>
-          <a:prstGeom prst="rect">
-            <a:avLst/>
-          </a:prstGeom>
-        </p:spPr>
-        <p:txBody>
-          <a:bodyPr vert="horz" wrap="square" lIns="0" tIns="0" rIns="0" bIns="0" rtlCol="0" anchor="t">
-            <a:normAutofit/>
-          </a:bodyPr>
-          <a:lstStyle/>
-          <a:p>
-            <a:pPr indent="-228600">
-              <a:lnSpc>
-                <a:spcPct val="110000"/>
-              </a:lnSpc>
-              <a:spcAft>
-                <a:spcPts val="800"/>
-              </a:spcAft>
-              <a:buFont typeface="Arial" panose="020B0604020202020204" pitchFamily="34" charset="0"/>
-              <a:buChar char="•"/>
-            </a:pPr>
-            <a:r>
-              <a:rPr lang="en-US" sz="1600">
-                <a:solidFill>
-                  <a:schemeClr val="tx1">
-                    <a:alpha val="60000"/>
-                  </a:schemeClr>
-                </a:solidFill>
-              </a:rPr>
-              <a:t>Sources :</a:t>
-            </a:r>
-          </a:p>
-          <a:p>
-            <a:pPr indent="-228600">
-              <a:lnSpc>
-                <a:spcPct val="110000"/>
-              </a:lnSpc>
-              <a:spcAft>
-                <a:spcPts val="800"/>
-              </a:spcAft>
-              <a:buFont typeface="Arial" panose="020B0604020202020204" pitchFamily="34" charset="0"/>
-              <a:buChar char="•"/>
-            </a:pPr>
-            <a:endParaRPr lang="en-US" sz="1600">
-              <a:solidFill>
-                <a:schemeClr val="tx1">
-                  <a:alpha val="60000"/>
-                </a:schemeClr>
-              </a:solidFill>
-            </a:endParaRPr>
-          </a:p>
-          <a:p>
-            <a:pPr indent="-228600">
-              <a:lnSpc>
-                <a:spcPct val="110000"/>
-              </a:lnSpc>
-              <a:spcAft>
-                <a:spcPts val="800"/>
-              </a:spcAft>
-              <a:buFont typeface="Arial" panose="020B0604020202020204" pitchFamily="34" charset="0"/>
-              <a:buChar char="•"/>
-            </a:pPr>
-            <a:r>
-              <a:rPr lang="en-US" sz="1600">
-                <a:solidFill>
-                  <a:schemeClr val="tx1">
-                    <a:alpha val="60000"/>
-                  </a:schemeClr>
-                </a:solidFill>
-                <a:hlinkClick r:id="rId2"/>
-              </a:rPr>
-              <a:t>https://towardsdatascience.com/sentimental-analysis-using-vader-a3415fef7664</a:t>
-            </a:r>
-            <a:endParaRPr lang="en-US" sz="1600">
-              <a:solidFill>
-                <a:schemeClr val="tx1">
-                  <a:alpha val="60000"/>
-                </a:schemeClr>
-              </a:solidFill>
-            </a:endParaRPr>
-          </a:p>
-          <a:p>
-            <a:pPr indent="-228600">
-              <a:lnSpc>
-                <a:spcPct val="110000"/>
-              </a:lnSpc>
-              <a:spcAft>
-                <a:spcPts val="800"/>
-              </a:spcAft>
-              <a:buFont typeface="Arial" panose="020B0604020202020204" pitchFamily="34" charset="0"/>
-              <a:buChar char="•"/>
-            </a:pPr>
-            <a:endParaRPr lang="en-US" sz="1600">
-              <a:solidFill>
-                <a:schemeClr val="tx1">
-                  <a:alpha val="60000"/>
-                </a:schemeClr>
-              </a:solidFill>
-            </a:endParaRPr>
-          </a:p>
-          <a:p>
-            <a:pPr indent="-228600">
-              <a:lnSpc>
-                <a:spcPct val="110000"/>
-              </a:lnSpc>
-              <a:spcAft>
-                <a:spcPts val="800"/>
-              </a:spcAft>
-              <a:buFont typeface="Arial" panose="020B0604020202020204" pitchFamily="34" charset="0"/>
-              <a:buChar char="•"/>
-            </a:pPr>
-            <a:r>
-              <a:rPr lang="en-US" sz="1600">
-                <a:solidFill>
-                  <a:schemeClr val="tx1">
-                    <a:alpha val="60000"/>
-                  </a:schemeClr>
-                </a:solidFill>
-                <a:hlinkClick r:id="rId3"/>
-              </a:rPr>
-              <a:t>https://github.com/cjhutto/vaderSentiment#about-the-scoring</a:t>
-            </a:r>
-            <a:endParaRPr lang="en-US" sz="1600">
-              <a:solidFill>
-                <a:schemeClr val="tx1">
-                  <a:alpha val="60000"/>
-                </a:schemeClr>
-              </a:solidFill>
-            </a:endParaRPr>
-          </a:p>
-          <a:p>
-            <a:pPr indent="-228600">
-              <a:lnSpc>
-                <a:spcPct val="110000"/>
-              </a:lnSpc>
-              <a:spcAft>
-                <a:spcPts val="800"/>
-              </a:spcAft>
-              <a:buFont typeface="Arial" panose="020B0604020202020204" pitchFamily="34" charset="0"/>
-              <a:buChar char="•"/>
-            </a:pPr>
-            <a:endParaRPr lang="en-US" sz="1600">
-              <a:solidFill>
-                <a:schemeClr val="tx1">
-                  <a:alpha val="60000"/>
-                </a:schemeClr>
-              </a:solidFill>
-            </a:endParaRPr>
-          </a:p>
-          <a:p>
-            <a:pPr indent="-228600">
-              <a:lnSpc>
-                <a:spcPct val="110000"/>
-              </a:lnSpc>
-              <a:spcAft>
-                <a:spcPts val="800"/>
-              </a:spcAft>
-              <a:buFont typeface="Arial" panose="020B0604020202020204" pitchFamily="34" charset="0"/>
-              <a:buChar char="•"/>
-            </a:pPr>
-            <a:r>
-              <a:rPr lang="en-US" sz="1600">
-                <a:solidFill>
-                  <a:schemeClr val="tx1">
-                    <a:alpha val="60000"/>
-                  </a:schemeClr>
-                </a:solidFill>
-                <a:hlinkClick r:id="rId4"/>
-              </a:rPr>
-              <a:t>https://youtu.be/uPKnSq6TaAk</a:t>
-            </a:r>
-            <a:endParaRPr lang="en-US" sz="1600">
-              <a:solidFill>
-                <a:schemeClr val="tx1">
-                  <a:alpha val="60000"/>
-                </a:schemeClr>
-              </a:solidFill>
-            </a:endParaRPr>
-          </a:p>
-          <a:p>
-            <a:pPr indent="-228600">
-              <a:lnSpc>
-                <a:spcPct val="110000"/>
-              </a:lnSpc>
-              <a:spcAft>
-                <a:spcPts val="800"/>
-              </a:spcAft>
-              <a:buFont typeface="Arial" panose="020B0604020202020204" pitchFamily="34" charset="0"/>
-              <a:buChar char="•"/>
-            </a:pPr>
-            <a:endParaRPr lang="en-US" sz="1600">
-              <a:solidFill>
-                <a:schemeClr val="tx1">
-                  <a:alpha val="60000"/>
-                </a:schemeClr>
-              </a:solidFill>
-            </a:endParaRPr>
-          </a:p>
-        </p:txBody>
-      </p:sp>
-      <p:pic>
-        <p:nvPicPr>
-          <p:cNvPr id="8" name="Picture 7" descr="Red drawing pins on a map">
-            <a:extLst>
-              <a:ext uri="{FF2B5EF4-FFF2-40B4-BE49-F238E27FC236}">
-                <a16:creationId xmlns:a16="http://schemas.microsoft.com/office/drawing/2014/main" id="{CB409C5B-A66B-BBD0-1883-F924504B9CCB}"/>
-              </a:ext>
-            </a:extLst>
-          </p:cNvPr>
-          <p:cNvPicPr>
-            <a:picLocks noChangeAspect="1"/>
-          </p:cNvPicPr>
-          <p:nvPr/>
-        </p:nvPicPr>
-        <p:blipFill rotWithShape="1">
-          <a:blip r:embed="rId5"/>
-          <a:srcRect l="4303" r="12133"/>
-          <a:stretch/>
-        </p:blipFill>
-        <p:spPr>
-          <a:xfrm>
-            <a:off x="4550899" y="10"/>
-            <a:ext cx="7641102" cy="6857990"/>
-          </a:xfrm>
-          <a:custGeom>
-            <a:avLst/>
-            <a:gdLst/>
-            <a:ahLst/>
-            <a:cxnLst/>
-            <a:rect l="l" t="t" r="r" b="b"/>
-            <a:pathLst>
-              <a:path w="7641102" h="6858000">
-                <a:moveTo>
-                  <a:pt x="0" y="0"/>
-                </a:moveTo>
-                <a:lnTo>
-                  <a:pt x="7641102" y="0"/>
-                </a:lnTo>
-                <a:lnTo>
-                  <a:pt x="7641102" y="6858000"/>
-                </a:lnTo>
-                <a:lnTo>
-                  <a:pt x="0" y="6858000"/>
-                </a:lnTo>
-                <a:close/>
-              </a:path>
-            </a:pathLst>
-          </a:custGeom>
-        </p:spPr>
-      </p:pic>
-      <p:sp>
-        <p:nvSpPr>
-          <p:cNvPr id="20" name="Rectangle 19">
-            <a:extLst>
-              <a:ext uri="{FF2B5EF4-FFF2-40B4-BE49-F238E27FC236}">
-                <a16:creationId xmlns:a16="http://schemas.microsoft.com/office/drawing/2014/main" id="{6FF3A87B-2255-45E0-A551-C11FAF93290C}"/>
-              </a:ext>
-              <a:ext uri="{C183D7F6-B498-43B3-948B-1728B52AA6E4}">
-                <adec:decorative xmlns:adec="http://schemas.microsoft.com/office/drawing/2017/decorative" val="1"/>
-              </a:ext>
-            </a:extLst>
-          </p:cNvPr>
-          <p:cNvSpPr>
-            <a:spLocks noGrp="1" noRot="1" noChangeAspect="1" noMove="1" noResize="1" noEditPoints="1" noAdjustHandles="1" noChangeArrowheads="1" noChangeShapeType="1" noTextEdit="1"/>
-          </p:cNvSpPr>
-          <p:nvPr>
-            <p:extLst>
-              <p:ext uri="{386F3935-93C4-4BCD-93E2-E3B085C9AB24}">
-                <p16:designElem xmlns:p16="http://schemas.microsoft.com/office/powerpoint/2015/main" val="1"/>
-              </p:ext>
-            </p:extLst>
-          </p:nvPr>
-        </p:nvSpPr>
-        <p:spPr>
-          <a:xfrm>
-            <a:off x="4550898" y="5773729"/>
-            <a:ext cx="7641102" cy="1084271"/>
-          </a:xfrm>
-          <a:prstGeom prst="rect">
-            <a:avLst/>
-          </a:prstGeom>
-          <a:gradFill flip="none" rotWithShape="1">
-            <a:gsLst>
-              <a:gs pos="100000">
-                <a:schemeClr val="bg2">
-                  <a:alpha val="60000"/>
-                </a:schemeClr>
-              </a:gs>
-              <a:gs pos="40000">
-                <a:schemeClr val="bg2">
-                  <a:alpha val="0"/>
-                </a:schemeClr>
-              </a:gs>
-            </a:gsLst>
-            <a:lin ang="5400000" scaled="0"/>
-            <a:tileRect/>
-          </a:gradFill>
-          <a:ln>
-            <a:noFill/>
-          </a:ln>
-        </p:spPr>
-        <p:style>
-          <a:lnRef idx="2">
-            <a:schemeClr val="accent1">
-              <a:shade val="50000"/>
-            </a:schemeClr>
-          </a:lnRef>
-          <a:fillRef idx="1">
-            <a:schemeClr val="accent1"/>
-          </a:fillRef>
-          <a:effectRef idx="0">
-            <a:schemeClr val="accent1"/>
-          </a:effectRef>
-          <a:fontRef idx="minor">
-            <a:schemeClr val="lt1"/>
-          </a:fontRef>
-        </p:style>
-        <p:txBody>
-          <a:bodyPr rtlCol="0" anchor="ctr"/>
-          <a:lstStyle/>
-          <a:p>
-            <a:pPr algn="ctr"/>
-            <a:endParaRPr lang="en-US"/>
-          </a:p>
-        </p:txBody>
-      </p:sp>
-    </p:spTree>
-    <p:extLst>
-      <p:ext uri="{BB962C8B-B14F-4D97-AF65-F5344CB8AC3E}">
-        <p14:creationId xmlns:p14="http://schemas.microsoft.com/office/powerpoint/2010/main" val="183039989"/>
       </p:ext>
     </p:extLst>
   </p:cSld>

--- a/Documentation/Team 07_Final Project.pptx
+++ b/Documentation/Team 07_Final Project.pptx
@@ -5,10 +5,10 @@
     <p:sldMasterId id="2147483684" r:id="rId4"/>
   </p:sldMasterIdLst>
   <p:notesMasterIdLst>
-    <p:notesMasterId r:id="rId16"/>
+    <p:notesMasterId r:id="rId17"/>
   </p:notesMasterIdLst>
   <p:handoutMasterIdLst>
-    <p:handoutMasterId r:id="rId17"/>
+    <p:handoutMasterId r:id="rId18"/>
   </p:handoutMasterIdLst>
   <p:sldIdLst>
     <p:sldId id="257" r:id="rId5"/>
@@ -19,9 +19,10 @@
     <p:sldId id="282" r:id="rId10"/>
     <p:sldId id="276" r:id="rId11"/>
     <p:sldId id="277" r:id="rId12"/>
-    <p:sldId id="278" r:id="rId13"/>
-    <p:sldId id="279" r:id="rId14"/>
-    <p:sldId id="280" r:id="rId15"/>
+    <p:sldId id="283" r:id="rId13"/>
+    <p:sldId id="278" r:id="rId14"/>
+    <p:sldId id="279" r:id="rId15"/>
+    <p:sldId id="280" r:id="rId16"/>
   </p:sldIdLst>
   <p:sldSz cx="12192000" cy="6858000"/>
   <p:notesSz cx="6858000" cy="9144000"/>
@@ -1214,9 +1215,9 @@
   <dgm:cxnLst>
     <dgm:cxn modelId="{F6E7F130-B8F5-CD48-A46F-49C8987FFDE3}" type="presOf" srcId="{A0DC51BC-BD86-4255-AF1D-4FD3EC9D5A2D}" destId="{95506530-D1CC-7E45-8703-3717CDF612C6}" srcOrd="0" destOrd="0" presId="urn:microsoft.com/office/officeart/2005/8/layout/vList5"/>
     <dgm:cxn modelId="{54B6823A-95A9-4A61-B597-6F31F14CD8E6}" srcId="{FCEA5862-FEA0-47A6-8C88-8D1434CD70D4}" destId="{D0A66BB0-0BE8-45A3-ADBE-1D36552B9412}" srcOrd="1" destOrd="0" parTransId="{201E6CBF-6603-4E39-8C39-9A113D8DC4E9}" sibTransId="{2CFABD01-E63D-4E43-875E-1032D2FC95FD}"/>
+    <dgm:cxn modelId="{B2A7C364-3EC4-44AD-B169-F75D5F89EA6F}" srcId="{86AD1E1A-6FE2-493F-9DCC-258B6C8D2B28}" destId="{9A31EA14-8540-43E5-B968-2C0FDD2AD26B}" srcOrd="0" destOrd="0" parTransId="{B95CCD60-653D-419D-AD6D-9F93FEBE31D7}" sibTransId="{92F67A7B-9547-4155-8931-F40EB48BB247}"/>
     <dgm:cxn modelId="{D12C2753-D168-474B-A6B2-A1856A0DCDE8}" srcId="{86AD1E1A-6FE2-493F-9DCC-258B6C8D2B28}" destId="{FCEA5862-FEA0-47A6-8C88-8D1434CD70D4}" srcOrd="1" destOrd="0" parTransId="{C7CC9608-F270-41C3-BC49-A02DC3F20670}" sibTransId="{94E232A6-7CBE-47DA-8AA8-7A7ECA2BC7DB}"/>
     <dgm:cxn modelId="{E7F28F56-F5EC-4D46-AD13-66273C366464}" type="presOf" srcId="{D0A66BB0-0BE8-45A3-ADBE-1D36552B9412}" destId="{95506530-D1CC-7E45-8703-3717CDF612C6}" srcOrd="0" destOrd="1" presId="urn:microsoft.com/office/officeart/2005/8/layout/vList5"/>
-    <dgm:cxn modelId="{B2A7C364-3EC4-44AD-B169-F75D5F89EA6F}" srcId="{86AD1E1A-6FE2-493F-9DCC-258B6C8D2B28}" destId="{9A31EA14-8540-43E5-B968-2C0FDD2AD26B}" srcOrd="0" destOrd="0" parTransId="{B95CCD60-653D-419D-AD6D-9F93FEBE31D7}" sibTransId="{92F67A7B-9547-4155-8931-F40EB48BB247}"/>
     <dgm:cxn modelId="{2BBE8C93-D653-4F67-96A7-43072DFFE223}" srcId="{9A31EA14-8540-43E5-B968-2C0FDD2AD26B}" destId="{3686CE4D-1749-49F6-81B3-3C70114F75C2}" srcOrd="0" destOrd="0" parTransId="{AAE2D570-4B88-4AFC-9E98-8A42D00B630D}" sibTransId="{8B817833-8236-45D4-98C5-28EDFB0DE491}"/>
     <dgm:cxn modelId="{87175AB6-D103-4EFA-86FD-ED36AEC80254}" srcId="{FCEA5862-FEA0-47A6-8C88-8D1434CD70D4}" destId="{3071B885-1967-465F-8E42-4B739B74A2CA}" srcOrd="2" destOrd="0" parTransId="{87E6E9AD-9376-477B-BAF1-7E5B3699DBEA}" sibTransId="{4F8BD899-4B26-4D87-BA56-E05A8CBC1216}"/>
     <dgm:cxn modelId="{7E4673DF-C7FE-0047-A263-9226214A3E93}" type="presOf" srcId="{3071B885-1967-465F-8E42-4B739B74A2CA}" destId="{95506530-D1CC-7E45-8703-3717CDF612C6}" srcOrd="0" destOrd="2" presId="urn:microsoft.com/office/officeart/2005/8/layout/vList5"/>
@@ -2968,7 +2969,7 @@
           <a:p>
             <a:fld id="{C17F2C1D-F243-42AB-ADF2-E7CB4E04900E}" type="datetimeFigureOut">
               <a:rPr lang="en-US" smtClean="0"/>
-              <a:t>12/6/23</a:t>
+              <a:t>12/6/2023</a:t>
             </a:fld>
             <a:endParaRPr lang="en-US"/>
           </a:p>
@@ -3145,7 +3146,7 @@
           <a:p>
             <a:fld id="{020CE34E-5667-4A32-A6BA-10C7A552BC63}" type="datetimeFigureOut">
               <a:rPr lang="en-US" smtClean="0"/>
-              <a:t>12/6/23</a:t>
+              <a:t>12/6/2023</a:t>
             </a:fld>
             <a:endParaRPr lang="en-US"/>
           </a:p>
@@ -15678,6 +15679,1569 @@
       </p:grpSpPr>
       <p:grpSp>
         <p:nvGrpSpPr>
+          <p:cNvPr id="13" name="Group 12">
+            <a:extLst>
+              <a:ext uri="{FF2B5EF4-FFF2-40B4-BE49-F238E27FC236}">
+                <a16:creationId xmlns:a16="http://schemas.microsoft.com/office/drawing/2014/main" id="{3BDBC526-6DCD-4FF6-8395-D8C22E46E527}"/>
+              </a:ext>
+              <a:ext uri="{C183D7F6-B498-43B3-948B-1728B52AA6E4}">
+                <adec:decorative xmlns:adec="http://schemas.microsoft.com/office/drawing/2017/decorative" val="1"/>
+              </a:ext>
+            </a:extLst>
+          </p:cNvPr>
+          <p:cNvGrpSpPr>
+            <a:grpSpLocks noGrp="1" noUngrp="1" noRot="1" noChangeAspect="1" noMove="1" noResize="1"/>
+          </p:cNvGrpSpPr>
+          <p:nvPr>
+            <p:extLst>
+              <p:ext uri="{386F3935-93C4-4BCD-93E2-E3B085C9AB24}">
+                <p16:designElem xmlns:p16="http://schemas.microsoft.com/office/powerpoint/2015/main" val="1"/>
+              </p:ext>
+            </p:extLst>
+          </p:nvPr>
+        </p:nvGrpSpPr>
+        <p:grpSpPr>
+          <a:xfrm>
+            <a:off x="613998" y="5334748"/>
+            <a:ext cx="678135" cy="990000"/>
+            <a:chOff x="10490969" y="1448827"/>
+            <a:chExt cx="678135" cy="990000"/>
+          </a:xfrm>
+        </p:grpSpPr>
+        <p:sp>
+          <p:nvSpPr>
+            <p:cNvPr id="14" name="Freeform: Shape 13">
+              <a:extLst>
+                <a:ext uri="{FF2B5EF4-FFF2-40B4-BE49-F238E27FC236}">
+                  <a16:creationId xmlns:a16="http://schemas.microsoft.com/office/drawing/2014/main" id="{02ECB475-568C-47AC-B16D-2E202DEB2DE0}"/>
+                </a:ext>
+                <a:ext uri="{C183D7F6-B498-43B3-948B-1728B52AA6E4}">
+                  <adec:decorative xmlns:adec="http://schemas.microsoft.com/office/drawing/2017/decorative" val="1"/>
+                </a:ext>
+              </a:extLst>
+            </p:cNvPr>
+            <p:cNvSpPr>
+              <a:spLocks noChangeAspect="1"/>
+            </p:cNvSpPr>
+            <p:nvPr>
+              <p:extLst>
+                <p:ext uri="{386F3935-93C4-4BCD-93E2-E3B085C9AB24}">
+                  <p16:designElem xmlns:p16="http://schemas.microsoft.com/office/powerpoint/2015/main" val="1"/>
+                </p:ext>
+              </p:extLst>
+            </p:nvPr>
+          </p:nvSpPr>
+          <p:spPr>
+            <a:xfrm rot="2700000" flipH="1" flipV="1">
+              <a:off x="10268976" y="1743588"/>
+              <a:ext cx="926985" cy="463493"/>
+            </a:xfrm>
+            <a:custGeom>
+              <a:avLst/>
+              <a:gdLst>
+                <a:gd name="connsiteX0" fmla="*/ 1329373 w 2658746"/>
+                <a:gd name="connsiteY0" fmla="*/ 0 h 1329373"/>
+                <a:gd name="connsiteX1" fmla="*/ 2658746 w 2658746"/>
+                <a:gd name="connsiteY1" fmla="*/ 1329373 h 1329373"/>
+                <a:gd name="connsiteX2" fmla="*/ 1994059 w 2658746"/>
+                <a:gd name="connsiteY2" fmla="*/ 1329373 h 1329373"/>
+                <a:gd name="connsiteX3" fmla="*/ 1329373 w 2658746"/>
+                <a:gd name="connsiteY3" fmla="*/ 664687 h 1329373"/>
+                <a:gd name="connsiteX4" fmla="*/ 664687 w 2658746"/>
+                <a:gd name="connsiteY4" fmla="*/ 1329373 h 1329373"/>
+                <a:gd name="connsiteX5" fmla="*/ 0 w 2658746"/>
+                <a:gd name="connsiteY5" fmla="*/ 1329373 h 1329373"/>
+                <a:gd name="connsiteX6" fmla="*/ 1329373 w 2658746"/>
+                <a:gd name="connsiteY6" fmla="*/ 0 h 1329373"/>
+              </a:gdLst>
+              <a:ahLst/>
+              <a:cxnLst>
+                <a:cxn ang="0">
+                  <a:pos x="connsiteX0" y="connsiteY0"/>
+                </a:cxn>
+                <a:cxn ang="0">
+                  <a:pos x="connsiteX1" y="connsiteY1"/>
+                </a:cxn>
+                <a:cxn ang="0">
+                  <a:pos x="connsiteX2" y="connsiteY2"/>
+                </a:cxn>
+                <a:cxn ang="0">
+                  <a:pos x="connsiteX3" y="connsiteY3"/>
+                </a:cxn>
+                <a:cxn ang="0">
+                  <a:pos x="connsiteX4" y="connsiteY4"/>
+                </a:cxn>
+                <a:cxn ang="0">
+                  <a:pos x="connsiteX5" y="connsiteY5"/>
+                </a:cxn>
+                <a:cxn ang="0">
+                  <a:pos x="connsiteX6" y="connsiteY6"/>
+                </a:cxn>
+              </a:cxnLst>
+              <a:rect l="l" t="t" r="r" b="b"/>
+              <a:pathLst>
+                <a:path w="2658746" h="1329373">
+                  <a:moveTo>
+                    <a:pt x="1329373" y="0"/>
+                  </a:moveTo>
+                  <a:cubicBezTo>
+                    <a:pt x="2063565" y="0"/>
+                    <a:pt x="2658746" y="595181"/>
+                    <a:pt x="2658746" y="1329373"/>
+                  </a:cubicBezTo>
+                  <a:lnTo>
+                    <a:pt x="1994059" y="1329373"/>
+                  </a:lnTo>
+                  <a:cubicBezTo>
+                    <a:pt x="1994059" y="962277"/>
+                    <a:pt x="1696469" y="664687"/>
+                    <a:pt x="1329373" y="664687"/>
+                  </a:cubicBezTo>
+                  <a:cubicBezTo>
+                    <a:pt x="962277" y="664687"/>
+                    <a:pt x="664687" y="962277"/>
+                    <a:pt x="664687" y="1329373"/>
+                  </a:cubicBezTo>
+                  <a:lnTo>
+                    <a:pt x="0" y="1329373"/>
+                  </a:lnTo>
+                  <a:cubicBezTo>
+                    <a:pt x="0" y="595181"/>
+                    <a:pt x="595181" y="0"/>
+                    <a:pt x="1329373" y="0"/>
+                  </a:cubicBezTo>
+                  <a:close/>
+                </a:path>
+              </a:pathLst>
+            </a:custGeom>
+            <a:solidFill>
+              <a:schemeClr val="bg2"/>
+            </a:solidFill>
+            <a:ln>
+              <a:noFill/>
+            </a:ln>
+            <a:effectLst>
+              <a:innerShdw blurRad="127000" dist="50800" dir="13500000">
+                <a:schemeClr val="accent1">
+                  <a:lumMod val="40000"/>
+                  <a:lumOff val="60000"/>
+                  <a:alpha val="20000"/>
+                </a:schemeClr>
+              </a:innerShdw>
+            </a:effectLst>
+          </p:spPr>
+          <p:style>
+            <a:lnRef idx="2">
+              <a:schemeClr val="accent1">
+                <a:shade val="50000"/>
+              </a:schemeClr>
+            </a:lnRef>
+            <a:fillRef idx="1">
+              <a:schemeClr val="accent1"/>
+            </a:fillRef>
+            <a:effectRef idx="0">
+              <a:schemeClr val="accent1"/>
+            </a:effectRef>
+            <a:fontRef idx="minor">
+              <a:schemeClr val="lt1"/>
+            </a:fontRef>
+          </p:style>
+          <p:txBody>
+            <a:bodyPr rtlCol="0" anchor="ctr"/>
+            <a:lstStyle/>
+            <a:p>
+              <a:pPr algn="ctr"/>
+              <a:endParaRPr lang="en-US" dirty="0">
+                <a:solidFill>
+                  <a:schemeClr val="tx1"/>
+                </a:solidFill>
+              </a:endParaRPr>
+            </a:p>
+          </p:txBody>
+        </p:sp>
+        <p:sp>
+          <p:nvSpPr>
+            <p:cNvPr id="15" name="Oval 14">
+              <a:extLst>
+                <a:ext uri="{FF2B5EF4-FFF2-40B4-BE49-F238E27FC236}">
+                  <a16:creationId xmlns:a16="http://schemas.microsoft.com/office/drawing/2014/main" id="{080D8764-525A-441E-B58F-068E82F09714}"/>
+                </a:ext>
+                <a:ext uri="{C183D7F6-B498-43B3-948B-1728B52AA6E4}">
+                  <adec:decorative xmlns:adec="http://schemas.microsoft.com/office/drawing/2017/decorative" val="1"/>
+                </a:ext>
+              </a:extLst>
+            </p:cNvPr>
+            <p:cNvSpPr/>
+            <p:nvPr>
+              <p:extLst>
+                <p:ext uri="{386F3935-93C4-4BCD-93E2-E3B085C9AB24}">
+                  <p16:designElem xmlns:p16="http://schemas.microsoft.com/office/powerpoint/2015/main" val="1"/>
+                </p:ext>
+              </p:extLst>
+            </p:nvPr>
+          </p:nvSpPr>
+          <p:spPr>
+            <a:xfrm rot="8100000" flipH="1" flipV="1">
+              <a:off x="11115555" y="1939340"/>
+              <a:ext cx="53549" cy="233295"/>
+            </a:xfrm>
+            <a:prstGeom prst="ellipse">
+              <a:avLst/>
+            </a:prstGeom>
+            <a:solidFill>
+              <a:schemeClr val="bg2">
+                <a:lumMod val="90000"/>
+                <a:lumOff val="10000"/>
+              </a:schemeClr>
+            </a:solidFill>
+            <a:ln>
+              <a:noFill/>
+            </a:ln>
+            <a:effectLst>
+              <a:innerShdw blurRad="63500" dist="2540000">
+                <a:schemeClr val="accent1">
+                  <a:lumMod val="60000"/>
+                  <a:lumOff val="40000"/>
+                  <a:alpha val="0"/>
+                </a:schemeClr>
+              </a:innerShdw>
+            </a:effectLst>
+          </p:spPr>
+          <p:style>
+            <a:lnRef idx="2">
+              <a:schemeClr val="accent1">
+                <a:shade val="50000"/>
+              </a:schemeClr>
+            </a:lnRef>
+            <a:fillRef idx="1">
+              <a:schemeClr val="accent1"/>
+            </a:fillRef>
+            <a:effectRef idx="0">
+              <a:schemeClr val="accent1"/>
+            </a:effectRef>
+            <a:fontRef idx="minor">
+              <a:schemeClr val="lt1"/>
+            </a:fontRef>
+          </p:style>
+          <p:txBody>
+            <a:bodyPr rot="0" spcFirstLastPara="0" vertOverflow="overflow" horzOverflow="overflow" vert="horz" wrap="square" lIns="91440" tIns="45720" rIns="91440" bIns="45720" numCol="1" spcCol="0" rtlCol="0" fromWordArt="0" anchor="ctr" anchorCtr="0" forceAA="0" compatLnSpc="1">
+              <a:prstTxWarp prst="textNoShape">
+                <a:avLst/>
+              </a:prstTxWarp>
+              <a:noAutofit/>
+            </a:bodyPr>
+            <a:lstStyle/>
+            <a:p>
+              <a:pPr algn="ctr"/>
+              <a:endParaRPr lang="en-US"/>
+            </a:p>
+          </p:txBody>
+        </p:sp>
+        <p:sp>
+          <p:nvSpPr>
+            <p:cNvPr id="16" name="Oval 15">
+              <a:extLst>
+                <a:ext uri="{FF2B5EF4-FFF2-40B4-BE49-F238E27FC236}">
+                  <a16:creationId xmlns:a16="http://schemas.microsoft.com/office/drawing/2014/main" id="{11196109-6F2B-4738-B2FC-2CCC753AABD4}"/>
+                </a:ext>
+                <a:ext uri="{C183D7F6-B498-43B3-948B-1728B52AA6E4}">
+                  <adec:decorative xmlns:adec="http://schemas.microsoft.com/office/drawing/2017/decorative" val="1"/>
+                </a:ext>
+              </a:extLst>
+            </p:cNvPr>
+            <p:cNvSpPr/>
+            <p:nvPr>
+              <p:extLst>
+                <p:ext uri="{386F3935-93C4-4BCD-93E2-E3B085C9AB24}">
+                  <p16:designElem xmlns:p16="http://schemas.microsoft.com/office/powerpoint/2015/main" val="1"/>
+                </p:ext>
+              </p:extLst>
+            </p:nvPr>
+          </p:nvSpPr>
+          <p:spPr>
+            <a:xfrm rot="8100000" flipH="1" flipV="1">
+              <a:off x="10625042" y="1448827"/>
+              <a:ext cx="53549" cy="233295"/>
+            </a:xfrm>
+            <a:prstGeom prst="ellipse">
+              <a:avLst/>
+            </a:prstGeom>
+            <a:solidFill>
+              <a:schemeClr val="bg2">
+                <a:lumMod val="90000"/>
+                <a:lumOff val="10000"/>
+              </a:schemeClr>
+            </a:solidFill>
+            <a:ln>
+              <a:noFill/>
+            </a:ln>
+            <a:effectLst>
+              <a:innerShdw blurRad="63500" dist="2540000">
+                <a:schemeClr val="accent1">
+                  <a:lumMod val="60000"/>
+                  <a:lumOff val="40000"/>
+                  <a:alpha val="0"/>
+                </a:schemeClr>
+              </a:innerShdw>
+            </a:effectLst>
+          </p:spPr>
+          <p:style>
+            <a:lnRef idx="2">
+              <a:schemeClr val="accent1">
+                <a:shade val="50000"/>
+              </a:schemeClr>
+            </a:lnRef>
+            <a:fillRef idx="1">
+              <a:schemeClr val="accent1"/>
+            </a:fillRef>
+            <a:effectRef idx="0">
+              <a:schemeClr val="accent1"/>
+            </a:effectRef>
+            <a:fontRef idx="minor">
+              <a:schemeClr val="lt1"/>
+            </a:fontRef>
+          </p:style>
+          <p:txBody>
+            <a:bodyPr rot="0" spcFirstLastPara="0" vertOverflow="overflow" horzOverflow="overflow" vert="horz" wrap="square" lIns="91440" tIns="45720" rIns="91440" bIns="45720" numCol="1" spcCol="0" rtlCol="0" fromWordArt="0" anchor="ctr" anchorCtr="0" forceAA="0" compatLnSpc="1">
+              <a:prstTxWarp prst="textNoShape">
+                <a:avLst/>
+              </a:prstTxWarp>
+              <a:noAutofit/>
+            </a:bodyPr>
+            <a:lstStyle/>
+            <a:p>
+              <a:pPr algn="ctr"/>
+              <a:endParaRPr lang="en-US"/>
+            </a:p>
+          </p:txBody>
+        </p:sp>
+        <p:sp>
+          <p:nvSpPr>
+            <p:cNvPr id="17" name="Freeform: Shape 16">
+              <a:extLst>
+                <a:ext uri="{FF2B5EF4-FFF2-40B4-BE49-F238E27FC236}">
+                  <a16:creationId xmlns:a16="http://schemas.microsoft.com/office/drawing/2014/main" id="{F7E468C2-69B8-470B-85E3-801A3CB1D7E2}"/>
+                </a:ext>
+                <a:ext uri="{C183D7F6-B498-43B3-948B-1728B52AA6E4}">
+                  <adec:decorative xmlns:adec="http://schemas.microsoft.com/office/drawing/2017/decorative" val="1"/>
+                </a:ext>
+              </a:extLst>
+            </p:cNvPr>
+            <p:cNvSpPr>
+              <a:spLocks noChangeAspect="1"/>
+            </p:cNvSpPr>
+            <p:nvPr>
+              <p:extLst>
+                <p:ext uri="{386F3935-93C4-4BCD-93E2-E3B085C9AB24}">
+                  <p16:designElem xmlns:p16="http://schemas.microsoft.com/office/powerpoint/2015/main" val="1"/>
+                </p:ext>
+              </p:extLst>
+            </p:nvPr>
+          </p:nvSpPr>
+          <p:spPr>
+            <a:xfrm rot="2700000" flipH="1" flipV="1">
+              <a:off x="10292519" y="1686748"/>
+              <a:ext cx="926985" cy="530086"/>
+            </a:xfrm>
+            <a:custGeom>
+              <a:avLst/>
+              <a:gdLst>
+                <a:gd name="connsiteX0" fmla="*/ 1329373 w 2658746"/>
+                <a:gd name="connsiteY0" fmla="*/ 0 h 1329373"/>
+                <a:gd name="connsiteX1" fmla="*/ 2658746 w 2658746"/>
+                <a:gd name="connsiteY1" fmla="*/ 1329373 h 1329373"/>
+                <a:gd name="connsiteX2" fmla="*/ 1994059 w 2658746"/>
+                <a:gd name="connsiteY2" fmla="*/ 1329373 h 1329373"/>
+                <a:gd name="connsiteX3" fmla="*/ 1329373 w 2658746"/>
+                <a:gd name="connsiteY3" fmla="*/ 664687 h 1329373"/>
+                <a:gd name="connsiteX4" fmla="*/ 664687 w 2658746"/>
+                <a:gd name="connsiteY4" fmla="*/ 1329373 h 1329373"/>
+                <a:gd name="connsiteX5" fmla="*/ 0 w 2658746"/>
+                <a:gd name="connsiteY5" fmla="*/ 1329373 h 1329373"/>
+                <a:gd name="connsiteX6" fmla="*/ 1329373 w 2658746"/>
+                <a:gd name="connsiteY6" fmla="*/ 0 h 1329373"/>
+              </a:gdLst>
+              <a:ahLst/>
+              <a:cxnLst>
+                <a:cxn ang="0">
+                  <a:pos x="connsiteX0" y="connsiteY0"/>
+                </a:cxn>
+                <a:cxn ang="0">
+                  <a:pos x="connsiteX1" y="connsiteY1"/>
+                </a:cxn>
+                <a:cxn ang="0">
+                  <a:pos x="connsiteX2" y="connsiteY2"/>
+                </a:cxn>
+                <a:cxn ang="0">
+                  <a:pos x="connsiteX3" y="connsiteY3"/>
+                </a:cxn>
+                <a:cxn ang="0">
+                  <a:pos x="connsiteX4" y="connsiteY4"/>
+                </a:cxn>
+                <a:cxn ang="0">
+                  <a:pos x="connsiteX5" y="connsiteY5"/>
+                </a:cxn>
+                <a:cxn ang="0">
+                  <a:pos x="connsiteX6" y="connsiteY6"/>
+                </a:cxn>
+              </a:cxnLst>
+              <a:rect l="l" t="t" r="r" b="b"/>
+              <a:pathLst>
+                <a:path w="2658746" h="1329373">
+                  <a:moveTo>
+                    <a:pt x="1329373" y="0"/>
+                  </a:moveTo>
+                  <a:cubicBezTo>
+                    <a:pt x="2063565" y="0"/>
+                    <a:pt x="2658746" y="595181"/>
+                    <a:pt x="2658746" y="1329373"/>
+                  </a:cubicBezTo>
+                  <a:lnTo>
+                    <a:pt x="1994059" y="1329373"/>
+                  </a:lnTo>
+                  <a:cubicBezTo>
+                    <a:pt x="1994059" y="962277"/>
+                    <a:pt x="1696469" y="664687"/>
+                    <a:pt x="1329373" y="664687"/>
+                  </a:cubicBezTo>
+                  <a:cubicBezTo>
+                    <a:pt x="962277" y="664687"/>
+                    <a:pt x="664687" y="962277"/>
+                    <a:pt x="664687" y="1329373"/>
+                  </a:cubicBezTo>
+                  <a:lnTo>
+                    <a:pt x="0" y="1329373"/>
+                  </a:lnTo>
+                  <a:cubicBezTo>
+                    <a:pt x="0" y="595181"/>
+                    <a:pt x="595181" y="0"/>
+                    <a:pt x="1329373" y="0"/>
+                  </a:cubicBezTo>
+                  <a:close/>
+                </a:path>
+              </a:pathLst>
+            </a:custGeom>
+            <a:solidFill>
+              <a:schemeClr val="bg2">
+                <a:lumMod val="50000"/>
+                <a:lumOff val="50000"/>
+                <a:alpha val="20000"/>
+              </a:schemeClr>
+            </a:solidFill>
+            <a:ln>
+              <a:noFill/>
+            </a:ln>
+            <a:effectLst>
+              <a:softEdge rad="101600"/>
+            </a:effectLst>
+          </p:spPr>
+          <p:style>
+            <a:lnRef idx="2">
+              <a:schemeClr val="accent1">
+                <a:shade val="50000"/>
+              </a:schemeClr>
+            </a:lnRef>
+            <a:fillRef idx="1">
+              <a:schemeClr val="accent1"/>
+            </a:fillRef>
+            <a:effectRef idx="0">
+              <a:schemeClr val="accent1"/>
+            </a:effectRef>
+            <a:fontRef idx="minor">
+              <a:schemeClr val="lt1"/>
+            </a:fontRef>
+          </p:style>
+          <p:txBody>
+            <a:bodyPr rtlCol="0" anchor="ctr"/>
+            <a:lstStyle/>
+            <a:p>
+              <a:pPr algn="ctr"/>
+              <a:endParaRPr lang="en-US" dirty="0">
+                <a:solidFill>
+                  <a:schemeClr val="tx1"/>
+                </a:solidFill>
+              </a:endParaRPr>
+            </a:p>
+          </p:txBody>
+        </p:sp>
+      </p:grpSp>
+      <p:sp useBgFill="1">
+        <p:nvSpPr>
+          <p:cNvPr id="19" name="Rectangle 18">
+            <a:extLst>
+              <a:ext uri="{FF2B5EF4-FFF2-40B4-BE49-F238E27FC236}">
+                <a16:creationId xmlns:a16="http://schemas.microsoft.com/office/drawing/2014/main" id="{60B7752B-728D-4CA3-8923-C4F7F77029E3}"/>
+              </a:ext>
+              <a:ext uri="{C183D7F6-B498-43B3-948B-1728B52AA6E4}">
+                <adec:decorative xmlns:adec="http://schemas.microsoft.com/office/drawing/2017/decorative" val="1"/>
+              </a:ext>
+            </a:extLst>
+          </p:cNvPr>
+          <p:cNvSpPr>
+            <a:spLocks noGrp="1" noRot="1" noChangeAspect="1" noMove="1" noResize="1" noEditPoints="1" noAdjustHandles="1" noChangeArrowheads="1" noChangeShapeType="1" noTextEdit="1"/>
+          </p:cNvSpPr>
+          <p:nvPr>
+            <p:extLst>
+              <p:ext uri="{386F3935-93C4-4BCD-93E2-E3B085C9AB24}">
+                <p16:designElem xmlns:p16="http://schemas.microsoft.com/office/powerpoint/2015/main" val="1"/>
+              </p:ext>
+            </p:extLst>
+          </p:nvPr>
+        </p:nvSpPr>
+        <p:spPr>
+          <a:xfrm>
+            <a:off x="0" y="0"/>
+            <a:ext cx="12192000" cy="6858000"/>
+          </a:xfrm>
+          <a:prstGeom prst="rect">
+            <a:avLst/>
+          </a:prstGeom>
+          <a:ln w="12700" cap="flat" cmpd="sng" algn="ctr">
+            <a:noFill/>
+            <a:prstDash val="solid"/>
+            <a:miter lim="800000"/>
+          </a:ln>
+          <a:effectLst/>
+          <a:extLst>
+            <a:ext uri="{91240B29-F687-4F45-9708-019B960494DF}">
+              <a14:hiddenLine xmlns:a14="http://schemas.microsoft.com/office/drawing/2010/main" w="12700" cap="flat" cmpd="sng" algn="ctr">
+                <a:solidFill>
+                  <a:schemeClr val="accent1">
+                    <a:shade val="50000"/>
+                  </a:schemeClr>
+                </a:solidFill>
+                <a:prstDash val="solid"/>
+                <a:miter lim="800000"/>
+              </a14:hiddenLine>
+            </a:ext>
+          </a:extLst>
+        </p:spPr>
+        <p:style>
+          <a:lnRef idx="2">
+            <a:schemeClr val="accent1">
+              <a:shade val="50000"/>
+            </a:schemeClr>
+          </a:lnRef>
+          <a:fillRef idx="1">
+            <a:schemeClr val="accent1"/>
+          </a:fillRef>
+          <a:effectRef idx="0">
+            <a:schemeClr val="accent1"/>
+          </a:effectRef>
+          <a:fontRef idx="minor">
+            <a:schemeClr val="lt1"/>
+          </a:fontRef>
+        </p:style>
+        <p:txBody>
+          <a:bodyPr rtlCol="0" anchor="ctr"/>
+          <a:lstStyle/>
+          <a:p>
+            <a:pPr algn="ctr"/>
+            <a:endParaRPr lang="en-US"/>
+          </a:p>
+        </p:txBody>
+      </p:sp>
+      <p:sp>
+        <p:nvSpPr>
+          <p:cNvPr id="2" name="TextBox 1">
+            <a:extLst>
+              <a:ext uri="{FF2B5EF4-FFF2-40B4-BE49-F238E27FC236}">
+                <a16:creationId xmlns:a16="http://schemas.microsoft.com/office/drawing/2014/main" id="{095EBBE6-9C83-7757-521E-4D94F1F011BC}"/>
+              </a:ext>
+            </a:extLst>
+          </p:cNvPr>
+          <p:cNvSpPr txBox="1"/>
+          <p:nvPr/>
+        </p:nvSpPr>
+        <p:spPr>
+          <a:xfrm>
+            <a:off x="7140575" y="1520825"/>
+            <a:ext cx="4489825" cy="3779838"/>
+          </a:xfrm>
+          <a:prstGeom prst="rect">
+            <a:avLst/>
+          </a:prstGeom>
+        </p:spPr>
+        <p:txBody>
+          <a:bodyPr vert="horz" wrap="square" lIns="0" tIns="0" rIns="0" bIns="0" rtlCol="0" anchor="ctr" anchorCtr="0">
+            <a:normAutofit/>
+          </a:bodyPr>
+          <a:lstStyle/>
+          <a:p>
+            <a:pPr>
+              <a:spcBef>
+                <a:spcPct val="0"/>
+              </a:spcBef>
+              <a:spcAft>
+                <a:spcPts val="600"/>
+              </a:spcAft>
+            </a:pPr>
+            <a:r>
+              <a:rPr lang="en-US" sz="4800">
+                <a:latin typeface="+mj-lt"/>
+                <a:ea typeface="+mj-ea"/>
+                <a:cs typeface="+mj-cs"/>
+              </a:rPr>
+              <a:t>S</a:t>
+            </a:r>
+            <a:r>
+              <a:rPr lang="en-US" sz="4800" b="0" i="0">
+                <a:latin typeface="+mj-lt"/>
+                <a:ea typeface="+mj-ea"/>
+                <a:cs typeface="+mj-cs"/>
+              </a:rPr>
+              <a:t>ystem </a:t>
+            </a:r>
+            <a:r>
+              <a:rPr lang="en-US" sz="4800">
+                <a:latin typeface="+mj-lt"/>
+                <a:ea typeface="+mj-ea"/>
+                <a:cs typeface="+mj-cs"/>
+              </a:rPr>
+              <a:t>R</a:t>
+            </a:r>
+            <a:r>
+              <a:rPr lang="en-US" sz="4800" b="0" i="0">
+                <a:latin typeface="+mj-lt"/>
+                <a:ea typeface="+mj-ea"/>
+                <a:cs typeface="+mj-cs"/>
+              </a:rPr>
+              <a:t>equirements &amp; Prerequisites</a:t>
+            </a:r>
+            <a:endParaRPr lang="en-US" sz="4800">
+              <a:latin typeface="+mj-lt"/>
+              <a:ea typeface="+mj-ea"/>
+              <a:cs typeface="+mj-cs"/>
+            </a:endParaRPr>
+          </a:p>
+        </p:txBody>
+      </p:sp>
+      <p:sp>
+        <p:nvSpPr>
+          <p:cNvPr id="21" name="Freeform: Shape 20">
+            <a:extLst>
+              <a:ext uri="{FF2B5EF4-FFF2-40B4-BE49-F238E27FC236}">
+                <a16:creationId xmlns:a16="http://schemas.microsoft.com/office/drawing/2014/main" id="{F5B9E766-9E26-4187-BCFA-D90A32303DEB}"/>
+              </a:ext>
+              <a:ext uri="{C183D7F6-B498-43B3-948B-1728B52AA6E4}">
+                <adec:decorative xmlns:adec="http://schemas.microsoft.com/office/drawing/2017/decorative" val="1"/>
+              </a:ext>
+            </a:extLst>
+          </p:cNvPr>
+          <p:cNvSpPr>
+            <a:spLocks noGrp="1" noRot="1" noChangeAspect="1" noMove="1" noResize="1" noEditPoints="1" noAdjustHandles="1" noChangeArrowheads="1" noChangeShapeType="1" noTextEdit="1"/>
+          </p:cNvSpPr>
+          <p:nvPr>
+            <p:extLst>
+              <p:ext uri="{386F3935-93C4-4BCD-93E2-E3B085C9AB24}">
+                <p16:designElem xmlns:p16="http://schemas.microsoft.com/office/powerpoint/2015/main" val="1"/>
+              </p:ext>
+            </p:extLst>
+          </p:nvPr>
+        </p:nvSpPr>
+        <p:spPr>
+          <a:xfrm rot="2700000">
+            <a:off x="6593312" y="-218369"/>
+            <a:ext cx="1080000" cy="1130246"/>
+          </a:xfrm>
+          <a:custGeom>
+            <a:avLst/>
+            <a:gdLst>
+              <a:gd name="connsiteX0" fmla="*/ 272514 w 1080000"/>
+              <a:gd name="connsiteY0" fmla="*/ 342224 h 1130246"/>
+              <a:gd name="connsiteX1" fmla="*/ 614739 w 1080000"/>
+              <a:gd name="connsiteY1" fmla="*/ 0 h 1130246"/>
+              <a:gd name="connsiteX2" fmla="*/ 1064374 w 1080000"/>
+              <a:gd name="connsiteY2" fmla="*/ 798333 h 1130246"/>
+              <a:gd name="connsiteX3" fmla="*/ 1069029 w 1080000"/>
+              <a:gd name="connsiteY3" fmla="*/ 805832 h 1130246"/>
+              <a:gd name="connsiteX4" fmla="*/ 1080000 w 1080000"/>
+              <a:gd name="connsiteY4" fmla="*/ 860246 h 1130246"/>
+              <a:gd name="connsiteX5" fmla="*/ 540000 w 1080000"/>
+              <a:gd name="connsiteY5" fmla="*/ 1130246 h 1130246"/>
+              <a:gd name="connsiteX6" fmla="*/ 0 w 1080000"/>
+              <a:gd name="connsiteY6" fmla="*/ 860246 h 1130246"/>
+              <a:gd name="connsiteX7" fmla="*/ 10971 w 1080000"/>
+              <a:gd name="connsiteY7" fmla="*/ 805832 h 1130246"/>
+              <a:gd name="connsiteX8" fmla="*/ 15626 w 1080000"/>
+              <a:gd name="connsiteY8" fmla="*/ 798333 h 1130246"/>
+            </a:gdLst>
+            <a:ahLst/>
+            <a:cxnLst>
+              <a:cxn ang="0">
+                <a:pos x="connsiteX0" y="connsiteY0"/>
+              </a:cxn>
+              <a:cxn ang="0">
+                <a:pos x="connsiteX1" y="connsiteY1"/>
+              </a:cxn>
+              <a:cxn ang="0">
+                <a:pos x="connsiteX2" y="connsiteY2"/>
+              </a:cxn>
+              <a:cxn ang="0">
+                <a:pos x="connsiteX3" y="connsiteY3"/>
+              </a:cxn>
+              <a:cxn ang="0">
+                <a:pos x="connsiteX4" y="connsiteY4"/>
+              </a:cxn>
+              <a:cxn ang="0">
+                <a:pos x="connsiteX5" y="connsiteY5"/>
+              </a:cxn>
+              <a:cxn ang="0">
+                <a:pos x="connsiteX6" y="connsiteY6"/>
+              </a:cxn>
+              <a:cxn ang="0">
+                <a:pos x="connsiteX7" y="connsiteY7"/>
+              </a:cxn>
+              <a:cxn ang="0">
+                <a:pos x="connsiteX8" y="connsiteY8"/>
+              </a:cxn>
+            </a:cxnLst>
+            <a:rect l="l" t="t" r="r" b="b"/>
+            <a:pathLst>
+              <a:path w="1080000" h="1130246">
+                <a:moveTo>
+                  <a:pt x="272514" y="342224"/>
+                </a:moveTo>
+                <a:lnTo>
+                  <a:pt x="614739" y="0"/>
+                </a:lnTo>
+                <a:lnTo>
+                  <a:pt x="1064374" y="798333"/>
+                </a:lnTo>
+                <a:lnTo>
+                  <a:pt x="1069029" y="805832"/>
+                </a:lnTo>
+                <a:cubicBezTo>
+                  <a:pt x="1076223" y="823408"/>
+                  <a:pt x="1080000" y="841606"/>
+                  <a:pt x="1080000" y="860246"/>
+                </a:cubicBezTo>
+                <a:cubicBezTo>
+                  <a:pt x="1080000" y="1009363"/>
+                  <a:pt x="838234" y="1130246"/>
+                  <a:pt x="540000" y="1130246"/>
+                </a:cubicBezTo>
+                <a:cubicBezTo>
+                  <a:pt x="241766" y="1130246"/>
+                  <a:pt x="0" y="1009363"/>
+                  <a:pt x="0" y="860246"/>
+                </a:cubicBezTo>
+                <a:cubicBezTo>
+                  <a:pt x="0" y="841606"/>
+                  <a:pt x="3778" y="823408"/>
+                  <a:pt x="10971" y="805832"/>
+                </a:cubicBezTo>
+                <a:lnTo>
+                  <a:pt x="15626" y="798333"/>
+                </a:lnTo>
+                <a:close/>
+              </a:path>
+            </a:pathLst>
+          </a:custGeom>
+          <a:gradFill>
+            <a:gsLst>
+              <a:gs pos="60000">
+                <a:schemeClr val="bg2">
+                  <a:lumMod val="90000"/>
+                  <a:lumOff val="10000"/>
+                </a:schemeClr>
+              </a:gs>
+              <a:gs pos="30000">
+                <a:schemeClr val="bg2">
+                  <a:lumMod val="90000"/>
+                  <a:lumOff val="10000"/>
+                </a:schemeClr>
+              </a:gs>
+              <a:gs pos="40000">
+                <a:schemeClr val="bg2">
+                  <a:lumMod val="75000"/>
+                  <a:lumOff val="25000"/>
+                </a:schemeClr>
+              </a:gs>
+              <a:gs pos="100000">
+                <a:schemeClr val="bg2"/>
+              </a:gs>
+            </a:gsLst>
+            <a:lin ang="600000" scaled="0"/>
+          </a:gradFill>
+          <a:ln>
+            <a:noFill/>
+          </a:ln>
+          <a:effectLst>
+            <a:innerShdw blurRad="254000" dist="101600" dir="2700000">
+              <a:schemeClr val="accent1">
+                <a:lumMod val="60000"/>
+                <a:lumOff val="40000"/>
+                <a:alpha val="40000"/>
+              </a:schemeClr>
+            </a:innerShdw>
+          </a:effectLst>
+        </p:spPr>
+        <p:style>
+          <a:lnRef idx="2">
+            <a:schemeClr val="accent1">
+              <a:shade val="50000"/>
+            </a:schemeClr>
+          </a:lnRef>
+          <a:fillRef idx="1">
+            <a:schemeClr val="accent1"/>
+          </a:fillRef>
+          <a:effectRef idx="0">
+            <a:schemeClr val="accent1"/>
+          </a:effectRef>
+          <a:fontRef idx="minor">
+            <a:schemeClr val="lt1"/>
+          </a:fontRef>
+        </p:style>
+        <p:txBody>
+          <a:bodyPr rot="0" spcFirstLastPara="0" vertOverflow="overflow" horzOverflow="overflow" vert="horz" wrap="square" lIns="91440" tIns="45720" rIns="91440" bIns="45720" numCol="1" spcCol="0" rtlCol="0" fromWordArt="0" anchor="ctr" anchorCtr="0" forceAA="0" compatLnSpc="1">
+            <a:prstTxWarp prst="textNoShape">
+              <a:avLst/>
+            </a:prstTxWarp>
+            <a:noAutofit/>
+          </a:bodyPr>
+          <a:lstStyle/>
+          <a:p>
+            <a:pPr algn="ctr"/>
+            <a:endParaRPr lang="en-US"/>
+          </a:p>
+        </p:txBody>
+      </p:sp>
+      <p:sp>
+        <p:nvSpPr>
+          <p:cNvPr id="23" name="Oval 22">
+            <a:extLst>
+              <a:ext uri="{FF2B5EF4-FFF2-40B4-BE49-F238E27FC236}">
+                <a16:creationId xmlns:a16="http://schemas.microsoft.com/office/drawing/2014/main" id="{71AD1FEB-49FD-40CF-99EC-4E7113B78C17}"/>
+              </a:ext>
+              <a:ext uri="{C183D7F6-B498-43B3-948B-1728B52AA6E4}">
+                <adec:decorative xmlns:adec="http://schemas.microsoft.com/office/drawing/2017/decorative" val="1"/>
+              </a:ext>
+            </a:extLst>
+          </p:cNvPr>
+          <p:cNvSpPr>
+            <a:spLocks noGrp="1" noRot="1" noChangeAspect="1" noMove="1" noResize="1" noEditPoints="1" noAdjustHandles="1" noChangeArrowheads="1" noChangeShapeType="1" noTextEdit="1"/>
+          </p:cNvSpPr>
+          <p:nvPr>
+            <p:extLst>
+              <p:ext uri="{386F3935-93C4-4BCD-93E2-E3B085C9AB24}">
+                <p16:designElem xmlns:p16="http://schemas.microsoft.com/office/powerpoint/2015/main" val="1"/>
+              </p:ext>
+            </p:extLst>
+          </p:nvPr>
+        </p:nvSpPr>
+        <p:spPr>
+          <a:xfrm rot="8100000">
+            <a:off x="6654629" y="15438"/>
+            <a:ext cx="540000" cy="1080000"/>
+          </a:xfrm>
+          <a:prstGeom prst="ellipse">
+            <a:avLst/>
+          </a:prstGeom>
+          <a:gradFill>
+            <a:gsLst>
+              <a:gs pos="100000">
+                <a:schemeClr val="bg2">
+                  <a:lumMod val="90000"/>
+                  <a:lumOff val="10000"/>
+                </a:schemeClr>
+              </a:gs>
+              <a:gs pos="50000">
+                <a:schemeClr val="bg2">
+                  <a:lumMod val="95000"/>
+                  <a:lumOff val="5000"/>
+                </a:schemeClr>
+              </a:gs>
+            </a:gsLst>
+            <a:lin ang="5400000" scaled="0"/>
+          </a:gradFill>
+          <a:ln>
+            <a:noFill/>
+          </a:ln>
+          <a:effectLst>
+            <a:innerShdw blurRad="1270000" dist="2540000">
+              <a:schemeClr val="accent1">
+                <a:lumMod val="60000"/>
+                <a:lumOff val="40000"/>
+                <a:alpha val="0"/>
+              </a:schemeClr>
+            </a:innerShdw>
+          </a:effectLst>
+        </p:spPr>
+        <p:style>
+          <a:lnRef idx="2">
+            <a:schemeClr val="accent1">
+              <a:shade val="50000"/>
+            </a:schemeClr>
+          </a:lnRef>
+          <a:fillRef idx="1">
+            <a:schemeClr val="accent1"/>
+          </a:fillRef>
+          <a:effectRef idx="0">
+            <a:schemeClr val="accent1"/>
+          </a:effectRef>
+          <a:fontRef idx="minor">
+            <a:schemeClr val="lt1"/>
+          </a:fontRef>
+        </p:style>
+        <p:txBody>
+          <a:bodyPr rot="0" spcFirstLastPara="0" vertOverflow="overflow" horzOverflow="overflow" vert="horz" wrap="square" lIns="91440" tIns="45720" rIns="91440" bIns="45720" numCol="1" spcCol="0" rtlCol="0" fromWordArt="0" anchor="ctr" anchorCtr="0" forceAA="0" compatLnSpc="1">
+            <a:prstTxWarp prst="textNoShape">
+              <a:avLst/>
+            </a:prstTxWarp>
+            <a:noAutofit/>
+          </a:bodyPr>
+          <a:lstStyle/>
+          <a:p>
+            <a:pPr algn="ctr"/>
+            <a:endParaRPr lang="en-US"/>
+          </a:p>
+        </p:txBody>
+      </p:sp>
+      <p:sp>
+        <p:nvSpPr>
+          <p:cNvPr id="25" name="Oval 24">
+            <a:extLst>
+              <a:ext uri="{FF2B5EF4-FFF2-40B4-BE49-F238E27FC236}">
+                <a16:creationId xmlns:a16="http://schemas.microsoft.com/office/drawing/2014/main" id="{00DC30D3-D768-4F36-9F88-8AE574AB9B7B}"/>
+              </a:ext>
+              <a:ext uri="{C183D7F6-B498-43B3-948B-1728B52AA6E4}">
+                <adec:decorative xmlns:adec="http://schemas.microsoft.com/office/drawing/2017/decorative" val="1"/>
+              </a:ext>
+            </a:extLst>
+          </p:cNvPr>
+          <p:cNvSpPr>
+            <a:spLocks noGrp="1" noRot="1" noChangeAspect="1" noMove="1" noResize="1" noEditPoints="1" noAdjustHandles="1" noChangeArrowheads="1" noChangeShapeType="1" noTextEdit="1"/>
+          </p:cNvSpPr>
+          <p:nvPr>
+            <p:extLst>
+              <p:ext uri="{386F3935-93C4-4BCD-93E2-E3B085C9AB24}">
+                <p16:designElem xmlns:p16="http://schemas.microsoft.com/office/powerpoint/2015/main" val="1"/>
+              </p:ext>
+            </p:extLst>
+          </p:nvPr>
+        </p:nvSpPr>
+        <p:spPr>
+          <a:xfrm>
+            <a:off x="6677002" y="5016844"/>
+            <a:ext cx="360000" cy="360000"/>
+          </a:xfrm>
+          <a:prstGeom prst="ellipse">
+            <a:avLst/>
+          </a:prstGeom>
+          <a:gradFill flip="none" rotWithShape="1">
+            <a:gsLst>
+              <a:gs pos="100000">
+                <a:schemeClr val="bg2">
+                  <a:lumMod val="50000"/>
+                  <a:lumOff val="50000"/>
+                </a:schemeClr>
+              </a:gs>
+              <a:gs pos="60000">
+                <a:schemeClr val="bg2"/>
+              </a:gs>
+            </a:gsLst>
+            <a:path path="circle">
+              <a:fillToRect l="100000" b="100000"/>
+            </a:path>
+            <a:tileRect t="-100000" r="-100000"/>
+          </a:gradFill>
+          <a:ln>
+            <a:noFill/>
+          </a:ln>
+          <a:effectLst>
+            <a:innerShdw blurRad="127000" dist="63500" dir="2700000">
+              <a:schemeClr val="accent1">
+                <a:lumMod val="60000"/>
+                <a:lumOff val="40000"/>
+                <a:alpha val="20000"/>
+              </a:schemeClr>
+            </a:innerShdw>
+            <a:softEdge rad="0"/>
+          </a:effectLst>
+        </p:spPr>
+        <p:style>
+          <a:lnRef idx="2">
+            <a:schemeClr val="accent1">
+              <a:shade val="50000"/>
+            </a:schemeClr>
+          </a:lnRef>
+          <a:fillRef idx="1">
+            <a:schemeClr val="accent1"/>
+          </a:fillRef>
+          <a:effectRef idx="0">
+            <a:schemeClr val="accent1"/>
+          </a:effectRef>
+          <a:fontRef idx="minor">
+            <a:schemeClr val="lt1"/>
+          </a:fontRef>
+        </p:style>
+        <p:txBody>
+          <a:bodyPr rot="0" spcFirstLastPara="0" vertOverflow="overflow" horzOverflow="overflow" vert="horz" wrap="square" lIns="91440" tIns="45720" rIns="91440" bIns="45720" numCol="1" spcCol="0" rtlCol="0" fromWordArt="0" anchor="ctr" anchorCtr="0" forceAA="0" compatLnSpc="1">
+            <a:prstTxWarp prst="textNoShape">
+              <a:avLst/>
+            </a:prstTxWarp>
+            <a:noAutofit/>
+          </a:bodyPr>
+          <a:lstStyle/>
+          <a:p>
+            <a:pPr algn="ctr"/>
+            <a:endParaRPr lang="en-US"/>
+          </a:p>
+        </p:txBody>
+      </p:sp>
+      <p:grpSp>
+        <p:nvGrpSpPr>
+          <p:cNvPr id="27" name="Group 26">
+            <a:extLst>
+              <a:ext uri="{FF2B5EF4-FFF2-40B4-BE49-F238E27FC236}">
+                <a16:creationId xmlns:a16="http://schemas.microsoft.com/office/drawing/2014/main" id="{8565B612-C05D-44C8-A892-B3BCE658F61C}"/>
+              </a:ext>
+              <a:ext uri="{C183D7F6-B498-43B3-948B-1728B52AA6E4}">
+                <adec:decorative xmlns:adec="http://schemas.microsoft.com/office/drawing/2017/decorative" val="1"/>
+              </a:ext>
+            </a:extLst>
+          </p:cNvPr>
+          <p:cNvGrpSpPr>
+            <a:grpSpLocks noGrp="1" noUngrp="1" noRot="1" noChangeAspect="1" noMove="1" noResize="1"/>
+          </p:cNvGrpSpPr>
+          <p:nvPr>
+            <p:extLst>
+              <p:ext uri="{386F3935-93C4-4BCD-93E2-E3B085C9AB24}">
+                <p16:designElem xmlns:p16="http://schemas.microsoft.com/office/powerpoint/2015/main" val="1"/>
+              </p:ext>
+            </p:extLst>
+          </p:nvPr>
+        </p:nvGrpSpPr>
+        <p:grpSpPr>
+          <a:xfrm>
+            <a:off x="9327250" y="5143296"/>
+            <a:ext cx="1980001" cy="1363916"/>
+            <a:chOff x="4879602" y="3781429"/>
+            <a:chExt cx="1980001" cy="1363916"/>
+          </a:xfrm>
+        </p:grpSpPr>
+        <p:sp>
+          <p:nvSpPr>
+            <p:cNvPr id="28" name="Freeform: Shape 27">
+              <a:extLst>
+                <a:ext uri="{FF2B5EF4-FFF2-40B4-BE49-F238E27FC236}">
+                  <a16:creationId xmlns:a16="http://schemas.microsoft.com/office/drawing/2014/main" id="{1C58B61B-AB29-472A-98E9-49B2D38B91B6}"/>
+                </a:ext>
+                <a:ext uri="{C183D7F6-B498-43B3-948B-1728B52AA6E4}">
+                  <adec:decorative xmlns:adec="http://schemas.microsoft.com/office/drawing/2017/decorative" val="1"/>
+                </a:ext>
+              </a:extLst>
+            </p:cNvPr>
+            <p:cNvSpPr>
+              <a:spLocks noChangeAspect="1"/>
+            </p:cNvSpPr>
+            <p:nvPr>
+              <p:extLst>
+                <p:ext uri="{386F3935-93C4-4BCD-93E2-E3B085C9AB24}">
+                  <p16:designElem xmlns:p16="http://schemas.microsoft.com/office/powerpoint/2015/main" val="1"/>
+                </p:ext>
+              </p:extLst>
+            </p:nvPr>
+          </p:nvSpPr>
+          <p:spPr>
+            <a:xfrm rot="18900000" flipV="1">
+              <a:off x="5005634" y="4191206"/>
+              <a:ext cx="1853969" cy="926985"/>
+            </a:xfrm>
+            <a:custGeom>
+              <a:avLst/>
+              <a:gdLst>
+                <a:gd name="connsiteX0" fmla="*/ 1329373 w 2658746"/>
+                <a:gd name="connsiteY0" fmla="*/ 0 h 1329373"/>
+                <a:gd name="connsiteX1" fmla="*/ 2658746 w 2658746"/>
+                <a:gd name="connsiteY1" fmla="*/ 1329373 h 1329373"/>
+                <a:gd name="connsiteX2" fmla="*/ 1994059 w 2658746"/>
+                <a:gd name="connsiteY2" fmla="*/ 1329373 h 1329373"/>
+                <a:gd name="connsiteX3" fmla="*/ 1329373 w 2658746"/>
+                <a:gd name="connsiteY3" fmla="*/ 664687 h 1329373"/>
+                <a:gd name="connsiteX4" fmla="*/ 664687 w 2658746"/>
+                <a:gd name="connsiteY4" fmla="*/ 1329373 h 1329373"/>
+                <a:gd name="connsiteX5" fmla="*/ 0 w 2658746"/>
+                <a:gd name="connsiteY5" fmla="*/ 1329373 h 1329373"/>
+                <a:gd name="connsiteX6" fmla="*/ 1329373 w 2658746"/>
+                <a:gd name="connsiteY6" fmla="*/ 0 h 1329373"/>
+              </a:gdLst>
+              <a:ahLst/>
+              <a:cxnLst>
+                <a:cxn ang="0">
+                  <a:pos x="connsiteX0" y="connsiteY0"/>
+                </a:cxn>
+                <a:cxn ang="0">
+                  <a:pos x="connsiteX1" y="connsiteY1"/>
+                </a:cxn>
+                <a:cxn ang="0">
+                  <a:pos x="connsiteX2" y="connsiteY2"/>
+                </a:cxn>
+                <a:cxn ang="0">
+                  <a:pos x="connsiteX3" y="connsiteY3"/>
+                </a:cxn>
+                <a:cxn ang="0">
+                  <a:pos x="connsiteX4" y="connsiteY4"/>
+                </a:cxn>
+                <a:cxn ang="0">
+                  <a:pos x="connsiteX5" y="connsiteY5"/>
+                </a:cxn>
+                <a:cxn ang="0">
+                  <a:pos x="connsiteX6" y="connsiteY6"/>
+                </a:cxn>
+              </a:cxnLst>
+              <a:rect l="l" t="t" r="r" b="b"/>
+              <a:pathLst>
+                <a:path w="2658746" h="1329373">
+                  <a:moveTo>
+                    <a:pt x="1329373" y="0"/>
+                  </a:moveTo>
+                  <a:cubicBezTo>
+                    <a:pt x="2063565" y="0"/>
+                    <a:pt x="2658746" y="595181"/>
+                    <a:pt x="2658746" y="1329373"/>
+                  </a:cubicBezTo>
+                  <a:lnTo>
+                    <a:pt x="1994059" y="1329373"/>
+                  </a:lnTo>
+                  <a:cubicBezTo>
+                    <a:pt x="1994059" y="962277"/>
+                    <a:pt x="1696469" y="664687"/>
+                    <a:pt x="1329373" y="664687"/>
+                  </a:cubicBezTo>
+                  <a:cubicBezTo>
+                    <a:pt x="962277" y="664687"/>
+                    <a:pt x="664687" y="962277"/>
+                    <a:pt x="664687" y="1329373"/>
+                  </a:cubicBezTo>
+                  <a:lnTo>
+                    <a:pt x="0" y="1329373"/>
+                  </a:lnTo>
+                  <a:cubicBezTo>
+                    <a:pt x="0" y="595181"/>
+                    <a:pt x="595181" y="0"/>
+                    <a:pt x="1329373" y="0"/>
+                  </a:cubicBezTo>
+                  <a:close/>
+                </a:path>
+              </a:pathLst>
+            </a:custGeom>
+            <a:solidFill>
+              <a:schemeClr val="bg2"/>
+            </a:solidFill>
+            <a:ln>
+              <a:noFill/>
+            </a:ln>
+            <a:effectLst>
+              <a:innerShdw blurRad="254000" dist="50800" dir="16200000">
+                <a:schemeClr val="accent1">
+                  <a:lumMod val="60000"/>
+                  <a:lumOff val="40000"/>
+                  <a:alpha val="40000"/>
+                </a:schemeClr>
+              </a:innerShdw>
+            </a:effectLst>
+          </p:spPr>
+          <p:style>
+            <a:lnRef idx="2">
+              <a:schemeClr val="accent1">
+                <a:shade val="50000"/>
+              </a:schemeClr>
+            </a:lnRef>
+            <a:fillRef idx="1">
+              <a:schemeClr val="accent1"/>
+            </a:fillRef>
+            <a:effectRef idx="0">
+              <a:schemeClr val="accent1"/>
+            </a:effectRef>
+            <a:fontRef idx="minor">
+              <a:schemeClr val="lt1"/>
+            </a:fontRef>
+          </p:style>
+          <p:txBody>
+            <a:bodyPr rtlCol="0" anchor="ctr"/>
+            <a:lstStyle/>
+            <a:p>
+              <a:pPr algn="ctr"/>
+              <a:endParaRPr lang="en-US" dirty="0"/>
+            </a:p>
+          </p:txBody>
+        </p:sp>
+        <p:sp>
+          <p:nvSpPr>
+            <p:cNvPr id="29" name="Freeform: Shape 28">
+              <a:extLst>
+                <a:ext uri="{FF2B5EF4-FFF2-40B4-BE49-F238E27FC236}">
+                  <a16:creationId xmlns:a16="http://schemas.microsoft.com/office/drawing/2014/main" id="{E972B41A-0DFD-40DF-B013-B3F4753AF0E7}"/>
+                </a:ext>
+                <a:ext uri="{C183D7F6-B498-43B3-948B-1728B52AA6E4}">
+                  <adec:decorative xmlns:adec="http://schemas.microsoft.com/office/drawing/2017/decorative" val="1"/>
+                </a:ext>
+              </a:extLst>
+            </p:cNvPr>
+            <p:cNvSpPr>
+              <a:spLocks noChangeAspect="1"/>
+            </p:cNvSpPr>
+            <p:nvPr>
+              <p:extLst>
+                <p:ext uri="{386F3935-93C4-4BCD-93E2-E3B085C9AB24}">
+                  <p16:designElem xmlns:p16="http://schemas.microsoft.com/office/powerpoint/2015/main" val="1"/>
+                </p:ext>
+              </p:extLst>
+            </p:nvPr>
+          </p:nvSpPr>
+          <p:spPr>
+            <a:xfrm rot="18900000" flipV="1">
+              <a:off x="4957101" y="4052255"/>
+              <a:ext cx="1853969" cy="1093090"/>
+            </a:xfrm>
+            <a:custGeom>
+              <a:avLst/>
+              <a:gdLst>
+                <a:gd name="connsiteX0" fmla="*/ 1329373 w 2658746"/>
+                <a:gd name="connsiteY0" fmla="*/ 0 h 1329373"/>
+                <a:gd name="connsiteX1" fmla="*/ 2658746 w 2658746"/>
+                <a:gd name="connsiteY1" fmla="*/ 1329373 h 1329373"/>
+                <a:gd name="connsiteX2" fmla="*/ 1994059 w 2658746"/>
+                <a:gd name="connsiteY2" fmla="*/ 1329373 h 1329373"/>
+                <a:gd name="connsiteX3" fmla="*/ 1329373 w 2658746"/>
+                <a:gd name="connsiteY3" fmla="*/ 664687 h 1329373"/>
+                <a:gd name="connsiteX4" fmla="*/ 664687 w 2658746"/>
+                <a:gd name="connsiteY4" fmla="*/ 1329373 h 1329373"/>
+                <a:gd name="connsiteX5" fmla="*/ 0 w 2658746"/>
+                <a:gd name="connsiteY5" fmla="*/ 1329373 h 1329373"/>
+                <a:gd name="connsiteX6" fmla="*/ 1329373 w 2658746"/>
+                <a:gd name="connsiteY6" fmla="*/ 0 h 1329373"/>
+              </a:gdLst>
+              <a:ahLst/>
+              <a:cxnLst>
+                <a:cxn ang="0">
+                  <a:pos x="connsiteX0" y="connsiteY0"/>
+                </a:cxn>
+                <a:cxn ang="0">
+                  <a:pos x="connsiteX1" y="connsiteY1"/>
+                </a:cxn>
+                <a:cxn ang="0">
+                  <a:pos x="connsiteX2" y="connsiteY2"/>
+                </a:cxn>
+                <a:cxn ang="0">
+                  <a:pos x="connsiteX3" y="connsiteY3"/>
+                </a:cxn>
+                <a:cxn ang="0">
+                  <a:pos x="connsiteX4" y="connsiteY4"/>
+                </a:cxn>
+                <a:cxn ang="0">
+                  <a:pos x="connsiteX5" y="connsiteY5"/>
+                </a:cxn>
+                <a:cxn ang="0">
+                  <a:pos x="connsiteX6" y="connsiteY6"/>
+                </a:cxn>
+              </a:cxnLst>
+              <a:rect l="l" t="t" r="r" b="b"/>
+              <a:pathLst>
+                <a:path w="2658746" h="1329373">
+                  <a:moveTo>
+                    <a:pt x="1329373" y="0"/>
+                  </a:moveTo>
+                  <a:cubicBezTo>
+                    <a:pt x="2063565" y="0"/>
+                    <a:pt x="2658746" y="595181"/>
+                    <a:pt x="2658746" y="1329373"/>
+                  </a:cubicBezTo>
+                  <a:lnTo>
+                    <a:pt x="1994059" y="1329373"/>
+                  </a:lnTo>
+                  <a:cubicBezTo>
+                    <a:pt x="1994059" y="962277"/>
+                    <a:pt x="1696469" y="664687"/>
+                    <a:pt x="1329373" y="664687"/>
+                  </a:cubicBezTo>
+                  <a:cubicBezTo>
+                    <a:pt x="962277" y="664687"/>
+                    <a:pt x="664687" y="962277"/>
+                    <a:pt x="664687" y="1329373"/>
+                  </a:cubicBezTo>
+                  <a:lnTo>
+                    <a:pt x="0" y="1329373"/>
+                  </a:lnTo>
+                  <a:cubicBezTo>
+                    <a:pt x="0" y="595181"/>
+                    <a:pt x="595181" y="0"/>
+                    <a:pt x="1329373" y="0"/>
+                  </a:cubicBezTo>
+                  <a:close/>
+                </a:path>
+              </a:pathLst>
+            </a:custGeom>
+            <a:solidFill>
+              <a:schemeClr val="bg2">
+                <a:lumMod val="50000"/>
+                <a:lumOff val="50000"/>
+                <a:alpha val="40000"/>
+              </a:schemeClr>
+            </a:solidFill>
+            <a:ln>
+              <a:noFill/>
+            </a:ln>
+            <a:effectLst>
+              <a:softEdge rad="190500"/>
+            </a:effectLst>
+          </p:spPr>
+          <p:style>
+            <a:lnRef idx="2">
+              <a:schemeClr val="accent1">
+                <a:shade val="50000"/>
+              </a:schemeClr>
+            </a:lnRef>
+            <a:fillRef idx="1">
+              <a:schemeClr val="accent1"/>
+            </a:fillRef>
+            <a:effectRef idx="0">
+              <a:schemeClr val="accent1"/>
+            </a:effectRef>
+            <a:fontRef idx="minor">
+              <a:schemeClr val="lt1"/>
+            </a:fontRef>
+          </p:style>
+          <p:txBody>
+            <a:bodyPr rtlCol="0" anchor="ctr"/>
+            <a:lstStyle/>
+            <a:p>
+              <a:pPr algn="ctr"/>
+              <a:endParaRPr lang="en-US" dirty="0">
+                <a:solidFill>
+                  <a:schemeClr val="tx1"/>
+                </a:solidFill>
+              </a:endParaRPr>
+            </a:p>
+          </p:txBody>
+        </p:sp>
+        <p:sp>
+          <p:nvSpPr>
+            <p:cNvPr id="30" name="Oval 29">
+              <a:extLst>
+                <a:ext uri="{FF2B5EF4-FFF2-40B4-BE49-F238E27FC236}">
+                  <a16:creationId xmlns:a16="http://schemas.microsoft.com/office/drawing/2014/main" id="{A88BB5E2-45D9-4084-8603-49BD6182138D}"/>
+                </a:ext>
+                <a:ext uri="{C183D7F6-B498-43B3-948B-1728B52AA6E4}">
+                  <adec:decorative xmlns:adec="http://schemas.microsoft.com/office/drawing/2017/decorative" val="1"/>
+                </a:ext>
+              </a:extLst>
+            </p:cNvPr>
+            <p:cNvSpPr/>
+            <p:nvPr>
+              <p:extLst>
+                <p:ext uri="{386F3935-93C4-4BCD-93E2-E3B085C9AB24}">
+                  <p16:designElem xmlns:p16="http://schemas.microsoft.com/office/powerpoint/2015/main" val="1"/>
+                </p:ext>
+              </p:extLst>
+            </p:nvPr>
+          </p:nvSpPr>
+          <p:spPr>
+            <a:xfrm rot="13500000" flipV="1">
+              <a:off x="6040374" y="3601683"/>
+              <a:ext cx="107098" cy="466589"/>
+            </a:xfrm>
+            <a:prstGeom prst="ellipse">
+              <a:avLst/>
+            </a:prstGeom>
+            <a:solidFill>
+              <a:schemeClr val="bg2">
+                <a:lumMod val="90000"/>
+                <a:lumOff val="10000"/>
+              </a:schemeClr>
+            </a:solidFill>
+            <a:ln>
+              <a:noFill/>
+            </a:ln>
+            <a:effectLst>
+              <a:innerShdw blurRad="63500" dist="2540000">
+                <a:schemeClr val="accent1">
+                  <a:lumMod val="60000"/>
+                  <a:lumOff val="40000"/>
+                  <a:alpha val="0"/>
+                </a:schemeClr>
+              </a:innerShdw>
+            </a:effectLst>
+          </p:spPr>
+          <p:style>
+            <a:lnRef idx="2">
+              <a:schemeClr val="accent1">
+                <a:shade val="50000"/>
+              </a:schemeClr>
+            </a:lnRef>
+            <a:fillRef idx="1">
+              <a:schemeClr val="accent1"/>
+            </a:fillRef>
+            <a:effectRef idx="0">
+              <a:schemeClr val="accent1"/>
+            </a:effectRef>
+            <a:fontRef idx="minor">
+              <a:schemeClr val="lt1"/>
+            </a:fontRef>
+          </p:style>
+          <p:txBody>
+            <a:bodyPr rot="0" spcFirstLastPara="0" vertOverflow="overflow" horzOverflow="overflow" vert="horz" wrap="square" lIns="91440" tIns="45720" rIns="91440" bIns="45720" numCol="1" spcCol="0" rtlCol="0" fromWordArt="0" anchor="ctr" anchorCtr="0" forceAA="0" compatLnSpc="1">
+              <a:prstTxWarp prst="textNoShape">
+                <a:avLst/>
+              </a:prstTxWarp>
+              <a:noAutofit/>
+            </a:bodyPr>
+            <a:lstStyle/>
+            <a:p>
+              <a:pPr algn="ctr"/>
+              <a:endParaRPr lang="en-US"/>
+            </a:p>
+          </p:txBody>
+        </p:sp>
+        <p:sp>
+          <p:nvSpPr>
+            <p:cNvPr id="31" name="Oval 30">
+              <a:extLst>
+                <a:ext uri="{FF2B5EF4-FFF2-40B4-BE49-F238E27FC236}">
+                  <a16:creationId xmlns:a16="http://schemas.microsoft.com/office/drawing/2014/main" id="{D355BD90-DCF9-4330-BCBA-F0456066BDD8}"/>
+                </a:ext>
+                <a:ext uri="{C183D7F6-B498-43B3-948B-1728B52AA6E4}">
+                  <adec:decorative xmlns:adec="http://schemas.microsoft.com/office/drawing/2017/decorative" val="1"/>
+                </a:ext>
+              </a:extLst>
+            </p:cNvPr>
+            <p:cNvSpPr/>
+            <p:nvPr>
+              <p:extLst>
+                <p:ext uri="{386F3935-93C4-4BCD-93E2-E3B085C9AB24}">
+                  <p16:designElem xmlns:p16="http://schemas.microsoft.com/office/powerpoint/2015/main" val="1"/>
+                </p:ext>
+              </p:extLst>
+            </p:nvPr>
+          </p:nvSpPr>
+          <p:spPr>
+            <a:xfrm rot="13500000" flipV="1">
+              <a:off x="5059348" y="4582709"/>
+              <a:ext cx="107098" cy="466589"/>
+            </a:xfrm>
+            <a:prstGeom prst="ellipse">
+              <a:avLst/>
+            </a:prstGeom>
+            <a:solidFill>
+              <a:schemeClr val="bg2">
+                <a:lumMod val="90000"/>
+                <a:lumOff val="10000"/>
+              </a:schemeClr>
+            </a:solidFill>
+            <a:ln>
+              <a:noFill/>
+            </a:ln>
+            <a:effectLst>
+              <a:innerShdw blurRad="63500" dist="2540000">
+                <a:schemeClr val="accent1">
+                  <a:lumMod val="60000"/>
+                  <a:lumOff val="40000"/>
+                  <a:alpha val="0"/>
+                </a:schemeClr>
+              </a:innerShdw>
+            </a:effectLst>
+          </p:spPr>
+          <p:style>
+            <a:lnRef idx="2">
+              <a:schemeClr val="accent1">
+                <a:shade val="50000"/>
+              </a:schemeClr>
+            </a:lnRef>
+            <a:fillRef idx="1">
+              <a:schemeClr val="accent1"/>
+            </a:fillRef>
+            <a:effectRef idx="0">
+              <a:schemeClr val="accent1"/>
+            </a:effectRef>
+            <a:fontRef idx="minor">
+              <a:schemeClr val="lt1"/>
+            </a:fontRef>
+          </p:style>
+          <p:txBody>
+            <a:bodyPr rot="0" spcFirstLastPara="0" vertOverflow="overflow" horzOverflow="overflow" vert="horz" wrap="square" lIns="91440" tIns="45720" rIns="91440" bIns="45720" numCol="1" spcCol="0" rtlCol="0" fromWordArt="0" anchor="ctr" anchorCtr="0" forceAA="0" compatLnSpc="1">
+              <a:prstTxWarp prst="textNoShape">
+                <a:avLst/>
+              </a:prstTxWarp>
+              <a:noAutofit/>
+            </a:bodyPr>
+            <a:lstStyle/>
+            <a:p>
+              <a:pPr algn="ctr"/>
+              <a:endParaRPr lang="en-US"/>
+            </a:p>
+          </p:txBody>
+        </p:sp>
+      </p:grpSp>
+      <p:graphicFrame>
+        <p:nvGraphicFramePr>
+          <p:cNvPr id="8" name="TextBox 5">
+            <a:extLst>
+              <a:ext uri="{FF2B5EF4-FFF2-40B4-BE49-F238E27FC236}">
+                <a16:creationId xmlns:a16="http://schemas.microsoft.com/office/drawing/2014/main" id="{A7309999-78BD-4D49-6809-BE79E97EC61E}"/>
+              </a:ext>
+            </a:extLst>
+          </p:cNvPr>
+          <p:cNvGraphicFramePr/>
+          <p:nvPr>
+            <p:extLst>
+              <p:ext uri="{D42A27DB-BD31-4B8C-83A1-F6EECF244321}">
+                <p14:modId xmlns:p14="http://schemas.microsoft.com/office/powerpoint/2010/main" val="2942485580"/>
+              </p:ext>
+            </p:extLst>
+          </p:nvPr>
+        </p:nvGraphicFramePr>
+        <p:xfrm>
+          <a:off x="561600" y="549275"/>
+          <a:ext cx="5426450" cy="5759450"/>
+        </p:xfrm>
+        <a:graphic>
+          <a:graphicData uri="http://schemas.openxmlformats.org/drawingml/2006/diagram">
+            <dgm:relIds xmlns:dgm="http://schemas.openxmlformats.org/drawingml/2006/diagram" xmlns:r="http://schemas.openxmlformats.org/officeDocument/2006/relationships" r:dm="rId2" r:lo="rId3" r:qs="rId4" r:cs="rId5"/>
+          </a:graphicData>
+        </a:graphic>
+      </p:graphicFrame>
+    </p:spTree>
+    <p:extLst>
+      <p:ext uri="{BB962C8B-B14F-4D97-AF65-F5344CB8AC3E}">
+        <p14:creationId xmlns:p14="http://schemas.microsoft.com/office/powerpoint/2010/main" val="3270230130"/>
+      </p:ext>
+    </p:extLst>
+  </p:cSld>
+  <p:clrMapOvr>
+    <a:masterClrMapping/>
+  </p:clrMapOvr>
+</p:sld>
+</file>
+
+<file path=ppt/slides/slide11.xml><?xml version="1.0" encoding="utf-8"?>
+<p:sld xmlns:a="http://schemas.openxmlformats.org/drawingml/2006/main" xmlns:r="http://schemas.openxmlformats.org/officeDocument/2006/relationships" xmlns:p="http://schemas.openxmlformats.org/presentationml/2006/main">
+  <p:cSld>
+    <p:bg>
+      <p:bgPr>
+        <a:solidFill>
+          <a:schemeClr val="bg2"/>
+        </a:solidFill>
+        <a:effectLst/>
+      </p:bgPr>
+    </p:bg>
+    <p:spTree>
+      <p:nvGrpSpPr>
+        <p:cNvPr id="1" name=""/>
+        <p:cNvGrpSpPr/>
+        <p:nvPr/>
+      </p:nvGrpSpPr>
+      <p:grpSpPr>
+        <a:xfrm>
+          <a:off x="0" y="0"/>
+          <a:ext cx="0" cy="0"/>
+          <a:chOff x="0" y="0"/>
+          <a:chExt cx="0" cy="0"/>
+        </a:xfrm>
+      </p:grpSpPr>
+      <p:grpSp>
+        <p:nvGrpSpPr>
           <p:cNvPr id="12" name="Group 11">
             <a:extLst>
               <a:ext uri="{FF2B5EF4-FFF2-40B4-BE49-F238E27FC236}">
@@ -16595,7 +18159,7 @@
 </p:sld>
 </file>
 
-<file path=ppt/slides/slide11.xml><?xml version="1.0" encoding="utf-8"?>
+<file path=ppt/slides/slide12.xml><?xml version="1.0" encoding="utf-8"?>
 <p:sld xmlns:a="http://schemas.openxmlformats.org/drawingml/2006/main" xmlns:r="http://schemas.openxmlformats.org/officeDocument/2006/relationships" xmlns:p="http://schemas.openxmlformats.org/presentationml/2006/main">
   <p:cSld>
     <p:bg>
@@ -19145,8 +20709,8 @@
         </p:nvSpPr>
         <p:spPr>
           <a:xfrm>
-            <a:off x="801510" y="1106311"/>
-            <a:ext cx="1497526" cy="369332"/>
+            <a:off x="665475" y="1106311"/>
+            <a:ext cx="1633561" cy="369332"/>
           </a:xfrm>
           <a:prstGeom prst="rect">
             <a:avLst/>
@@ -19154,7 +20718,7 @@
           <a:noFill/>
         </p:spPr>
         <p:txBody>
-          <a:bodyPr wrap="none" rtlCol="0">
+          <a:bodyPr wrap="square" rtlCol="0">
             <a:spAutoFit/>
           </a:bodyPr>
           <a:lstStyle/>
@@ -19608,14 +21172,6 @@
 <file path=ppt/slides/slide9.xml><?xml version="1.0" encoding="utf-8"?>
 <p:sld xmlns:a="http://schemas.openxmlformats.org/drawingml/2006/main" xmlns:r="http://schemas.openxmlformats.org/officeDocument/2006/relationships" xmlns:p="http://schemas.openxmlformats.org/presentationml/2006/main">
   <p:cSld>
-    <p:bg>
-      <p:bgPr>
-        <a:solidFill>
-          <a:schemeClr val="bg2"/>
-        </a:solidFill>
-        <a:effectLst/>
-      </p:bgPr>
-    </p:bg>
     <p:spTree>
       <p:nvGrpSpPr>
         <p:cNvPr id="1" name=""/>
@@ -19630,1535 +21186,269 @@
           <a:chExt cx="0" cy="0"/>
         </a:xfrm>
       </p:grpSpPr>
-      <p:grpSp>
-        <p:nvGrpSpPr>
-          <p:cNvPr id="13" name="Group 12">
+      <p:sp>
+        <p:nvSpPr>
+          <p:cNvPr id="15" name="Title 14">
             <a:extLst>
               <a:ext uri="{FF2B5EF4-FFF2-40B4-BE49-F238E27FC236}">
-                <a16:creationId xmlns:a16="http://schemas.microsoft.com/office/drawing/2014/main" id="{3BDBC526-6DCD-4FF6-8395-D8C22E46E527}"/>
-              </a:ext>
-              <a:ext uri="{C183D7F6-B498-43B3-948B-1728B52AA6E4}">
-                <adec:decorative xmlns:adec="http://schemas.microsoft.com/office/drawing/2017/decorative" val="1"/>
-              </a:ext>
-            </a:extLst>
-          </p:cNvPr>
-          <p:cNvGrpSpPr>
-            <a:grpSpLocks noGrp="1" noUngrp="1" noRot="1" noChangeAspect="1" noMove="1" noResize="1"/>
-          </p:cNvGrpSpPr>
-          <p:nvPr>
-            <p:extLst>
-              <p:ext uri="{386F3935-93C4-4BCD-93E2-E3B085C9AB24}">
-                <p16:designElem xmlns:p16="http://schemas.microsoft.com/office/powerpoint/2015/main" val="1"/>
-              </p:ext>
-            </p:extLst>
-          </p:nvPr>
-        </p:nvGrpSpPr>
-        <p:grpSpPr>
-          <a:xfrm>
-            <a:off x="613998" y="5334748"/>
-            <a:ext cx="678135" cy="990000"/>
-            <a:chOff x="10490969" y="1448827"/>
-            <a:chExt cx="678135" cy="990000"/>
-          </a:xfrm>
-        </p:grpSpPr>
-        <p:sp>
-          <p:nvSpPr>
-            <p:cNvPr id="14" name="Freeform: Shape 13">
-              <a:extLst>
-                <a:ext uri="{FF2B5EF4-FFF2-40B4-BE49-F238E27FC236}">
-                  <a16:creationId xmlns:a16="http://schemas.microsoft.com/office/drawing/2014/main" id="{02ECB475-568C-47AC-B16D-2E202DEB2DE0}"/>
-                </a:ext>
-                <a:ext uri="{C183D7F6-B498-43B3-948B-1728B52AA6E4}">
-                  <adec:decorative xmlns:adec="http://schemas.microsoft.com/office/drawing/2017/decorative" val="1"/>
-                </a:ext>
-              </a:extLst>
-            </p:cNvPr>
-            <p:cNvSpPr>
-              <a:spLocks noChangeAspect="1"/>
-            </p:cNvSpPr>
-            <p:nvPr>
-              <p:extLst>
-                <p:ext uri="{386F3935-93C4-4BCD-93E2-E3B085C9AB24}">
-                  <p16:designElem xmlns:p16="http://schemas.microsoft.com/office/powerpoint/2015/main" val="1"/>
-                </p:ext>
-              </p:extLst>
-            </p:nvPr>
-          </p:nvSpPr>
-          <p:spPr>
-            <a:xfrm rot="2700000" flipH="1" flipV="1">
-              <a:off x="10268976" y="1743588"/>
-              <a:ext cx="926985" cy="463493"/>
-            </a:xfrm>
-            <a:custGeom>
-              <a:avLst/>
-              <a:gdLst>
-                <a:gd name="connsiteX0" fmla="*/ 1329373 w 2658746"/>
-                <a:gd name="connsiteY0" fmla="*/ 0 h 1329373"/>
-                <a:gd name="connsiteX1" fmla="*/ 2658746 w 2658746"/>
-                <a:gd name="connsiteY1" fmla="*/ 1329373 h 1329373"/>
-                <a:gd name="connsiteX2" fmla="*/ 1994059 w 2658746"/>
-                <a:gd name="connsiteY2" fmla="*/ 1329373 h 1329373"/>
-                <a:gd name="connsiteX3" fmla="*/ 1329373 w 2658746"/>
-                <a:gd name="connsiteY3" fmla="*/ 664687 h 1329373"/>
-                <a:gd name="connsiteX4" fmla="*/ 664687 w 2658746"/>
-                <a:gd name="connsiteY4" fmla="*/ 1329373 h 1329373"/>
-                <a:gd name="connsiteX5" fmla="*/ 0 w 2658746"/>
-                <a:gd name="connsiteY5" fmla="*/ 1329373 h 1329373"/>
-                <a:gd name="connsiteX6" fmla="*/ 1329373 w 2658746"/>
-                <a:gd name="connsiteY6" fmla="*/ 0 h 1329373"/>
-              </a:gdLst>
-              <a:ahLst/>
-              <a:cxnLst>
-                <a:cxn ang="0">
-                  <a:pos x="connsiteX0" y="connsiteY0"/>
-                </a:cxn>
-                <a:cxn ang="0">
-                  <a:pos x="connsiteX1" y="connsiteY1"/>
-                </a:cxn>
-                <a:cxn ang="0">
-                  <a:pos x="connsiteX2" y="connsiteY2"/>
-                </a:cxn>
-                <a:cxn ang="0">
-                  <a:pos x="connsiteX3" y="connsiteY3"/>
-                </a:cxn>
-                <a:cxn ang="0">
-                  <a:pos x="connsiteX4" y="connsiteY4"/>
-                </a:cxn>
-                <a:cxn ang="0">
-                  <a:pos x="connsiteX5" y="connsiteY5"/>
-                </a:cxn>
-                <a:cxn ang="0">
-                  <a:pos x="connsiteX6" y="connsiteY6"/>
-                </a:cxn>
-              </a:cxnLst>
-              <a:rect l="l" t="t" r="r" b="b"/>
-              <a:pathLst>
-                <a:path w="2658746" h="1329373">
-                  <a:moveTo>
-                    <a:pt x="1329373" y="0"/>
-                  </a:moveTo>
-                  <a:cubicBezTo>
-                    <a:pt x="2063565" y="0"/>
-                    <a:pt x="2658746" y="595181"/>
-                    <a:pt x="2658746" y="1329373"/>
-                  </a:cubicBezTo>
-                  <a:lnTo>
-                    <a:pt x="1994059" y="1329373"/>
-                  </a:lnTo>
-                  <a:cubicBezTo>
-                    <a:pt x="1994059" y="962277"/>
-                    <a:pt x="1696469" y="664687"/>
-                    <a:pt x="1329373" y="664687"/>
-                  </a:cubicBezTo>
-                  <a:cubicBezTo>
-                    <a:pt x="962277" y="664687"/>
-                    <a:pt x="664687" y="962277"/>
-                    <a:pt x="664687" y="1329373"/>
-                  </a:cubicBezTo>
-                  <a:lnTo>
-                    <a:pt x="0" y="1329373"/>
-                  </a:lnTo>
-                  <a:cubicBezTo>
-                    <a:pt x="0" y="595181"/>
-                    <a:pt x="595181" y="0"/>
-                    <a:pt x="1329373" y="0"/>
-                  </a:cubicBezTo>
-                  <a:close/>
-                </a:path>
-              </a:pathLst>
-            </a:custGeom>
-            <a:solidFill>
-              <a:schemeClr val="bg2"/>
-            </a:solidFill>
-            <a:ln>
-              <a:noFill/>
-            </a:ln>
-            <a:effectLst>
-              <a:innerShdw blurRad="127000" dist="50800" dir="13500000">
-                <a:schemeClr val="accent1">
-                  <a:lumMod val="40000"/>
-                  <a:lumOff val="60000"/>
-                  <a:alpha val="20000"/>
-                </a:schemeClr>
-              </a:innerShdw>
-            </a:effectLst>
-          </p:spPr>
-          <p:style>
-            <a:lnRef idx="2">
-              <a:schemeClr val="accent1">
-                <a:shade val="50000"/>
-              </a:schemeClr>
-            </a:lnRef>
-            <a:fillRef idx="1">
-              <a:schemeClr val="accent1"/>
-            </a:fillRef>
-            <a:effectRef idx="0">
-              <a:schemeClr val="accent1"/>
-            </a:effectRef>
-            <a:fontRef idx="minor">
-              <a:schemeClr val="lt1"/>
-            </a:fontRef>
-          </p:style>
-          <p:txBody>
-            <a:bodyPr rtlCol="0" anchor="ctr"/>
-            <a:lstStyle/>
-            <a:p>
-              <a:pPr algn="ctr"/>
-              <a:endParaRPr lang="en-US" dirty="0">
-                <a:solidFill>
-                  <a:schemeClr val="tx1"/>
-                </a:solidFill>
-              </a:endParaRPr>
-            </a:p>
-          </p:txBody>
-        </p:sp>
-        <p:sp>
-          <p:nvSpPr>
-            <p:cNvPr id="15" name="Oval 14">
-              <a:extLst>
-                <a:ext uri="{FF2B5EF4-FFF2-40B4-BE49-F238E27FC236}">
-                  <a16:creationId xmlns:a16="http://schemas.microsoft.com/office/drawing/2014/main" id="{080D8764-525A-441E-B58F-068E82F09714}"/>
-                </a:ext>
-                <a:ext uri="{C183D7F6-B498-43B3-948B-1728B52AA6E4}">
-                  <adec:decorative xmlns:adec="http://schemas.microsoft.com/office/drawing/2017/decorative" val="1"/>
-                </a:ext>
-              </a:extLst>
-            </p:cNvPr>
-            <p:cNvSpPr/>
-            <p:nvPr>
-              <p:extLst>
-                <p:ext uri="{386F3935-93C4-4BCD-93E2-E3B085C9AB24}">
-                  <p16:designElem xmlns:p16="http://schemas.microsoft.com/office/powerpoint/2015/main" val="1"/>
-                </p:ext>
-              </p:extLst>
-            </p:nvPr>
-          </p:nvSpPr>
-          <p:spPr>
-            <a:xfrm rot="8100000" flipH="1" flipV="1">
-              <a:off x="11115555" y="1939340"/>
-              <a:ext cx="53549" cy="233295"/>
-            </a:xfrm>
-            <a:prstGeom prst="ellipse">
-              <a:avLst/>
-            </a:prstGeom>
-            <a:solidFill>
-              <a:schemeClr val="bg2">
-                <a:lumMod val="90000"/>
-                <a:lumOff val="10000"/>
-              </a:schemeClr>
-            </a:solidFill>
-            <a:ln>
-              <a:noFill/>
-            </a:ln>
-            <a:effectLst>
-              <a:innerShdw blurRad="63500" dist="2540000">
-                <a:schemeClr val="accent1">
-                  <a:lumMod val="60000"/>
-                  <a:lumOff val="40000"/>
-                  <a:alpha val="0"/>
-                </a:schemeClr>
-              </a:innerShdw>
-            </a:effectLst>
-          </p:spPr>
-          <p:style>
-            <a:lnRef idx="2">
-              <a:schemeClr val="accent1">
-                <a:shade val="50000"/>
-              </a:schemeClr>
-            </a:lnRef>
-            <a:fillRef idx="1">
-              <a:schemeClr val="accent1"/>
-            </a:fillRef>
-            <a:effectRef idx="0">
-              <a:schemeClr val="accent1"/>
-            </a:effectRef>
-            <a:fontRef idx="minor">
-              <a:schemeClr val="lt1"/>
-            </a:fontRef>
-          </p:style>
-          <p:txBody>
-            <a:bodyPr rot="0" spcFirstLastPara="0" vertOverflow="overflow" horzOverflow="overflow" vert="horz" wrap="square" lIns="91440" tIns="45720" rIns="91440" bIns="45720" numCol="1" spcCol="0" rtlCol="0" fromWordArt="0" anchor="ctr" anchorCtr="0" forceAA="0" compatLnSpc="1">
-              <a:prstTxWarp prst="textNoShape">
-                <a:avLst/>
-              </a:prstTxWarp>
-              <a:noAutofit/>
-            </a:bodyPr>
-            <a:lstStyle/>
-            <a:p>
-              <a:pPr algn="ctr"/>
-              <a:endParaRPr lang="en-US"/>
-            </a:p>
-          </p:txBody>
-        </p:sp>
-        <p:sp>
-          <p:nvSpPr>
-            <p:cNvPr id="16" name="Oval 15">
-              <a:extLst>
-                <a:ext uri="{FF2B5EF4-FFF2-40B4-BE49-F238E27FC236}">
-                  <a16:creationId xmlns:a16="http://schemas.microsoft.com/office/drawing/2014/main" id="{11196109-6F2B-4738-B2FC-2CCC753AABD4}"/>
-                </a:ext>
-                <a:ext uri="{C183D7F6-B498-43B3-948B-1728B52AA6E4}">
-                  <adec:decorative xmlns:adec="http://schemas.microsoft.com/office/drawing/2017/decorative" val="1"/>
-                </a:ext>
-              </a:extLst>
-            </p:cNvPr>
-            <p:cNvSpPr/>
-            <p:nvPr>
-              <p:extLst>
-                <p:ext uri="{386F3935-93C4-4BCD-93E2-E3B085C9AB24}">
-                  <p16:designElem xmlns:p16="http://schemas.microsoft.com/office/powerpoint/2015/main" val="1"/>
-                </p:ext>
-              </p:extLst>
-            </p:nvPr>
-          </p:nvSpPr>
-          <p:spPr>
-            <a:xfrm rot="8100000" flipH="1" flipV="1">
-              <a:off x="10625042" y="1448827"/>
-              <a:ext cx="53549" cy="233295"/>
-            </a:xfrm>
-            <a:prstGeom prst="ellipse">
-              <a:avLst/>
-            </a:prstGeom>
-            <a:solidFill>
-              <a:schemeClr val="bg2">
-                <a:lumMod val="90000"/>
-                <a:lumOff val="10000"/>
-              </a:schemeClr>
-            </a:solidFill>
-            <a:ln>
-              <a:noFill/>
-            </a:ln>
-            <a:effectLst>
-              <a:innerShdw blurRad="63500" dist="2540000">
-                <a:schemeClr val="accent1">
-                  <a:lumMod val="60000"/>
-                  <a:lumOff val="40000"/>
-                  <a:alpha val="0"/>
-                </a:schemeClr>
-              </a:innerShdw>
-            </a:effectLst>
-          </p:spPr>
-          <p:style>
-            <a:lnRef idx="2">
-              <a:schemeClr val="accent1">
-                <a:shade val="50000"/>
-              </a:schemeClr>
-            </a:lnRef>
-            <a:fillRef idx="1">
-              <a:schemeClr val="accent1"/>
-            </a:fillRef>
-            <a:effectRef idx="0">
-              <a:schemeClr val="accent1"/>
-            </a:effectRef>
-            <a:fontRef idx="minor">
-              <a:schemeClr val="lt1"/>
-            </a:fontRef>
-          </p:style>
-          <p:txBody>
-            <a:bodyPr rot="0" spcFirstLastPara="0" vertOverflow="overflow" horzOverflow="overflow" vert="horz" wrap="square" lIns="91440" tIns="45720" rIns="91440" bIns="45720" numCol="1" spcCol="0" rtlCol="0" fromWordArt="0" anchor="ctr" anchorCtr="0" forceAA="0" compatLnSpc="1">
-              <a:prstTxWarp prst="textNoShape">
-                <a:avLst/>
-              </a:prstTxWarp>
-              <a:noAutofit/>
-            </a:bodyPr>
-            <a:lstStyle/>
-            <a:p>
-              <a:pPr algn="ctr"/>
-              <a:endParaRPr lang="en-US"/>
-            </a:p>
-          </p:txBody>
-        </p:sp>
-        <p:sp>
-          <p:nvSpPr>
-            <p:cNvPr id="17" name="Freeform: Shape 16">
-              <a:extLst>
-                <a:ext uri="{FF2B5EF4-FFF2-40B4-BE49-F238E27FC236}">
-                  <a16:creationId xmlns:a16="http://schemas.microsoft.com/office/drawing/2014/main" id="{F7E468C2-69B8-470B-85E3-801A3CB1D7E2}"/>
-                </a:ext>
-                <a:ext uri="{C183D7F6-B498-43B3-948B-1728B52AA6E4}">
-                  <adec:decorative xmlns:adec="http://schemas.microsoft.com/office/drawing/2017/decorative" val="1"/>
-                </a:ext>
-              </a:extLst>
-            </p:cNvPr>
-            <p:cNvSpPr>
-              <a:spLocks noChangeAspect="1"/>
-            </p:cNvSpPr>
-            <p:nvPr>
-              <p:extLst>
-                <p:ext uri="{386F3935-93C4-4BCD-93E2-E3B085C9AB24}">
-                  <p16:designElem xmlns:p16="http://schemas.microsoft.com/office/powerpoint/2015/main" val="1"/>
-                </p:ext>
-              </p:extLst>
-            </p:nvPr>
-          </p:nvSpPr>
-          <p:spPr>
-            <a:xfrm rot="2700000" flipH="1" flipV="1">
-              <a:off x="10292519" y="1686748"/>
-              <a:ext cx="926985" cy="530086"/>
-            </a:xfrm>
-            <a:custGeom>
-              <a:avLst/>
-              <a:gdLst>
-                <a:gd name="connsiteX0" fmla="*/ 1329373 w 2658746"/>
-                <a:gd name="connsiteY0" fmla="*/ 0 h 1329373"/>
-                <a:gd name="connsiteX1" fmla="*/ 2658746 w 2658746"/>
-                <a:gd name="connsiteY1" fmla="*/ 1329373 h 1329373"/>
-                <a:gd name="connsiteX2" fmla="*/ 1994059 w 2658746"/>
-                <a:gd name="connsiteY2" fmla="*/ 1329373 h 1329373"/>
-                <a:gd name="connsiteX3" fmla="*/ 1329373 w 2658746"/>
-                <a:gd name="connsiteY3" fmla="*/ 664687 h 1329373"/>
-                <a:gd name="connsiteX4" fmla="*/ 664687 w 2658746"/>
-                <a:gd name="connsiteY4" fmla="*/ 1329373 h 1329373"/>
-                <a:gd name="connsiteX5" fmla="*/ 0 w 2658746"/>
-                <a:gd name="connsiteY5" fmla="*/ 1329373 h 1329373"/>
-                <a:gd name="connsiteX6" fmla="*/ 1329373 w 2658746"/>
-                <a:gd name="connsiteY6" fmla="*/ 0 h 1329373"/>
-              </a:gdLst>
-              <a:ahLst/>
-              <a:cxnLst>
-                <a:cxn ang="0">
-                  <a:pos x="connsiteX0" y="connsiteY0"/>
-                </a:cxn>
-                <a:cxn ang="0">
-                  <a:pos x="connsiteX1" y="connsiteY1"/>
-                </a:cxn>
-                <a:cxn ang="0">
-                  <a:pos x="connsiteX2" y="connsiteY2"/>
-                </a:cxn>
-                <a:cxn ang="0">
-                  <a:pos x="connsiteX3" y="connsiteY3"/>
-                </a:cxn>
-                <a:cxn ang="0">
-                  <a:pos x="connsiteX4" y="connsiteY4"/>
-                </a:cxn>
-                <a:cxn ang="0">
-                  <a:pos x="connsiteX5" y="connsiteY5"/>
-                </a:cxn>
-                <a:cxn ang="0">
-                  <a:pos x="connsiteX6" y="connsiteY6"/>
-                </a:cxn>
-              </a:cxnLst>
-              <a:rect l="l" t="t" r="r" b="b"/>
-              <a:pathLst>
-                <a:path w="2658746" h="1329373">
-                  <a:moveTo>
-                    <a:pt x="1329373" y="0"/>
-                  </a:moveTo>
-                  <a:cubicBezTo>
-                    <a:pt x="2063565" y="0"/>
-                    <a:pt x="2658746" y="595181"/>
-                    <a:pt x="2658746" y="1329373"/>
-                  </a:cubicBezTo>
-                  <a:lnTo>
-                    <a:pt x="1994059" y="1329373"/>
-                  </a:lnTo>
-                  <a:cubicBezTo>
-                    <a:pt x="1994059" y="962277"/>
-                    <a:pt x="1696469" y="664687"/>
-                    <a:pt x="1329373" y="664687"/>
-                  </a:cubicBezTo>
-                  <a:cubicBezTo>
-                    <a:pt x="962277" y="664687"/>
-                    <a:pt x="664687" y="962277"/>
-                    <a:pt x="664687" y="1329373"/>
-                  </a:cubicBezTo>
-                  <a:lnTo>
-                    <a:pt x="0" y="1329373"/>
-                  </a:lnTo>
-                  <a:cubicBezTo>
-                    <a:pt x="0" y="595181"/>
-                    <a:pt x="595181" y="0"/>
-                    <a:pt x="1329373" y="0"/>
-                  </a:cubicBezTo>
-                  <a:close/>
-                </a:path>
-              </a:pathLst>
-            </a:custGeom>
-            <a:solidFill>
-              <a:schemeClr val="bg2">
-                <a:lumMod val="50000"/>
-                <a:lumOff val="50000"/>
-                <a:alpha val="20000"/>
-              </a:schemeClr>
-            </a:solidFill>
-            <a:ln>
-              <a:noFill/>
-            </a:ln>
-            <a:effectLst>
-              <a:softEdge rad="101600"/>
-            </a:effectLst>
-          </p:spPr>
-          <p:style>
-            <a:lnRef idx="2">
-              <a:schemeClr val="accent1">
-                <a:shade val="50000"/>
-              </a:schemeClr>
-            </a:lnRef>
-            <a:fillRef idx="1">
-              <a:schemeClr val="accent1"/>
-            </a:fillRef>
-            <a:effectRef idx="0">
-              <a:schemeClr val="accent1"/>
-            </a:effectRef>
-            <a:fontRef idx="minor">
-              <a:schemeClr val="lt1"/>
-            </a:fontRef>
-          </p:style>
-          <p:txBody>
-            <a:bodyPr rtlCol="0" anchor="ctr"/>
-            <a:lstStyle/>
-            <a:p>
-              <a:pPr algn="ctr"/>
-              <a:endParaRPr lang="en-US" dirty="0">
-                <a:solidFill>
-                  <a:schemeClr val="tx1"/>
-                </a:solidFill>
-              </a:endParaRPr>
-            </a:p>
-          </p:txBody>
-        </p:sp>
-      </p:grpSp>
-      <p:sp useBgFill="1">
-        <p:nvSpPr>
-          <p:cNvPr id="19" name="Rectangle 18">
-            <a:extLst>
-              <a:ext uri="{FF2B5EF4-FFF2-40B4-BE49-F238E27FC236}">
-                <a16:creationId xmlns:a16="http://schemas.microsoft.com/office/drawing/2014/main" id="{60B7752B-728D-4CA3-8923-C4F7F77029E3}"/>
-              </a:ext>
-              <a:ext uri="{C183D7F6-B498-43B3-948B-1728B52AA6E4}">
-                <adec:decorative xmlns:adec="http://schemas.microsoft.com/office/drawing/2017/decorative" val="1"/>
+                <a16:creationId xmlns:a16="http://schemas.microsoft.com/office/drawing/2014/main" id="{A1DD1DC0-2C90-0751-C229-68A94377FF9A}"/>
               </a:ext>
             </a:extLst>
           </p:cNvPr>
           <p:cNvSpPr>
-            <a:spLocks noGrp="1" noRot="1" noChangeAspect="1" noMove="1" noResize="1" noEditPoints="1" noAdjustHandles="1" noChangeArrowheads="1" noChangeShapeType="1" noTextEdit="1"/>
+            <a:spLocks noGrp="1"/>
           </p:cNvSpPr>
           <p:nvPr>
-            <p:extLst>
-              <p:ext uri="{386F3935-93C4-4BCD-93E2-E3B085C9AB24}">
-                <p16:designElem xmlns:p16="http://schemas.microsoft.com/office/powerpoint/2015/main" val="1"/>
-              </p:ext>
-            </p:extLst>
+            <p:ph type="ctrTitle"/>
           </p:nvPr>
         </p:nvSpPr>
         <p:spPr>
           <a:xfrm>
-            <a:off x="0" y="0"/>
-            <a:ext cx="12192000" cy="6858000"/>
+            <a:off x="548640" y="548640"/>
+            <a:ext cx="2049087" cy="774469"/>
           </a:xfrm>
-          <a:prstGeom prst="rect">
-            <a:avLst/>
-          </a:prstGeom>
-          <a:ln w="12700" cap="flat" cmpd="sng" algn="ctr">
-            <a:noFill/>
-            <a:prstDash val="solid"/>
-            <a:miter lim="800000"/>
-          </a:ln>
-          <a:effectLst/>
-          <a:extLst>
-            <a:ext uri="{91240B29-F687-4F45-9708-019B960494DF}">
-              <a14:hiddenLine xmlns:a14="http://schemas.microsoft.com/office/drawing/2010/main" w="12700" cap="flat" cmpd="sng" algn="ctr">
-                <a:solidFill>
-                  <a:schemeClr val="accent1">
-                    <a:shade val="50000"/>
-                  </a:schemeClr>
-                </a:solidFill>
-                <a:prstDash val="solid"/>
-                <a:miter lim="800000"/>
-              </a14:hiddenLine>
-            </a:ext>
-          </a:extLst>
         </p:spPr>
-        <p:style>
-          <a:lnRef idx="2">
-            <a:schemeClr val="accent1">
-              <a:shade val="50000"/>
-            </a:schemeClr>
-          </a:lnRef>
-          <a:fillRef idx="1">
-            <a:schemeClr val="accent1"/>
-          </a:fillRef>
-          <a:effectRef idx="0">
-            <a:schemeClr val="accent1"/>
-          </a:effectRef>
-          <a:fontRef idx="minor">
-            <a:schemeClr val="lt1"/>
-          </a:fontRef>
-        </p:style>
         <p:txBody>
-          <a:bodyPr rtlCol="0" anchor="ctr"/>
+          <a:bodyPr/>
           <a:lstStyle/>
           <a:p>
-            <a:pPr algn="ctr"/>
-            <a:endParaRPr lang="en-US"/>
+            <a:r>
+              <a:rPr lang="en-IN" dirty="0"/>
+              <a:t>Results</a:t>
+            </a:r>
+            <a:br>
+              <a:rPr lang="en-IN" dirty="0"/>
+            </a:br>
+            <a:br>
+              <a:rPr lang="en-IN" dirty="0"/>
+            </a:br>
+            <a:endParaRPr lang="en-IN" dirty="0"/>
+          </a:p>
+        </p:txBody>
+      </p:sp>
+      <p:pic>
+        <p:nvPicPr>
+          <p:cNvPr id="40" name="Picture Placeholder 39">
+            <a:extLst>
+              <a:ext uri="{FF2B5EF4-FFF2-40B4-BE49-F238E27FC236}">
+                <a16:creationId xmlns:a16="http://schemas.microsoft.com/office/drawing/2014/main" id="{D7A2476C-0F7D-641E-4C2A-FC57B797300A}"/>
+              </a:ext>
+            </a:extLst>
+          </p:cNvPr>
+          <p:cNvPicPr>
+            <a:picLocks noGrp="1" noChangeAspect="1"/>
+          </p:cNvPicPr>
+          <p:nvPr>
+            <p:ph type="pic" sz="quarter" idx="14"/>
+          </p:nvPr>
+        </p:nvPicPr>
+        <p:blipFill>
+          <a:blip r:embed="rId2"/>
+          <a:srcRect l="14333" r="14333"/>
+          <a:stretch>
+            <a:fillRect/>
+          </a:stretch>
+        </p:blipFill>
+        <p:spPr>
+          <a:xfrm>
+            <a:off x="353291" y="2002367"/>
+            <a:ext cx="3870822" cy="2230582"/>
+          </a:xfrm>
+        </p:spPr>
+      </p:pic>
+      <p:sp>
+        <p:nvSpPr>
+          <p:cNvPr id="25" name="Text Placeholder 24">
+            <a:extLst>
+              <a:ext uri="{FF2B5EF4-FFF2-40B4-BE49-F238E27FC236}">
+                <a16:creationId xmlns:a16="http://schemas.microsoft.com/office/drawing/2014/main" id="{7AC24CDB-3136-BD91-CEB4-3C1115D6F6E6}"/>
+              </a:ext>
+            </a:extLst>
+          </p:cNvPr>
+          <p:cNvSpPr>
+            <a:spLocks noGrp="1"/>
+          </p:cNvSpPr>
+          <p:nvPr>
+            <p:ph type="body" sz="quarter" idx="17"/>
+          </p:nvPr>
+        </p:nvSpPr>
+        <p:spPr>
+          <a:xfrm>
+            <a:off x="1801091" y="1323110"/>
+            <a:ext cx="865909" cy="504466"/>
+          </a:xfrm>
+        </p:spPr>
+        <p:txBody>
+          <a:bodyPr/>
+          <a:lstStyle/>
+          <a:p>
+            <a:r>
+              <a:rPr lang="en-IN" b="1" dirty="0"/>
+              <a:t>Neutral</a:t>
+            </a:r>
           </a:p>
         </p:txBody>
       </p:sp>
       <p:sp>
         <p:nvSpPr>
-          <p:cNvPr id="2" name="TextBox 1">
+          <p:cNvPr id="27" name="Text Placeholder 26">
             <a:extLst>
               <a:ext uri="{FF2B5EF4-FFF2-40B4-BE49-F238E27FC236}">
-                <a16:creationId xmlns:a16="http://schemas.microsoft.com/office/drawing/2014/main" id="{095EBBE6-9C83-7757-521E-4D94F1F011BC}"/>
+                <a16:creationId xmlns:a16="http://schemas.microsoft.com/office/drawing/2014/main" id="{EB0B738B-F950-6A06-AA0F-6ABF5FC73CC6}"/>
               </a:ext>
             </a:extLst>
           </p:cNvPr>
-          <p:cNvSpPr txBox="1"/>
-          <p:nvPr/>
+          <p:cNvSpPr>
+            <a:spLocks noGrp="1"/>
+          </p:cNvSpPr>
+          <p:nvPr>
+            <p:ph type="body" sz="quarter" idx="19"/>
+          </p:nvPr>
         </p:nvSpPr>
         <p:spPr>
           <a:xfrm>
-            <a:off x="7140575" y="1520825"/>
-            <a:ext cx="4489825" cy="3779838"/>
+            <a:off x="5555674" y="1189400"/>
+            <a:ext cx="1101436" cy="452365"/>
+          </a:xfrm>
+        </p:spPr>
+        <p:txBody>
+          <a:bodyPr/>
+          <a:lstStyle/>
+          <a:p>
+            <a:r>
+              <a:rPr lang="en-IN" b="1" dirty="0"/>
+              <a:t>Positive</a:t>
+            </a:r>
+            <a:endParaRPr lang="en-IN" dirty="0"/>
+          </a:p>
+        </p:txBody>
+      </p:sp>
+      <p:sp>
+        <p:nvSpPr>
+          <p:cNvPr id="31" name="Text Placeholder 30">
+            <a:extLst>
+              <a:ext uri="{FF2B5EF4-FFF2-40B4-BE49-F238E27FC236}">
+                <a16:creationId xmlns:a16="http://schemas.microsoft.com/office/drawing/2014/main" id="{219051BA-42E2-81D2-3D93-FF3A7926AF1A}"/>
+              </a:ext>
+            </a:extLst>
+          </p:cNvPr>
+          <p:cNvSpPr>
+            <a:spLocks noGrp="1"/>
+          </p:cNvSpPr>
+          <p:nvPr>
+            <p:ph type="body" sz="quarter" idx="23"/>
+          </p:nvPr>
+        </p:nvSpPr>
+        <p:spPr>
+          <a:xfrm>
+            <a:off x="9428018" y="1122219"/>
+            <a:ext cx="962891" cy="519546"/>
+          </a:xfrm>
+        </p:spPr>
+        <p:txBody>
+          <a:bodyPr/>
+          <a:lstStyle/>
+          <a:p>
+            <a:r>
+              <a:rPr lang="en-IN" dirty="0"/>
+              <a:t>Negative</a:t>
+            </a:r>
+          </a:p>
+        </p:txBody>
+      </p:sp>
+      <p:sp>
+        <p:nvSpPr>
+          <p:cNvPr id="4" name="Slide Number Placeholder 3">
+            <a:extLst>
+              <a:ext uri="{FF2B5EF4-FFF2-40B4-BE49-F238E27FC236}">
+                <a16:creationId xmlns:a16="http://schemas.microsoft.com/office/drawing/2014/main" id="{6099A182-4500-343E-5B9F-C131C22FCC2E}"/>
+              </a:ext>
+            </a:extLst>
+          </p:cNvPr>
+          <p:cNvSpPr>
+            <a:spLocks noGrp="1"/>
+          </p:cNvSpPr>
+          <p:nvPr>
+            <p:ph type="sldNum" sz="quarter" idx="12"/>
+          </p:nvPr>
+        </p:nvSpPr>
+        <p:spPr/>
+        <p:txBody>
+          <a:bodyPr/>
+          <a:lstStyle/>
+          <a:p>
+            <a:fld id="{DBA1B0FB-D917-4C8C-928F-313BD683BF39}" type="slidenum">
+              <a:rPr lang="en-US" smtClean="0"/>
+              <a:t>9</a:t>
+            </a:fld>
+            <a:endParaRPr lang="en-US" dirty="0"/>
+          </a:p>
+        </p:txBody>
+      </p:sp>
+      <p:pic>
+        <p:nvPicPr>
+          <p:cNvPr id="14" name="Picture 13">
+            <a:extLst>
+              <a:ext uri="{FF2B5EF4-FFF2-40B4-BE49-F238E27FC236}">
+                <a16:creationId xmlns:a16="http://schemas.microsoft.com/office/drawing/2014/main" id="{08C19ECB-9A9F-694D-2D5A-A3097109850F}"/>
+              </a:ext>
+            </a:extLst>
+          </p:cNvPr>
+          <p:cNvPicPr>
+            <a:picLocks noChangeAspect="1"/>
+          </p:cNvPicPr>
+          <p:nvPr/>
+        </p:nvPicPr>
+        <p:blipFill>
+          <a:blip r:embed="rId3"/>
+          <a:stretch>
+            <a:fillRect/>
+          </a:stretch>
+        </p:blipFill>
+        <p:spPr>
+          <a:xfrm>
+            <a:off x="8548256" y="2002367"/>
+            <a:ext cx="3517056" cy="2230582"/>
           </a:xfrm>
           <a:prstGeom prst="rect">
             <a:avLst/>
           </a:prstGeom>
         </p:spPr>
-        <p:txBody>
-          <a:bodyPr vert="horz" wrap="square" lIns="0" tIns="0" rIns="0" bIns="0" rtlCol="0" anchor="ctr" anchorCtr="0">
-            <a:normAutofit/>
-          </a:bodyPr>
-          <a:lstStyle/>
-          <a:p>
-            <a:pPr>
-              <a:spcBef>
-                <a:spcPct val="0"/>
-              </a:spcBef>
-              <a:spcAft>
-                <a:spcPts val="600"/>
-              </a:spcAft>
-            </a:pPr>
-            <a:r>
-              <a:rPr lang="en-US" sz="4800">
-                <a:latin typeface="+mj-lt"/>
-                <a:ea typeface="+mj-ea"/>
-                <a:cs typeface="+mj-cs"/>
-              </a:rPr>
-              <a:t>S</a:t>
-            </a:r>
-            <a:r>
-              <a:rPr lang="en-US" sz="4800" b="0" i="0">
-                <a:latin typeface="+mj-lt"/>
-                <a:ea typeface="+mj-ea"/>
-                <a:cs typeface="+mj-cs"/>
-              </a:rPr>
-              <a:t>ystem </a:t>
-            </a:r>
-            <a:r>
-              <a:rPr lang="en-US" sz="4800">
-                <a:latin typeface="+mj-lt"/>
-                <a:ea typeface="+mj-ea"/>
-                <a:cs typeface="+mj-cs"/>
-              </a:rPr>
-              <a:t>R</a:t>
-            </a:r>
-            <a:r>
-              <a:rPr lang="en-US" sz="4800" b="0" i="0">
-                <a:latin typeface="+mj-lt"/>
-                <a:ea typeface="+mj-ea"/>
-                <a:cs typeface="+mj-cs"/>
-              </a:rPr>
-              <a:t>equirements &amp; Prerequisites</a:t>
-            </a:r>
-            <a:endParaRPr lang="en-US" sz="4800">
-              <a:latin typeface="+mj-lt"/>
-              <a:ea typeface="+mj-ea"/>
-              <a:cs typeface="+mj-cs"/>
-            </a:endParaRPr>
-          </a:p>
-        </p:txBody>
-      </p:sp>
-      <p:sp>
-        <p:nvSpPr>
-          <p:cNvPr id="21" name="Freeform: Shape 20">
+      </p:pic>
+      <p:pic>
+        <p:nvPicPr>
+          <p:cNvPr id="21" name="Picture 20">
             <a:extLst>
               <a:ext uri="{FF2B5EF4-FFF2-40B4-BE49-F238E27FC236}">
-                <a16:creationId xmlns:a16="http://schemas.microsoft.com/office/drawing/2014/main" id="{F5B9E766-9E26-4187-BCFA-D90A32303DEB}"/>
-              </a:ext>
-              <a:ext uri="{C183D7F6-B498-43B3-948B-1728B52AA6E4}">
-                <adec:decorative xmlns:adec="http://schemas.microsoft.com/office/drawing/2017/decorative" val="1"/>
+                <a16:creationId xmlns:a16="http://schemas.microsoft.com/office/drawing/2014/main" id="{9321E662-71D9-AF5B-6B69-1D128BA22A8D}"/>
               </a:ext>
             </a:extLst>
           </p:cNvPr>
-          <p:cNvSpPr>
-            <a:spLocks noGrp="1" noRot="1" noChangeAspect="1" noMove="1" noResize="1" noEditPoints="1" noAdjustHandles="1" noChangeArrowheads="1" noChangeShapeType="1" noTextEdit="1"/>
-          </p:cNvSpPr>
-          <p:nvPr>
-            <p:extLst>
-              <p:ext uri="{386F3935-93C4-4BCD-93E2-E3B085C9AB24}">
-                <p16:designElem xmlns:p16="http://schemas.microsoft.com/office/powerpoint/2015/main" val="1"/>
-              </p:ext>
-            </p:extLst>
-          </p:nvPr>
-        </p:nvSpPr>
+          <p:cNvPicPr>
+            <a:picLocks noChangeAspect="1"/>
+          </p:cNvPicPr>
+          <p:nvPr/>
+        </p:nvPicPr>
+        <p:blipFill>
+          <a:blip r:embed="rId4"/>
+          <a:stretch>
+            <a:fillRect/>
+          </a:stretch>
+        </p:blipFill>
         <p:spPr>
-          <a:xfrm rot="2700000">
-            <a:off x="6593312" y="-218369"/>
-            <a:ext cx="1080000" cy="1130246"/>
+          <a:xfrm>
+            <a:off x="4430415" y="2002367"/>
+            <a:ext cx="3977011" cy="2230582"/>
           </a:xfrm>
-          <a:custGeom>
-            <a:avLst/>
-            <a:gdLst>
-              <a:gd name="connsiteX0" fmla="*/ 272514 w 1080000"/>
-              <a:gd name="connsiteY0" fmla="*/ 342224 h 1130246"/>
-              <a:gd name="connsiteX1" fmla="*/ 614739 w 1080000"/>
-              <a:gd name="connsiteY1" fmla="*/ 0 h 1130246"/>
-              <a:gd name="connsiteX2" fmla="*/ 1064374 w 1080000"/>
-              <a:gd name="connsiteY2" fmla="*/ 798333 h 1130246"/>
-              <a:gd name="connsiteX3" fmla="*/ 1069029 w 1080000"/>
-              <a:gd name="connsiteY3" fmla="*/ 805832 h 1130246"/>
-              <a:gd name="connsiteX4" fmla="*/ 1080000 w 1080000"/>
-              <a:gd name="connsiteY4" fmla="*/ 860246 h 1130246"/>
-              <a:gd name="connsiteX5" fmla="*/ 540000 w 1080000"/>
-              <a:gd name="connsiteY5" fmla="*/ 1130246 h 1130246"/>
-              <a:gd name="connsiteX6" fmla="*/ 0 w 1080000"/>
-              <a:gd name="connsiteY6" fmla="*/ 860246 h 1130246"/>
-              <a:gd name="connsiteX7" fmla="*/ 10971 w 1080000"/>
-              <a:gd name="connsiteY7" fmla="*/ 805832 h 1130246"/>
-              <a:gd name="connsiteX8" fmla="*/ 15626 w 1080000"/>
-              <a:gd name="connsiteY8" fmla="*/ 798333 h 1130246"/>
-            </a:gdLst>
-            <a:ahLst/>
-            <a:cxnLst>
-              <a:cxn ang="0">
-                <a:pos x="connsiteX0" y="connsiteY0"/>
-              </a:cxn>
-              <a:cxn ang="0">
-                <a:pos x="connsiteX1" y="connsiteY1"/>
-              </a:cxn>
-              <a:cxn ang="0">
-                <a:pos x="connsiteX2" y="connsiteY2"/>
-              </a:cxn>
-              <a:cxn ang="0">
-                <a:pos x="connsiteX3" y="connsiteY3"/>
-              </a:cxn>
-              <a:cxn ang="0">
-                <a:pos x="connsiteX4" y="connsiteY4"/>
-              </a:cxn>
-              <a:cxn ang="0">
-                <a:pos x="connsiteX5" y="connsiteY5"/>
-              </a:cxn>
-              <a:cxn ang="0">
-                <a:pos x="connsiteX6" y="connsiteY6"/>
-              </a:cxn>
-              <a:cxn ang="0">
-                <a:pos x="connsiteX7" y="connsiteY7"/>
-              </a:cxn>
-              <a:cxn ang="0">
-                <a:pos x="connsiteX8" y="connsiteY8"/>
-              </a:cxn>
-            </a:cxnLst>
-            <a:rect l="l" t="t" r="r" b="b"/>
-            <a:pathLst>
-              <a:path w="1080000" h="1130246">
-                <a:moveTo>
-                  <a:pt x="272514" y="342224"/>
-                </a:moveTo>
-                <a:lnTo>
-                  <a:pt x="614739" y="0"/>
-                </a:lnTo>
-                <a:lnTo>
-                  <a:pt x="1064374" y="798333"/>
-                </a:lnTo>
-                <a:lnTo>
-                  <a:pt x="1069029" y="805832"/>
-                </a:lnTo>
-                <a:cubicBezTo>
-                  <a:pt x="1076223" y="823408"/>
-                  <a:pt x="1080000" y="841606"/>
-                  <a:pt x="1080000" y="860246"/>
-                </a:cubicBezTo>
-                <a:cubicBezTo>
-                  <a:pt x="1080000" y="1009363"/>
-                  <a:pt x="838234" y="1130246"/>
-                  <a:pt x="540000" y="1130246"/>
-                </a:cubicBezTo>
-                <a:cubicBezTo>
-                  <a:pt x="241766" y="1130246"/>
-                  <a:pt x="0" y="1009363"/>
-                  <a:pt x="0" y="860246"/>
-                </a:cubicBezTo>
-                <a:cubicBezTo>
-                  <a:pt x="0" y="841606"/>
-                  <a:pt x="3778" y="823408"/>
-                  <a:pt x="10971" y="805832"/>
-                </a:cubicBezTo>
-                <a:lnTo>
-                  <a:pt x="15626" y="798333"/>
-                </a:lnTo>
-                <a:close/>
-              </a:path>
-            </a:pathLst>
-          </a:custGeom>
-          <a:gradFill>
-            <a:gsLst>
-              <a:gs pos="60000">
-                <a:schemeClr val="bg2">
-                  <a:lumMod val="90000"/>
-                  <a:lumOff val="10000"/>
-                </a:schemeClr>
-              </a:gs>
-              <a:gs pos="30000">
-                <a:schemeClr val="bg2">
-                  <a:lumMod val="90000"/>
-                  <a:lumOff val="10000"/>
-                </a:schemeClr>
-              </a:gs>
-              <a:gs pos="40000">
-                <a:schemeClr val="bg2">
-                  <a:lumMod val="75000"/>
-                  <a:lumOff val="25000"/>
-                </a:schemeClr>
-              </a:gs>
-              <a:gs pos="100000">
-                <a:schemeClr val="bg2"/>
-              </a:gs>
-            </a:gsLst>
-            <a:lin ang="600000" scaled="0"/>
-          </a:gradFill>
-          <a:ln>
-            <a:noFill/>
-          </a:ln>
-          <a:effectLst>
-            <a:innerShdw blurRad="254000" dist="101600" dir="2700000">
-              <a:schemeClr val="accent1">
-                <a:lumMod val="60000"/>
-                <a:lumOff val="40000"/>
-                <a:alpha val="40000"/>
-              </a:schemeClr>
-            </a:innerShdw>
-          </a:effectLst>
-        </p:spPr>
-        <p:style>
-          <a:lnRef idx="2">
-            <a:schemeClr val="accent1">
-              <a:shade val="50000"/>
-            </a:schemeClr>
-          </a:lnRef>
-          <a:fillRef idx="1">
-            <a:schemeClr val="accent1"/>
-          </a:fillRef>
-          <a:effectRef idx="0">
-            <a:schemeClr val="accent1"/>
-          </a:effectRef>
-          <a:fontRef idx="minor">
-            <a:schemeClr val="lt1"/>
-          </a:fontRef>
-        </p:style>
-        <p:txBody>
-          <a:bodyPr rot="0" spcFirstLastPara="0" vertOverflow="overflow" horzOverflow="overflow" vert="horz" wrap="square" lIns="91440" tIns="45720" rIns="91440" bIns="45720" numCol="1" spcCol="0" rtlCol="0" fromWordArt="0" anchor="ctr" anchorCtr="0" forceAA="0" compatLnSpc="1">
-            <a:prstTxWarp prst="textNoShape">
-              <a:avLst/>
-            </a:prstTxWarp>
-            <a:noAutofit/>
-          </a:bodyPr>
-          <a:lstStyle/>
-          <a:p>
-            <a:pPr algn="ctr"/>
-            <a:endParaRPr lang="en-US"/>
-          </a:p>
-        </p:txBody>
-      </p:sp>
-      <p:sp>
-        <p:nvSpPr>
-          <p:cNvPr id="23" name="Oval 22">
-            <a:extLst>
-              <a:ext uri="{FF2B5EF4-FFF2-40B4-BE49-F238E27FC236}">
-                <a16:creationId xmlns:a16="http://schemas.microsoft.com/office/drawing/2014/main" id="{71AD1FEB-49FD-40CF-99EC-4E7113B78C17}"/>
-              </a:ext>
-              <a:ext uri="{C183D7F6-B498-43B3-948B-1728B52AA6E4}">
-                <adec:decorative xmlns:adec="http://schemas.microsoft.com/office/drawing/2017/decorative" val="1"/>
-              </a:ext>
-            </a:extLst>
-          </p:cNvPr>
-          <p:cNvSpPr>
-            <a:spLocks noGrp="1" noRot="1" noChangeAspect="1" noMove="1" noResize="1" noEditPoints="1" noAdjustHandles="1" noChangeArrowheads="1" noChangeShapeType="1" noTextEdit="1"/>
-          </p:cNvSpPr>
-          <p:nvPr>
-            <p:extLst>
-              <p:ext uri="{386F3935-93C4-4BCD-93E2-E3B085C9AB24}">
-                <p16:designElem xmlns:p16="http://schemas.microsoft.com/office/powerpoint/2015/main" val="1"/>
-              </p:ext>
-            </p:extLst>
-          </p:nvPr>
-        </p:nvSpPr>
-        <p:spPr>
-          <a:xfrm rot="8100000">
-            <a:off x="6654629" y="15438"/>
-            <a:ext cx="540000" cy="1080000"/>
-          </a:xfrm>
-          <a:prstGeom prst="ellipse">
+          <a:prstGeom prst="rect">
             <a:avLst/>
           </a:prstGeom>
-          <a:gradFill>
-            <a:gsLst>
-              <a:gs pos="100000">
-                <a:schemeClr val="bg2">
-                  <a:lumMod val="90000"/>
-                  <a:lumOff val="10000"/>
-                </a:schemeClr>
-              </a:gs>
-              <a:gs pos="50000">
-                <a:schemeClr val="bg2">
-                  <a:lumMod val="95000"/>
-                  <a:lumOff val="5000"/>
-                </a:schemeClr>
-              </a:gs>
-            </a:gsLst>
-            <a:lin ang="5400000" scaled="0"/>
-          </a:gradFill>
-          <a:ln>
-            <a:noFill/>
-          </a:ln>
-          <a:effectLst>
-            <a:innerShdw blurRad="1270000" dist="2540000">
-              <a:schemeClr val="accent1">
-                <a:lumMod val="60000"/>
-                <a:lumOff val="40000"/>
-                <a:alpha val="0"/>
-              </a:schemeClr>
-            </a:innerShdw>
-          </a:effectLst>
         </p:spPr>
-        <p:style>
-          <a:lnRef idx="2">
-            <a:schemeClr val="accent1">
-              <a:shade val="50000"/>
-            </a:schemeClr>
-          </a:lnRef>
-          <a:fillRef idx="1">
-            <a:schemeClr val="accent1"/>
-          </a:fillRef>
-          <a:effectRef idx="0">
-            <a:schemeClr val="accent1"/>
-          </a:effectRef>
-          <a:fontRef idx="minor">
-            <a:schemeClr val="lt1"/>
-          </a:fontRef>
-        </p:style>
-        <p:txBody>
-          <a:bodyPr rot="0" spcFirstLastPara="0" vertOverflow="overflow" horzOverflow="overflow" vert="horz" wrap="square" lIns="91440" tIns="45720" rIns="91440" bIns="45720" numCol="1" spcCol="0" rtlCol="0" fromWordArt="0" anchor="ctr" anchorCtr="0" forceAA="0" compatLnSpc="1">
-            <a:prstTxWarp prst="textNoShape">
-              <a:avLst/>
-            </a:prstTxWarp>
-            <a:noAutofit/>
-          </a:bodyPr>
-          <a:lstStyle/>
-          <a:p>
-            <a:pPr algn="ctr"/>
-            <a:endParaRPr lang="en-US"/>
-          </a:p>
-        </p:txBody>
-      </p:sp>
-      <p:sp>
-        <p:nvSpPr>
-          <p:cNvPr id="25" name="Oval 24">
-            <a:extLst>
-              <a:ext uri="{FF2B5EF4-FFF2-40B4-BE49-F238E27FC236}">
-                <a16:creationId xmlns:a16="http://schemas.microsoft.com/office/drawing/2014/main" id="{00DC30D3-D768-4F36-9F88-8AE574AB9B7B}"/>
-              </a:ext>
-              <a:ext uri="{C183D7F6-B498-43B3-948B-1728B52AA6E4}">
-                <adec:decorative xmlns:adec="http://schemas.microsoft.com/office/drawing/2017/decorative" val="1"/>
-              </a:ext>
-            </a:extLst>
-          </p:cNvPr>
-          <p:cNvSpPr>
-            <a:spLocks noGrp="1" noRot="1" noChangeAspect="1" noMove="1" noResize="1" noEditPoints="1" noAdjustHandles="1" noChangeArrowheads="1" noChangeShapeType="1" noTextEdit="1"/>
-          </p:cNvSpPr>
-          <p:nvPr>
-            <p:extLst>
-              <p:ext uri="{386F3935-93C4-4BCD-93E2-E3B085C9AB24}">
-                <p16:designElem xmlns:p16="http://schemas.microsoft.com/office/powerpoint/2015/main" val="1"/>
-              </p:ext>
-            </p:extLst>
-          </p:nvPr>
-        </p:nvSpPr>
-        <p:spPr>
-          <a:xfrm>
-            <a:off x="6677002" y="5016844"/>
-            <a:ext cx="360000" cy="360000"/>
-          </a:xfrm>
-          <a:prstGeom prst="ellipse">
-            <a:avLst/>
-          </a:prstGeom>
-          <a:gradFill flip="none" rotWithShape="1">
-            <a:gsLst>
-              <a:gs pos="100000">
-                <a:schemeClr val="bg2">
-                  <a:lumMod val="50000"/>
-                  <a:lumOff val="50000"/>
-                </a:schemeClr>
-              </a:gs>
-              <a:gs pos="60000">
-                <a:schemeClr val="bg2"/>
-              </a:gs>
-            </a:gsLst>
-            <a:path path="circle">
-              <a:fillToRect l="100000" b="100000"/>
-            </a:path>
-            <a:tileRect t="-100000" r="-100000"/>
-          </a:gradFill>
-          <a:ln>
-            <a:noFill/>
-          </a:ln>
-          <a:effectLst>
-            <a:innerShdw blurRad="127000" dist="63500" dir="2700000">
-              <a:schemeClr val="accent1">
-                <a:lumMod val="60000"/>
-                <a:lumOff val="40000"/>
-                <a:alpha val="20000"/>
-              </a:schemeClr>
-            </a:innerShdw>
-            <a:softEdge rad="0"/>
-          </a:effectLst>
-        </p:spPr>
-        <p:style>
-          <a:lnRef idx="2">
-            <a:schemeClr val="accent1">
-              <a:shade val="50000"/>
-            </a:schemeClr>
-          </a:lnRef>
-          <a:fillRef idx="1">
-            <a:schemeClr val="accent1"/>
-          </a:fillRef>
-          <a:effectRef idx="0">
-            <a:schemeClr val="accent1"/>
-          </a:effectRef>
-          <a:fontRef idx="minor">
-            <a:schemeClr val="lt1"/>
-          </a:fontRef>
-        </p:style>
-        <p:txBody>
-          <a:bodyPr rot="0" spcFirstLastPara="0" vertOverflow="overflow" horzOverflow="overflow" vert="horz" wrap="square" lIns="91440" tIns="45720" rIns="91440" bIns="45720" numCol="1" spcCol="0" rtlCol="0" fromWordArt="0" anchor="ctr" anchorCtr="0" forceAA="0" compatLnSpc="1">
-            <a:prstTxWarp prst="textNoShape">
-              <a:avLst/>
-            </a:prstTxWarp>
-            <a:noAutofit/>
-          </a:bodyPr>
-          <a:lstStyle/>
-          <a:p>
-            <a:pPr algn="ctr"/>
-            <a:endParaRPr lang="en-US"/>
-          </a:p>
-        </p:txBody>
-      </p:sp>
-      <p:grpSp>
-        <p:nvGrpSpPr>
-          <p:cNvPr id="27" name="Group 26">
-            <a:extLst>
-              <a:ext uri="{FF2B5EF4-FFF2-40B4-BE49-F238E27FC236}">
-                <a16:creationId xmlns:a16="http://schemas.microsoft.com/office/drawing/2014/main" id="{8565B612-C05D-44C8-A892-B3BCE658F61C}"/>
-              </a:ext>
-              <a:ext uri="{C183D7F6-B498-43B3-948B-1728B52AA6E4}">
-                <adec:decorative xmlns:adec="http://schemas.microsoft.com/office/drawing/2017/decorative" val="1"/>
-              </a:ext>
-            </a:extLst>
-          </p:cNvPr>
-          <p:cNvGrpSpPr>
-            <a:grpSpLocks noGrp="1" noUngrp="1" noRot="1" noChangeAspect="1" noMove="1" noResize="1"/>
-          </p:cNvGrpSpPr>
-          <p:nvPr>
-            <p:extLst>
-              <p:ext uri="{386F3935-93C4-4BCD-93E2-E3B085C9AB24}">
-                <p16:designElem xmlns:p16="http://schemas.microsoft.com/office/powerpoint/2015/main" val="1"/>
-              </p:ext>
-            </p:extLst>
-          </p:nvPr>
-        </p:nvGrpSpPr>
-        <p:grpSpPr>
-          <a:xfrm>
-            <a:off x="9327250" y="5143296"/>
-            <a:ext cx="1980001" cy="1363916"/>
-            <a:chOff x="4879602" y="3781429"/>
-            <a:chExt cx="1980001" cy="1363916"/>
-          </a:xfrm>
-        </p:grpSpPr>
-        <p:sp>
-          <p:nvSpPr>
-            <p:cNvPr id="28" name="Freeform: Shape 27">
-              <a:extLst>
-                <a:ext uri="{FF2B5EF4-FFF2-40B4-BE49-F238E27FC236}">
-                  <a16:creationId xmlns:a16="http://schemas.microsoft.com/office/drawing/2014/main" id="{1C58B61B-AB29-472A-98E9-49B2D38B91B6}"/>
-                </a:ext>
-                <a:ext uri="{C183D7F6-B498-43B3-948B-1728B52AA6E4}">
-                  <adec:decorative xmlns:adec="http://schemas.microsoft.com/office/drawing/2017/decorative" val="1"/>
-                </a:ext>
-              </a:extLst>
-            </p:cNvPr>
-            <p:cNvSpPr>
-              <a:spLocks noChangeAspect="1"/>
-            </p:cNvSpPr>
-            <p:nvPr>
-              <p:extLst>
-                <p:ext uri="{386F3935-93C4-4BCD-93E2-E3B085C9AB24}">
-                  <p16:designElem xmlns:p16="http://schemas.microsoft.com/office/powerpoint/2015/main" val="1"/>
-                </p:ext>
-              </p:extLst>
-            </p:nvPr>
-          </p:nvSpPr>
-          <p:spPr>
-            <a:xfrm rot="18900000" flipV="1">
-              <a:off x="5005634" y="4191206"/>
-              <a:ext cx="1853969" cy="926985"/>
-            </a:xfrm>
-            <a:custGeom>
-              <a:avLst/>
-              <a:gdLst>
-                <a:gd name="connsiteX0" fmla="*/ 1329373 w 2658746"/>
-                <a:gd name="connsiteY0" fmla="*/ 0 h 1329373"/>
-                <a:gd name="connsiteX1" fmla="*/ 2658746 w 2658746"/>
-                <a:gd name="connsiteY1" fmla="*/ 1329373 h 1329373"/>
-                <a:gd name="connsiteX2" fmla="*/ 1994059 w 2658746"/>
-                <a:gd name="connsiteY2" fmla="*/ 1329373 h 1329373"/>
-                <a:gd name="connsiteX3" fmla="*/ 1329373 w 2658746"/>
-                <a:gd name="connsiteY3" fmla="*/ 664687 h 1329373"/>
-                <a:gd name="connsiteX4" fmla="*/ 664687 w 2658746"/>
-                <a:gd name="connsiteY4" fmla="*/ 1329373 h 1329373"/>
-                <a:gd name="connsiteX5" fmla="*/ 0 w 2658746"/>
-                <a:gd name="connsiteY5" fmla="*/ 1329373 h 1329373"/>
-                <a:gd name="connsiteX6" fmla="*/ 1329373 w 2658746"/>
-                <a:gd name="connsiteY6" fmla="*/ 0 h 1329373"/>
-              </a:gdLst>
-              <a:ahLst/>
-              <a:cxnLst>
-                <a:cxn ang="0">
-                  <a:pos x="connsiteX0" y="connsiteY0"/>
-                </a:cxn>
-                <a:cxn ang="0">
-                  <a:pos x="connsiteX1" y="connsiteY1"/>
-                </a:cxn>
-                <a:cxn ang="0">
-                  <a:pos x="connsiteX2" y="connsiteY2"/>
-                </a:cxn>
-                <a:cxn ang="0">
-                  <a:pos x="connsiteX3" y="connsiteY3"/>
-                </a:cxn>
-                <a:cxn ang="0">
-                  <a:pos x="connsiteX4" y="connsiteY4"/>
-                </a:cxn>
-                <a:cxn ang="0">
-                  <a:pos x="connsiteX5" y="connsiteY5"/>
-                </a:cxn>
-                <a:cxn ang="0">
-                  <a:pos x="connsiteX6" y="connsiteY6"/>
-                </a:cxn>
-              </a:cxnLst>
-              <a:rect l="l" t="t" r="r" b="b"/>
-              <a:pathLst>
-                <a:path w="2658746" h="1329373">
-                  <a:moveTo>
-                    <a:pt x="1329373" y="0"/>
-                  </a:moveTo>
-                  <a:cubicBezTo>
-                    <a:pt x="2063565" y="0"/>
-                    <a:pt x="2658746" y="595181"/>
-                    <a:pt x="2658746" y="1329373"/>
-                  </a:cubicBezTo>
-                  <a:lnTo>
-                    <a:pt x="1994059" y="1329373"/>
-                  </a:lnTo>
-                  <a:cubicBezTo>
-                    <a:pt x="1994059" y="962277"/>
-                    <a:pt x="1696469" y="664687"/>
-                    <a:pt x="1329373" y="664687"/>
-                  </a:cubicBezTo>
-                  <a:cubicBezTo>
-                    <a:pt x="962277" y="664687"/>
-                    <a:pt x="664687" y="962277"/>
-                    <a:pt x="664687" y="1329373"/>
-                  </a:cubicBezTo>
-                  <a:lnTo>
-                    <a:pt x="0" y="1329373"/>
-                  </a:lnTo>
-                  <a:cubicBezTo>
-                    <a:pt x="0" y="595181"/>
-                    <a:pt x="595181" y="0"/>
-                    <a:pt x="1329373" y="0"/>
-                  </a:cubicBezTo>
-                  <a:close/>
-                </a:path>
-              </a:pathLst>
-            </a:custGeom>
-            <a:solidFill>
-              <a:schemeClr val="bg2"/>
-            </a:solidFill>
-            <a:ln>
-              <a:noFill/>
-            </a:ln>
-            <a:effectLst>
-              <a:innerShdw blurRad="254000" dist="50800" dir="16200000">
-                <a:schemeClr val="accent1">
-                  <a:lumMod val="60000"/>
-                  <a:lumOff val="40000"/>
-                  <a:alpha val="40000"/>
-                </a:schemeClr>
-              </a:innerShdw>
-            </a:effectLst>
-          </p:spPr>
-          <p:style>
-            <a:lnRef idx="2">
-              <a:schemeClr val="accent1">
-                <a:shade val="50000"/>
-              </a:schemeClr>
-            </a:lnRef>
-            <a:fillRef idx="1">
-              <a:schemeClr val="accent1"/>
-            </a:fillRef>
-            <a:effectRef idx="0">
-              <a:schemeClr val="accent1"/>
-            </a:effectRef>
-            <a:fontRef idx="minor">
-              <a:schemeClr val="lt1"/>
-            </a:fontRef>
-          </p:style>
-          <p:txBody>
-            <a:bodyPr rtlCol="0" anchor="ctr"/>
-            <a:lstStyle/>
-            <a:p>
-              <a:pPr algn="ctr"/>
-              <a:endParaRPr lang="en-US" dirty="0"/>
-            </a:p>
-          </p:txBody>
-        </p:sp>
-        <p:sp>
-          <p:nvSpPr>
-            <p:cNvPr id="29" name="Freeform: Shape 28">
-              <a:extLst>
-                <a:ext uri="{FF2B5EF4-FFF2-40B4-BE49-F238E27FC236}">
-                  <a16:creationId xmlns:a16="http://schemas.microsoft.com/office/drawing/2014/main" id="{E972B41A-0DFD-40DF-B013-B3F4753AF0E7}"/>
-                </a:ext>
-                <a:ext uri="{C183D7F6-B498-43B3-948B-1728B52AA6E4}">
-                  <adec:decorative xmlns:adec="http://schemas.microsoft.com/office/drawing/2017/decorative" val="1"/>
-                </a:ext>
-              </a:extLst>
-            </p:cNvPr>
-            <p:cNvSpPr>
-              <a:spLocks noChangeAspect="1"/>
-            </p:cNvSpPr>
-            <p:nvPr>
-              <p:extLst>
-                <p:ext uri="{386F3935-93C4-4BCD-93E2-E3B085C9AB24}">
-                  <p16:designElem xmlns:p16="http://schemas.microsoft.com/office/powerpoint/2015/main" val="1"/>
-                </p:ext>
-              </p:extLst>
-            </p:nvPr>
-          </p:nvSpPr>
-          <p:spPr>
-            <a:xfrm rot="18900000" flipV="1">
-              <a:off x="4957101" y="4052255"/>
-              <a:ext cx="1853969" cy="1093090"/>
-            </a:xfrm>
-            <a:custGeom>
-              <a:avLst/>
-              <a:gdLst>
-                <a:gd name="connsiteX0" fmla="*/ 1329373 w 2658746"/>
-                <a:gd name="connsiteY0" fmla="*/ 0 h 1329373"/>
-                <a:gd name="connsiteX1" fmla="*/ 2658746 w 2658746"/>
-                <a:gd name="connsiteY1" fmla="*/ 1329373 h 1329373"/>
-                <a:gd name="connsiteX2" fmla="*/ 1994059 w 2658746"/>
-                <a:gd name="connsiteY2" fmla="*/ 1329373 h 1329373"/>
-                <a:gd name="connsiteX3" fmla="*/ 1329373 w 2658746"/>
-                <a:gd name="connsiteY3" fmla="*/ 664687 h 1329373"/>
-                <a:gd name="connsiteX4" fmla="*/ 664687 w 2658746"/>
-                <a:gd name="connsiteY4" fmla="*/ 1329373 h 1329373"/>
-                <a:gd name="connsiteX5" fmla="*/ 0 w 2658746"/>
-                <a:gd name="connsiteY5" fmla="*/ 1329373 h 1329373"/>
-                <a:gd name="connsiteX6" fmla="*/ 1329373 w 2658746"/>
-                <a:gd name="connsiteY6" fmla="*/ 0 h 1329373"/>
-              </a:gdLst>
-              <a:ahLst/>
-              <a:cxnLst>
-                <a:cxn ang="0">
-                  <a:pos x="connsiteX0" y="connsiteY0"/>
-                </a:cxn>
-                <a:cxn ang="0">
-                  <a:pos x="connsiteX1" y="connsiteY1"/>
-                </a:cxn>
-                <a:cxn ang="0">
-                  <a:pos x="connsiteX2" y="connsiteY2"/>
-                </a:cxn>
-                <a:cxn ang="0">
-                  <a:pos x="connsiteX3" y="connsiteY3"/>
-                </a:cxn>
-                <a:cxn ang="0">
-                  <a:pos x="connsiteX4" y="connsiteY4"/>
-                </a:cxn>
-                <a:cxn ang="0">
-                  <a:pos x="connsiteX5" y="connsiteY5"/>
-                </a:cxn>
-                <a:cxn ang="0">
-                  <a:pos x="connsiteX6" y="connsiteY6"/>
-                </a:cxn>
-              </a:cxnLst>
-              <a:rect l="l" t="t" r="r" b="b"/>
-              <a:pathLst>
-                <a:path w="2658746" h="1329373">
-                  <a:moveTo>
-                    <a:pt x="1329373" y="0"/>
-                  </a:moveTo>
-                  <a:cubicBezTo>
-                    <a:pt x="2063565" y="0"/>
-                    <a:pt x="2658746" y="595181"/>
-                    <a:pt x="2658746" y="1329373"/>
-                  </a:cubicBezTo>
-                  <a:lnTo>
-                    <a:pt x="1994059" y="1329373"/>
-                  </a:lnTo>
-                  <a:cubicBezTo>
-                    <a:pt x="1994059" y="962277"/>
-                    <a:pt x="1696469" y="664687"/>
-                    <a:pt x="1329373" y="664687"/>
-                  </a:cubicBezTo>
-                  <a:cubicBezTo>
-                    <a:pt x="962277" y="664687"/>
-                    <a:pt x="664687" y="962277"/>
-                    <a:pt x="664687" y="1329373"/>
-                  </a:cubicBezTo>
-                  <a:lnTo>
-                    <a:pt x="0" y="1329373"/>
-                  </a:lnTo>
-                  <a:cubicBezTo>
-                    <a:pt x="0" y="595181"/>
-                    <a:pt x="595181" y="0"/>
-                    <a:pt x="1329373" y="0"/>
-                  </a:cubicBezTo>
-                  <a:close/>
-                </a:path>
-              </a:pathLst>
-            </a:custGeom>
-            <a:solidFill>
-              <a:schemeClr val="bg2">
-                <a:lumMod val="50000"/>
-                <a:lumOff val="50000"/>
-                <a:alpha val="40000"/>
-              </a:schemeClr>
-            </a:solidFill>
-            <a:ln>
-              <a:noFill/>
-            </a:ln>
-            <a:effectLst>
-              <a:softEdge rad="190500"/>
-            </a:effectLst>
-          </p:spPr>
-          <p:style>
-            <a:lnRef idx="2">
-              <a:schemeClr val="accent1">
-                <a:shade val="50000"/>
-              </a:schemeClr>
-            </a:lnRef>
-            <a:fillRef idx="1">
-              <a:schemeClr val="accent1"/>
-            </a:fillRef>
-            <a:effectRef idx="0">
-              <a:schemeClr val="accent1"/>
-            </a:effectRef>
-            <a:fontRef idx="minor">
-              <a:schemeClr val="lt1"/>
-            </a:fontRef>
-          </p:style>
-          <p:txBody>
-            <a:bodyPr rtlCol="0" anchor="ctr"/>
-            <a:lstStyle/>
-            <a:p>
-              <a:pPr algn="ctr"/>
-              <a:endParaRPr lang="en-US" dirty="0">
-                <a:solidFill>
-                  <a:schemeClr val="tx1"/>
-                </a:solidFill>
-              </a:endParaRPr>
-            </a:p>
-          </p:txBody>
-        </p:sp>
-        <p:sp>
-          <p:nvSpPr>
-            <p:cNvPr id="30" name="Oval 29">
-              <a:extLst>
-                <a:ext uri="{FF2B5EF4-FFF2-40B4-BE49-F238E27FC236}">
-                  <a16:creationId xmlns:a16="http://schemas.microsoft.com/office/drawing/2014/main" id="{A88BB5E2-45D9-4084-8603-49BD6182138D}"/>
-                </a:ext>
-                <a:ext uri="{C183D7F6-B498-43B3-948B-1728B52AA6E4}">
-                  <adec:decorative xmlns:adec="http://schemas.microsoft.com/office/drawing/2017/decorative" val="1"/>
-                </a:ext>
-              </a:extLst>
-            </p:cNvPr>
-            <p:cNvSpPr/>
-            <p:nvPr>
-              <p:extLst>
-                <p:ext uri="{386F3935-93C4-4BCD-93E2-E3B085C9AB24}">
-                  <p16:designElem xmlns:p16="http://schemas.microsoft.com/office/powerpoint/2015/main" val="1"/>
-                </p:ext>
-              </p:extLst>
-            </p:nvPr>
-          </p:nvSpPr>
-          <p:spPr>
-            <a:xfrm rot="13500000" flipV="1">
-              <a:off x="6040374" y="3601683"/>
-              <a:ext cx="107098" cy="466589"/>
-            </a:xfrm>
-            <a:prstGeom prst="ellipse">
-              <a:avLst/>
-            </a:prstGeom>
-            <a:solidFill>
-              <a:schemeClr val="bg2">
-                <a:lumMod val="90000"/>
-                <a:lumOff val="10000"/>
-              </a:schemeClr>
-            </a:solidFill>
-            <a:ln>
-              <a:noFill/>
-            </a:ln>
-            <a:effectLst>
-              <a:innerShdw blurRad="63500" dist="2540000">
-                <a:schemeClr val="accent1">
-                  <a:lumMod val="60000"/>
-                  <a:lumOff val="40000"/>
-                  <a:alpha val="0"/>
-                </a:schemeClr>
-              </a:innerShdw>
-            </a:effectLst>
-          </p:spPr>
-          <p:style>
-            <a:lnRef idx="2">
-              <a:schemeClr val="accent1">
-                <a:shade val="50000"/>
-              </a:schemeClr>
-            </a:lnRef>
-            <a:fillRef idx="1">
-              <a:schemeClr val="accent1"/>
-            </a:fillRef>
-            <a:effectRef idx="0">
-              <a:schemeClr val="accent1"/>
-            </a:effectRef>
-            <a:fontRef idx="minor">
-              <a:schemeClr val="lt1"/>
-            </a:fontRef>
-          </p:style>
-          <p:txBody>
-            <a:bodyPr rot="0" spcFirstLastPara="0" vertOverflow="overflow" horzOverflow="overflow" vert="horz" wrap="square" lIns="91440" tIns="45720" rIns="91440" bIns="45720" numCol="1" spcCol="0" rtlCol="0" fromWordArt="0" anchor="ctr" anchorCtr="0" forceAA="0" compatLnSpc="1">
-              <a:prstTxWarp prst="textNoShape">
-                <a:avLst/>
-              </a:prstTxWarp>
-              <a:noAutofit/>
-            </a:bodyPr>
-            <a:lstStyle/>
-            <a:p>
-              <a:pPr algn="ctr"/>
-              <a:endParaRPr lang="en-US"/>
-            </a:p>
-          </p:txBody>
-        </p:sp>
-        <p:sp>
-          <p:nvSpPr>
-            <p:cNvPr id="31" name="Oval 30">
-              <a:extLst>
-                <a:ext uri="{FF2B5EF4-FFF2-40B4-BE49-F238E27FC236}">
-                  <a16:creationId xmlns:a16="http://schemas.microsoft.com/office/drawing/2014/main" id="{D355BD90-DCF9-4330-BCBA-F0456066BDD8}"/>
-                </a:ext>
-                <a:ext uri="{C183D7F6-B498-43B3-948B-1728B52AA6E4}">
-                  <adec:decorative xmlns:adec="http://schemas.microsoft.com/office/drawing/2017/decorative" val="1"/>
-                </a:ext>
-              </a:extLst>
-            </p:cNvPr>
-            <p:cNvSpPr/>
-            <p:nvPr>
-              <p:extLst>
-                <p:ext uri="{386F3935-93C4-4BCD-93E2-E3B085C9AB24}">
-                  <p16:designElem xmlns:p16="http://schemas.microsoft.com/office/powerpoint/2015/main" val="1"/>
-                </p:ext>
-              </p:extLst>
-            </p:nvPr>
-          </p:nvSpPr>
-          <p:spPr>
-            <a:xfrm rot="13500000" flipV="1">
-              <a:off x="5059348" y="4582709"/>
-              <a:ext cx="107098" cy="466589"/>
-            </a:xfrm>
-            <a:prstGeom prst="ellipse">
-              <a:avLst/>
-            </a:prstGeom>
-            <a:solidFill>
-              <a:schemeClr val="bg2">
-                <a:lumMod val="90000"/>
-                <a:lumOff val="10000"/>
-              </a:schemeClr>
-            </a:solidFill>
-            <a:ln>
-              <a:noFill/>
-            </a:ln>
-            <a:effectLst>
-              <a:innerShdw blurRad="63500" dist="2540000">
-                <a:schemeClr val="accent1">
-                  <a:lumMod val="60000"/>
-                  <a:lumOff val="40000"/>
-                  <a:alpha val="0"/>
-                </a:schemeClr>
-              </a:innerShdw>
-            </a:effectLst>
-          </p:spPr>
-          <p:style>
-            <a:lnRef idx="2">
-              <a:schemeClr val="accent1">
-                <a:shade val="50000"/>
-              </a:schemeClr>
-            </a:lnRef>
-            <a:fillRef idx="1">
-              <a:schemeClr val="accent1"/>
-            </a:fillRef>
-            <a:effectRef idx="0">
-              <a:schemeClr val="accent1"/>
-            </a:effectRef>
-            <a:fontRef idx="minor">
-              <a:schemeClr val="lt1"/>
-            </a:fontRef>
-          </p:style>
-          <p:txBody>
-            <a:bodyPr rot="0" spcFirstLastPara="0" vertOverflow="overflow" horzOverflow="overflow" vert="horz" wrap="square" lIns="91440" tIns="45720" rIns="91440" bIns="45720" numCol="1" spcCol="0" rtlCol="0" fromWordArt="0" anchor="ctr" anchorCtr="0" forceAA="0" compatLnSpc="1">
-              <a:prstTxWarp prst="textNoShape">
-                <a:avLst/>
-              </a:prstTxWarp>
-              <a:noAutofit/>
-            </a:bodyPr>
-            <a:lstStyle/>
-            <a:p>
-              <a:pPr algn="ctr"/>
-              <a:endParaRPr lang="en-US"/>
-            </a:p>
-          </p:txBody>
-        </p:sp>
-      </p:grpSp>
-      <p:graphicFrame>
-        <p:nvGraphicFramePr>
-          <p:cNvPr id="8" name="TextBox 5">
-            <a:extLst>
-              <a:ext uri="{FF2B5EF4-FFF2-40B4-BE49-F238E27FC236}">
-                <a16:creationId xmlns:a16="http://schemas.microsoft.com/office/drawing/2014/main" id="{A7309999-78BD-4D49-6809-BE79E97EC61E}"/>
-              </a:ext>
-            </a:extLst>
-          </p:cNvPr>
-          <p:cNvGraphicFramePr/>
-          <p:nvPr>
-            <p:extLst>
-              <p:ext uri="{D42A27DB-BD31-4B8C-83A1-F6EECF244321}">
-                <p14:modId xmlns:p14="http://schemas.microsoft.com/office/powerpoint/2010/main" val="2942485580"/>
-              </p:ext>
-            </p:extLst>
-          </p:nvPr>
-        </p:nvGraphicFramePr>
-        <p:xfrm>
-          <a:off x="561600" y="549275"/>
-          <a:ext cx="5426450" cy="5759450"/>
-        </p:xfrm>
-        <a:graphic>
-          <a:graphicData uri="http://schemas.openxmlformats.org/drawingml/2006/diagram">
-            <dgm:relIds xmlns:dgm="http://schemas.openxmlformats.org/drawingml/2006/diagram" xmlns:r="http://schemas.openxmlformats.org/officeDocument/2006/relationships" r:dm="rId2" r:lo="rId3" r:qs="rId4" r:cs="rId5"/>
-          </a:graphicData>
-        </a:graphic>
-      </p:graphicFrame>
+      </p:pic>
     </p:spTree>
     <p:extLst>
       <p:ext uri="{BB962C8B-B14F-4D97-AF65-F5344CB8AC3E}">
-        <p14:creationId xmlns:p14="http://schemas.microsoft.com/office/powerpoint/2010/main" val="3270230130"/>
+        <p14:creationId xmlns:p14="http://schemas.microsoft.com/office/powerpoint/2010/main" val="2784422555"/>
       </p:ext>
     </p:extLst>
   </p:cSld>
@@ -21960,22 +22250,12 @@
 </file>
 
 <file path=customXml/item1.xml><?xml version="1.0" encoding="utf-8"?>
-<p:properties xmlns:p="http://schemas.microsoft.com/office/2006/metadata/properties" xmlns:xsi="http://www.w3.org/2001/XMLSchema-instance" xmlns:pc="http://schemas.microsoft.com/office/infopath/2007/PartnerControls">
-  <documentManagement>
-    <_ip_UnifiedCompliancePolicyUIAction xmlns="http://schemas.microsoft.com/sharepoint/v3" xsi:nil="true"/>
-    <Image xmlns="71af3243-3dd4-4a8d-8c0d-dd76da1f02a5">
-      <Url xsi:nil="true"/>
-      <Description xsi:nil="true"/>
-    </Image>
-    <Status xmlns="71af3243-3dd4-4a8d-8c0d-dd76da1f02a5">Not started</Status>
-    <_ip_UnifiedCompliancePolicyProperties xmlns="http://schemas.microsoft.com/sharepoint/v3" xsi:nil="true"/>
-    <lcf76f155ced4ddcb4097134ff3c332f xmlns="71af3243-3dd4-4a8d-8c0d-dd76da1f02a5">
-      <Terms xmlns="http://schemas.microsoft.com/office/infopath/2007/PartnerControls"/>
-    </lcf76f155ced4ddcb4097134ff3c332f>
-    <TaxCatchAll xmlns="230e9df3-be65-4c73-a93b-d1236ebd677e"/>
-    <MediaServiceKeyPoints xmlns="71af3243-3dd4-4a8d-8c0d-dd76da1f02a5" xsi:nil="true"/>
-  </documentManagement>
-</p:properties>
+<?mso-contentType ?>
+<FormTemplates xmlns="http://schemas.microsoft.com/sharepoint/v3/contenttype/forms">
+  <Display>DocumentLibraryForm</Display>
+  <Edit>DocumentLibraryForm</Edit>
+  <New>DocumentLibraryForm</New>
+</FormTemplates>
 </file>
 
 <file path=customXml/item2.xml><?xml version="1.0" encoding="utf-8"?>
@@ -22255,22 +22535,28 @@
 </file>
 
 <file path=customXml/item3.xml><?xml version="1.0" encoding="utf-8"?>
-<?mso-contentType ?>
-<FormTemplates xmlns="http://schemas.microsoft.com/sharepoint/v3/contenttype/forms">
-  <Display>DocumentLibraryForm</Display>
-  <Edit>DocumentLibraryForm</Edit>
-  <New>DocumentLibraryForm</New>
-</FormTemplates>
+<p:properties xmlns:p="http://schemas.microsoft.com/office/2006/metadata/properties" xmlns:xsi="http://www.w3.org/2001/XMLSchema-instance" xmlns:pc="http://schemas.microsoft.com/office/infopath/2007/PartnerControls">
+  <documentManagement>
+    <_ip_UnifiedCompliancePolicyUIAction xmlns="http://schemas.microsoft.com/sharepoint/v3" xsi:nil="true"/>
+    <Image xmlns="71af3243-3dd4-4a8d-8c0d-dd76da1f02a5">
+      <Url xsi:nil="true"/>
+      <Description xsi:nil="true"/>
+    </Image>
+    <Status xmlns="71af3243-3dd4-4a8d-8c0d-dd76da1f02a5">Not started</Status>
+    <_ip_UnifiedCompliancePolicyProperties xmlns="http://schemas.microsoft.com/sharepoint/v3" xsi:nil="true"/>
+    <lcf76f155ced4ddcb4097134ff3c332f xmlns="71af3243-3dd4-4a8d-8c0d-dd76da1f02a5">
+      <Terms xmlns="http://schemas.microsoft.com/office/infopath/2007/PartnerControls"/>
+    </lcf76f155ced4ddcb4097134ff3c332f>
+    <TaxCatchAll xmlns="230e9df3-be65-4c73-a93b-d1236ebd677e"/>
+    <MediaServiceKeyPoints xmlns="71af3243-3dd4-4a8d-8c0d-dd76da1f02a5" xsi:nil="true"/>
+  </documentManagement>
+</p:properties>
 </file>
 
 <file path=customXml/itemProps1.xml><?xml version="1.0" encoding="utf-8"?>
-<ds:datastoreItem xmlns:ds="http://schemas.openxmlformats.org/officeDocument/2006/customXml" ds:itemID="{50811A92-D464-4AC4-A396-BA73B10CEEAC}">
+<ds:datastoreItem xmlns:ds="http://schemas.openxmlformats.org/officeDocument/2006/customXml" ds:itemID="{904751AB-E840-446F-8D49-E697067EC887}">
   <ds:schemaRefs>
-    <ds:schemaRef ds:uri="http://schemas.microsoft.com/office/2006/metadata/properties"/>
-    <ds:schemaRef ds:uri="http://schemas.microsoft.com/office/infopath/2007/PartnerControls"/>
-    <ds:schemaRef ds:uri="http://schemas.microsoft.com/sharepoint/v3"/>
-    <ds:schemaRef ds:uri="71af3243-3dd4-4a8d-8c0d-dd76da1f02a5"/>
-    <ds:schemaRef ds:uri="230e9df3-be65-4c73-a93b-d1236ebd677e"/>
+    <ds:schemaRef ds:uri="http://schemas.microsoft.com/sharepoint/v3/contenttype/forms"/>
   </ds:schemaRefs>
 </ds:datastoreItem>
 </file>
@@ -22297,9 +22583,13 @@
 </file>
 
 <file path=customXml/itemProps3.xml><?xml version="1.0" encoding="utf-8"?>
-<ds:datastoreItem xmlns:ds="http://schemas.openxmlformats.org/officeDocument/2006/customXml" ds:itemID="{904751AB-E840-446F-8D49-E697067EC887}">
+<ds:datastoreItem xmlns:ds="http://schemas.openxmlformats.org/officeDocument/2006/customXml" ds:itemID="{50811A92-D464-4AC4-A396-BA73B10CEEAC}">
   <ds:schemaRefs>
-    <ds:schemaRef ds:uri="http://schemas.microsoft.com/sharepoint/v3/contenttype/forms"/>
+    <ds:schemaRef ds:uri="http://schemas.microsoft.com/office/2006/metadata/properties"/>
+    <ds:schemaRef ds:uri="http://schemas.microsoft.com/office/infopath/2007/PartnerControls"/>
+    <ds:schemaRef ds:uri="http://schemas.microsoft.com/sharepoint/v3"/>
+    <ds:schemaRef ds:uri="71af3243-3dd4-4a8d-8c0d-dd76da1f02a5"/>
+    <ds:schemaRef ds:uri="230e9df3-be65-4c73-a93b-d1236ebd677e"/>
   </ds:schemaRefs>
 </ds:datastoreItem>
 </file>
